--- a/presentation/Final Presentation.pptx
+++ b/presentation/Final Presentation.pptx
@@ -5,7 +5,7 @@
     <p:sldMasterId id="2147483654" r:id="rId1"/>
   </p:sldMasterIdLst>
   <p:notesMasterIdLst>
-    <p:notesMasterId r:id="rId10"/>
+    <p:notesMasterId r:id="rId24"/>
   </p:notesMasterIdLst>
   <p:sldIdLst>
     <p:sldId id="256" r:id="rId2"/>
@@ -13,9 +13,23 @@
     <p:sldId id="259" r:id="rId4"/>
     <p:sldId id="260" r:id="rId5"/>
     <p:sldId id="264" r:id="rId6"/>
-    <p:sldId id="265" r:id="rId7"/>
-    <p:sldId id="266" r:id="rId8"/>
-    <p:sldId id="267" r:id="rId9"/>
+    <p:sldId id="269" r:id="rId7"/>
+    <p:sldId id="270" r:id="rId8"/>
+    <p:sldId id="271" r:id="rId9"/>
+    <p:sldId id="272" r:id="rId10"/>
+    <p:sldId id="273" r:id="rId11"/>
+    <p:sldId id="268" r:id="rId12"/>
+    <p:sldId id="265" r:id="rId13"/>
+    <p:sldId id="274" r:id="rId14"/>
+    <p:sldId id="275" r:id="rId15"/>
+    <p:sldId id="276" r:id="rId16"/>
+    <p:sldId id="277" r:id="rId17"/>
+    <p:sldId id="278" r:id="rId18"/>
+    <p:sldId id="279" r:id="rId19"/>
+    <p:sldId id="280" r:id="rId20"/>
+    <p:sldId id="281" r:id="rId21"/>
+    <p:sldId id="266" r:id="rId22"/>
+    <p:sldId id="267" r:id="rId23"/>
   </p:sldIdLst>
   <p:sldSz cx="9144000" cy="6858000" type="screen4x3"/>
   <p:notesSz cx="6858000" cy="9144000"/>
@@ -586,12 +600,12 @@
 </p:notes>
 </file>
 
-<file path=ppt/notesSlides/notesSlide2.xml><?xml version="1.0" encoding="utf-8"?>
+<file path=ppt/notesSlides/notesSlide10.xml><?xml version="1.0" encoding="utf-8"?>
 <p:notes xmlns:a="http://schemas.openxmlformats.org/drawingml/2006/main" xmlns:r="http://schemas.openxmlformats.org/officeDocument/2006/relationships" xmlns:p="http://schemas.openxmlformats.org/presentationml/2006/main" showMasterSp="0" showMasterPhAnim="0">
   <p:cSld>
     <p:spTree>
       <p:nvGrpSpPr>
-        <p:cNvPr id="1" name="Shape 31"/>
+        <p:cNvPr id="1" name="Shape 97"/>
         <p:cNvGrpSpPr/>
         <p:nvPr/>
       </p:nvGrpSpPr>
@@ -605,7 +619,7 @@
       </p:grpSpPr>
       <p:sp>
         <p:nvSpPr>
-          <p:cNvPr id="32" name="Shape 32"/>
+          <p:cNvPr id="98" name="Shape 98"/>
           <p:cNvSpPr>
             <a:spLocks noGrp="1" noRot="1" noChangeAspect="1"/>
           </p:cNvSpPr>
@@ -646,6 +660,1016 @@
       </p:sp>
       <p:sp>
         <p:nvSpPr>
+          <p:cNvPr id="99" name="Shape 99"/>
+          <p:cNvSpPr txBox="1">
+            <a:spLocks noGrp="1"/>
+          </p:cNvSpPr>
+          <p:nvPr>
+            <p:ph type="body" idx="1"/>
+          </p:nvPr>
+        </p:nvSpPr>
+        <p:spPr>
+          <a:xfrm>
+            <a:off x="685800" y="4343400"/>
+            <a:ext cx="5486399" cy="4114800"/>
+          </a:xfrm>
+          <a:prstGeom prst="rect">
+            <a:avLst/>
+          </a:prstGeom>
+        </p:spPr>
+        <p:txBody>
+          <a:bodyPr lIns="91425" tIns="91425" rIns="91425" bIns="91425" anchor="t" anchorCtr="0">
+            <a:noAutofit/>
+          </a:bodyPr>
+          <a:lstStyle/>
+          <a:p>
+            <a:pPr lvl="0" rtl="0">
+              <a:buNone/>
+            </a:pPr>
+            <a:r>
+              <a:rPr lang="en"/>
+              <a:t>Jessica</a:t>
+            </a:r>
+          </a:p>
+        </p:txBody>
+      </p:sp>
+    </p:spTree>
+  </p:cSld>
+  <p:clrMapOvr>
+    <a:masterClrMapping/>
+  </p:clrMapOvr>
+</p:notes>
+</file>
+
+<file path=ppt/notesSlides/notesSlide11.xml><?xml version="1.0" encoding="utf-8"?>
+<p:notes xmlns:a="http://schemas.openxmlformats.org/drawingml/2006/main" xmlns:r="http://schemas.openxmlformats.org/officeDocument/2006/relationships" xmlns:p="http://schemas.openxmlformats.org/presentationml/2006/main" showMasterSp="0" showMasterPhAnim="0">
+  <p:cSld>
+    <p:spTree>
+      <p:nvGrpSpPr>
+        <p:cNvPr id="1" name="Shape 97"/>
+        <p:cNvGrpSpPr/>
+        <p:nvPr/>
+      </p:nvGrpSpPr>
+      <p:grpSpPr>
+        <a:xfrm>
+          <a:off x="0" y="0"/>
+          <a:ext cx="0" cy="0"/>
+          <a:chOff x="0" y="0"/>
+          <a:chExt cx="0" cy="0"/>
+        </a:xfrm>
+      </p:grpSpPr>
+      <p:sp>
+        <p:nvSpPr>
+          <p:cNvPr id="98" name="Shape 98"/>
+          <p:cNvSpPr>
+            <a:spLocks noGrp="1" noRot="1" noChangeAspect="1"/>
+          </p:cNvSpPr>
+          <p:nvPr>
+            <p:ph type="sldImg" idx="2"/>
+          </p:nvPr>
+        </p:nvSpPr>
+        <p:spPr>
+          <a:xfrm>
+            <a:off x="1143000" y="685800"/>
+            <a:ext cx="4572000" cy="3429000"/>
+          </a:xfrm>
+          <a:custGeom>
+            <a:avLst/>
+            <a:gdLst/>
+            <a:ahLst/>
+            <a:cxnLst/>
+            <a:rect l="0" t="0" r="0" b="0"/>
+            <a:pathLst>
+              <a:path w="120000" h="120000" extrusionOk="0">
+                <a:moveTo>
+                  <a:pt x="0" y="0"/>
+                </a:moveTo>
+                <a:lnTo>
+                  <a:pt x="120000" y="0"/>
+                </a:lnTo>
+                <a:lnTo>
+                  <a:pt x="120000" y="120000"/>
+                </a:lnTo>
+                <a:lnTo>
+                  <a:pt x="0" y="120000"/>
+                </a:lnTo>
+                <a:close/>
+              </a:path>
+            </a:pathLst>
+          </a:custGeom>
+        </p:spPr>
+      </p:sp>
+      <p:sp>
+        <p:nvSpPr>
+          <p:cNvPr id="99" name="Shape 99"/>
+          <p:cNvSpPr txBox="1">
+            <a:spLocks noGrp="1"/>
+          </p:cNvSpPr>
+          <p:nvPr>
+            <p:ph type="body" idx="1"/>
+          </p:nvPr>
+        </p:nvSpPr>
+        <p:spPr>
+          <a:xfrm>
+            <a:off x="685800" y="4343400"/>
+            <a:ext cx="5486399" cy="4114800"/>
+          </a:xfrm>
+          <a:prstGeom prst="rect">
+            <a:avLst/>
+          </a:prstGeom>
+        </p:spPr>
+        <p:txBody>
+          <a:bodyPr lIns="91425" tIns="91425" rIns="91425" bIns="91425" anchor="t" anchorCtr="0">
+            <a:noAutofit/>
+          </a:bodyPr>
+          <a:lstStyle/>
+          <a:p>
+            <a:pPr lvl="0" rtl="0">
+              <a:buNone/>
+            </a:pPr>
+            <a:r>
+              <a:rPr lang="en"/>
+              <a:t>Jessica</a:t>
+            </a:r>
+          </a:p>
+        </p:txBody>
+      </p:sp>
+    </p:spTree>
+  </p:cSld>
+  <p:clrMapOvr>
+    <a:masterClrMapping/>
+  </p:clrMapOvr>
+</p:notes>
+</file>
+
+<file path=ppt/notesSlides/notesSlide12.xml><?xml version="1.0" encoding="utf-8"?>
+<p:notes xmlns:a="http://schemas.openxmlformats.org/drawingml/2006/main" xmlns:r="http://schemas.openxmlformats.org/officeDocument/2006/relationships" xmlns:p="http://schemas.openxmlformats.org/presentationml/2006/main" showMasterSp="0" showMasterPhAnim="0">
+  <p:cSld>
+    <p:spTree>
+      <p:nvGrpSpPr>
+        <p:cNvPr id="1" name="Shape 104"/>
+        <p:cNvGrpSpPr/>
+        <p:nvPr/>
+      </p:nvGrpSpPr>
+      <p:grpSpPr>
+        <a:xfrm>
+          <a:off x="0" y="0"/>
+          <a:ext cx="0" cy="0"/>
+          <a:chOff x="0" y="0"/>
+          <a:chExt cx="0" cy="0"/>
+        </a:xfrm>
+      </p:grpSpPr>
+      <p:sp>
+        <p:nvSpPr>
+          <p:cNvPr id="105" name="Shape 105"/>
+          <p:cNvSpPr>
+            <a:spLocks noGrp="1" noRot="1" noChangeAspect="1"/>
+          </p:cNvSpPr>
+          <p:nvPr>
+            <p:ph type="sldImg" idx="2"/>
+          </p:nvPr>
+        </p:nvSpPr>
+        <p:spPr>
+          <a:xfrm>
+            <a:off x="1143000" y="685800"/>
+            <a:ext cx="4572000" cy="3429000"/>
+          </a:xfrm>
+          <a:custGeom>
+            <a:avLst/>
+            <a:gdLst/>
+            <a:ahLst/>
+            <a:cxnLst/>
+            <a:rect l="0" t="0" r="0" b="0"/>
+            <a:pathLst>
+              <a:path w="120000" h="120000" extrusionOk="0">
+                <a:moveTo>
+                  <a:pt x="0" y="0"/>
+                </a:moveTo>
+                <a:lnTo>
+                  <a:pt x="120000" y="0"/>
+                </a:lnTo>
+                <a:lnTo>
+                  <a:pt x="120000" y="120000"/>
+                </a:lnTo>
+                <a:lnTo>
+                  <a:pt x="0" y="120000"/>
+                </a:lnTo>
+                <a:close/>
+              </a:path>
+            </a:pathLst>
+          </a:custGeom>
+        </p:spPr>
+      </p:sp>
+      <p:sp>
+        <p:nvSpPr>
+          <p:cNvPr id="106" name="Shape 106"/>
+          <p:cNvSpPr txBox="1">
+            <a:spLocks noGrp="1"/>
+          </p:cNvSpPr>
+          <p:nvPr>
+            <p:ph type="body" idx="1"/>
+          </p:nvPr>
+        </p:nvSpPr>
+        <p:spPr>
+          <a:xfrm>
+            <a:off x="685800" y="4343400"/>
+            <a:ext cx="5486399" cy="4114800"/>
+          </a:xfrm>
+          <a:prstGeom prst="rect">
+            <a:avLst/>
+          </a:prstGeom>
+        </p:spPr>
+        <p:txBody>
+          <a:bodyPr lIns="91425" tIns="91425" rIns="91425" bIns="91425" anchor="t" anchorCtr="0">
+            <a:noAutofit/>
+          </a:bodyPr>
+          <a:lstStyle/>
+          <a:p>
+            <a:pPr lvl="0" rtl="0">
+              <a:buNone/>
+            </a:pPr>
+            <a:r>
+              <a:rPr lang="en"/>
+              <a:t>Jessica</a:t>
+            </a:r>
+          </a:p>
+        </p:txBody>
+      </p:sp>
+    </p:spTree>
+  </p:cSld>
+  <p:clrMapOvr>
+    <a:masterClrMapping/>
+  </p:clrMapOvr>
+</p:notes>
+</file>
+
+<file path=ppt/notesSlides/notesSlide13.xml><?xml version="1.0" encoding="utf-8"?>
+<p:notes xmlns:a="http://schemas.openxmlformats.org/drawingml/2006/main" xmlns:r="http://schemas.openxmlformats.org/officeDocument/2006/relationships" xmlns:p="http://schemas.openxmlformats.org/presentationml/2006/main" showMasterSp="0" showMasterPhAnim="0">
+  <p:cSld>
+    <p:spTree>
+      <p:nvGrpSpPr>
+        <p:cNvPr id="1" name="Shape 104"/>
+        <p:cNvGrpSpPr/>
+        <p:nvPr/>
+      </p:nvGrpSpPr>
+      <p:grpSpPr>
+        <a:xfrm>
+          <a:off x="0" y="0"/>
+          <a:ext cx="0" cy="0"/>
+          <a:chOff x="0" y="0"/>
+          <a:chExt cx="0" cy="0"/>
+        </a:xfrm>
+      </p:grpSpPr>
+      <p:sp>
+        <p:nvSpPr>
+          <p:cNvPr id="105" name="Shape 105"/>
+          <p:cNvSpPr>
+            <a:spLocks noGrp="1" noRot="1" noChangeAspect="1"/>
+          </p:cNvSpPr>
+          <p:nvPr>
+            <p:ph type="sldImg" idx="2"/>
+          </p:nvPr>
+        </p:nvSpPr>
+        <p:spPr>
+          <a:xfrm>
+            <a:off x="1143000" y="685800"/>
+            <a:ext cx="4572000" cy="3429000"/>
+          </a:xfrm>
+          <a:custGeom>
+            <a:avLst/>
+            <a:gdLst/>
+            <a:ahLst/>
+            <a:cxnLst/>
+            <a:rect l="0" t="0" r="0" b="0"/>
+            <a:pathLst>
+              <a:path w="120000" h="120000" extrusionOk="0">
+                <a:moveTo>
+                  <a:pt x="0" y="0"/>
+                </a:moveTo>
+                <a:lnTo>
+                  <a:pt x="120000" y="0"/>
+                </a:lnTo>
+                <a:lnTo>
+                  <a:pt x="120000" y="120000"/>
+                </a:lnTo>
+                <a:lnTo>
+                  <a:pt x="0" y="120000"/>
+                </a:lnTo>
+                <a:close/>
+              </a:path>
+            </a:pathLst>
+          </a:custGeom>
+        </p:spPr>
+      </p:sp>
+      <p:sp>
+        <p:nvSpPr>
+          <p:cNvPr id="106" name="Shape 106"/>
+          <p:cNvSpPr txBox="1">
+            <a:spLocks noGrp="1"/>
+          </p:cNvSpPr>
+          <p:nvPr>
+            <p:ph type="body" idx="1"/>
+          </p:nvPr>
+        </p:nvSpPr>
+        <p:spPr>
+          <a:xfrm>
+            <a:off x="685800" y="4343400"/>
+            <a:ext cx="5486399" cy="4114800"/>
+          </a:xfrm>
+          <a:prstGeom prst="rect">
+            <a:avLst/>
+          </a:prstGeom>
+        </p:spPr>
+        <p:txBody>
+          <a:bodyPr lIns="91425" tIns="91425" rIns="91425" bIns="91425" anchor="t" anchorCtr="0">
+            <a:noAutofit/>
+          </a:bodyPr>
+          <a:lstStyle/>
+          <a:p>
+            <a:pPr lvl="0" rtl="0">
+              <a:buNone/>
+            </a:pPr>
+            <a:r>
+              <a:rPr lang="en"/>
+              <a:t>Jessica</a:t>
+            </a:r>
+          </a:p>
+        </p:txBody>
+      </p:sp>
+    </p:spTree>
+  </p:cSld>
+  <p:clrMapOvr>
+    <a:masterClrMapping/>
+  </p:clrMapOvr>
+</p:notes>
+</file>
+
+<file path=ppt/notesSlides/notesSlide14.xml><?xml version="1.0" encoding="utf-8"?>
+<p:notes xmlns:a="http://schemas.openxmlformats.org/drawingml/2006/main" xmlns:r="http://schemas.openxmlformats.org/officeDocument/2006/relationships" xmlns:p="http://schemas.openxmlformats.org/presentationml/2006/main" showMasterSp="0" showMasterPhAnim="0">
+  <p:cSld>
+    <p:spTree>
+      <p:nvGrpSpPr>
+        <p:cNvPr id="1" name="Shape 104"/>
+        <p:cNvGrpSpPr/>
+        <p:nvPr/>
+      </p:nvGrpSpPr>
+      <p:grpSpPr>
+        <a:xfrm>
+          <a:off x="0" y="0"/>
+          <a:ext cx="0" cy="0"/>
+          <a:chOff x="0" y="0"/>
+          <a:chExt cx="0" cy="0"/>
+        </a:xfrm>
+      </p:grpSpPr>
+      <p:sp>
+        <p:nvSpPr>
+          <p:cNvPr id="105" name="Shape 105"/>
+          <p:cNvSpPr>
+            <a:spLocks noGrp="1" noRot="1" noChangeAspect="1"/>
+          </p:cNvSpPr>
+          <p:nvPr>
+            <p:ph type="sldImg" idx="2"/>
+          </p:nvPr>
+        </p:nvSpPr>
+        <p:spPr>
+          <a:xfrm>
+            <a:off x="1143000" y="685800"/>
+            <a:ext cx="4572000" cy="3429000"/>
+          </a:xfrm>
+          <a:custGeom>
+            <a:avLst/>
+            <a:gdLst/>
+            <a:ahLst/>
+            <a:cxnLst/>
+            <a:rect l="0" t="0" r="0" b="0"/>
+            <a:pathLst>
+              <a:path w="120000" h="120000" extrusionOk="0">
+                <a:moveTo>
+                  <a:pt x="0" y="0"/>
+                </a:moveTo>
+                <a:lnTo>
+                  <a:pt x="120000" y="0"/>
+                </a:lnTo>
+                <a:lnTo>
+                  <a:pt x="120000" y="120000"/>
+                </a:lnTo>
+                <a:lnTo>
+                  <a:pt x="0" y="120000"/>
+                </a:lnTo>
+                <a:close/>
+              </a:path>
+            </a:pathLst>
+          </a:custGeom>
+        </p:spPr>
+      </p:sp>
+      <p:sp>
+        <p:nvSpPr>
+          <p:cNvPr id="106" name="Shape 106"/>
+          <p:cNvSpPr txBox="1">
+            <a:spLocks noGrp="1"/>
+          </p:cNvSpPr>
+          <p:nvPr>
+            <p:ph type="body" idx="1"/>
+          </p:nvPr>
+        </p:nvSpPr>
+        <p:spPr>
+          <a:xfrm>
+            <a:off x="685800" y="4343400"/>
+            <a:ext cx="5486399" cy="4114800"/>
+          </a:xfrm>
+          <a:prstGeom prst="rect">
+            <a:avLst/>
+          </a:prstGeom>
+        </p:spPr>
+        <p:txBody>
+          <a:bodyPr lIns="91425" tIns="91425" rIns="91425" bIns="91425" anchor="t" anchorCtr="0">
+            <a:noAutofit/>
+          </a:bodyPr>
+          <a:lstStyle/>
+          <a:p>
+            <a:pPr lvl="0" rtl="0">
+              <a:buNone/>
+            </a:pPr>
+            <a:r>
+              <a:rPr lang="en"/>
+              <a:t>Jessica</a:t>
+            </a:r>
+          </a:p>
+        </p:txBody>
+      </p:sp>
+    </p:spTree>
+  </p:cSld>
+  <p:clrMapOvr>
+    <a:masterClrMapping/>
+  </p:clrMapOvr>
+</p:notes>
+</file>
+
+<file path=ppt/notesSlides/notesSlide15.xml><?xml version="1.0" encoding="utf-8"?>
+<p:notes xmlns:a="http://schemas.openxmlformats.org/drawingml/2006/main" xmlns:r="http://schemas.openxmlformats.org/officeDocument/2006/relationships" xmlns:p="http://schemas.openxmlformats.org/presentationml/2006/main" showMasterSp="0" showMasterPhAnim="0">
+  <p:cSld>
+    <p:spTree>
+      <p:nvGrpSpPr>
+        <p:cNvPr id="1" name="Shape 104"/>
+        <p:cNvGrpSpPr/>
+        <p:nvPr/>
+      </p:nvGrpSpPr>
+      <p:grpSpPr>
+        <a:xfrm>
+          <a:off x="0" y="0"/>
+          <a:ext cx="0" cy="0"/>
+          <a:chOff x="0" y="0"/>
+          <a:chExt cx="0" cy="0"/>
+        </a:xfrm>
+      </p:grpSpPr>
+      <p:sp>
+        <p:nvSpPr>
+          <p:cNvPr id="105" name="Shape 105"/>
+          <p:cNvSpPr>
+            <a:spLocks noGrp="1" noRot="1" noChangeAspect="1"/>
+          </p:cNvSpPr>
+          <p:nvPr>
+            <p:ph type="sldImg" idx="2"/>
+          </p:nvPr>
+        </p:nvSpPr>
+        <p:spPr>
+          <a:xfrm>
+            <a:off x="1143000" y="685800"/>
+            <a:ext cx="4572000" cy="3429000"/>
+          </a:xfrm>
+          <a:custGeom>
+            <a:avLst/>
+            <a:gdLst/>
+            <a:ahLst/>
+            <a:cxnLst/>
+            <a:rect l="0" t="0" r="0" b="0"/>
+            <a:pathLst>
+              <a:path w="120000" h="120000" extrusionOk="0">
+                <a:moveTo>
+                  <a:pt x="0" y="0"/>
+                </a:moveTo>
+                <a:lnTo>
+                  <a:pt x="120000" y="0"/>
+                </a:lnTo>
+                <a:lnTo>
+                  <a:pt x="120000" y="120000"/>
+                </a:lnTo>
+                <a:lnTo>
+                  <a:pt x="0" y="120000"/>
+                </a:lnTo>
+                <a:close/>
+              </a:path>
+            </a:pathLst>
+          </a:custGeom>
+        </p:spPr>
+      </p:sp>
+      <p:sp>
+        <p:nvSpPr>
+          <p:cNvPr id="106" name="Shape 106"/>
+          <p:cNvSpPr txBox="1">
+            <a:spLocks noGrp="1"/>
+          </p:cNvSpPr>
+          <p:nvPr>
+            <p:ph type="body" idx="1"/>
+          </p:nvPr>
+        </p:nvSpPr>
+        <p:spPr>
+          <a:xfrm>
+            <a:off x="685800" y="4343400"/>
+            <a:ext cx="5486399" cy="4114800"/>
+          </a:xfrm>
+          <a:prstGeom prst="rect">
+            <a:avLst/>
+          </a:prstGeom>
+        </p:spPr>
+        <p:txBody>
+          <a:bodyPr lIns="91425" tIns="91425" rIns="91425" bIns="91425" anchor="t" anchorCtr="0">
+            <a:noAutofit/>
+          </a:bodyPr>
+          <a:lstStyle/>
+          <a:p>
+            <a:pPr lvl="0" rtl="0">
+              <a:buNone/>
+            </a:pPr>
+            <a:r>
+              <a:rPr lang="en"/>
+              <a:t>Jessica</a:t>
+            </a:r>
+          </a:p>
+        </p:txBody>
+      </p:sp>
+    </p:spTree>
+  </p:cSld>
+  <p:clrMapOvr>
+    <a:masterClrMapping/>
+  </p:clrMapOvr>
+</p:notes>
+</file>
+
+<file path=ppt/notesSlides/notesSlide16.xml><?xml version="1.0" encoding="utf-8"?>
+<p:notes xmlns:a="http://schemas.openxmlformats.org/drawingml/2006/main" xmlns:r="http://schemas.openxmlformats.org/officeDocument/2006/relationships" xmlns:p="http://schemas.openxmlformats.org/presentationml/2006/main" showMasterSp="0" showMasterPhAnim="0">
+  <p:cSld>
+    <p:spTree>
+      <p:nvGrpSpPr>
+        <p:cNvPr id="1" name="Shape 104"/>
+        <p:cNvGrpSpPr/>
+        <p:nvPr/>
+      </p:nvGrpSpPr>
+      <p:grpSpPr>
+        <a:xfrm>
+          <a:off x="0" y="0"/>
+          <a:ext cx="0" cy="0"/>
+          <a:chOff x="0" y="0"/>
+          <a:chExt cx="0" cy="0"/>
+        </a:xfrm>
+      </p:grpSpPr>
+      <p:sp>
+        <p:nvSpPr>
+          <p:cNvPr id="105" name="Shape 105"/>
+          <p:cNvSpPr>
+            <a:spLocks noGrp="1" noRot="1" noChangeAspect="1"/>
+          </p:cNvSpPr>
+          <p:nvPr>
+            <p:ph type="sldImg" idx="2"/>
+          </p:nvPr>
+        </p:nvSpPr>
+        <p:spPr>
+          <a:xfrm>
+            <a:off x="1143000" y="685800"/>
+            <a:ext cx="4572000" cy="3429000"/>
+          </a:xfrm>
+          <a:custGeom>
+            <a:avLst/>
+            <a:gdLst/>
+            <a:ahLst/>
+            <a:cxnLst/>
+            <a:rect l="0" t="0" r="0" b="0"/>
+            <a:pathLst>
+              <a:path w="120000" h="120000" extrusionOk="0">
+                <a:moveTo>
+                  <a:pt x="0" y="0"/>
+                </a:moveTo>
+                <a:lnTo>
+                  <a:pt x="120000" y="0"/>
+                </a:lnTo>
+                <a:lnTo>
+                  <a:pt x="120000" y="120000"/>
+                </a:lnTo>
+                <a:lnTo>
+                  <a:pt x="0" y="120000"/>
+                </a:lnTo>
+                <a:close/>
+              </a:path>
+            </a:pathLst>
+          </a:custGeom>
+        </p:spPr>
+      </p:sp>
+      <p:sp>
+        <p:nvSpPr>
+          <p:cNvPr id="106" name="Shape 106"/>
+          <p:cNvSpPr txBox="1">
+            <a:spLocks noGrp="1"/>
+          </p:cNvSpPr>
+          <p:nvPr>
+            <p:ph type="body" idx="1"/>
+          </p:nvPr>
+        </p:nvSpPr>
+        <p:spPr>
+          <a:xfrm>
+            <a:off x="685800" y="4343400"/>
+            <a:ext cx="5486399" cy="4114800"/>
+          </a:xfrm>
+          <a:prstGeom prst="rect">
+            <a:avLst/>
+          </a:prstGeom>
+        </p:spPr>
+        <p:txBody>
+          <a:bodyPr lIns="91425" tIns="91425" rIns="91425" bIns="91425" anchor="t" anchorCtr="0">
+            <a:noAutofit/>
+          </a:bodyPr>
+          <a:lstStyle/>
+          <a:p>
+            <a:pPr lvl="0" rtl="0">
+              <a:buNone/>
+            </a:pPr>
+            <a:r>
+              <a:rPr lang="en"/>
+              <a:t>Jessica</a:t>
+            </a:r>
+          </a:p>
+        </p:txBody>
+      </p:sp>
+    </p:spTree>
+  </p:cSld>
+  <p:clrMapOvr>
+    <a:masterClrMapping/>
+  </p:clrMapOvr>
+</p:notes>
+</file>
+
+<file path=ppt/notesSlides/notesSlide17.xml><?xml version="1.0" encoding="utf-8"?>
+<p:notes xmlns:a="http://schemas.openxmlformats.org/drawingml/2006/main" xmlns:r="http://schemas.openxmlformats.org/officeDocument/2006/relationships" xmlns:p="http://schemas.openxmlformats.org/presentationml/2006/main" showMasterSp="0" showMasterPhAnim="0">
+  <p:cSld>
+    <p:spTree>
+      <p:nvGrpSpPr>
+        <p:cNvPr id="1" name="Shape 104"/>
+        <p:cNvGrpSpPr/>
+        <p:nvPr/>
+      </p:nvGrpSpPr>
+      <p:grpSpPr>
+        <a:xfrm>
+          <a:off x="0" y="0"/>
+          <a:ext cx="0" cy="0"/>
+          <a:chOff x="0" y="0"/>
+          <a:chExt cx="0" cy="0"/>
+        </a:xfrm>
+      </p:grpSpPr>
+      <p:sp>
+        <p:nvSpPr>
+          <p:cNvPr id="105" name="Shape 105"/>
+          <p:cNvSpPr>
+            <a:spLocks noGrp="1" noRot="1" noChangeAspect="1"/>
+          </p:cNvSpPr>
+          <p:nvPr>
+            <p:ph type="sldImg" idx="2"/>
+          </p:nvPr>
+        </p:nvSpPr>
+        <p:spPr>
+          <a:xfrm>
+            <a:off x="1143000" y="685800"/>
+            <a:ext cx="4572000" cy="3429000"/>
+          </a:xfrm>
+          <a:custGeom>
+            <a:avLst/>
+            <a:gdLst/>
+            <a:ahLst/>
+            <a:cxnLst/>
+            <a:rect l="0" t="0" r="0" b="0"/>
+            <a:pathLst>
+              <a:path w="120000" h="120000" extrusionOk="0">
+                <a:moveTo>
+                  <a:pt x="0" y="0"/>
+                </a:moveTo>
+                <a:lnTo>
+                  <a:pt x="120000" y="0"/>
+                </a:lnTo>
+                <a:lnTo>
+                  <a:pt x="120000" y="120000"/>
+                </a:lnTo>
+                <a:lnTo>
+                  <a:pt x="0" y="120000"/>
+                </a:lnTo>
+                <a:close/>
+              </a:path>
+            </a:pathLst>
+          </a:custGeom>
+        </p:spPr>
+      </p:sp>
+      <p:sp>
+        <p:nvSpPr>
+          <p:cNvPr id="106" name="Shape 106"/>
+          <p:cNvSpPr txBox="1">
+            <a:spLocks noGrp="1"/>
+          </p:cNvSpPr>
+          <p:nvPr>
+            <p:ph type="body" idx="1"/>
+          </p:nvPr>
+        </p:nvSpPr>
+        <p:spPr>
+          <a:xfrm>
+            <a:off x="685800" y="4343400"/>
+            <a:ext cx="5486399" cy="4114800"/>
+          </a:xfrm>
+          <a:prstGeom prst="rect">
+            <a:avLst/>
+          </a:prstGeom>
+        </p:spPr>
+        <p:txBody>
+          <a:bodyPr lIns="91425" tIns="91425" rIns="91425" bIns="91425" anchor="t" anchorCtr="0">
+            <a:noAutofit/>
+          </a:bodyPr>
+          <a:lstStyle/>
+          <a:p>
+            <a:pPr lvl="0" rtl="0">
+              <a:buNone/>
+            </a:pPr>
+            <a:r>
+              <a:rPr lang="en"/>
+              <a:t>Jessica</a:t>
+            </a:r>
+          </a:p>
+        </p:txBody>
+      </p:sp>
+    </p:spTree>
+  </p:cSld>
+  <p:clrMapOvr>
+    <a:masterClrMapping/>
+  </p:clrMapOvr>
+</p:notes>
+</file>
+
+<file path=ppt/notesSlides/notesSlide18.xml><?xml version="1.0" encoding="utf-8"?>
+<p:notes xmlns:a="http://schemas.openxmlformats.org/drawingml/2006/main" xmlns:r="http://schemas.openxmlformats.org/officeDocument/2006/relationships" xmlns:p="http://schemas.openxmlformats.org/presentationml/2006/main" showMasterSp="0" showMasterPhAnim="0">
+  <p:cSld>
+    <p:spTree>
+      <p:nvGrpSpPr>
+        <p:cNvPr id="1" name="Shape 104"/>
+        <p:cNvGrpSpPr/>
+        <p:nvPr/>
+      </p:nvGrpSpPr>
+      <p:grpSpPr>
+        <a:xfrm>
+          <a:off x="0" y="0"/>
+          <a:ext cx="0" cy="0"/>
+          <a:chOff x="0" y="0"/>
+          <a:chExt cx="0" cy="0"/>
+        </a:xfrm>
+      </p:grpSpPr>
+      <p:sp>
+        <p:nvSpPr>
+          <p:cNvPr id="105" name="Shape 105"/>
+          <p:cNvSpPr>
+            <a:spLocks noGrp="1" noRot="1" noChangeAspect="1"/>
+          </p:cNvSpPr>
+          <p:nvPr>
+            <p:ph type="sldImg" idx="2"/>
+          </p:nvPr>
+        </p:nvSpPr>
+        <p:spPr>
+          <a:xfrm>
+            <a:off x="1143000" y="685800"/>
+            <a:ext cx="4572000" cy="3429000"/>
+          </a:xfrm>
+          <a:custGeom>
+            <a:avLst/>
+            <a:gdLst/>
+            <a:ahLst/>
+            <a:cxnLst/>
+            <a:rect l="0" t="0" r="0" b="0"/>
+            <a:pathLst>
+              <a:path w="120000" h="120000" extrusionOk="0">
+                <a:moveTo>
+                  <a:pt x="0" y="0"/>
+                </a:moveTo>
+                <a:lnTo>
+                  <a:pt x="120000" y="0"/>
+                </a:lnTo>
+                <a:lnTo>
+                  <a:pt x="120000" y="120000"/>
+                </a:lnTo>
+                <a:lnTo>
+                  <a:pt x="0" y="120000"/>
+                </a:lnTo>
+                <a:close/>
+              </a:path>
+            </a:pathLst>
+          </a:custGeom>
+        </p:spPr>
+      </p:sp>
+      <p:sp>
+        <p:nvSpPr>
+          <p:cNvPr id="106" name="Shape 106"/>
+          <p:cNvSpPr txBox="1">
+            <a:spLocks noGrp="1"/>
+          </p:cNvSpPr>
+          <p:nvPr>
+            <p:ph type="body" idx="1"/>
+          </p:nvPr>
+        </p:nvSpPr>
+        <p:spPr>
+          <a:xfrm>
+            <a:off x="685800" y="4343400"/>
+            <a:ext cx="5486399" cy="4114800"/>
+          </a:xfrm>
+          <a:prstGeom prst="rect">
+            <a:avLst/>
+          </a:prstGeom>
+        </p:spPr>
+        <p:txBody>
+          <a:bodyPr lIns="91425" tIns="91425" rIns="91425" bIns="91425" anchor="t" anchorCtr="0">
+            <a:noAutofit/>
+          </a:bodyPr>
+          <a:lstStyle/>
+          <a:p>
+            <a:pPr lvl="0" rtl="0">
+              <a:buNone/>
+            </a:pPr>
+            <a:r>
+              <a:rPr lang="en"/>
+              <a:t>Jessica</a:t>
+            </a:r>
+          </a:p>
+        </p:txBody>
+      </p:sp>
+    </p:spTree>
+  </p:cSld>
+  <p:clrMapOvr>
+    <a:masterClrMapping/>
+  </p:clrMapOvr>
+</p:notes>
+</file>
+
+<file path=ppt/notesSlides/notesSlide19.xml><?xml version="1.0" encoding="utf-8"?>
+<p:notes xmlns:a="http://schemas.openxmlformats.org/drawingml/2006/main" xmlns:r="http://schemas.openxmlformats.org/officeDocument/2006/relationships" xmlns:p="http://schemas.openxmlformats.org/presentationml/2006/main" showMasterSp="0" showMasterPhAnim="0">
+  <p:cSld>
+    <p:spTree>
+      <p:nvGrpSpPr>
+        <p:cNvPr id="1" name="Shape 104"/>
+        <p:cNvGrpSpPr/>
+        <p:nvPr/>
+      </p:nvGrpSpPr>
+      <p:grpSpPr>
+        <a:xfrm>
+          <a:off x="0" y="0"/>
+          <a:ext cx="0" cy="0"/>
+          <a:chOff x="0" y="0"/>
+          <a:chExt cx="0" cy="0"/>
+        </a:xfrm>
+      </p:grpSpPr>
+      <p:sp>
+        <p:nvSpPr>
+          <p:cNvPr id="105" name="Shape 105"/>
+          <p:cNvSpPr>
+            <a:spLocks noGrp="1" noRot="1" noChangeAspect="1"/>
+          </p:cNvSpPr>
+          <p:nvPr>
+            <p:ph type="sldImg" idx="2"/>
+          </p:nvPr>
+        </p:nvSpPr>
+        <p:spPr>
+          <a:xfrm>
+            <a:off x="1143000" y="685800"/>
+            <a:ext cx="4572000" cy="3429000"/>
+          </a:xfrm>
+          <a:custGeom>
+            <a:avLst/>
+            <a:gdLst/>
+            <a:ahLst/>
+            <a:cxnLst/>
+            <a:rect l="0" t="0" r="0" b="0"/>
+            <a:pathLst>
+              <a:path w="120000" h="120000" extrusionOk="0">
+                <a:moveTo>
+                  <a:pt x="0" y="0"/>
+                </a:moveTo>
+                <a:lnTo>
+                  <a:pt x="120000" y="0"/>
+                </a:lnTo>
+                <a:lnTo>
+                  <a:pt x="120000" y="120000"/>
+                </a:lnTo>
+                <a:lnTo>
+                  <a:pt x="0" y="120000"/>
+                </a:lnTo>
+                <a:close/>
+              </a:path>
+            </a:pathLst>
+          </a:custGeom>
+        </p:spPr>
+      </p:sp>
+      <p:sp>
+        <p:nvSpPr>
+          <p:cNvPr id="106" name="Shape 106"/>
+          <p:cNvSpPr txBox="1">
+            <a:spLocks noGrp="1"/>
+          </p:cNvSpPr>
+          <p:nvPr>
+            <p:ph type="body" idx="1"/>
+          </p:nvPr>
+        </p:nvSpPr>
+        <p:spPr>
+          <a:xfrm>
+            <a:off x="685800" y="4343400"/>
+            <a:ext cx="5486399" cy="4114800"/>
+          </a:xfrm>
+          <a:prstGeom prst="rect">
+            <a:avLst/>
+          </a:prstGeom>
+        </p:spPr>
+        <p:txBody>
+          <a:bodyPr lIns="91425" tIns="91425" rIns="91425" bIns="91425" anchor="t" anchorCtr="0">
+            <a:noAutofit/>
+          </a:bodyPr>
+          <a:lstStyle/>
+          <a:p>
+            <a:pPr lvl="0" rtl="0">
+              <a:buNone/>
+            </a:pPr>
+            <a:r>
+              <a:rPr lang="en"/>
+              <a:t>Jessica</a:t>
+            </a:r>
+          </a:p>
+        </p:txBody>
+      </p:sp>
+    </p:spTree>
+  </p:cSld>
+  <p:clrMapOvr>
+    <a:masterClrMapping/>
+  </p:clrMapOvr>
+</p:notes>
+</file>
+
+<file path=ppt/notesSlides/notesSlide2.xml><?xml version="1.0" encoding="utf-8"?>
+<p:notes xmlns:a="http://schemas.openxmlformats.org/drawingml/2006/main" xmlns:r="http://schemas.openxmlformats.org/officeDocument/2006/relationships" xmlns:p="http://schemas.openxmlformats.org/presentationml/2006/main" showMasterSp="0" showMasterPhAnim="0">
+  <p:cSld>
+    <p:spTree>
+      <p:nvGrpSpPr>
+        <p:cNvPr id="1" name="Shape 31"/>
+        <p:cNvGrpSpPr/>
+        <p:nvPr/>
+      </p:nvGrpSpPr>
+      <p:grpSpPr>
+        <a:xfrm>
+          <a:off x="0" y="0"/>
+          <a:ext cx="0" cy="0"/>
+          <a:chOff x="0" y="0"/>
+          <a:chExt cx="0" cy="0"/>
+        </a:xfrm>
+      </p:grpSpPr>
+      <p:sp>
+        <p:nvSpPr>
+          <p:cNvPr id="32" name="Shape 32"/>
+          <p:cNvSpPr>
+            <a:spLocks noGrp="1" noRot="1" noChangeAspect="1"/>
+          </p:cNvSpPr>
+          <p:nvPr>
+            <p:ph type="sldImg" idx="2"/>
+          </p:nvPr>
+        </p:nvSpPr>
+        <p:spPr>
+          <a:xfrm>
+            <a:off x="1143000" y="685800"/>
+            <a:ext cx="4572000" cy="3429000"/>
+          </a:xfrm>
+          <a:custGeom>
+            <a:avLst/>
+            <a:gdLst/>
+            <a:ahLst/>
+            <a:cxnLst/>
+            <a:rect l="0" t="0" r="0" b="0"/>
+            <a:pathLst>
+              <a:path w="120000" h="120000" extrusionOk="0">
+                <a:moveTo>
+                  <a:pt x="0" y="0"/>
+                </a:moveTo>
+                <a:lnTo>
+                  <a:pt x="120000" y="0"/>
+                </a:lnTo>
+                <a:lnTo>
+                  <a:pt x="120000" y="120000"/>
+                </a:lnTo>
+                <a:lnTo>
+                  <a:pt x="0" y="120000"/>
+                </a:lnTo>
+                <a:close/>
+              </a:path>
+            </a:pathLst>
+          </a:custGeom>
+        </p:spPr>
+      </p:sp>
+      <p:sp>
+        <p:nvSpPr>
           <p:cNvPr id="33" name="Shape 33"/>
           <p:cNvSpPr txBox="1">
             <a:spLocks noGrp="1"/>
@@ -675,6 +1699,309 @@
             <a:r>
               <a:rPr lang="en"/>
               <a:t>Toby</a:t>
+            </a:r>
+          </a:p>
+        </p:txBody>
+      </p:sp>
+    </p:spTree>
+  </p:cSld>
+  <p:clrMapOvr>
+    <a:masterClrMapping/>
+  </p:clrMapOvr>
+</p:notes>
+</file>
+
+<file path=ppt/notesSlides/notesSlide20.xml><?xml version="1.0" encoding="utf-8"?>
+<p:notes xmlns:a="http://schemas.openxmlformats.org/drawingml/2006/main" xmlns:r="http://schemas.openxmlformats.org/officeDocument/2006/relationships" xmlns:p="http://schemas.openxmlformats.org/presentationml/2006/main" showMasterSp="0" showMasterPhAnim="0">
+  <p:cSld>
+    <p:spTree>
+      <p:nvGrpSpPr>
+        <p:cNvPr id="1" name="Shape 104"/>
+        <p:cNvGrpSpPr/>
+        <p:nvPr/>
+      </p:nvGrpSpPr>
+      <p:grpSpPr>
+        <a:xfrm>
+          <a:off x="0" y="0"/>
+          <a:ext cx="0" cy="0"/>
+          <a:chOff x="0" y="0"/>
+          <a:chExt cx="0" cy="0"/>
+        </a:xfrm>
+      </p:grpSpPr>
+      <p:sp>
+        <p:nvSpPr>
+          <p:cNvPr id="105" name="Shape 105"/>
+          <p:cNvSpPr>
+            <a:spLocks noGrp="1" noRot="1" noChangeAspect="1"/>
+          </p:cNvSpPr>
+          <p:nvPr>
+            <p:ph type="sldImg" idx="2"/>
+          </p:nvPr>
+        </p:nvSpPr>
+        <p:spPr>
+          <a:xfrm>
+            <a:off x="1143000" y="685800"/>
+            <a:ext cx="4572000" cy="3429000"/>
+          </a:xfrm>
+          <a:custGeom>
+            <a:avLst/>
+            <a:gdLst/>
+            <a:ahLst/>
+            <a:cxnLst/>
+            <a:rect l="0" t="0" r="0" b="0"/>
+            <a:pathLst>
+              <a:path w="120000" h="120000" extrusionOk="0">
+                <a:moveTo>
+                  <a:pt x="0" y="0"/>
+                </a:moveTo>
+                <a:lnTo>
+                  <a:pt x="120000" y="0"/>
+                </a:lnTo>
+                <a:lnTo>
+                  <a:pt x="120000" y="120000"/>
+                </a:lnTo>
+                <a:lnTo>
+                  <a:pt x="0" y="120000"/>
+                </a:lnTo>
+                <a:close/>
+              </a:path>
+            </a:pathLst>
+          </a:custGeom>
+        </p:spPr>
+      </p:sp>
+      <p:sp>
+        <p:nvSpPr>
+          <p:cNvPr id="106" name="Shape 106"/>
+          <p:cNvSpPr txBox="1">
+            <a:spLocks noGrp="1"/>
+          </p:cNvSpPr>
+          <p:nvPr>
+            <p:ph type="body" idx="1"/>
+          </p:nvPr>
+        </p:nvSpPr>
+        <p:spPr>
+          <a:xfrm>
+            <a:off x="685800" y="4343400"/>
+            <a:ext cx="5486399" cy="4114800"/>
+          </a:xfrm>
+          <a:prstGeom prst="rect">
+            <a:avLst/>
+          </a:prstGeom>
+        </p:spPr>
+        <p:txBody>
+          <a:bodyPr lIns="91425" tIns="91425" rIns="91425" bIns="91425" anchor="t" anchorCtr="0">
+            <a:noAutofit/>
+          </a:bodyPr>
+          <a:lstStyle/>
+          <a:p>
+            <a:pPr lvl="0" rtl="0">
+              <a:buNone/>
+            </a:pPr>
+            <a:r>
+              <a:rPr lang="en"/>
+              <a:t>Jessica</a:t>
+            </a:r>
+          </a:p>
+        </p:txBody>
+      </p:sp>
+    </p:spTree>
+  </p:cSld>
+  <p:clrMapOvr>
+    <a:masterClrMapping/>
+  </p:clrMapOvr>
+</p:notes>
+</file>
+
+<file path=ppt/notesSlides/notesSlide21.xml><?xml version="1.0" encoding="utf-8"?>
+<p:notes xmlns:a="http://schemas.openxmlformats.org/drawingml/2006/main" xmlns:r="http://schemas.openxmlformats.org/officeDocument/2006/relationships" xmlns:p="http://schemas.openxmlformats.org/presentationml/2006/main" showMasterSp="0" showMasterPhAnim="0">
+  <p:cSld>
+    <p:spTree>
+      <p:nvGrpSpPr>
+        <p:cNvPr id="1" name="Shape 113"/>
+        <p:cNvGrpSpPr/>
+        <p:nvPr/>
+      </p:nvGrpSpPr>
+      <p:grpSpPr>
+        <a:xfrm>
+          <a:off x="0" y="0"/>
+          <a:ext cx="0" cy="0"/>
+          <a:chOff x="0" y="0"/>
+          <a:chExt cx="0" cy="0"/>
+        </a:xfrm>
+      </p:grpSpPr>
+      <p:sp>
+        <p:nvSpPr>
+          <p:cNvPr id="114" name="Shape 114"/>
+          <p:cNvSpPr>
+            <a:spLocks noGrp="1" noRot="1" noChangeAspect="1"/>
+          </p:cNvSpPr>
+          <p:nvPr>
+            <p:ph type="sldImg" idx="2"/>
+          </p:nvPr>
+        </p:nvSpPr>
+        <p:spPr>
+          <a:xfrm>
+            <a:off x="1143225" y="685800"/>
+            <a:ext cx="4572299" cy="3429000"/>
+          </a:xfrm>
+          <a:custGeom>
+            <a:avLst/>
+            <a:gdLst/>
+            <a:ahLst/>
+            <a:cxnLst/>
+            <a:rect l="0" t="0" r="0" b="0"/>
+            <a:pathLst>
+              <a:path w="120000" h="120000" extrusionOk="0">
+                <a:moveTo>
+                  <a:pt x="0" y="0"/>
+                </a:moveTo>
+                <a:lnTo>
+                  <a:pt x="120000" y="0"/>
+                </a:lnTo>
+                <a:lnTo>
+                  <a:pt x="120000" y="120000"/>
+                </a:lnTo>
+                <a:lnTo>
+                  <a:pt x="0" y="120000"/>
+                </a:lnTo>
+                <a:close/>
+              </a:path>
+            </a:pathLst>
+          </a:custGeom>
+        </p:spPr>
+      </p:sp>
+      <p:sp>
+        <p:nvSpPr>
+          <p:cNvPr id="115" name="Shape 115"/>
+          <p:cNvSpPr txBox="1">
+            <a:spLocks noGrp="1"/>
+          </p:cNvSpPr>
+          <p:nvPr>
+            <p:ph type="body" idx="1"/>
+          </p:nvPr>
+        </p:nvSpPr>
+        <p:spPr>
+          <a:xfrm>
+            <a:off x="685800" y="4343400"/>
+            <a:ext cx="5486399" cy="4114800"/>
+          </a:xfrm>
+          <a:prstGeom prst="rect">
+            <a:avLst/>
+          </a:prstGeom>
+        </p:spPr>
+        <p:txBody>
+          <a:bodyPr lIns="91425" tIns="91425" rIns="91425" bIns="91425" anchor="t" anchorCtr="0">
+            <a:noAutofit/>
+          </a:bodyPr>
+          <a:lstStyle/>
+          <a:p>
+            <a:pPr lvl="0" rtl="0">
+              <a:buNone/>
+            </a:pPr>
+            <a:r>
+              <a:rPr lang="en"/>
+              <a:t>Jessica</a:t>
+            </a:r>
+          </a:p>
+        </p:txBody>
+      </p:sp>
+    </p:spTree>
+  </p:cSld>
+  <p:clrMapOvr>
+    <a:masterClrMapping/>
+  </p:clrMapOvr>
+</p:notes>
+</file>
+
+<file path=ppt/notesSlides/notesSlide22.xml><?xml version="1.0" encoding="utf-8"?>
+<p:notes xmlns:a="http://schemas.openxmlformats.org/drawingml/2006/main" xmlns:r="http://schemas.openxmlformats.org/officeDocument/2006/relationships" xmlns:p="http://schemas.openxmlformats.org/presentationml/2006/main" showMasterSp="0" showMasterPhAnim="0">
+  <p:cSld>
+    <p:spTree>
+      <p:nvGrpSpPr>
+        <p:cNvPr id="1" name="Shape 120"/>
+        <p:cNvGrpSpPr/>
+        <p:nvPr/>
+      </p:nvGrpSpPr>
+      <p:grpSpPr>
+        <a:xfrm>
+          <a:off x="0" y="0"/>
+          <a:ext cx="0" cy="0"/>
+          <a:chOff x="0" y="0"/>
+          <a:chExt cx="0" cy="0"/>
+        </a:xfrm>
+      </p:grpSpPr>
+      <p:sp>
+        <p:nvSpPr>
+          <p:cNvPr id="121" name="Shape 121"/>
+          <p:cNvSpPr>
+            <a:spLocks noGrp="1" noRot="1" noChangeAspect="1"/>
+          </p:cNvSpPr>
+          <p:nvPr>
+            <p:ph type="sldImg" idx="2"/>
+          </p:nvPr>
+        </p:nvSpPr>
+        <p:spPr>
+          <a:xfrm>
+            <a:off x="1143225" y="685800"/>
+            <a:ext cx="4572299" cy="3429000"/>
+          </a:xfrm>
+          <a:custGeom>
+            <a:avLst/>
+            <a:gdLst/>
+            <a:ahLst/>
+            <a:cxnLst/>
+            <a:rect l="0" t="0" r="0" b="0"/>
+            <a:pathLst>
+              <a:path w="120000" h="120000" extrusionOk="0">
+                <a:moveTo>
+                  <a:pt x="0" y="0"/>
+                </a:moveTo>
+                <a:lnTo>
+                  <a:pt x="120000" y="0"/>
+                </a:lnTo>
+                <a:lnTo>
+                  <a:pt x="120000" y="120000"/>
+                </a:lnTo>
+                <a:lnTo>
+                  <a:pt x="0" y="120000"/>
+                </a:lnTo>
+                <a:close/>
+              </a:path>
+            </a:pathLst>
+          </a:custGeom>
+        </p:spPr>
+      </p:sp>
+      <p:sp>
+        <p:nvSpPr>
+          <p:cNvPr id="122" name="Shape 122"/>
+          <p:cNvSpPr txBox="1">
+            <a:spLocks noGrp="1"/>
+          </p:cNvSpPr>
+          <p:nvPr>
+            <p:ph type="body" idx="1"/>
+          </p:nvPr>
+        </p:nvSpPr>
+        <p:spPr>
+          <a:xfrm>
+            <a:off x="685800" y="4343400"/>
+            <a:ext cx="5486399" cy="4114800"/>
+          </a:xfrm>
+          <a:prstGeom prst="rect">
+            <a:avLst/>
+          </a:prstGeom>
+        </p:spPr>
+        <p:txBody>
+          <a:bodyPr lIns="91425" tIns="91425" rIns="91425" bIns="91425" anchor="t" anchorCtr="0">
+            <a:noAutofit/>
+          </a:bodyPr>
+          <a:lstStyle/>
+          <a:p>
+            <a:pPr lvl="0" rtl="0">
+              <a:buNone/>
+            </a:pPr>
+            <a:r>
+              <a:rPr lang="en"/>
+              <a:t>Development Team</a:t>
             </a:r>
           </a:p>
         </p:txBody>
@@ -995,7 +2322,7 @@
   <p:cSld>
     <p:spTree>
       <p:nvGrpSpPr>
-        <p:cNvPr id="1" name="Shape 104"/>
+        <p:cNvPr id="1" name="Shape 97"/>
         <p:cNvGrpSpPr/>
         <p:nvPr/>
       </p:nvGrpSpPr>
@@ -1009,7 +2336,7 @@
       </p:grpSpPr>
       <p:sp>
         <p:nvSpPr>
-          <p:cNvPr id="105" name="Shape 105"/>
+          <p:cNvPr id="98" name="Shape 98"/>
           <p:cNvSpPr>
             <a:spLocks noGrp="1" noRot="1" noChangeAspect="1"/>
           </p:cNvSpPr>
@@ -1019,8 +2346,8 @@
         </p:nvSpPr>
         <p:spPr>
           <a:xfrm>
-            <a:off x="1143225" y="685800"/>
-            <a:ext cx="4572299" cy="3429000"/>
+            <a:off x="1143000" y="685800"/>
+            <a:ext cx="4572000" cy="3429000"/>
           </a:xfrm>
           <a:custGeom>
             <a:avLst/>
@@ -1050,7 +2377,7 @@
       </p:sp>
       <p:sp>
         <p:nvSpPr>
-          <p:cNvPr id="106" name="Shape 106"/>
+          <p:cNvPr id="99" name="Shape 99"/>
           <p:cNvSpPr txBox="1">
             <a:spLocks noGrp="1"/>
           </p:cNvSpPr>
@@ -1096,7 +2423,7 @@
   <p:cSld>
     <p:spTree>
       <p:nvGrpSpPr>
-        <p:cNvPr id="1" name="Shape 113"/>
+        <p:cNvPr id="1" name="Shape 97"/>
         <p:cNvGrpSpPr/>
         <p:nvPr/>
       </p:nvGrpSpPr>
@@ -1110,7 +2437,7 @@
       </p:grpSpPr>
       <p:sp>
         <p:nvSpPr>
-          <p:cNvPr id="114" name="Shape 114"/>
+          <p:cNvPr id="98" name="Shape 98"/>
           <p:cNvSpPr>
             <a:spLocks noGrp="1" noRot="1" noChangeAspect="1"/>
           </p:cNvSpPr>
@@ -1120,8 +2447,8 @@
         </p:nvSpPr>
         <p:spPr>
           <a:xfrm>
-            <a:off x="1143225" y="685800"/>
-            <a:ext cx="4572299" cy="3429000"/>
+            <a:off x="1143000" y="685800"/>
+            <a:ext cx="4572000" cy="3429000"/>
           </a:xfrm>
           <a:custGeom>
             <a:avLst/>
@@ -1151,7 +2478,7 @@
       </p:sp>
       <p:sp>
         <p:nvSpPr>
-          <p:cNvPr id="115" name="Shape 115"/>
+          <p:cNvPr id="99" name="Shape 99"/>
           <p:cNvSpPr txBox="1">
             <a:spLocks noGrp="1"/>
           </p:cNvSpPr>
@@ -1197,7 +2524,7 @@
   <p:cSld>
     <p:spTree>
       <p:nvGrpSpPr>
-        <p:cNvPr id="1" name="Shape 120"/>
+        <p:cNvPr id="1" name="Shape 97"/>
         <p:cNvGrpSpPr/>
         <p:nvPr/>
       </p:nvGrpSpPr>
@@ -1211,7 +2538,7 @@
       </p:grpSpPr>
       <p:sp>
         <p:nvSpPr>
-          <p:cNvPr id="121" name="Shape 121"/>
+          <p:cNvPr id="98" name="Shape 98"/>
           <p:cNvSpPr>
             <a:spLocks noGrp="1" noRot="1" noChangeAspect="1"/>
           </p:cNvSpPr>
@@ -1221,8 +2548,8 @@
         </p:nvSpPr>
         <p:spPr>
           <a:xfrm>
-            <a:off x="1143225" y="685800"/>
-            <a:ext cx="4572299" cy="3429000"/>
+            <a:off x="1143000" y="685800"/>
+            <a:ext cx="4572000" cy="3429000"/>
           </a:xfrm>
           <a:custGeom>
             <a:avLst/>
@@ -1252,7 +2579,7 @@
       </p:sp>
       <p:sp>
         <p:nvSpPr>
-          <p:cNvPr id="122" name="Shape 122"/>
+          <p:cNvPr id="99" name="Shape 99"/>
           <p:cNvSpPr txBox="1">
             <a:spLocks noGrp="1"/>
           </p:cNvSpPr>
@@ -1280,7 +2607,108 @@
             </a:pPr>
             <a:r>
               <a:rPr lang="en"/>
-              <a:t>Development Team</a:t>
+              <a:t>Jessica</a:t>
+            </a:r>
+          </a:p>
+        </p:txBody>
+      </p:sp>
+    </p:spTree>
+  </p:cSld>
+  <p:clrMapOvr>
+    <a:masterClrMapping/>
+  </p:clrMapOvr>
+</p:notes>
+</file>
+
+<file path=ppt/notesSlides/notesSlide9.xml><?xml version="1.0" encoding="utf-8"?>
+<p:notes xmlns:a="http://schemas.openxmlformats.org/drawingml/2006/main" xmlns:r="http://schemas.openxmlformats.org/officeDocument/2006/relationships" xmlns:p="http://schemas.openxmlformats.org/presentationml/2006/main" showMasterSp="0" showMasterPhAnim="0">
+  <p:cSld>
+    <p:spTree>
+      <p:nvGrpSpPr>
+        <p:cNvPr id="1" name="Shape 97"/>
+        <p:cNvGrpSpPr/>
+        <p:nvPr/>
+      </p:nvGrpSpPr>
+      <p:grpSpPr>
+        <a:xfrm>
+          <a:off x="0" y="0"/>
+          <a:ext cx="0" cy="0"/>
+          <a:chOff x="0" y="0"/>
+          <a:chExt cx="0" cy="0"/>
+        </a:xfrm>
+      </p:grpSpPr>
+      <p:sp>
+        <p:nvSpPr>
+          <p:cNvPr id="98" name="Shape 98"/>
+          <p:cNvSpPr>
+            <a:spLocks noGrp="1" noRot="1" noChangeAspect="1"/>
+          </p:cNvSpPr>
+          <p:nvPr>
+            <p:ph type="sldImg" idx="2"/>
+          </p:nvPr>
+        </p:nvSpPr>
+        <p:spPr>
+          <a:xfrm>
+            <a:off x="1143000" y="685800"/>
+            <a:ext cx="4572000" cy="3429000"/>
+          </a:xfrm>
+          <a:custGeom>
+            <a:avLst/>
+            <a:gdLst/>
+            <a:ahLst/>
+            <a:cxnLst/>
+            <a:rect l="0" t="0" r="0" b="0"/>
+            <a:pathLst>
+              <a:path w="120000" h="120000" extrusionOk="0">
+                <a:moveTo>
+                  <a:pt x="0" y="0"/>
+                </a:moveTo>
+                <a:lnTo>
+                  <a:pt x="120000" y="0"/>
+                </a:lnTo>
+                <a:lnTo>
+                  <a:pt x="120000" y="120000"/>
+                </a:lnTo>
+                <a:lnTo>
+                  <a:pt x="0" y="120000"/>
+                </a:lnTo>
+                <a:close/>
+              </a:path>
+            </a:pathLst>
+          </a:custGeom>
+        </p:spPr>
+      </p:sp>
+      <p:sp>
+        <p:nvSpPr>
+          <p:cNvPr id="99" name="Shape 99"/>
+          <p:cNvSpPr txBox="1">
+            <a:spLocks noGrp="1"/>
+          </p:cNvSpPr>
+          <p:nvPr>
+            <p:ph type="body" idx="1"/>
+          </p:nvPr>
+        </p:nvSpPr>
+        <p:spPr>
+          <a:xfrm>
+            <a:off x="685800" y="4343400"/>
+            <a:ext cx="5486399" cy="4114800"/>
+          </a:xfrm>
+          <a:prstGeom prst="rect">
+            <a:avLst/>
+          </a:prstGeom>
+        </p:spPr>
+        <p:txBody>
+          <a:bodyPr lIns="91425" tIns="91425" rIns="91425" bIns="91425" anchor="t" anchorCtr="0">
+            <a:noAutofit/>
+          </a:bodyPr>
+          <a:lstStyle/>
+          <a:p>
+            <a:pPr lvl="0" rtl="0">
+              <a:buNone/>
+            </a:pPr>
+            <a:r>
+              <a:rPr lang="en"/>
+              <a:t>Jessica</a:t>
             </a:r>
           </a:p>
         </p:txBody>
@@ -3972,6 +5400,2038 @@
 </p:sld>
 </file>
 
+<file path=ppt/slides/slide10.xml><?xml version="1.0" encoding="utf-8"?>
+<p:sld xmlns:a="http://schemas.openxmlformats.org/drawingml/2006/main" xmlns:r="http://schemas.openxmlformats.org/officeDocument/2006/relationships" xmlns:p="http://schemas.openxmlformats.org/presentationml/2006/main">
+  <p:cSld>
+    <p:bg>
+      <p:bgPr>
+        <a:blipFill>
+          <a:blip r:embed="rId3"/>
+          <a:stretch>
+            <a:fillRect/>
+          </a:stretch>
+        </a:blipFill>
+        <a:effectLst/>
+      </p:bgPr>
+    </p:bg>
+    <p:spTree>
+      <p:nvGrpSpPr>
+        <p:cNvPr id="1" name="Shape 94"/>
+        <p:cNvGrpSpPr/>
+        <p:nvPr/>
+      </p:nvGrpSpPr>
+      <p:grpSpPr>
+        <a:xfrm>
+          <a:off x="0" y="0"/>
+          <a:ext cx="0" cy="0"/>
+          <a:chOff x="0" y="0"/>
+          <a:chExt cx="0" cy="0"/>
+        </a:xfrm>
+      </p:grpSpPr>
+      <p:pic>
+        <p:nvPicPr>
+          <p:cNvPr id="6" name="Picture 5" descr="IMG_0493.jpg"/>
+          <p:cNvPicPr>
+            <a:picLocks noChangeAspect="1"/>
+          </p:cNvPicPr>
+          <p:nvPr/>
+        </p:nvPicPr>
+        <p:blipFill>
+          <a:blip r:embed="rId4">
+            <a:extLst>
+              <a:ext uri="{28A0092B-C50C-407E-A947-70E740481C1C}">
+                <a14:useLocalDpi xmlns:a14="http://schemas.microsoft.com/office/drawing/2010/main" val="0"/>
+              </a:ext>
+            </a:extLst>
+          </a:blip>
+          <a:stretch>
+            <a:fillRect/>
+          </a:stretch>
+        </p:blipFill>
+        <p:spPr>
+          <a:xfrm>
+            <a:off x="160170" y="1590426"/>
+            <a:ext cx="2733663" cy="4100496"/>
+          </a:xfrm>
+          <a:prstGeom prst="rect">
+            <a:avLst/>
+          </a:prstGeom>
+        </p:spPr>
+      </p:pic>
+      <p:pic>
+        <p:nvPicPr>
+          <p:cNvPr id="5" name="Picture 4" descr="IMG_0494.jpg"/>
+          <p:cNvPicPr>
+            <a:picLocks noChangeAspect="1"/>
+          </p:cNvPicPr>
+          <p:nvPr/>
+        </p:nvPicPr>
+        <p:blipFill>
+          <a:blip r:embed="rId5">
+            <a:extLst>
+              <a:ext uri="{28A0092B-C50C-407E-A947-70E740481C1C}">
+                <a14:useLocalDpi xmlns:a14="http://schemas.microsoft.com/office/drawing/2010/main" val="0"/>
+              </a:ext>
+            </a:extLst>
+          </a:blip>
+          <a:stretch>
+            <a:fillRect/>
+          </a:stretch>
+        </p:blipFill>
+        <p:spPr>
+          <a:xfrm>
+            <a:off x="3169638" y="1590426"/>
+            <a:ext cx="2733664" cy="4100496"/>
+          </a:xfrm>
+          <a:prstGeom prst="rect">
+            <a:avLst/>
+          </a:prstGeom>
+        </p:spPr>
+      </p:pic>
+      <p:sp>
+        <p:nvSpPr>
+          <p:cNvPr id="11" name="Right Arrow 10"/>
+          <p:cNvSpPr/>
+          <p:nvPr/>
+        </p:nvSpPr>
+        <p:spPr>
+          <a:xfrm flipV="1">
+            <a:off x="850286" y="4779892"/>
+            <a:ext cx="2319351" cy="112147"/>
+          </a:xfrm>
+          <a:prstGeom prst="rightArrow">
+            <a:avLst/>
+          </a:prstGeom>
+        </p:spPr>
+        <p:style>
+          <a:lnRef idx="1">
+            <a:schemeClr val="accent1"/>
+          </a:lnRef>
+          <a:fillRef idx="3">
+            <a:schemeClr val="accent1"/>
+          </a:fillRef>
+          <a:effectRef idx="2">
+            <a:schemeClr val="accent1"/>
+          </a:effectRef>
+          <a:fontRef idx="minor">
+            <a:schemeClr val="lt1"/>
+          </a:fontRef>
+        </p:style>
+        <p:txBody>
+          <a:bodyPr rtlCol="0" anchor="ctr"/>
+          <a:lstStyle/>
+          <a:p>
+            <a:pPr algn="ctr"/>
+            <a:endParaRPr lang="en-US"/>
+          </a:p>
+        </p:txBody>
+      </p:sp>
+      <p:pic>
+        <p:nvPicPr>
+          <p:cNvPr id="12" name="Picture 11" descr="IMG_0495.jpg"/>
+          <p:cNvPicPr>
+            <a:picLocks noChangeAspect="1"/>
+          </p:cNvPicPr>
+          <p:nvPr/>
+        </p:nvPicPr>
+        <p:blipFill>
+          <a:blip r:embed="rId6">
+            <a:extLst>
+              <a:ext uri="{28A0092B-C50C-407E-A947-70E740481C1C}">
+                <a14:useLocalDpi xmlns:a14="http://schemas.microsoft.com/office/drawing/2010/main" val="0"/>
+              </a:ext>
+            </a:extLst>
+          </a:blip>
+          <a:stretch>
+            <a:fillRect/>
+          </a:stretch>
+        </p:blipFill>
+        <p:spPr>
+          <a:xfrm>
+            <a:off x="6189320" y="1590426"/>
+            <a:ext cx="2733664" cy="4100496"/>
+          </a:xfrm>
+          <a:prstGeom prst="rect">
+            <a:avLst/>
+          </a:prstGeom>
+        </p:spPr>
+      </p:pic>
+      <p:sp>
+        <p:nvSpPr>
+          <p:cNvPr id="13" name="Right Arrow 12"/>
+          <p:cNvSpPr/>
+          <p:nvPr/>
+        </p:nvSpPr>
+        <p:spPr>
+          <a:xfrm flipV="1">
+            <a:off x="4233069" y="3219099"/>
+            <a:ext cx="1956252" cy="112147"/>
+          </a:xfrm>
+          <a:prstGeom prst="rightArrow">
+            <a:avLst/>
+          </a:prstGeom>
+        </p:spPr>
+        <p:style>
+          <a:lnRef idx="1">
+            <a:schemeClr val="accent1"/>
+          </a:lnRef>
+          <a:fillRef idx="3">
+            <a:schemeClr val="accent1"/>
+          </a:fillRef>
+          <a:effectRef idx="2">
+            <a:schemeClr val="accent1"/>
+          </a:effectRef>
+          <a:fontRef idx="minor">
+            <a:schemeClr val="lt1"/>
+          </a:fontRef>
+        </p:style>
+        <p:txBody>
+          <a:bodyPr rtlCol="0" anchor="ctr"/>
+          <a:lstStyle/>
+          <a:p>
+            <a:pPr algn="ctr"/>
+            <a:endParaRPr lang="en-US"/>
+          </a:p>
+        </p:txBody>
+      </p:sp>
+    </p:spTree>
+    <p:extLst>
+      <p:ext uri="{BB962C8B-B14F-4D97-AF65-F5344CB8AC3E}">
+        <p14:creationId xmlns:p14="http://schemas.microsoft.com/office/powerpoint/2010/main" val="481533233"/>
+      </p:ext>
+    </p:extLst>
+  </p:cSld>
+  <p:clrMapOvr>
+    <a:masterClrMapping/>
+  </p:clrMapOvr>
+  <p:transition xmlns:p14="http://schemas.microsoft.com/office/powerpoint/2010/main" spd="slow">
+    <p:cut/>
+  </p:transition>
+</p:sld>
+</file>
+
+<file path=ppt/slides/slide11.xml><?xml version="1.0" encoding="utf-8"?>
+<p:sld xmlns:a="http://schemas.openxmlformats.org/drawingml/2006/main" xmlns:r="http://schemas.openxmlformats.org/officeDocument/2006/relationships" xmlns:p="http://schemas.openxmlformats.org/presentationml/2006/main">
+  <p:cSld>
+    <p:bg>
+      <p:bgPr>
+        <a:blipFill>
+          <a:blip r:embed="rId3"/>
+          <a:stretch>
+            <a:fillRect/>
+          </a:stretch>
+        </a:blipFill>
+        <a:effectLst/>
+      </p:bgPr>
+    </p:bg>
+    <p:spTree>
+      <p:nvGrpSpPr>
+        <p:cNvPr id="1" name="Shape 94"/>
+        <p:cNvGrpSpPr/>
+        <p:nvPr/>
+      </p:nvGrpSpPr>
+      <p:grpSpPr>
+        <a:xfrm>
+          <a:off x="0" y="0"/>
+          <a:ext cx="0" cy="0"/>
+          <a:chOff x="0" y="0"/>
+          <a:chExt cx="0" cy="0"/>
+        </a:xfrm>
+      </p:grpSpPr>
+      <p:pic>
+        <p:nvPicPr>
+          <p:cNvPr id="4" name="Picture 3" descr="IMG_0496.jpg"/>
+          <p:cNvPicPr>
+            <a:picLocks noChangeAspect="1"/>
+          </p:cNvPicPr>
+          <p:nvPr/>
+        </p:nvPicPr>
+        <p:blipFill>
+          <a:blip r:embed="rId4">
+            <a:extLst>
+              <a:ext uri="{28A0092B-C50C-407E-A947-70E740481C1C}">
+                <a14:useLocalDpi xmlns:a14="http://schemas.microsoft.com/office/drawing/2010/main" val="0"/>
+              </a:ext>
+            </a:extLst>
+          </a:blip>
+          <a:stretch>
+            <a:fillRect/>
+          </a:stretch>
+        </p:blipFill>
+        <p:spPr>
+          <a:xfrm>
+            <a:off x="907342" y="1407357"/>
+            <a:ext cx="2733665" cy="4100497"/>
+          </a:xfrm>
+          <a:prstGeom prst="rect">
+            <a:avLst/>
+          </a:prstGeom>
+        </p:spPr>
+      </p:pic>
+      <p:sp>
+        <p:nvSpPr>
+          <p:cNvPr id="9" name="Process 8"/>
+          <p:cNvSpPr/>
+          <p:nvPr/>
+        </p:nvSpPr>
+        <p:spPr>
+          <a:xfrm>
+            <a:off x="3449404" y="1933685"/>
+            <a:ext cx="182178" cy="3574169"/>
+          </a:xfrm>
+          <a:prstGeom prst="flowChartProcess">
+            <a:avLst/>
+          </a:prstGeom>
+          <a:solidFill>
+            <a:schemeClr val="tx2">
+              <a:lumMod val="90000"/>
+            </a:schemeClr>
+          </a:solidFill>
+          <a:ln/>
+        </p:spPr>
+        <p:style>
+          <a:lnRef idx="1">
+            <a:schemeClr val="accent1"/>
+          </a:lnRef>
+          <a:fillRef idx="3">
+            <a:schemeClr val="accent1"/>
+          </a:fillRef>
+          <a:effectRef idx="2">
+            <a:schemeClr val="accent1"/>
+          </a:effectRef>
+          <a:fontRef idx="minor">
+            <a:schemeClr val="lt1"/>
+          </a:fontRef>
+        </p:style>
+        <p:txBody>
+          <a:bodyPr/>
+          <a:lstStyle/>
+          <a:p>
+            <a:endParaRPr lang="en-US"/>
+          </a:p>
+        </p:txBody>
+      </p:sp>
+      <p:sp>
+        <p:nvSpPr>
+          <p:cNvPr id="10" name="Right Arrow 9"/>
+          <p:cNvSpPr/>
+          <p:nvPr/>
+        </p:nvSpPr>
+        <p:spPr>
+          <a:xfrm rot="5400000" flipV="1">
+            <a:off x="2563930" y="3489896"/>
+            <a:ext cx="1951402" cy="103273"/>
+          </a:xfrm>
+          <a:prstGeom prst="rightArrow">
+            <a:avLst/>
+          </a:prstGeom>
+          <a:solidFill>
+            <a:schemeClr val="accent3">
+              <a:lumMod val="75000"/>
+            </a:schemeClr>
+          </a:solidFill>
+        </p:spPr>
+        <p:style>
+          <a:lnRef idx="1">
+            <a:schemeClr val="accent1"/>
+          </a:lnRef>
+          <a:fillRef idx="3">
+            <a:schemeClr val="accent1"/>
+          </a:fillRef>
+          <a:effectRef idx="2">
+            <a:schemeClr val="accent1"/>
+          </a:effectRef>
+          <a:fontRef idx="minor">
+            <a:schemeClr val="lt1"/>
+          </a:fontRef>
+        </p:style>
+        <p:txBody>
+          <a:bodyPr rtlCol="0" anchor="ctr"/>
+          <a:lstStyle/>
+          <a:p>
+            <a:pPr algn="ctr"/>
+            <a:endParaRPr lang="en-US"/>
+          </a:p>
+        </p:txBody>
+      </p:sp>
+      <p:pic>
+        <p:nvPicPr>
+          <p:cNvPr id="5" name="Picture 4" descr="IMG_0497.jpg"/>
+          <p:cNvPicPr>
+            <a:picLocks noChangeAspect="1"/>
+          </p:cNvPicPr>
+          <p:nvPr/>
+        </p:nvPicPr>
+        <p:blipFill>
+          <a:blip r:embed="rId5">
+            <a:extLst>
+              <a:ext uri="{28A0092B-C50C-407E-A947-70E740481C1C}">
+                <a14:useLocalDpi xmlns:a14="http://schemas.microsoft.com/office/drawing/2010/main" val="0"/>
+              </a:ext>
+            </a:extLst>
+          </a:blip>
+          <a:stretch>
+            <a:fillRect/>
+          </a:stretch>
+        </p:blipFill>
+        <p:spPr>
+          <a:xfrm>
+            <a:off x="5399144" y="1407357"/>
+            <a:ext cx="2764177" cy="4146265"/>
+          </a:xfrm>
+          <a:prstGeom prst="rect">
+            <a:avLst/>
+          </a:prstGeom>
+        </p:spPr>
+      </p:pic>
+      <p:sp>
+        <p:nvSpPr>
+          <p:cNvPr id="8" name="Right Arrow 7"/>
+          <p:cNvSpPr/>
+          <p:nvPr/>
+        </p:nvSpPr>
+        <p:spPr>
+          <a:xfrm>
+            <a:off x="3641007" y="3455459"/>
+            <a:ext cx="1758137" cy="45768"/>
+          </a:xfrm>
+          <a:prstGeom prst="rightArrow">
+            <a:avLst/>
+          </a:prstGeom>
+        </p:spPr>
+        <p:style>
+          <a:lnRef idx="1">
+            <a:schemeClr val="accent1"/>
+          </a:lnRef>
+          <a:fillRef idx="3">
+            <a:schemeClr val="accent1"/>
+          </a:fillRef>
+          <a:effectRef idx="2">
+            <a:schemeClr val="accent1"/>
+          </a:effectRef>
+          <a:fontRef idx="minor">
+            <a:schemeClr val="lt1"/>
+          </a:fontRef>
+        </p:style>
+        <p:txBody>
+          <a:bodyPr rtlCol="0" anchor="ctr"/>
+          <a:lstStyle/>
+          <a:p>
+            <a:pPr algn="ctr"/>
+            <a:endParaRPr lang="en-US"/>
+          </a:p>
+        </p:txBody>
+      </p:sp>
+    </p:spTree>
+    <p:extLst>
+      <p:ext uri="{BB962C8B-B14F-4D97-AF65-F5344CB8AC3E}">
+        <p14:creationId xmlns:p14="http://schemas.microsoft.com/office/powerpoint/2010/main" val="2103258985"/>
+      </p:ext>
+    </p:extLst>
+  </p:cSld>
+  <p:clrMapOvr>
+    <a:masterClrMapping/>
+  </p:clrMapOvr>
+  <p:transition xmlns:p14="http://schemas.microsoft.com/office/powerpoint/2010/main" spd="slow">
+    <p:cut/>
+  </p:transition>
+</p:sld>
+</file>
+
+<file path=ppt/slides/slide12.xml><?xml version="1.0" encoding="utf-8"?>
+<p:sld xmlns:a="http://schemas.openxmlformats.org/drawingml/2006/main" xmlns:r="http://schemas.openxmlformats.org/officeDocument/2006/relationships" xmlns:p="http://schemas.openxmlformats.org/presentationml/2006/main">
+  <p:cSld>
+    <p:bg>
+      <p:bgPr>
+        <a:blipFill>
+          <a:blip r:embed="rId3"/>
+          <a:stretch>
+            <a:fillRect/>
+          </a:stretch>
+        </a:blipFill>
+        <a:effectLst/>
+      </p:bgPr>
+    </p:bg>
+    <p:spTree>
+      <p:nvGrpSpPr>
+        <p:cNvPr id="1" name="Shape 100"/>
+        <p:cNvGrpSpPr/>
+        <p:nvPr/>
+      </p:nvGrpSpPr>
+      <p:grpSpPr>
+        <a:xfrm>
+          <a:off x="0" y="0"/>
+          <a:ext cx="0" cy="0"/>
+          <a:chOff x="0" y="0"/>
+          <a:chExt cx="0" cy="0"/>
+        </a:xfrm>
+      </p:grpSpPr>
+      <p:pic>
+        <p:nvPicPr>
+          <p:cNvPr id="4" name="Picture 3" descr="IMG_0498.jpg"/>
+          <p:cNvPicPr>
+            <a:picLocks noChangeAspect="1"/>
+          </p:cNvPicPr>
+          <p:nvPr/>
+        </p:nvPicPr>
+        <p:blipFill>
+          <a:blip r:embed="rId4">
+            <a:extLst>
+              <a:ext uri="{28A0092B-C50C-407E-A947-70E740481C1C}">
+                <a14:useLocalDpi xmlns:a14="http://schemas.microsoft.com/office/drawing/2010/main" val="0"/>
+              </a:ext>
+            </a:extLst>
+          </a:blip>
+          <a:stretch>
+            <a:fillRect/>
+          </a:stretch>
+        </p:blipFill>
+        <p:spPr>
+          <a:xfrm>
+            <a:off x="3171506" y="1108776"/>
+            <a:ext cx="2629510" cy="3944263"/>
+          </a:xfrm>
+          <a:prstGeom prst="rect">
+            <a:avLst/>
+          </a:prstGeom>
+        </p:spPr>
+      </p:pic>
+      <p:pic>
+        <p:nvPicPr>
+          <p:cNvPr id="5" name="Picture 4" descr="IMG_0499.jpg"/>
+          <p:cNvPicPr>
+            <a:picLocks noChangeAspect="1"/>
+          </p:cNvPicPr>
+          <p:nvPr/>
+        </p:nvPicPr>
+        <p:blipFill>
+          <a:blip r:embed="rId5">
+            <a:extLst>
+              <a:ext uri="{28A0092B-C50C-407E-A947-70E740481C1C}">
+                <a14:useLocalDpi xmlns:a14="http://schemas.microsoft.com/office/drawing/2010/main" val="0"/>
+              </a:ext>
+            </a:extLst>
+          </a:blip>
+          <a:stretch>
+            <a:fillRect/>
+          </a:stretch>
+        </p:blipFill>
+        <p:spPr>
+          <a:xfrm>
+            <a:off x="6226633" y="1108776"/>
+            <a:ext cx="2629509" cy="3944264"/>
+          </a:xfrm>
+          <a:prstGeom prst="rect">
+            <a:avLst/>
+          </a:prstGeom>
+        </p:spPr>
+      </p:pic>
+      <p:pic>
+        <p:nvPicPr>
+          <p:cNvPr id="9" name="Picture 8" descr="IMG_0489.jpg"/>
+          <p:cNvPicPr>
+            <a:picLocks noChangeAspect="1"/>
+          </p:cNvPicPr>
+          <p:nvPr/>
+        </p:nvPicPr>
+        <p:blipFill>
+          <a:blip r:embed="rId6">
+            <a:extLst>
+              <a:ext uri="{28A0092B-C50C-407E-A947-70E740481C1C}">
+                <a14:useLocalDpi xmlns:a14="http://schemas.microsoft.com/office/drawing/2010/main" val="0"/>
+              </a:ext>
+            </a:extLst>
+          </a:blip>
+          <a:stretch>
+            <a:fillRect/>
+          </a:stretch>
+        </p:blipFill>
+        <p:spPr>
+          <a:xfrm>
+            <a:off x="137288" y="1105988"/>
+            <a:ext cx="2631368" cy="3947052"/>
+          </a:xfrm>
+          <a:prstGeom prst="rect">
+            <a:avLst/>
+          </a:prstGeom>
+        </p:spPr>
+      </p:pic>
+      <p:sp>
+        <p:nvSpPr>
+          <p:cNvPr id="6" name="Right Arrow 5"/>
+          <p:cNvSpPr/>
+          <p:nvPr/>
+        </p:nvSpPr>
+        <p:spPr>
+          <a:xfrm>
+            <a:off x="2025008" y="4382255"/>
+            <a:ext cx="1146498" cy="45719"/>
+          </a:xfrm>
+          <a:prstGeom prst="rightArrow">
+            <a:avLst/>
+          </a:prstGeom>
+        </p:spPr>
+        <p:style>
+          <a:lnRef idx="1">
+            <a:schemeClr val="accent1"/>
+          </a:lnRef>
+          <a:fillRef idx="3">
+            <a:schemeClr val="accent1"/>
+          </a:fillRef>
+          <a:effectRef idx="2">
+            <a:schemeClr val="accent1"/>
+          </a:effectRef>
+          <a:fontRef idx="minor">
+            <a:schemeClr val="lt1"/>
+          </a:fontRef>
+        </p:style>
+        <p:txBody>
+          <a:bodyPr rtlCol="0" anchor="ctr"/>
+          <a:lstStyle/>
+          <a:p>
+            <a:pPr algn="ctr"/>
+            <a:endParaRPr lang="en-US"/>
+          </a:p>
+        </p:txBody>
+      </p:sp>
+      <p:sp>
+        <p:nvSpPr>
+          <p:cNvPr id="7" name="Right Arrow 6"/>
+          <p:cNvSpPr/>
+          <p:nvPr/>
+        </p:nvSpPr>
+        <p:spPr>
+          <a:xfrm>
+            <a:off x="4827986" y="2162571"/>
+            <a:ext cx="1398647" cy="45719"/>
+          </a:xfrm>
+          <a:prstGeom prst="rightArrow">
+            <a:avLst/>
+          </a:prstGeom>
+        </p:spPr>
+        <p:style>
+          <a:lnRef idx="1">
+            <a:schemeClr val="accent1"/>
+          </a:lnRef>
+          <a:fillRef idx="3">
+            <a:schemeClr val="accent1"/>
+          </a:fillRef>
+          <a:effectRef idx="2">
+            <a:schemeClr val="accent1"/>
+          </a:effectRef>
+          <a:fontRef idx="minor">
+            <a:schemeClr val="lt1"/>
+          </a:fontRef>
+        </p:style>
+        <p:txBody>
+          <a:bodyPr rtlCol="0" anchor="ctr"/>
+          <a:lstStyle/>
+          <a:p>
+            <a:pPr algn="ctr"/>
+            <a:endParaRPr lang="en-US"/>
+          </a:p>
+        </p:txBody>
+      </p:sp>
+    </p:spTree>
+  </p:cSld>
+  <p:clrMapOvr>
+    <a:masterClrMapping/>
+  </p:clrMapOvr>
+  <p:transition xmlns:p14="http://schemas.microsoft.com/office/powerpoint/2010/main" spd="slow">
+    <p:cut/>
+  </p:transition>
+</p:sld>
+</file>
+
+<file path=ppt/slides/slide13.xml><?xml version="1.0" encoding="utf-8"?>
+<p:sld xmlns:a="http://schemas.openxmlformats.org/drawingml/2006/main" xmlns:r="http://schemas.openxmlformats.org/officeDocument/2006/relationships" xmlns:p="http://schemas.openxmlformats.org/presentationml/2006/main">
+  <p:cSld>
+    <p:bg>
+      <p:bgPr>
+        <a:blipFill>
+          <a:blip r:embed="rId3"/>
+          <a:stretch>
+            <a:fillRect/>
+          </a:stretch>
+        </a:blipFill>
+        <a:effectLst/>
+      </p:bgPr>
+    </p:bg>
+    <p:spTree>
+      <p:nvGrpSpPr>
+        <p:cNvPr id="1" name="Shape 100"/>
+        <p:cNvGrpSpPr/>
+        <p:nvPr/>
+      </p:nvGrpSpPr>
+      <p:grpSpPr>
+        <a:xfrm>
+          <a:off x="0" y="0"/>
+          <a:ext cx="0" cy="0"/>
+          <a:chOff x="0" y="0"/>
+          <a:chExt cx="0" cy="0"/>
+        </a:xfrm>
+      </p:grpSpPr>
+      <p:pic>
+        <p:nvPicPr>
+          <p:cNvPr id="5" name="Picture 4" descr="IMG_0500.jpg"/>
+          <p:cNvPicPr>
+            <a:picLocks noChangeAspect="1"/>
+          </p:cNvPicPr>
+          <p:nvPr/>
+        </p:nvPicPr>
+        <p:blipFill>
+          <a:blip r:embed="rId4">
+            <a:extLst>
+              <a:ext uri="{28A0092B-C50C-407E-A947-70E740481C1C}">
+                <a14:useLocalDpi xmlns:a14="http://schemas.microsoft.com/office/drawing/2010/main" val="0"/>
+              </a:ext>
+            </a:extLst>
+          </a:blip>
+          <a:stretch>
+            <a:fillRect/>
+          </a:stretch>
+        </p:blipFill>
+        <p:spPr>
+          <a:xfrm>
+            <a:off x="964913" y="1109866"/>
+            <a:ext cx="2936760" cy="4405140"/>
+          </a:xfrm>
+          <a:prstGeom prst="rect">
+            <a:avLst/>
+          </a:prstGeom>
+        </p:spPr>
+      </p:pic>
+      <p:pic>
+        <p:nvPicPr>
+          <p:cNvPr id="6" name="Picture 5" descr="IMG_0501.jpg"/>
+          <p:cNvPicPr>
+            <a:picLocks noChangeAspect="1"/>
+          </p:cNvPicPr>
+          <p:nvPr/>
+        </p:nvPicPr>
+        <p:blipFill>
+          <a:blip r:embed="rId5">
+            <a:extLst>
+              <a:ext uri="{28A0092B-C50C-407E-A947-70E740481C1C}">
+                <a14:useLocalDpi xmlns:a14="http://schemas.microsoft.com/office/drawing/2010/main" val="0"/>
+              </a:ext>
+            </a:extLst>
+          </a:blip>
+          <a:stretch>
+            <a:fillRect/>
+          </a:stretch>
+        </p:blipFill>
+        <p:spPr>
+          <a:xfrm>
+            <a:off x="5194093" y="1067298"/>
+            <a:ext cx="2965139" cy="4447708"/>
+          </a:xfrm>
+          <a:prstGeom prst="rect">
+            <a:avLst/>
+          </a:prstGeom>
+        </p:spPr>
+      </p:pic>
+      <p:sp>
+        <p:nvSpPr>
+          <p:cNvPr id="7" name="Right Arrow 6"/>
+          <p:cNvSpPr/>
+          <p:nvPr/>
+        </p:nvSpPr>
+        <p:spPr>
+          <a:xfrm>
+            <a:off x="3603833" y="2288432"/>
+            <a:ext cx="1590260" cy="45719"/>
+          </a:xfrm>
+          <a:prstGeom prst="rightArrow">
+            <a:avLst/>
+          </a:prstGeom>
+        </p:spPr>
+        <p:style>
+          <a:lnRef idx="1">
+            <a:schemeClr val="accent1"/>
+          </a:lnRef>
+          <a:fillRef idx="3">
+            <a:schemeClr val="accent1"/>
+          </a:fillRef>
+          <a:effectRef idx="2">
+            <a:schemeClr val="accent1"/>
+          </a:effectRef>
+          <a:fontRef idx="minor">
+            <a:schemeClr val="lt1"/>
+          </a:fontRef>
+        </p:style>
+        <p:txBody>
+          <a:bodyPr rtlCol="0" anchor="ctr"/>
+          <a:lstStyle/>
+          <a:p>
+            <a:pPr algn="ctr"/>
+            <a:endParaRPr lang="en-US"/>
+          </a:p>
+        </p:txBody>
+      </p:sp>
+    </p:spTree>
+    <p:extLst>
+      <p:ext uri="{BB962C8B-B14F-4D97-AF65-F5344CB8AC3E}">
+        <p14:creationId xmlns:p14="http://schemas.microsoft.com/office/powerpoint/2010/main" val="2837445204"/>
+      </p:ext>
+    </p:extLst>
+  </p:cSld>
+  <p:clrMapOvr>
+    <a:masterClrMapping/>
+  </p:clrMapOvr>
+  <p:transition xmlns:p14="http://schemas.microsoft.com/office/powerpoint/2010/main" spd="slow">
+    <p:cut/>
+  </p:transition>
+</p:sld>
+</file>
+
+<file path=ppt/slides/slide14.xml><?xml version="1.0" encoding="utf-8"?>
+<p:sld xmlns:a="http://schemas.openxmlformats.org/drawingml/2006/main" xmlns:r="http://schemas.openxmlformats.org/officeDocument/2006/relationships" xmlns:p="http://schemas.openxmlformats.org/presentationml/2006/main">
+  <p:cSld>
+    <p:bg>
+      <p:bgPr>
+        <a:blipFill>
+          <a:blip r:embed="rId3"/>
+          <a:stretch>
+            <a:fillRect/>
+          </a:stretch>
+        </a:blipFill>
+        <a:effectLst/>
+      </p:bgPr>
+    </p:bg>
+    <p:spTree>
+      <p:nvGrpSpPr>
+        <p:cNvPr id="1" name="Shape 100"/>
+        <p:cNvGrpSpPr/>
+        <p:nvPr/>
+      </p:nvGrpSpPr>
+      <p:grpSpPr>
+        <a:xfrm>
+          <a:off x="0" y="0"/>
+          <a:ext cx="0" cy="0"/>
+          <a:chOff x="0" y="0"/>
+          <a:chExt cx="0" cy="0"/>
+        </a:xfrm>
+      </p:grpSpPr>
+      <p:pic>
+        <p:nvPicPr>
+          <p:cNvPr id="4" name="Picture 3" descr="IMG_0502.jpg"/>
+          <p:cNvPicPr>
+            <a:picLocks noChangeAspect="1"/>
+          </p:cNvPicPr>
+          <p:nvPr/>
+        </p:nvPicPr>
+        <p:blipFill>
+          <a:blip r:embed="rId4">
+            <a:extLst>
+              <a:ext uri="{28A0092B-C50C-407E-A947-70E740481C1C}">
+                <a14:useLocalDpi xmlns:a14="http://schemas.microsoft.com/office/drawing/2010/main" val="0"/>
+              </a:ext>
+            </a:extLst>
+          </a:blip>
+          <a:stretch>
+            <a:fillRect/>
+          </a:stretch>
+        </p:blipFill>
+        <p:spPr>
+          <a:xfrm>
+            <a:off x="444044" y="1384473"/>
+            <a:ext cx="2520081" cy="3780122"/>
+          </a:xfrm>
+          <a:prstGeom prst="rect">
+            <a:avLst/>
+          </a:prstGeom>
+        </p:spPr>
+      </p:pic>
+      <p:pic>
+        <p:nvPicPr>
+          <p:cNvPr id="5" name="Picture 4" descr="IMG_0503.jpg"/>
+          <p:cNvPicPr>
+            <a:picLocks noChangeAspect="1"/>
+          </p:cNvPicPr>
+          <p:nvPr/>
+        </p:nvPicPr>
+        <p:blipFill>
+          <a:blip r:embed="rId5">
+            <a:extLst>
+              <a:ext uri="{28A0092B-C50C-407E-A947-70E740481C1C}">
+                <a14:useLocalDpi xmlns:a14="http://schemas.microsoft.com/office/drawing/2010/main" val="0"/>
+              </a:ext>
+            </a:extLst>
+          </a:blip>
+          <a:stretch>
+            <a:fillRect/>
+          </a:stretch>
+        </p:blipFill>
+        <p:spPr>
+          <a:xfrm>
+            <a:off x="3272046" y="1384473"/>
+            <a:ext cx="2524287" cy="3786431"/>
+          </a:xfrm>
+          <a:prstGeom prst="rect">
+            <a:avLst/>
+          </a:prstGeom>
+        </p:spPr>
+      </p:pic>
+      <p:pic>
+        <p:nvPicPr>
+          <p:cNvPr id="6" name="Picture 5" descr="IMG_0504.jpg"/>
+          <p:cNvPicPr>
+            <a:picLocks noChangeAspect="1"/>
+          </p:cNvPicPr>
+          <p:nvPr/>
+        </p:nvPicPr>
+        <p:blipFill>
+          <a:blip r:embed="rId6">
+            <a:extLst>
+              <a:ext uri="{28A0092B-C50C-407E-A947-70E740481C1C}">
+                <a14:useLocalDpi xmlns:a14="http://schemas.microsoft.com/office/drawing/2010/main" val="0"/>
+              </a:ext>
+            </a:extLst>
+          </a:blip>
+          <a:stretch>
+            <a:fillRect/>
+          </a:stretch>
+        </p:blipFill>
+        <p:spPr>
+          <a:xfrm>
+            <a:off x="6105234" y="1384473"/>
+            <a:ext cx="2498192" cy="3747288"/>
+          </a:xfrm>
+          <a:prstGeom prst="rect">
+            <a:avLst/>
+          </a:prstGeom>
+        </p:spPr>
+      </p:pic>
+      <p:sp>
+        <p:nvSpPr>
+          <p:cNvPr id="7" name="Right Arrow 6"/>
+          <p:cNvSpPr/>
+          <p:nvPr/>
+        </p:nvSpPr>
+        <p:spPr>
+          <a:xfrm>
+            <a:off x="1109750" y="4542490"/>
+            <a:ext cx="2162296" cy="45719"/>
+          </a:xfrm>
+          <a:prstGeom prst="rightArrow">
+            <a:avLst/>
+          </a:prstGeom>
+        </p:spPr>
+        <p:style>
+          <a:lnRef idx="1">
+            <a:schemeClr val="accent1"/>
+          </a:lnRef>
+          <a:fillRef idx="3">
+            <a:schemeClr val="accent1"/>
+          </a:fillRef>
+          <a:effectRef idx="2">
+            <a:schemeClr val="accent1"/>
+          </a:effectRef>
+          <a:fontRef idx="minor">
+            <a:schemeClr val="lt1"/>
+          </a:fontRef>
+        </p:style>
+        <p:txBody>
+          <a:bodyPr rtlCol="0" anchor="ctr"/>
+          <a:lstStyle/>
+          <a:p>
+            <a:pPr algn="ctr"/>
+            <a:endParaRPr lang="en-US"/>
+          </a:p>
+        </p:txBody>
+      </p:sp>
+      <p:sp>
+        <p:nvSpPr>
+          <p:cNvPr id="8" name="Right Arrow 7"/>
+          <p:cNvSpPr/>
+          <p:nvPr/>
+        </p:nvSpPr>
+        <p:spPr>
+          <a:xfrm>
+            <a:off x="4107221" y="4061930"/>
+            <a:ext cx="1998013" cy="45719"/>
+          </a:xfrm>
+          <a:prstGeom prst="rightArrow">
+            <a:avLst/>
+          </a:prstGeom>
+        </p:spPr>
+        <p:style>
+          <a:lnRef idx="1">
+            <a:schemeClr val="accent1"/>
+          </a:lnRef>
+          <a:fillRef idx="3">
+            <a:schemeClr val="accent1"/>
+          </a:fillRef>
+          <a:effectRef idx="2">
+            <a:schemeClr val="accent1"/>
+          </a:effectRef>
+          <a:fontRef idx="minor">
+            <a:schemeClr val="lt1"/>
+          </a:fontRef>
+        </p:style>
+        <p:txBody>
+          <a:bodyPr rtlCol="0" anchor="ctr"/>
+          <a:lstStyle/>
+          <a:p>
+            <a:pPr algn="ctr"/>
+            <a:endParaRPr lang="en-US"/>
+          </a:p>
+        </p:txBody>
+      </p:sp>
+    </p:spTree>
+    <p:extLst>
+      <p:ext uri="{BB962C8B-B14F-4D97-AF65-F5344CB8AC3E}">
+        <p14:creationId xmlns:p14="http://schemas.microsoft.com/office/powerpoint/2010/main" val="1846269051"/>
+      </p:ext>
+    </p:extLst>
+  </p:cSld>
+  <p:clrMapOvr>
+    <a:masterClrMapping/>
+  </p:clrMapOvr>
+  <p:transition xmlns:p14="http://schemas.microsoft.com/office/powerpoint/2010/main" spd="slow">
+    <p:cut/>
+  </p:transition>
+</p:sld>
+</file>
+
+<file path=ppt/slides/slide15.xml><?xml version="1.0" encoding="utf-8"?>
+<p:sld xmlns:a="http://schemas.openxmlformats.org/drawingml/2006/main" xmlns:r="http://schemas.openxmlformats.org/officeDocument/2006/relationships" xmlns:p="http://schemas.openxmlformats.org/presentationml/2006/main">
+  <p:cSld>
+    <p:bg>
+      <p:bgPr>
+        <a:blipFill>
+          <a:blip r:embed="rId3"/>
+          <a:stretch>
+            <a:fillRect/>
+          </a:stretch>
+        </a:blipFill>
+        <a:effectLst/>
+      </p:bgPr>
+    </p:bg>
+    <p:spTree>
+      <p:nvGrpSpPr>
+        <p:cNvPr id="1" name="Shape 100"/>
+        <p:cNvGrpSpPr/>
+        <p:nvPr/>
+      </p:nvGrpSpPr>
+      <p:grpSpPr>
+        <a:xfrm>
+          <a:off x="0" y="0"/>
+          <a:ext cx="0" cy="0"/>
+          <a:chOff x="0" y="0"/>
+          <a:chExt cx="0" cy="0"/>
+        </a:xfrm>
+      </p:grpSpPr>
+      <p:sp>
+        <p:nvSpPr>
+          <p:cNvPr id="4" name="TextBox 3"/>
+          <p:cNvSpPr txBox="1"/>
+          <p:nvPr/>
+        </p:nvSpPr>
+        <p:spPr>
+          <a:xfrm>
+            <a:off x="432915" y="1657191"/>
+            <a:ext cx="8170511" cy="523220"/>
+          </a:xfrm>
+          <a:prstGeom prst="rect">
+            <a:avLst/>
+          </a:prstGeom>
+          <a:noFill/>
+        </p:spPr>
+        <p:txBody>
+          <a:bodyPr wrap="square" rtlCol="0">
+            <a:spAutoFit/>
+          </a:bodyPr>
+          <a:lstStyle/>
+          <a:p>
+            <a:pPr marL="285750" indent="-285750">
+              <a:buFont typeface="Arial"/>
+              <a:buChar char="•"/>
+            </a:pPr>
+            <a:r>
+              <a:rPr lang="en-US" sz="2800" dirty="0" smtClean="0"/>
+              <a:t>Figure </a:t>
+            </a:r>
+            <a:r>
+              <a:rPr lang="en-US" sz="2800" dirty="0"/>
+              <a:t>out the right workflow for our app</a:t>
+            </a:r>
+            <a:r>
+              <a:rPr lang="en-US" sz="2800" dirty="0" smtClean="0"/>
+              <a:t>.</a:t>
+            </a:r>
+            <a:endParaRPr lang="en-US" sz="2800" dirty="0"/>
+          </a:p>
+        </p:txBody>
+      </p:sp>
+      <p:sp>
+        <p:nvSpPr>
+          <p:cNvPr id="8" name="Shape 108"/>
+          <p:cNvSpPr txBox="1">
+            <a:spLocks noGrp="1"/>
+          </p:cNvSpPr>
+          <p:nvPr>
+            <p:ph type="title"/>
+          </p:nvPr>
+        </p:nvSpPr>
+        <p:spPr>
+          <a:xfrm>
+            <a:off x="215542" y="565499"/>
+            <a:ext cx="8253900" cy="1011599"/>
+          </a:xfrm>
+          <a:prstGeom prst="rect">
+            <a:avLst/>
+          </a:prstGeom>
+        </p:spPr>
+        <p:txBody>
+          <a:bodyPr lIns="91425" tIns="91425" rIns="91425" bIns="91425" anchor="ctr" anchorCtr="0">
+            <a:noAutofit/>
+          </a:bodyPr>
+          <a:lstStyle/>
+          <a:p>
+            <a:pPr lvl="0" rtl="0">
+              <a:buNone/>
+            </a:pPr>
+            <a:r>
+              <a:rPr lang="en-US" sz="6600" b="0" dirty="0" smtClean="0">
+                <a:latin typeface="Wire One"/>
+                <a:ea typeface="Wire One"/>
+                <a:cs typeface="Wire One"/>
+                <a:sym typeface="Wire One"/>
+              </a:rPr>
+              <a:t>Challenges</a:t>
+            </a:r>
+            <a:endParaRPr lang="en" sz="6600" b="0" dirty="0">
+              <a:latin typeface="Wire One"/>
+              <a:ea typeface="Wire One"/>
+              <a:cs typeface="Wire One"/>
+              <a:sym typeface="Wire One"/>
+            </a:endParaRPr>
+          </a:p>
+        </p:txBody>
+      </p:sp>
+    </p:spTree>
+    <p:extLst>
+      <p:ext uri="{BB962C8B-B14F-4D97-AF65-F5344CB8AC3E}">
+        <p14:creationId xmlns:p14="http://schemas.microsoft.com/office/powerpoint/2010/main" val="1764673478"/>
+      </p:ext>
+    </p:extLst>
+  </p:cSld>
+  <p:clrMapOvr>
+    <a:masterClrMapping/>
+  </p:clrMapOvr>
+  <p:transition xmlns:p14="http://schemas.microsoft.com/office/powerpoint/2010/main" spd="slow">
+    <p:cut/>
+  </p:transition>
+</p:sld>
+</file>
+
+<file path=ppt/slides/slide16.xml><?xml version="1.0" encoding="utf-8"?>
+<p:sld xmlns:a="http://schemas.openxmlformats.org/drawingml/2006/main" xmlns:r="http://schemas.openxmlformats.org/officeDocument/2006/relationships" xmlns:p="http://schemas.openxmlformats.org/presentationml/2006/main">
+  <p:cSld>
+    <p:bg>
+      <p:bgPr>
+        <a:blipFill>
+          <a:blip r:embed="rId3"/>
+          <a:stretch>
+            <a:fillRect/>
+          </a:stretch>
+        </a:blipFill>
+        <a:effectLst/>
+      </p:bgPr>
+    </p:bg>
+    <p:spTree>
+      <p:nvGrpSpPr>
+        <p:cNvPr id="1" name="Shape 100"/>
+        <p:cNvGrpSpPr/>
+        <p:nvPr/>
+      </p:nvGrpSpPr>
+      <p:grpSpPr>
+        <a:xfrm>
+          <a:off x="0" y="0"/>
+          <a:ext cx="0" cy="0"/>
+          <a:chOff x="0" y="0"/>
+          <a:chExt cx="0" cy="0"/>
+        </a:xfrm>
+      </p:grpSpPr>
+      <p:sp>
+        <p:nvSpPr>
+          <p:cNvPr id="4" name="TextBox 3"/>
+          <p:cNvSpPr txBox="1"/>
+          <p:nvPr/>
+        </p:nvSpPr>
+        <p:spPr>
+          <a:xfrm>
+            <a:off x="903431" y="1657191"/>
+            <a:ext cx="8170511" cy="2677656"/>
+          </a:xfrm>
+          <a:prstGeom prst="rect">
+            <a:avLst/>
+          </a:prstGeom>
+          <a:noFill/>
+        </p:spPr>
+        <p:txBody>
+          <a:bodyPr wrap="square" rtlCol="0">
+            <a:spAutoFit/>
+          </a:bodyPr>
+          <a:lstStyle/>
+          <a:p>
+            <a:r>
+              <a:rPr lang="en-US" sz="2800" dirty="0" smtClean="0"/>
+              <a:t>Design an efficient workflow </a:t>
+            </a:r>
+            <a:r>
+              <a:rPr lang="en-US" sz="2800" dirty="0"/>
+              <a:t>for our </a:t>
+            </a:r>
+            <a:r>
+              <a:rPr lang="en-US" sz="2800" dirty="0" smtClean="0"/>
+              <a:t>app.</a:t>
+            </a:r>
+            <a:br>
+              <a:rPr lang="en-US" sz="2800" dirty="0" smtClean="0"/>
+            </a:br>
+            <a:r>
+              <a:rPr lang="en-US" sz="2800" dirty="0" smtClean="0"/>
+              <a:t/>
+            </a:r>
+            <a:br>
+              <a:rPr lang="en-US" sz="2800" dirty="0" smtClean="0"/>
+            </a:br>
+            <a:r>
+              <a:rPr lang="en-US" sz="2800" dirty="0" smtClean="0"/>
+              <a:t>Help </a:t>
+            </a:r>
+            <a:r>
+              <a:rPr lang="en-US" sz="2800" dirty="0"/>
+              <a:t>from HCDE, Jocelyn, and usability testing with neonatal nurses.</a:t>
+            </a:r>
+          </a:p>
+          <a:p>
+            <a:endParaRPr lang="en-US" sz="2800" dirty="0"/>
+          </a:p>
+          <a:p>
+            <a:endParaRPr lang="en-US" sz="2800" dirty="0"/>
+          </a:p>
+        </p:txBody>
+      </p:sp>
+      <p:sp>
+        <p:nvSpPr>
+          <p:cNvPr id="8" name="Shape 108"/>
+          <p:cNvSpPr txBox="1">
+            <a:spLocks noGrp="1"/>
+          </p:cNvSpPr>
+          <p:nvPr>
+            <p:ph type="title"/>
+          </p:nvPr>
+        </p:nvSpPr>
+        <p:spPr>
+          <a:xfrm>
+            <a:off x="215542" y="565499"/>
+            <a:ext cx="8253900" cy="1011599"/>
+          </a:xfrm>
+          <a:prstGeom prst="rect">
+            <a:avLst/>
+          </a:prstGeom>
+        </p:spPr>
+        <p:txBody>
+          <a:bodyPr lIns="91425" tIns="91425" rIns="91425" bIns="91425" anchor="ctr" anchorCtr="0">
+            <a:noAutofit/>
+          </a:bodyPr>
+          <a:lstStyle/>
+          <a:p>
+            <a:pPr lvl="0" rtl="0">
+              <a:buNone/>
+            </a:pPr>
+            <a:r>
+              <a:rPr lang="en-US" sz="6600" b="0" dirty="0" smtClean="0">
+                <a:latin typeface="Wire One"/>
+                <a:ea typeface="Wire One"/>
+                <a:cs typeface="Wire One"/>
+                <a:sym typeface="Wire One"/>
+              </a:rPr>
+              <a:t>Challenges</a:t>
+            </a:r>
+            <a:endParaRPr lang="en" sz="6600" b="0" dirty="0">
+              <a:latin typeface="Wire One"/>
+              <a:ea typeface="Wire One"/>
+              <a:cs typeface="Wire One"/>
+              <a:sym typeface="Wire One"/>
+            </a:endParaRPr>
+          </a:p>
+        </p:txBody>
+      </p:sp>
+      <p:sp>
+        <p:nvSpPr>
+          <p:cNvPr id="5" name="Minus 4"/>
+          <p:cNvSpPr/>
+          <p:nvPr/>
+        </p:nvSpPr>
+        <p:spPr>
+          <a:xfrm>
+            <a:off x="114410" y="1533646"/>
+            <a:ext cx="822960" cy="822960"/>
+          </a:xfrm>
+          <a:prstGeom prst="mathMinus">
+            <a:avLst/>
+          </a:prstGeom>
+          <a:solidFill>
+            <a:schemeClr val="accent6">
+              <a:lumMod val="75000"/>
+            </a:schemeClr>
+          </a:solidFill>
+          <a:ln/>
+        </p:spPr>
+        <p:style>
+          <a:lnRef idx="1">
+            <a:schemeClr val="accent1"/>
+          </a:lnRef>
+          <a:fillRef idx="3">
+            <a:schemeClr val="accent1"/>
+          </a:fillRef>
+          <a:effectRef idx="2">
+            <a:schemeClr val="accent1"/>
+          </a:effectRef>
+          <a:fontRef idx="minor">
+            <a:schemeClr val="lt1"/>
+          </a:fontRef>
+        </p:style>
+        <p:txBody>
+          <a:bodyPr/>
+          <a:lstStyle/>
+          <a:p>
+            <a:endParaRPr lang="en-US"/>
+          </a:p>
+        </p:txBody>
+      </p:sp>
+      <p:sp>
+        <p:nvSpPr>
+          <p:cNvPr id="6" name="Plus 5"/>
+          <p:cNvSpPr/>
+          <p:nvPr/>
+        </p:nvSpPr>
+        <p:spPr>
+          <a:xfrm>
+            <a:off x="80471" y="2540106"/>
+            <a:ext cx="914400" cy="914400"/>
+          </a:xfrm>
+          <a:prstGeom prst="mathPlus">
+            <a:avLst/>
+          </a:prstGeom>
+          <a:solidFill>
+            <a:schemeClr val="accent3">
+              <a:lumMod val="75000"/>
+            </a:schemeClr>
+          </a:solidFill>
+        </p:spPr>
+        <p:style>
+          <a:lnRef idx="1">
+            <a:schemeClr val="accent1"/>
+          </a:lnRef>
+          <a:fillRef idx="3">
+            <a:schemeClr val="accent1"/>
+          </a:fillRef>
+          <a:effectRef idx="2">
+            <a:schemeClr val="accent1"/>
+          </a:effectRef>
+          <a:fontRef idx="minor">
+            <a:schemeClr val="lt1"/>
+          </a:fontRef>
+        </p:style>
+        <p:txBody>
+          <a:bodyPr rtlCol="0" anchor="ctr"/>
+          <a:lstStyle/>
+          <a:p>
+            <a:pPr algn="ctr"/>
+            <a:endParaRPr lang="en-US"/>
+          </a:p>
+        </p:txBody>
+      </p:sp>
+    </p:spTree>
+    <p:extLst>
+      <p:ext uri="{BB962C8B-B14F-4D97-AF65-F5344CB8AC3E}">
+        <p14:creationId xmlns:p14="http://schemas.microsoft.com/office/powerpoint/2010/main" val="2556820625"/>
+      </p:ext>
+    </p:extLst>
+  </p:cSld>
+  <p:clrMapOvr>
+    <a:masterClrMapping/>
+  </p:clrMapOvr>
+  <p:transition xmlns:p14="http://schemas.microsoft.com/office/powerpoint/2010/main" spd="slow">
+    <p:cut/>
+  </p:transition>
+</p:sld>
+</file>
+
+<file path=ppt/slides/slide17.xml><?xml version="1.0" encoding="utf-8"?>
+<p:sld xmlns:a="http://schemas.openxmlformats.org/drawingml/2006/main" xmlns:r="http://schemas.openxmlformats.org/officeDocument/2006/relationships" xmlns:p="http://schemas.openxmlformats.org/presentationml/2006/main">
+  <p:cSld>
+    <p:bg>
+      <p:bgPr>
+        <a:blipFill>
+          <a:blip r:embed="rId3"/>
+          <a:stretch>
+            <a:fillRect/>
+          </a:stretch>
+        </a:blipFill>
+        <a:effectLst/>
+      </p:bgPr>
+    </p:bg>
+    <p:spTree>
+      <p:nvGrpSpPr>
+        <p:cNvPr id="1" name="Shape 100"/>
+        <p:cNvGrpSpPr/>
+        <p:nvPr/>
+      </p:nvGrpSpPr>
+      <p:grpSpPr>
+        <a:xfrm>
+          <a:off x="0" y="0"/>
+          <a:ext cx="0" cy="0"/>
+          <a:chOff x="0" y="0"/>
+          <a:chExt cx="0" cy="0"/>
+        </a:xfrm>
+      </p:grpSpPr>
+      <p:sp>
+        <p:nvSpPr>
+          <p:cNvPr id="8" name="Shape 108"/>
+          <p:cNvSpPr txBox="1">
+            <a:spLocks noGrp="1"/>
+          </p:cNvSpPr>
+          <p:nvPr>
+            <p:ph type="title"/>
+          </p:nvPr>
+        </p:nvSpPr>
+        <p:spPr>
+          <a:xfrm>
+            <a:off x="215542" y="565499"/>
+            <a:ext cx="8253900" cy="1011599"/>
+          </a:xfrm>
+          <a:prstGeom prst="rect">
+            <a:avLst/>
+          </a:prstGeom>
+        </p:spPr>
+        <p:txBody>
+          <a:bodyPr lIns="91425" tIns="91425" rIns="91425" bIns="91425" anchor="ctr" anchorCtr="0">
+            <a:noAutofit/>
+          </a:bodyPr>
+          <a:lstStyle/>
+          <a:p>
+            <a:pPr lvl="0" rtl="0">
+              <a:buNone/>
+            </a:pPr>
+            <a:r>
+              <a:rPr lang="en-US" sz="6600" b="0" dirty="0" smtClean="0">
+                <a:latin typeface="Wire One"/>
+                <a:ea typeface="Wire One"/>
+                <a:cs typeface="Wire One"/>
+                <a:sym typeface="Wire One"/>
+              </a:rPr>
+              <a:t>Challenges</a:t>
+            </a:r>
+            <a:endParaRPr lang="en" sz="6600" b="0" dirty="0">
+              <a:latin typeface="Wire One"/>
+              <a:ea typeface="Wire One"/>
+              <a:cs typeface="Wire One"/>
+              <a:sym typeface="Wire One"/>
+            </a:endParaRPr>
+          </a:p>
+        </p:txBody>
+      </p:sp>
+      <p:sp>
+        <p:nvSpPr>
+          <p:cNvPr id="5" name="TextBox 4"/>
+          <p:cNvSpPr txBox="1"/>
+          <p:nvPr/>
+        </p:nvSpPr>
+        <p:spPr>
+          <a:xfrm>
+            <a:off x="903431" y="1657191"/>
+            <a:ext cx="8170511" cy="2246769"/>
+          </a:xfrm>
+          <a:prstGeom prst="rect">
+            <a:avLst/>
+          </a:prstGeom>
+          <a:noFill/>
+        </p:spPr>
+        <p:txBody>
+          <a:bodyPr wrap="square" rtlCol="0">
+            <a:spAutoFit/>
+          </a:bodyPr>
+          <a:lstStyle/>
+          <a:p>
+            <a:r>
+              <a:rPr lang="en-US" sz="2800" dirty="0" smtClean="0"/>
+              <a:t>Integrating third party libraries with ODK.</a:t>
+            </a:r>
+            <a:br>
+              <a:rPr lang="en-US" sz="2800" dirty="0" smtClean="0"/>
+            </a:br>
+            <a:r>
+              <a:rPr lang="en-US" sz="2800" dirty="0" smtClean="0"/>
+              <a:t/>
+            </a:r>
+            <a:br>
+              <a:rPr lang="en-US" sz="2800" dirty="0" smtClean="0"/>
+            </a:br>
+            <a:r>
+              <a:rPr lang="en-US" sz="2800" dirty="0" smtClean="0"/>
+              <a:t>Modify ODK Builder.</a:t>
+            </a:r>
+            <a:endParaRPr lang="en-US" sz="2800" dirty="0"/>
+          </a:p>
+          <a:p>
+            <a:endParaRPr lang="en-US" sz="2800" dirty="0"/>
+          </a:p>
+          <a:p>
+            <a:endParaRPr lang="en-US" sz="2800" dirty="0"/>
+          </a:p>
+        </p:txBody>
+      </p:sp>
+      <p:sp>
+        <p:nvSpPr>
+          <p:cNvPr id="6" name="Minus 5"/>
+          <p:cNvSpPr/>
+          <p:nvPr/>
+        </p:nvSpPr>
+        <p:spPr>
+          <a:xfrm>
+            <a:off x="114410" y="1533646"/>
+            <a:ext cx="822960" cy="822960"/>
+          </a:xfrm>
+          <a:prstGeom prst="mathMinus">
+            <a:avLst/>
+          </a:prstGeom>
+          <a:solidFill>
+            <a:schemeClr val="accent6">
+              <a:lumMod val="75000"/>
+            </a:schemeClr>
+          </a:solidFill>
+          <a:ln/>
+        </p:spPr>
+        <p:style>
+          <a:lnRef idx="1">
+            <a:schemeClr val="accent1"/>
+          </a:lnRef>
+          <a:fillRef idx="3">
+            <a:schemeClr val="accent1"/>
+          </a:fillRef>
+          <a:effectRef idx="2">
+            <a:schemeClr val="accent1"/>
+          </a:effectRef>
+          <a:fontRef idx="minor">
+            <a:schemeClr val="lt1"/>
+          </a:fontRef>
+        </p:style>
+        <p:txBody>
+          <a:bodyPr/>
+          <a:lstStyle/>
+          <a:p>
+            <a:endParaRPr lang="en-US"/>
+          </a:p>
+        </p:txBody>
+      </p:sp>
+      <p:sp>
+        <p:nvSpPr>
+          <p:cNvPr id="7" name="Plus 6"/>
+          <p:cNvSpPr/>
+          <p:nvPr/>
+        </p:nvSpPr>
+        <p:spPr>
+          <a:xfrm>
+            <a:off x="80471" y="2345592"/>
+            <a:ext cx="914400" cy="914400"/>
+          </a:xfrm>
+          <a:prstGeom prst="mathPlus">
+            <a:avLst/>
+          </a:prstGeom>
+          <a:solidFill>
+            <a:schemeClr val="accent3">
+              <a:lumMod val="75000"/>
+            </a:schemeClr>
+          </a:solidFill>
+        </p:spPr>
+        <p:style>
+          <a:lnRef idx="1">
+            <a:schemeClr val="accent1"/>
+          </a:lnRef>
+          <a:fillRef idx="3">
+            <a:schemeClr val="accent1"/>
+          </a:fillRef>
+          <a:effectRef idx="2">
+            <a:schemeClr val="accent1"/>
+          </a:effectRef>
+          <a:fontRef idx="minor">
+            <a:schemeClr val="lt1"/>
+          </a:fontRef>
+        </p:style>
+        <p:txBody>
+          <a:bodyPr rtlCol="0" anchor="ctr"/>
+          <a:lstStyle/>
+          <a:p>
+            <a:pPr algn="ctr"/>
+            <a:endParaRPr lang="en-US"/>
+          </a:p>
+        </p:txBody>
+      </p:sp>
+    </p:spTree>
+    <p:extLst>
+      <p:ext uri="{BB962C8B-B14F-4D97-AF65-F5344CB8AC3E}">
+        <p14:creationId xmlns:p14="http://schemas.microsoft.com/office/powerpoint/2010/main" val="3485766010"/>
+      </p:ext>
+    </p:extLst>
+  </p:cSld>
+  <p:clrMapOvr>
+    <a:masterClrMapping/>
+  </p:clrMapOvr>
+  <p:transition xmlns:p14="http://schemas.microsoft.com/office/powerpoint/2010/main" spd="slow">
+    <p:cut/>
+  </p:transition>
+</p:sld>
+</file>
+
+<file path=ppt/slides/slide18.xml><?xml version="1.0" encoding="utf-8"?>
+<p:sld xmlns:a="http://schemas.openxmlformats.org/drawingml/2006/main" xmlns:r="http://schemas.openxmlformats.org/officeDocument/2006/relationships" xmlns:p="http://schemas.openxmlformats.org/presentationml/2006/main">
+  <p:cSld>
+    <p:bg>
+      <p:bgPr>
+        <a:blipFill>
+          <a:blip r:embed="rId3"/>
+          <a:stretch>
+            <a:fillRect/>
+          </a:stretch>
+        </a:blipFill>
+        <a:effectLst/>
+      </p:bgPr>
+    </p:bg>
+    <p:spTree>
+      <p:nvGrpSpPr>
+        <p:cNvPr id="1" name="Shape 100"/>
+        <p:cNvGrpSpPr/>
+        <p:nvPr/>
+      </p:nvGrpSpPr>
+      <p:grpSpPr>
+        <a:xfrm>
+          <a:off x="0" y="0"/>
+          <a:ext cx="0" cy="0"/>
+          <a:chOff x="0" y="0"/>
+          <a:chExt cx="0" cy="0"/>
+        </a:xfrm>
+      </p:grpSpPr>
+      <p:sp>
+        <p:nvSpPr>
+          <p:cNvPr id="8" name="Shape 108"/>
+          <p:cNvSpPr txBox="1">
+            <a:spLocks noGrp="1"/>
+          </p:cNvSpPr>
+          <p:nvPr>
+            <p:ph type="title"/>
+          </p:nvPr>
+        </p:nvSpPr>
+        <p:spPr>
+          <a:xfrm>
+            <a:off x="215542" y="565499"/>
+            <a:ext cx="8253900" cy="1011599"/>
+          </a:xfrm>
+          <a:prstGeom prst="rect">
+            <a:avLst/>
+          </a:prstGeom>
+        </p:spPr>
+        <p:txBody>
+          <a:bodyPr lIns="91425" tIns="91425" rIns="91425" bIns="91425" anchor="ctr" anchorCtr="0">
+            <a:noAutofit/>
+          </a:bodyPr>
+          <a:lstStyle/>
+          <a:p>
+            <a:pPr lvl="0" rtl="0">
+              <a:buNone/>
+            </a:pPr>
+            <a:r>
+              <a:rPr lang="en-US" sz="6600" b="0" dirty="0" smtClean="0">
+                <a:latin typeface="Wire One"/>
+                <a:ea typeface="Wire One"/>
+                <a:cs typeface="Wire One"/>
+                <a:sym typeface="Wire One"/>
+              </a:rPr>
+              <a:t>Challenges</a:t>
+            </a:r>
+            <a:endParaRPr lang="en" sz="6600" b="0" dirty="0">
+              <a:latin typeface="Wire One"/>
+              <a:ea typeface="Wire One"/>
+              <a:cs typeface="Wire One"/>
+              <a:sym typeface="Wire One"/>
+            </a:endParaRPr>
+          </a:p>
+        </p:txBody>
+      </p:sp>
+      <p:sp>
+        <p:nvSpPr>
+          <p:cNvPr id="5" name="TextBox 4"/>
+          <p:cNvSpPr txBox="1"/>
+          <p:nvPr/>
+        </p:nvSpPr>
+        <p:spPr>
+          <a:xfrm>
+            <a:off x="903431" y="1657191"/>
+            <a:ext cx="8170511" cy="2677656"/>
+          </a:xfrm>
+          <a:prstGeom prst="rect">
+            <a:avLst/>
+          </a:prstGeom>
+          <a:noFill/>
+        </p:spPr>
+        <p:txBody>
+          <a:bodyPr wrap="square" rtlCol="0">
+            <a:spAutoFit/>
+          </a:bodyPr>
+          <a:lstStyle/>
+          <a:p>
+            <a:r>
+              <a:rPr lang="en-US" sz="2800" dirty="0" smtClean="0"/>
+              <a:t>Version control of XLSX (No support for merging spreadsheets).</a:t>
+            </a:r>
+          </a:p>
+          <a:p>
+            <a:endParaRPr lang="en-US" sz="2800" dirty="0"/>
+          </a:p>
+          <a:p>
+            <a:r>
+              <a:rPr lang="en-US" sz="2800" dirty="0" smtClean="0"/>
+              <a:t>Side-by-side copy and paste.</a:t>
+            </a:r>
+            <a:endParaRPr lang="en-US" sz="2800" dirty="0"/>
+          </a:p>
+          <a:p>
+            <a:endParaRPr lang="en-US" sz="2800" dirty="0"/>
+          </a:p>
+          <a:p>
+            <a:endParaRPr lang="en-US" sz="2800" dirty="0"/>
+          </a:p>
+        </p:txBody>
+      </p:sp>
+      <p:sp>
+        <p:nvSpPr>
+          <p:cNvPr id="6" name="Minus 5"/>
+          <p:cNvSpPr/>
+          <p:nvPr/>
+        </p:nvSpPr>
+        <p:spPr>
+          <a:xfrm>
+            <a:off x="114410" y="1533646"/>
+            <a:ext cx="822960" cy="822960"/>
+          </a:xfrm>
+          <a:prstGeom prst="mathMinus">
+            <a:avLst/>
+          </a:prstGeom>
+          <a:solidFill>
+            <a:schemeClr val="accent6">
+              <a:lumMod val="75000"/>
+            </a:schemeClr>
+          </a:solidFill>
+          <a:ln/>
+        </p:spPr>
+        <p:style>
+          <a:lnRef idx="1">
+            <a:schemeClr val="accent1"/>
+          </a:lnRef>
+          <a:fillRef idx="3">
+            <a:schemeClr val="accent1"/>
+          </a:fillRef>
+          <a:effectRef idx="2">
+            <a:schemeClr val="accent1"/>
+          </a:effectRef>
+          <a:fontRef idx="minor">
+            <a:schemeClr val="lt1"/>
+          </a:fontRef>
+        </p:style>
+        <p:txBody>
+          <a:bodyPr/>
+          <a:lstStyle/>
+          <a:p>
+            <a:endParaRPr lang="en-US"/>
+          </a:p>
+        </p:txBody>
+      </p:sp>
+      <p:sp>
+        <p:nvSpPr>
+          <p:cNvPr id="7" name="Plus 6"/>
+          <p:cNvSpPr/>
+          <p:nvPr/>
+        </p:nvSpPr>
+        <p:spPr>
+          <a:xfrm>
+            <a:off x="80471" y="2802792"/>
+            <a:ext cx="914400" cy="914400"/>
+          </a:xfrm>
+          <a:prstGeom prst="mathPlus">
+            <a:avLst/>
+          </a:prstGeom>
+          <a:solidFill>
+            <a:schemeClr val="accent3">
+              <a:lumMod val="75000"/>
+            </a:schemeClr>
+          </a:solidFill>
+        </p:spPr>
+        <p:style>
+          <a:lnRef idx="1">
+            <a:schemeClr val="accent1"/>
+          </a:lnRef>
+          <a:fillRef idx="3">
+            <a:schemeClr val="accent1"/>
+          </a:fillRef>
+          <a:effectRef idx="2">
+            <a:schemeClr val="accent1"/>
+          </a:effectRef>
+          <a:fontRef idx="minor">
+            <a:schemeClr val="lt1"/>
+          </a:fontRef>
+        </p:style>
+        <p:txBody>
+          <a:bodyPr rtlCol="0" anchor="ctr"/>
+          <a:lstStyle/>
+          <a:p>
+            <a:pPr algn="ctr"/>
+            <a:endParaRPr lang="en-US"/>
+          </a:p>
+        </p:txBody>
+      </p:sp>
+    </p:spTree>
+    <p:extLst>
+      <p:ext uri="{BB962C8B-B14F-4D97-AF65-F5344CB8AC3E}">
+        <p14:creationId xmlns:p14="http://schemas.microsoft.com/office/powerpoint/2010/main" val="3569906619"/>
+      </p:ext>
+    </p:extLst>
+  </p:cSld>
+  <p:clrMapOvr>
+    <a:masterClrMapping/>
+  </p:clrMapOvr>
+  <p:transition xmlns:p14="http://schemas.microsoft.com/office/powerpoint/2010/main" spd="slow">
+    <p:cut/>
+  </p:transition>
+</p:sld>
+</file>
+
+<file path=ppt/slides/slide19.xml><?xml version="1.0" encoding="utf-8"?>
+<p:sld xmlns:a="http://schemas.openxmlformats.org/drawingml/2006/main" xmlns:r="http://schemas.openxmlformats.org/officeDocument/2006/relationships" xmlns:p="http://schemas.openxmlformats.org/presentationml/2006/main">
+  <p:cSld>
+    <p:bg>
+      <p:bgPr>
+        <a:blipFill>
+          <a:blip r:embed="rId3"/>
+          <a:stretch>
+            <a:fillRect/>
+          </a:stretch>
+        </a:blipFill>
+        <a:effectLst/>
+      </p:bgPr>
+    </p:bg>
+    <p:spTree>
+      <p:nvGrpSpPr>
+        <p:cNvPr id="1" name="Shape 100"/>
+        <p:cNvGrpSpPr/>
+        <p:nvPr/>
+      </p:nvGrpSpPr>
+      <p:grpSpPr>
+        <a:xfrm>
+          <a:off x="0" y="0"/>
+          <a:ext cx="0" cy="0"/>
+          <a:chOff x="0" y="0"/>
+          <a:chExt cx="0" cy="0"/>
+        </a:xfrm>
+      </p:grpSpPr>
+      <p:sp>
+        <p:nvSpPr>
+          <p:cNvPr id="8" name="Shape 108"/>
+          <p:cNvSpPr txBox="1">
+            <a:spLocks noGrp="1"/>
+          </p:cNvSpPr>
+          <p:nvPr>
+            <p:ph type="title"/>
+          </p:nvPr>
+        </p:nvSpPr>
+        <p:spPr>
+          <a:xfrm>
+            <a:off x="215542" y="565499"/>
+            <a:ext cx="8253900" cy="1011599"/>
+          </a:xfrm>
+          <a:prstGeom prst="rect">
+            <a:avLst/>
+          </a:prstGeom>
+        </p:spPr>
+        <p:txBody>
+          <a:bodyPr lIns="91425" tIns="91425" rIns="91425" bIns="91425" anchor="ctr" anchorCtr="0">
+            <a:noAutofit/>
+          </a:bodyPr>
+          <a:lstStyle/>
+          <a:p>
+            <a:pPr lvl="0" rtl="0">
+              <a:buNone/>
+            </a:pPr>
+            <a:r>
+              <a:rPr lang="en-US" sz="6600" b="0" dirty="0" smtClean="0">
+                <a:latin typeface="Wire One"/>
+                <a:ea typeface="Wire One"/>
+                <a:cs typeface="Wire One"/>
+                <a:sym typeface="Wire One"/>
+              </a:rPr>
+              <a:t>Challenges</a:t>
+            </a:r>
+            <a:endParaRPr lang="en" sz="6600" b="0" dirty="0">
+              <a:latin typeface="Wire One"/>
+              <a:ea typeface="Wire One"/>
+              <a:cs typeface="Wire One"/>
+              <a:sym typeface="Wire One"/>
+            </a:endParaRPr>
+          </a:p>
+        </p:txBody>
+      </p:sp>
+      <p:sp>
+        <p:nvSpPr>
+          <p:cNvPr id="5" name="TextBox 4"/>
+          <p:cNvSpPr txBox="1"/>
+          <p:nvPr/>
+        </p:nvSpPr>
+        <p:spPr>
+          <a:xfrm>
+            <a:off x="903431" y="1657191"/>
+            <a:ext cx="8170511" cy="2246769"/>
+          </a:xfrm>
+          <a:prstGeom prst="rect">
+            <a:avLst/>
+          </a:prstGeom>
+          <a:noFill/>
+        </p:spPr>
+        <p:txBody>
+          <a:bodyPr wrap="square" rtlCol="0">
+            <a:spAutoFit/>
+          </a:bodyPr>
+          <a:lstStyle/>
+          <a:p>
+            <a:r>
+              <a:rPr lang="en-US" sz="2800" dirty="0" smtClean="0"/>
+              <a:t>Tailor ODK Survey to the requirements of our app.</a:t>
+            </a:r>
+          </a:p>
+          <a:p>
+            <a:endParaRPr lang="en-US" sz="2800" dirty="0"/>
+          </a:p>
+          <a:p>
+            <a:r>
+              <a:rPr lang="en-US" sz="2800" dirty="0" smtClean="0"/>
+              <a:t>Contact experts in the field (Mitch).</a:t>
+            </a:r>
+            <a:endParaRPr lang="en-US" sz="2800" dirty="0"/>
+          </a:p>
+          <a:p>
+            <a:endParaRPr lang="en-US" sz="2800" dirty="0"/>
+          </a:p>
+          <a:p>
+            <a:endParaRPr lang="en-US" sz="2800" dirty="0"/>
+          </a:p>
+        </p:txBody>
+      </p:sp>
+      <p:sp>
+        <p:nvSpPr>
+          <p:cNvPr id="6" name="Minus 5"/>
+          <p:cNvSpPr/>
+          <p:nvPr/>
+        </p:nvSpPr>
+        <p:spPr>
+          <a:xfrm>
+            <a:off x="114410" y="1533646"/>
+            <a:ext cx="822960" cy="822960"/>
+          </a:xfrm>
+          <a:prstGeom prst="mathMinus">
+            <a:avLst/>
+          </a:prstGeom>
+          <a:solidFill>
+            <a:schemeClr val="accent6">
+              <a:lumMod val="75000"/>
+            </a:schemeClr>
+          </a:solidFill>
+          <a:ln/>
+        </p:spPr>
+        <p:style>
+          <a:lnRef idx="1">
+            <a:schemeClr val="accent1"/>
+          </a:lnRef>
+          <a:fillRef idx="3">
+            <a:schemeClr val="accent1"/>
+          </a:fillRef>
+          <a:effectRef idx="2">
+            <a:schemeClr val="accent1"/>
+          </a:effectRef>
+          <a:fontRef idx="minor">
+            <a:schemeClr val="lt1"/>
+          </a:fontRef>
+        </p:style>
+        <p:txBody>
+          <a:bodyPr/>
+          <a:lstStyle/>
+          <a:p>
+            <a:endParaRPr lang="en-US"/>
+          </a:p>
+        </p:txBody>
+      </p:sp>
+      <p:sp>
+        <p:nvSpPr>
+          <p:cNvPr id="7" name="Plus 6"/>
+          <p:cNvSpPr/>
+          <p:nvPr/>
+        </p:nvSpPr>
+        <p:spPr>
+          <a:xfrm>
+            <a:off x="80471" y="2356606"/>
+            <a:ext cx="914400" cy="914400"/>
+          </a:xfrm>
+          <a:prstGeom prst="mathPlus">
+            <a:avLst/>
+          </a:prstGeom>
+          <a:solidFill>
+            <a:schemeClr val="accent3">
+              <a:lumMod val="75000"/>
+            </a:schemeClr>
+          </a:solidFill>
+        </p:spPr>
+        <p:style>
+          <a:lnRef idx="1">
+            <a:schemeClr val="accent1"/>
+          </a:lnRef>
+          <a:fillRef idx="3">
+            <a:schemeClr val="accent1"/>
+          </a:fillRef>
+          <a:effectRef idx="2">
+            <a:schemeClr val="accent1"/>
+          </a:effectRef>
+          <a:fontRef idx="minor">
+            <a:schemeClr val="lt1"/>
+          </a:fontRef>
+        </p:style>
+        <p:txBody>
+          <a:bodyPr rtlCol="0" anchor="ctr"/>
+          <a:lstStyle/>
+          <a:p>
+            <a:pPr algn="ctr"/>
+            <a:endParaRPr lang="en-US"/>
+          </a:p>
+        </p:txBody>
+      </p:sp>
+    </p:spTree>
+    <p:extLst>
+      <p:ext uri="{BB962C8B-B14F-4D97-AF65-F5344CB8AC3E}">
+        <p14:creationId xmlns:p14="http://schemas.microsoft.com/office/powerpoint/2010/main" val="3558372293"/>
+      </p:ext>
+    </p:extLst>
+  </p:cSld>
+  <p:clrMapOvr>
+    <a:masterClrMapping/>
+  </p:clrMapOvr>
+  <p:transition xmlns:p14="http://schemas.microsoft.com/office/powerpoint/2010/main" spd="slow">
+    <p:cut/>
+  </p:transition>
+</p:sld>
+</file>
+
 <file path=ppt/slides/slide2.xml><?xml version="1.0" encoding="utf-8"?>
 <p:sld xmlns:a="http://schemas.openxmlformats.org/drawingml/2006/main" xmlns:r="http://schemas.openxmlformats.org/officeDocument/2006/relationships" xmlns:p="http://schemas.openxmlformats.org/presentationml/2006/main">
   <p:cSld>
@@ -4085,6 +7545,484 @@
             </a:r>
           </a:p>
         </p:txBody>
+      </p:sp>
+    </p:spTree>
+  </p:cSld>
+  <p:clrMapOvr>
+    <a:masterClrMapping/>
+  </p:clrMapOvr>
+  <p:transition xmlns:p14="http://schemas.microsoft.com/office/powerpoint/2010/main" spd="slow">
+    <p:cut/>
+  </p:transition>
+</p:sld>
+</file>
+
+<file path=ppt/slides/slide20.xml><?xml version="1.0" encoding="utf-8"?>
+<p:sld xmlns:a="http://schemas.openxmlformats.org/drawingml/2006/main" xmlns:r="http://schemas.openxmlformats.org/officeDocument/2006/relationships" xmlns:p="http://schemas.openxmlformats.org/presentationml/2006/main">
+  <p:cSld>
+    <p:bg>
+      <p:bgPr>
+        <a:blipFill>
+          <a:blip r:embed="rId3"/>
+          <a:stretch>
+            <a:fillRect/>
+          </a:stretch>
+        </a:blipFill>
+        <a:effectLst/>
+      </p:bgPr>
+    </p:bg>
+    <p:spTree>
+      <p:nvGrpSpPr>
+        <p:cNvPr id="1" name="Shape 100"/>
+        <p:cNvGrpSpPr/>
+        <p:nvPr/>
+      </p:nvGrpSpPr>
+      <p:grpSpPr>
+        <a:xfrm>
+          <a:off x="0" y="0"/>
+          <a:ext cx="0" cy="0"/>
+          <a:chOff x="0" y="0"/>
+          <a:chExt cx="0" cy="0"/>
+        </a:xfrm>
+      </p:grpSpPr>
+      <p:sp>
+        <p:nvSpPr>
+          <p:cNvPr id="8" name="Shape 108"/>
+          <p:cNvSpPr txBox="1">
+            <a:spLocks noGrp="1"/>
+          </p:cNvSpPr>
+          <p:nvPr>
+            <p:ph type="title"/>
+          </p:nvPr>
+        </p:nvSpPr>
+        <p:spPr>
+          <a:xfrm>
+            <a:off x="215542" y="565499"/>
+            <a:ext cx="8253900" cy="1011599"/>
+          </a:xfrm>
+          <a:prstGeom prst="rect">
+            <a:avLst/>
+          </a:prstGeom>
+        </p:spPr>
+        <p:txBody>
+          <a:bodyPr lIns="91425" tIns="91425" rIns="91425" bIns="91425" anchor="ctr" anchorCtr="0">
+            <a:noAutofit/>
+          </a:bodyPr>
+          <a:lstStyle/>
+          <a:p>
+            <a:pPr lvl="0" rtl="0">
+              <a:buNone/>
+            </a:pPr>
+            <a:r>
+              <a:rPr lang="en-US" sz="6600" b="0" dirty="0" smtClean="0">
+                <a:latin typeface="Wire One"/>
+                <a:ea typeface="Wire One"/>
+                <a:cs typeface="Wire One"/>
+                <a:sym typeface="Wire One"/>
+              </a:rPr>
+              <a:t>Challenges</a:t>
+            </a:r>
+            <a:endParaRPr lang="en" sz="6600" b="0" dirty="0">
+              <a:latin typeface="Wire One"/>
+              <a:ea typeface="Wire One"/>
+              <a:cs typeface="Wire One"/>
+              <a:sym typeface="Wire One"/>
+            </a:endParaRPr>
+          </a:p>
+        </p:txBody>
+      </p:sp>
+    </p:spTree>
+    <p:extLst>
+      <p:ext uri="{BB962C8B-B14F-4D97-AF65-F5344CB8AC3E}">
+        <p14:creationId xmlns:p14="http://schemas.microsoft.com/office/powerpoint/2010/main" val="2828973654"/>
+      </p:ext>
+    </p:extLst>
+  </p:cSld>
+  <p:clrMapOvr>
+    <a:masterClrMapping/>
+  </p:clrMapOvr>
+  <p:transition xmlns:p14="http://schemas.microsoft.com/office/powerpoint/2010/main" spd="slow">
+    <p:cut/>
+  </p:transition>
+</p:sld>
+</file>
+
+<file path=ppt/slides/slide21.xml><?xml version="1.0" encoding="utf-8"?>
+<p:sld xmlns:a="http://schemas.openxmlformats.org/drawingml/2006/main" xmlns:r="http://schemas.openxmlformats.org/officeDocument/2006/relationships" xmlns:p="http://schemas.openxmlformats.org/presentationml/2006/main">
+  <p:cSld>
+    <p:bg>
+      <p:bgPr>
+        <a:blipFill>
+          <a:blip r:embed="rId3"/>
+          <a:stretch>
+            <a:fillRect/>
+          </a:stretch>
+        </a:blipFill>
+        <a:effectLst/>
+      </p:bgPr>
+    </p:bg>
+    <p:spTree>
+      <p:nvGrpSpPr>
+        <p:cNvPr id="1" name="Shape 107"/>
+        <p:cNvGrpSpPr/>
+        <p:nvPr/>
+      </p:nvGrpSpPr>
+      <p:grpSpPr>
+        <a:xfrm>
+          <a:off x="0" y="0"/>
+          <a:ext cx="0" cy="0"/>
+          <a:chOff x="0" y="0"/>
+          <a:chExt cx="0" cy="0"/>
+        </a:xfrm>
+      </p:grpSpPr>
+      <p:sp>
+        <p:nvSpPr>
+          <p:cNvPr id="108" name="Shape 108"/>
+          <p:cNvSpPr txBox="1">
+            <a:spLocks noGrp="1"/>
+          </p:cNvSpPr>
+          <p:nvPr>
+            <p:ph type="title"/>
+          </p:nvPr>
+        </p:nvSpPr>
+        <p:spPr>
+          <a:xfrm>
+            <a:off x="432915" y="645592"/>
+            <a:ext cx="8253900" cy="1011599"/>
+          </a:xfrm>
+          <a:prstGeom prst="rect">
+            <a:avLst/>
+          </a:prstGeom>
+        </p:spPr>
+        <p:txBody>
+          <a:bodyPr lIns="91425" tIns="91425" rIns="91425" bIns="91425" anchor="ctr" anchorCtr="0">
+            <a:noAutofit/>
+          </a:bodyPr>
+          <a:lstStyle/>
+          <a:p>
+            <a:pPr lvl="0" rtl="0">
+              <a:buNone/>
+            </a:pPr>
+            <a:r>
+              <a:rPr lang="en" sz="6600" b="0" dirty="0">
+                <a:latin typeface="Wire One"/>
+                <a:ea typeface="Wire One"/>
+                <a:cs typeface="Wire One"/>
+                <a:sym typeface="Wire One"/>
+              </a:rPr>
+              <a:t>Self-Evaluation</a:t>
+            </a:r>
+          </a:p>
+        </p:txBody>
+      </p:sp>
+      <p:sp>
+        <p:nvSpPr>
+          <p:cNvPr id="109" name="Shape 109"/>
+          <p:cNvSpPr txBox="1">
+            <a:spLocks noGrp="1"/>
+          </p:cNvSpPr>
+          <p:nvPr>
+            <p:ph type="body" idx="1"/>
+          </p:nvPr>
+        </p:nvSpPr>
+        <p:spPr>
+          <a:xfrm>
+            <a:off x="457200" y="1818766"/>
+            <a:ext cx="8229600" cy="4748999"/>
+          </a:xfrm>
+          <a:prstGeom prst="rect">
+            <a:avLst/>
+          </a:prstGeom>
+        </p:spPr>
+        <p:txBody>
+          <a:bodyPr lIns="91425" tIns="91425" rIns="91425" bIns="91425" anchor="t" anchorCtr="0">
+            <a:noAutofit/>
+          </a:bodyPr>
+          <a:lstStyle/>
+          <a:p>
+            <a:pPr marL="457200" lvl="0" indent="-419100" rtl="0">
+              <a:buClr>
+                <a:schemeClr val="dk1"/>
+              </a:buClr>
+              <a:buSzPct val="217391"/>
+              <a:buFont typeface="Arial"/>
+              <a:buChar char="•"/>
+            </a:pPr>
+            <a:r>
+              <a:rPr lang="en" sz="2300">
+                <a:latin typeface="Raleway"/>
+                <a:ea typeface="Raleway"/>
+                <a:cs typeface="Raleway"/>
+                <a:sym typeface="Raleway"/>
+              </a:rPr>
+              <a:t>How we will evaluate ourselves?</a:t>
+            </a:r>
+          </a:p>
+          <a:p>
+            <a:pPr marL="914400" lvl="1" indent="-381000" rtl="0">
+              <a:buClr>
+                <a:schemeClr val="dk1"/>
+              </a:buClr>
+              <a:buSzPct val="104347"/>
+              <a:buFont typeface="Courier New"/>
+              <a:buChar char="o"/>
+            </a:pPr>
+            <a:r>
+              <a:rPr lang="en" sz="2300">
+                <a:latin typeface="Raleway"/>
+                <a:ea typeface="Raleway"/>
+                <a:cs typeface="Raleway"/>
+                <a:sym typeface="Raleway"/>
+              </a:rPr>
+              <a:t>Functionality</a:t>
+            </a:r>
+          </a:p>
+          <a:p>
+            <a:pPr marL="914400" lvl="1" indent="-381000" rtl="0">
+              <a:buClr>
+                <a:schemeClr val="dk1"/>
+              </a:buClr>
+              <a:buSzPct val="104347"/>
+              <a:buFont typeface="Courier New"/>
+              <a:buChar char="o"/>
+            </a:pPr>
+            <a:r>
+              <a:rPr lang="en" sz="2300">
+                <a:latin typeface="Raleway"/>
+                <a:ea typeface="Raleway"/>
+                <a:cs typeface="Raleway"/>
+                <a:sym typeface="Raleway"/>
+              </a:rPr>
+              <a:t>Usability testing from nurses and feedback</a:t>
+            </a:r>
+          </a:p>
+          <a:p>
+            <a:pPr marL="914400" lvl="1" indent="-381000" rtl="0">
+              <a:buClr>
+                <a:schemeClr val="dk1"/>
+              </a:buClr>
+              <a:buSzPct val="104347"/>
+              <a:buFont typeface="Courier New"/>
+              <a:buChar char="o"/>
+            </a:pPr>
+            <a:r>
+              <a:rPr lang="en" sz="2300">
+                <a:latin typeface="Raleway"/>
+                <a:ea typeface="Raleway"/>
+                <a:cs typeface="Raleway"/>
+                <a:sym typeface="Raleway"/>
+              </a:rPr>
+              <a:t>Platform-compatibility</a:t>
+            </a:r>
+          </a:p>
+          <a:p>
+            <a:endParaRPr lang="en" sz="2300">
+              <a:latin typeface="Raleway"/>
+              <a:ea typeface="Raleway"/>
+              <a:cs typeface="Raleway"/>
+              <a:sym typeface="Raleway"/>
+            </a:endParaRPr>
+          </a:p>
+        </p:txBody>
+      </p:sp>
+      <p:sp>
+        <p:nvSpPr>
+          <p:cNvPr id="110" name="Shape 110"/>
+          <p:cNvSpPr/>
+          <p:nvPr/>
+        </p:nvSpPr>
+        <p:spPr>
+          <a:xfrm>
+            <a:off x="338390" y="3504560"/>
+            <a:ext cx="1566866" cy="2337295"/>
+          </a:xfrm>
+          <a:prstGeom prst="rect">
+            <a:avLst/>
+          </a:prstGeom>
+          <a:blipFill>
+            <a:blip r:embed="rId4"/>
+            <a:stretch>
+              <a:fillRect/>
+            </a:stretch>
+          </a:blipFill>
+        </p:spPr>
+      </p:sp>
+      <p:sp>
+        <p:nvSpPr>
+          <p:cNvPr id="111" name="Shape 111"/>
+          <p:cNvSpPr/>
+          <p:nvPr/>
+        </p:nvSpPr>
+        <p:spPr>
+          <a:xfrm>
+            <a:off x="2374105" y="3536529"/>
+            <a:ext cx="3363270" cy="2273356"/>
+          </a:xfrm>
+          <a:prstGeom prst="rect">
+            <a:avLst/>
+          </a:prstGeom>
+          <a:blipFill>
+            <a:blip r:embed="rId5"/>
+            <a:stretch>
+              <a:fillRect/>
+            </a:stretch>
+          </a:blipFill>
+        </p:spPr>
+      </p:sp>
+      <p:sp>
+        <p:nvSpPr>
+          <p:cNvPr id="112" name="Shape 112"/>
+          <p:cNvSpPr/>
+          <p:nvPr/>
+        </p:nvSpPr>
+        <p:spPr>
+          <a:xfrm>
+            <a:off x="6231198" y="3518978"/>
+            <a:ext cx="2639751" cy="2308458"/>
+          </a:xfrm>
+          <a:prstGeom prst="rect">
+            <a:avLst/>
+          </a:prstGeom>
+          <a:blipFill>
+            <a:blip r:embed="rId6"/>
+            <a:stretch>
+              <a:fillRect/>
+            </a:stretch>
+          </a:blipFill>
+        </p:spPr>
+      </p:sp>
+    </p:spTree>
+  </p:cSld>
+  <p:clrMapOvr>
+    <a:masterClrMapping/>
+  </p:clrMapOvr>
+  <p:transition xmlns:p14="http://schemas.microsoft.com/office/powerpoint/2010/main" spd="slow">
+    <p:cut/>
+  </p:transition>
+</p:sld>
+</file>
+
+<file path=ppt/slides/slide22.xml><?xml version="1.0" encoding="utf-8"?>
+<p:sld xmlns:a="http://schemas.openxmlformats.org/drawingml/2006/main" xmlns:r="http://schemas.openxmlformats.org/officeDocument/2006/relationships" xmlns:p="http://schemas.openxmlformats.org/presentationml/2006/main">
+  <p:cSld>
+    <p:bg>
+      <p:bgPr>
+        <a:blipFill>
+          <a:blip r:embed="rId3"/>
+          <a:stretch>
+            <a:fillRect/>
+          </a:stretch>
+        </a:blipFill>
+        <a:effectLst/>
+      </p:bgPr>
+    </p:bg>
+    <p:spTree>
+      <p:nvGrpSpPr>
+        <p:cNvPr id="1" name="Shape 116"/>
+        <p:cNvGrpSpPr/>
+        <p:nvPr/>
+      </p:nvGrpSpPr>
+      <p:grpSpPr>
+        <a:xfrm>
+          <a:off x="0" y="0"/>
+          <a:ext cx="0" cy="0"/>
+          <a:chOff x="0" y="0"/>
+          <a:chExt cx="0" cy="0"/>
+        </a:xfrm>
+      </p:grpSpPr>
+      <p:sp>
+        <p:nvSpPr>
+          <p:cNvPr id="117" name="Shape 117"/>
+          <p:cNvSpPr txBox="1">
+            <a:spLocks noGrp="1"/>
+          </p:cNvSpPr>
+          <p:nvPr>
+            <p:ph type="title"/>
+          </p:nvPr>
+        </p:nvSpPr>
+        <p:spPr>
+          <a:xfrm>
+            <a:off x="432915" y="645592"/>
+            <a:ext cx="8253900" cy="1011599"/>
+          </a:xfrm>
+          <a:prstGeom prst="rect">
+            <a:avLst/>
+          </a:prstGeom>
+        </p:spPr>
+        <p:txBody>
+          <a:bodyPr lIns="91425" tIns="91425" rIns="91425" bIns="91425" anchor="ctr" anchorCtr="0">
+            <a:noAutofit/>
+          </a:bodyPr>
+          <a:lstStyle/>
+          <a:p>
+            <a:pPr lvl="0" rtl="0">
+              <a:buNone/>
+            </a:pPr>
+            <a:r>
+              <a:rPr lang="en" sz="6600" b="0">
+                <a:latin typeface="Wire One"/>
+                <a:ea typeface="Wire One"/>
+                <a:cs typeface="Wire One"/>
+                <a:sym typeface="Wire One"/>
+              </a:rPr>
+              <a:t>Questions?</a:t>
+            </a:r>
+          </a:p>
+        </p:txBody>
+      </p:sp>
+      <p:sp>
+        <p:nvSpPr>
+          <p:cNvPr id="118" name="Shape 118"/>
+          <p:cNvSpPr txBox="1"/>
+          <p:nvPr/>
+        </p:nvSpPr>
+        <p:spPr>
+          <a:xfrm>
+            <a:off x="3721749" y="645592"/>
+            <a:ext cx="1252800" cy="2763899"/>
+          </a:xfrm>
+          <a:prstGeom prst="rect">
+            <a:avLst/>
+          </a:prstGeom>
+          <a:noFill/>
+        </p:spPr>
+        <p:txBody>
+          <a:bodyPr lIns="91425" tIns="91425" rIns="91425" bIns="91425" anchor="t" anchorCtr="0">
+            <a:noAutofit/>
+          </a:bodyPr>
+          <a:lstStyle/>
+          <a:p>
+            <a:pPr>
+              <a:buNone/>
+            </a:pPr>
+            <a:r>
+              <a:rPr lang="en" sz="13000"/>
+              <a:t>?</a:t>
+            </a:r>
+          </a:p>
+        </p:txBody>
+      </p:sp>
+      <p:sp>
+        <p:nvSpPr>
+          <p:cNvPr id="119" name="Shape 119"/>
+          <p:cNvSpPr/>
+          <p:nvPr/>
+        </p:nvSpPr>
+        <p:spPr>
+          <a:xfrm>
+            <a:off x="1685690" y="2329900"/>
+            <a:ext cx="5555288" cy="3692425"/>
+          </a:xfrm>
+          <a:prstGeom prst="rect">
+            <a:avLst/>
+          </a:prstGeom>
+          <a:blipFill>
+            <a:blip r:embed="rId4"/>
+            <a:stretch>
+              <a:fillRect/>
+            </a:stretch>
+          </a:blipFill>
+        </p:spPr>
       </p:sp>
     </p:spTree>
   </p:cSld>
@@ -5245,214 +9183,36 @@
           <a:chExt cx="0" cy="0"/>
         </a:xfrm>
       </p:grpSpPr>
-      <p:sp>
-        <p:nvSpPr>
-          <p:cNvPr id="95" name="Shape 95"/>
-          <p:cNvSpPr txBox="1">
-            <a:spLocks noGrp="1"/>
-          </p:cNvSpPr>
-          <p:nvPr>
-            <p:ph type="title"/>
-          </p:nvPr>
-        </p:nvSpPr>
-        <p:spPr>
-          <a:xfrm>
-            <a:off x="445050" y="582592"/>
-            <a:ext cx="8253900" cy="1322699"/>
+      <p:pic>
+        <p:nvPicPr>
+          <p:cNvPr id="4" name="Picture 3" descr="IMG_0489.jpg"/>
+          <p:cNvPicPr>
+            <a:picLocks noChangeAspect="1"/>
+          </p:cNvPicPr>
+          <p:nvPr/>
+        </p:nvPicPr>
+        <p:blipFill>
+          <a:blip r:embed="rId4">
+            <a:extLst>
+              <a:ext uri="{28A0092B-C50C-407E-A947-70E740481C1C}">
+                <a14:useLocalDpi xmlns:a14="http://schemas.microsoft.com/office/drawing/2010/main" val="0"/>
+              </a:ext>
+            </a:extLst>
+          </a:blip>
+          <a:stretch>
+            <a:fillRect/>
+          </a:stretch>
+        </p:blipFill>
+        <p:spPr>
+          <a:xfrm>
+            <a:off x="2333909" y="606989"/>
+            <a:ext cx="3615268" cy="5422902"/>
           </a:xfrm>
           <a:prstGeom prst="rect">
             <a:avLst/>
           </a:prstGeom>
         </p:spPr>
-        <p:txBody>
-          <a:bodyPr lIns="91425" tIns="91425" rIns="91425" bIns="91425" anchor="ctr" anchorCtr="0">
-            <a:noAutofit/>
-          </a:bodyPr>
-          <a:lstStyle/>
-          <a:p>
-            <a:pPr lvl="0" rtl="0">
-              <a:buNone/>
-            </a:pPr>
-            <a:r>
-              <a:rPr lang="en" sz="4800" b="0" dirty="0">
-                <a:latin typeface="Wire One"/>
-                <a:ea typeface="Wire One"/>
-                <a:cs typeface="Wire One"/>
-                <a:sym typeface="Wire One"/>
-              </a:rPr>
-              <a:t>PROJECT PROGRESS </a:t>
-            </a:r>
-            <a:r>
-              <a:rPr lang="en" sz="3000" b="0" dirty="0">
-                <a:latin typeface="Wire One"/>
-                <a:ea typeface="Wire One"/>
-                <a:cs typeface="Wire One"/>
-                <a:sym typeface="Wire One"/>
-              </a:rPr>
-              <a:t>Completed and In Progress</a:t>
-            </a:r>
-          </a:p>
-        </p:txBody>
-      </p:sp>
-      <p:sp>
-        <p:nvSpPr>
-          <p:cNvPr id="96" name="Shape 96"/>
-          <p:cNvSpPr txBox="1">
-            <a:spLocks noGrp="1"/>
-          </p:cNvSpPr>
-          <p:nvPr>
-            <p:ph type="body" idx="1"/>
-          </p:nvPr>
-        </p:nvSpPr>
-        <p:spPr>
-          <a:xfrm>
-            <a:off x="457200" y="1818766"/>
-            <a:ext cx="8229600" cy="4748999"/>
-          </a:xfrm>
-          <a:prstGeom prst="rect">
-            <a:avLst/>
-          </a:prstGeom>
-        </p:spPr>
-        <p:txBody>
-          <a:bodyPr lIns="91425" tIns="91425" rIns="91425" bIns="91425" anchor="t" anchorCtr="0">
-            <a:noAutofit/>
-          </a:bodyPr>
-          <a:lstStyle/>
-          <a:p>
-            <a:pPr marL="457200" lvl="0" indent="-419100" rtl="0">
-              <a:buClr>
-                <a:schemeClr val="dk1"/>
-              </a:buClr>
-              <a:buSzPct val="192307"/>
-              <a:buFont typeface="Arial"/>
-              <a:buChar char="•"/>
-            </a:pPr>
-            <a:r>
-              <a:rPr lang="en" sz="2600" dirty="0">
-                <a:latin typeface="Raleway"/>
-                <a:ea typeface="Raleway"/>
-                <a:cs typeface="Raleway"/>
-                <a:sym typeface="Raleway"/>
-              </a:rPr>
-              <a:t>Creating unique ODK prompt types and handlebars</a:t>
-            </a:r>
-          </a:p>
-          <a:p>
-            <a:pPr marL="914400" lvl="1" indent="-381000" rtl="0">
-              <a:buClr>
-                <a:schemeClr val="dk1"/>
-              </a:buClr>
-              <a:buSzPct val="104347"/>
-              <a:buFont typeface="Courier New"/>
-              <a:buChar char="o"/>
-            </a:pPr>
-            <a:r>
-              <a:rPr lang="en" sz="2300" dirty="0">
-                <a:latin typeface="Raleway"/>
-                <a:ea typeface="Raleway"/>
-                <a:cs typeface="Raleway"/>
-                <a:sym typeface="Raleway"/>
-              </a:rPr>
-              <a:t>Menu (In progress)</a:t>
-            </a:r>
-          </a:p>
-          <a:p>
-            <a:pPr marL="914400" lvl="1" indent="-381000" rtl="0">
-              <a:buClr>
-                <a:schemeClr val="dk1"/>
-              </a:buClr>
-              <a:buSzPct val="104347"/>
-              <a:buFont typeface="Courier New"/>
-              <a:buChar char="o"/>
-            </a:pPr>
-            <a:r>
-              <a:rPr lang="en" sz="2300" dirty="0">
-                <a:latin typeface="Raleway"/>
-                <a:ea typeface="Raleway"/>
-                <a:cs typeface="Raleway"/>
-                <a:sym typeface="Raleway"/>
-              </a:rPr>
-              <a:t>Image Slider (In progress)</a:t>
-            </a:r>
-          </a:p>
-          <a:p>
-            <a:pPr marL="457200" lvl="0" indent="-419100" rtl="0">
-              <a:buClr>
-                <a:schemeClr val="dk1"/>
-              </a:buClr>
-              <a:buSzPct val="217391"/>
-              <a:buFont typeface="Arial"/>
-              <a:buChar char="•"/>
-            </a:pPr>
-            <a:r>
-              <a:rPr lang="en" sz="2300" dirty="0">
-                <a:latin typeface="Raleway"/>
-                <a:ea typeface="Raleway"/>
-                <a:cs typeface="Raleway"/>
-                <a:sym typeface="Raleway"/>
-              </a:rPr>
-              <a:t>Displaying images and video in ODK Survey.</a:t>
-            </a:r>
-          </a:p>
-          <a:p>
-            <a:pPr marL="457200" lvl="0" indent="-419100" rtl="0">
-              <a:buClr>
-                <a:schemeClr val="dk1"/>
-              </a:buClr>
-              <a:buSzPct val="217391"/>
-              <a:buFont typeface="Arial"/>
-              <a:buChar char="•"/>
-            </a:pPr>
-            <a:r>
-              <a:rPr lang="en" sz="2300" dirty="0">
-                <a:latin typeface="Raleway"/>
-                <a:ea typeface="Raleway"/>
-                <a:cs typeface="Raleway"/>
-                <a:sym typeface="Raleway"/>
-              </a:rPr>
-              <a:t>Implementing different calculators (In progress).</a:t>
-            </a:r>
-          </a:p>
-          <a:p>
-            <a:pPr marL="457200" lvl="0" indent="-419100" rtl="0">
-              <a:buClr>
-                <a:schemeClr val="dk1"/>
-              </a:buClr>
-              <a:buSzPct val="217391"/>
-              <a:buFont typeface="Arial"/>
-              <a:buChar char="•"/>
-            </a:pPr>
-            <a:r>
-              <a:rPr lang="en" sz="2300" dirty="0">
-                <a:latin typeface="Raleway"/>
-                <a:ea typeface="Raleway"/>
-                <a:cs typeface="Raleway"/>
-                <a:sym typeface="Raleway"/>
-              </a:rPr>
-              <a:t>Hosting on Heroku with Node.js backend.</a:t>
-            </a:r>
-          </a:p>
-          <a:p>
-            <a:pPr marL="457200" lvl="0" indent="-419100" rtl="0">
-              <a:buClr>
-                <a:schemeClr val="dk1"/>
-              </a:buClr>
-              <a:buSzPct val="217391"/>
-              <a:buFont typeface="Arial"/>
-              <a:buChar char="•"/>
-            </a:pPr>
-            <a:r>
-              <a:rPr lang="en" sz="2300" dirty="0">
-                <a:latin typeface="Raleway"/>
-                <a:ea typeface="Raleway"/>
-                <a:cs typeface="Raleway"/>
-                <a:sym typeface="Raleway"/>
-              </a:rPr>
-              <a:t>Basic UI and navigation.</a:t>
-            </a:r>
-          </a:p>
-        </p:txBody>
-      </p:sp>
+      </p:pic>
     </p:spTree>
   </p:cSld>
   <p:clrMapOvr>
@@ -5461,6 +9221,13 @@
   <p:transition xmlns:p14="http://schemas.microsoft.com/office/powerpoint/2010/main" spd="slow">
     <p:cut/>
   </p:transition>
+  <p:timing>
+    <p:tnLst>
+      <p:par>
+        <p:cTn xmlns:p14="http://schemas.microsoft.com/office/powerpoint/2010/main" id="1" dur="indefinite" restart="never" nodeType="tmRoot"/>
+      </p:par>
+    </p:tnLst>
+  </p:timing>
 </p:sld>
 </file>
 
@@ -5480,7 +9247,7 @@
     </p:bg>
     <p:spTree>
       <p:nvGrpSpPr>
-        <p:cNvPr id="1" name="Shape 100"/>
+        <p:cNvPr id="1" name="Shape 94"/>
         <p:cNvGrpSpPr/>
         <p:nvPr/>
       </p:nvGrpSpPr>
@@ -5492,303 +9259,110 @@
           <a:chExt cx="0" cy="0"/>
         </a:xfrm>
       </p:grpSpPr>
-      <p:sp>
-        <p:nvSpPr>
-          <p:cNvPr id="101" name="Shape 101"/>
-          <p:cNvSpPr txBox="1">
-            <a:spLocks noGrp="1"/>
-          </p:cNvSpPr>
-          <p:nvPr>
-            <p:ph type="title"/>
-          </p:nvPr>
-        </p:nvSpPr>
-        <p:spPr>
-          <a:xfrm>
-            <a:off x="432915" y="645592"/>
-            <a:ext cx="8253900" cy="1228199"/>
+      <p:pic>
+        <p:nvPicPr>
+          <p:cNvPr id="3" name="Picture 2" descr="IMG_0490.jpg"/>
+          <p:cNvPicPr>
+            <a:picLocks noChangeAspect="1"/>
+          </p:cNvPicPr>
+          <p:nvPr/>
+        </p:nvPicPr>
+        <p:blipFill>
+          <a:blip r:embed="rId4">
+            <a:extLst>
+              <a:ext uri="{28A0092B-C50C-407E-A947-70E740481C1C}">
+                <a14:useLocalDpi xmlns:a14="http://schemas.microsoft.com/office/drawing/2010/main" val="0"/>
+              </a:ext>
+            </a:extLst>
+          </a:blip>
+          <a:stretch>
+            <a:fillRect/>
+          </a:stretch>
+        </p:blipFill>
+        <p:spPr>
+          <a:xfrm>
+            <a:off x="5114004" y="606989"/>
+            <a:ext cx="3528747" cy="5293120"/>
           </a:xfrm>
           <a:prstGeom prst="rect">
             <a:avLst/>
           </a:prstGeom>
         </p:spPr>
-        <p:txBody>
-          <a:bodyPr lIns="91425" tIns="91425" rIns="91425" bIns="91425" anchor="ctr" anchorCtr="0">
-            <a:noAutofit/>
-          </a:bodyPr>
-          <a:lstStyle/>
-          <a:p>
-            <a:pPr lvl="0" rtl="0">
-              <a:buNone/>
-            </a:pPr>
-            <a:r>
-              <a:rPr lang="en" sz="6600" b="0">
-                <a:latin typeface="Wire One"/>
-                <a:ea typeface="Wire One"/>
-                <a:cs typeface="Wire One"/>
-                <a:sym typeface="Wire One"/>
-              </a:rPr>
-              <a:t>PROJECT PROGRESS</a:t>
-            </a:r>
-            <a:r>
-              <a:rPr lang="en" sz="3000" b="0">
-                <a:latin typeface="Wire One"/>
-                <a:ea typeface="Wire One"/>
-                <a:cs typeface="Wire One"/>
-                <a:sym typeface="Wire One"/>
-              </a:rPr>
-              <a:t>Goals and Reach</a:t>
-            </a:r>
-          </a:p>
-        </p:txBody>
-      </p:sp>
-      <p:sp>
-        <p:nvSpPr>
-          <p:cNvPr id="102" name="Shape 102"/>
-          <p:cNvSpPr txBox="1">
-            <a:spLocks noGrp="1"/>
-          </p:cNvSpPr>
-          <p:nvPr>
-            <p:ph type="body" idx="1"/>
-          </p:nvPr>
-        </p:nvSpPr>
-        <p:spPr>
-          <a:xfrm>
-            <a:off x="499225" y="1850291"/>
-            <a:ext cx="8229600" cy="4041300"/>
+      </p:pic>
+      <p:pic>
+        <p:nvPicPr>
+          <p:cNvPr id="6" name="Picture 5" descr="IMG_0489.jpg"/>
+          <p:cNvPicPr>
+            <a:picLocks noChangeAspect="1"/>
+          </p:cNvPicPr>
+          <p:nvPr/>
+        </p:nvPicPr>
+        <p:blipFill>
+          <a:blip r:embed="rId5">
+            <a:extLst>
+              <a:ext uri="{28A0092B-C50C-407E-A947-70E740481C1C}">
+                <a14:useLocalDpi xmlns:a14="http://schemas.microsoft.com/office/drawing/2010/main" val="0"/>
+              </a:ext>
+            </a:extLst>
+          </a:blip>
+          <a:stretch>
+            <a:fillRect/>
+          </a:stretch>
+        </p:blipFill>
+        <p:spPr>
+          <a:xfrm>
+            <a:off x="240255" y="606989"/>
+            <a:ext cx="3615268" cy="5422902"/>
           </a:xfrm>
           <a:prstGeom prst="rect">
             <a:avLst/>
           </a:prstGeom>
         </p:spPr>
-        <p:txBody>
-          <a:bodyPr lIns="91425" tIns="91425" rIns="91425" bIns="91425" anchor="t" anchorCtr="0">
-            <a:noAutofit/>
-          </a:bodyPr>
-          <a:lstStyle/>
-          <a:p>
-            <a:pPr lvl="0" rtl="0">
-              <a:buNone/>
-            </a:pPr>
-            <a:r>
-              <a:rPr lang="en" sz="2600" u="sng">
-                <a:latin typeface="Raleway"/>
-                <a:ea typeface="Raleway"/>
-                <a:cs typeface="Raleway"/>
-                <a:sym typeface="Raleway"/>
-              </a:rPr>
-              <a:t>Confident Goals</a:t>
-            </a:r>
-          </a:p>
-          <a:p>
-            <a:pPr marL="914400" lvl="0" indent="-342900" rtl="0">
-              <a:buClr>
-                <a:schemeClr val="dk1"/>
-              </a:buClr>
-              <a:buSzPct val="166666"/>
-              <a:buFont typeface="Arial"/>
-              <a:buChar char="•"/>
-            </a:pPr>
-            <a:r>
-              <a:rPr lang="en" sz="1800">
-                <a:latin typeface="Raleway"/>
-                <a:ea typeface="Raleway"/>
-                <a:cs typeface="Raleway"/>
-                <a:sym typeface="Raleway"/>
-              </a:rPr>
-              <a:t>Finish Ballard Exam.</a:t>
-            </a:r>
-          </a:p>
-          <a:p>
-            <a:pPr marL="914400" lvl="0" indent="-342900" rtl="0">
-              <a:buClr>
-                <a:schemeClr val="dk1"/>
-              </a:buClr>
-              <a:buSzPct val="166666"/>
-              <a:buFont typeface="Arial"/>
-              <a:buChar char="•"/>
-            </a:pPr>
-            <a:r>
-              <a:rPr lang="en" sz="1800">
-                <a:latin typeface="Raleway"/>
-                <a:ea typeface="Raleway"/>
-                <a:cs typeface="Raleway"/>
-                <a:sym typeface="Raleway"/>
-              </a:rPr>
-              <a:t>Medicine Dosage Calculator.</a:t>
-            </a:r>
-          </a:p>
-          <a:p>
-            <a:pPr marL="914400" lvl="0" indent="-342900" rtl="0">
-              <a:buClr>
-                <a:schemeClr val="dk1"/>
-              </a:buClr>
-              <a:buSzPct val="166666"/>
-              <a:buFont typeface="Arial"/>
-              <a:buChar char="•"/>
-            </a:pPr>
-            <a:r>
-              <a:rPr lang="en" sz="1800">
-                <a:latin typeface="Raleway"/>
-                <a:ea typeface="Raleway"/>
-                <a:cs typeface="Raleway"/>
-                <a:sym typeface="Raleway"/>
-              </a:rPr>
-              <a:t>Weight Loss Calculator.</a:t>
-            </a:r>
-          </a:p>
-          <a:p>
-            <a:pPr marL="914400" lvl="0" indent="-342900" rtl="0">
-              <a:buClr>
-                <a:schemeClr val="dk1"/>
-              </a:buClr>
-              <a:buSzPct val="166666"/>
-              <a:buFont typeface="Arial"/>
-              <a:buChar char="•"/>
-            </a:pPr>
-            <a:r>
-              <a:rPr lang="en" sz="1800">
-                <a:latin typeface="Raleway"/>
-                <a:ea typeface="Raleway"/>
-                <a:cs typeface="Raleway"/>
-                <a:sym typeface="Raleway"/>
-              </a:rPr>
-              <a:t>Glucose Infusion Rate Calculator.</a:t>
-            </a:r>
-          </a:p>
-          <a:p>
-            <a:pPr marL="914400" lvl="0" indent="-342900" rtl="0">
-              <a:buClr>
-                <a:schemeClr val="dk1"/>
-              </a:buClr>
-              <a:buSzPct val="166666"/>
-              <a:buFont typeface="Arial"/>
-              <a:buChar char="•"/>
-            </a:pPr>
-            <a:r>
-              <a:rPr lang="en" sz="1800">
-                <a:latin typeface="Raleway"/>
-                <a:ea typeface="Raleway"/>
-                <a:cs typeface="Raleway"/>
-                <a:sym typeface="Raleway"/>
-              </a:rPr>
-              <a:t>Apgar Score.</a:t>
-            </a:r>
-          </a:p>
-          <a:p>
-            <a:pPr marL="914400" lvl="0" indent="-342900" rtl="0">
-              <a:buClr>
-                <a:schemeClr val="dk1"/>
-              </a:buClr>
-              <a:buSzPct val="166666"/>
-              <a:buFont typeface="Arial"/>
-              <a:buChar char="•"/>
-            </a:pPr>
-            <a:r>
-              <a:rPr lang="en" sz="1800">
-                <a:latin typeface="Raleway"/>
-                <a:ea typeface="Raleway"/>
-                <a:cs typeface="Raleway"/>
-                <a:sym typeface="Raleway"/>
-              </a:rPr>
-              <a:t>Procedures (Intubation and Catheters).</a:t>
-            </a:r>
-          </a:p>
-          <a:p>
-            <a:pPr lvl="0" rtl="0">
-              <a:buNone/>
-            </a:pPr>
-            <a:r>
-              <a:rPr lang="en" sz="2600" u="sng">
-                <a:latin typeface="Raleway"/>
-                <a:ea typeface="Raleway"/>
-                <a:cs typeface="Raleway"/>
-                <a:sym typeface="Raleway"/>
-              </a:rPr>
-              <a:t>Reach Goals</a:t>
-            </a:r>
-          </a:p>
-          <a:p>
-            <a:pPr marL="914400" lvl="0" indent="-342900" rtl="0">
-              <a:buClr>
-                <a:schemeClr val="dk1"/>
-              </a:buClr>
-              <a:buSzPct val="166666"/>
-              <a:buFont typeface="Arial"/>
-              <a:buChar char="•"/>
-            </a:pPr>
-            <a:r>
-              <a:rPr lang="en" sz="1800">
-                <a:latin typeface="Raleway"/>
-                <a:ea typeface="Raleway"/>
-                <a:cs typeface="Raleway"/>
-                <a:sym typeface="Raleway"/>
-              </a:rPr>
-              <a:t>Wrap Neonatal Assist in Android and iOS apps.</a:t>
-            </a:r>
-          </a:p>
-          <a:p>
-            <a:pPr marL="914400" lvl="0" indent="-342900" rtl="0">
-              <a:buClr>
-                <a:schemeClr val="dk1"/>
-              </a:buClr>
-              <a:buSzPct val="166666"/>
-              <a:buFont typeface="Arial"/>
-              <a:buChar char="•"/>
-            </a:pPr>
-            <a:r>
-              <a:rPr lang="en" sz="1800">
-                <a:latin typeface="Raleway"/>
-                <a:ea typeface="Raleway"/>
-                <a:cs typeface="Raleway"/>
-                <a:sym typeface="Raleway"/>
-              </a:rPr>
-              <a:t>Lab Tools (Electrolytes and Full Blood Count).</a:t>
-            </a:r>
-          </a:p>
-          <a:p>
-            <a:pPr marL="914400" lvl="0" indent="-342900" rtl="0">
-              <a:buClr>
-                <a:schemeClr val="dk1"/>
-              </a:buClr>
-              <a:buSzPct val="166666"/>
-              <a:buFont typeface="Arial"/>
-              <a:buChar char="•"/>
-            </a:pPr>
-            <a:r>
-              <a:rPr lang="en" sz="1800">
-                <a:latin typeface="Raleway"/>
-                <a:ea typeface="Raleway"/>
-                <a:cs typeface="Raleway"/>
-                <a:sym typeface="Raleway"/>
-              </a:rPr>
-              <a:t>Diagnostics (Line Placement and Chest/Abdominal Xray).</a:t>
-            </a:r>
-          </a:p>
-        </p:txBody>
-      </p:sp>
-      <p:sp>
-        <p:nvSpPr>
-          <p:cNvPr id="103" name="Shape 103"/>
+      </p:pic>
+      <p:sp>
+        <p:nvSpPr>
+          <p:cNvPr id="4" name="Right Arrow 3"/>
           <p:cNvSpPr/>
           <p:nvPr/>
         </p:nvSpPr>
         <p:spPr>
-          <a:xfrm>
-            <a:off x="4935384" y="803550"/>
-            <a:ext cx="3751430" cy="2041595"/>
-          </a:xfrm>
-          <a:prstGeom prst="rect">
-            <a:avLst/>
-          </a:prstGeom>
-          <a:blipFill>
-            <a:blip r:embed="rId4"/>
-            <a:stretch>
-              <a:fillRect/>
-            </a:stretch>
-          </a:blipFill>
-        </p:spPr>
+          <a:xfrm flipV="1">
+            <a:off x="3342699" y="1584270"/>
+            <a:ext cx="1817339" cy="294135"/>
+          </a:xfrm>
+          <a:prstGeom prst="rightArrow">
+            <a:avLst/>
+          </a:prstGeom>
+        </p:spPr>
+        <p:style>
+          <a:lnRef idx="1">
+            <a:schemeClr val="accent1"/>
+          </a:lnRef>
+          <a:fillRef idx="3">
+            <a:schemeClr val="accent1"/>
+          </a:fillRef>
+          <a:effectRef idx="2">
+            <a:schemeClr val="accent1"/>
+          </a:effectRef>
+          <a:fontRef idx="minor">
+            <a:schemeClr val="lt1"/>
+          </a:fontRef>
+        </p:style>
+        <p:txBody>
+          <a:bodyPr rtlCol="0" anchor="ctr"/>
+          <a:lstStyle/>
+          <a:p>
+            <a:pPr algn="ctr"/>
+            <a:endParaRPr lang="en-US"/>
+          </a:p>
+        </p:txBody>
       </p:sp>
     </p:spTree>
+    <p:extLst>
+      <p:ext uri="{BB962C8B-B14F-4D97-AF65-F5344CB8AC3E}">
+        <p14:creationId xmlns:p14="http://schemas.microsoft.com/office/powerpoint/2010/main" val="2732747006"/>
+      </p:ext>
+    </p:extLst>
   </p:cSld>
   <p:clrMapOvr>
     <a:masterClrMapping/>
@@ -5815,7 +9389,7 @@
     </p:bg>
     <p:spTree>
       <p:nvGrpSpPr>
-        <p:cNvPr id="1" name="Shape 107"/>
+        <p:cNvPr id="1" name="Shape 94"/>
         <p:cNvGrpSpPr/>
         <p:nvPr/>
       </p:nvGrpSpPr>
@@ -5827,223 +9401,178 @@
           <a:chExt cx="0" cy="0"/>
         </a:xfrm>
       </p:grpSpPr>
-      <p:sp>
-        <p:nvSpPr>
-          <p:cNvPr id="108" name="Shape 108"/>
-          <p:cNvSpPr txBox="1">
-            <a:spLocks noGrp="1"/>
-          </p:cNvSpPr>
-          <p:nvPr>
-            <p:ph type="title"/>
-          </p:nvPr>
-        </p:nvSpPr>
-        <p:spPr>
-          <a:xfrm>
-            <a:off x="432915" y="645592"/>
-            <a:ext cx="8253900" cy="1011599"/>
+      <p:pic>
+        <p:nvPicPr>
+          <p:cNvPr id="4" name="Picture 3" descr="IMG_0490.jpg"/>
+          <p:cNvPicPr>
+            <a:picLocks noChangeAspect="1"/>
+          </p:cNvPicPr>
+          <p:nvPr/>
+        </p:nvPicPr>
+        <p:blipFill>
+          <a:blip r:embed="rId4">
+            <a:extLst>
+              <a:ext uri="{28A0092B-C50C-407E-A947-70E740481C1C}">
+                <a14:useLocalDpi xmlns:a14="http://schemas.microsoft.com/office/drawing/2010/main" val="0"/>
+              </a:ext>
+            </a:extLst>
+          </a:blip>
+          <a:stretch>
+            <a:fillRect/>
+          </a:stretch>
+        </p:blipFill>
+        <p:spPr>
+          <a:xfrm>
+            <a:off x="3182719" y="1819265"/>
+            <a:ext cx="2720563" cy="4080844"/>
           </a:xfrm>
           <a:prstGeom prst="rect">
             <a:avLst/>
           </a:prstGeom>
         </p:spPr>
-        <p:txBody>
-          <a:bodyPr lIns="91425" tIns="91425" rIns="91425" bIns="91425" anchor="ctr" anchorCtr="0">
-            <a:noAutofit/>
-          </a:bodyPr>
-          <a:lstStyle/>
-          <a:p>
-            <a:pPr lvl="0" rtl="0">
-              <a:buNone/>
-            </a:pPr>
-            <a:r>
-              <a:rPr lang="en" sz="6600" b="0">
-                <a:latin typeface="Wire One"/>
-                <a:ea typeface="Wire One"/>
-                <a:cs typeface="Wire One"/>
-                <a:sym typeface="Wire One"/>
-              </a:rPr>
-              <a:t>Self-Evaluation</a:t>
-            </a:r>
-          </a:p>
-        </p:txBody>
-      </p:sp>
-      <p:sp>
-        <p:nvSpPr>
-          <p:cNvPr id="109" name="Shape 109"/>
-          <p:cNvSpPr txBox="1">
-            <a:spLocks noGrp="1"/>
-          </p:cNvSpPr>
-          <p:nvPr>
-            <p:ph type="body" idx="1"/>
-          </p:nvPr>
-        </p:nvSpPr>
-        <p:spPr>
-          <a:xfrm>
-            <a:off x="457200" y="1818766"/>
-            <a:ext cx="8229600" cy="4748999"/>
+      </p:pic>
+      <p:pic>
+        <p:nvPicPr>
+          <p:cNvPr id="5" name="Picture 4" descr="IMG_0489.jpg"/>
+          <p:cNvPicPr>
+            <a:picLocks noChangeAspect="1"/>
+          </p:cNvPicPr>
+          <p:nvPr/>
+        </p:nvPicPr>
+        <p:blipFill>
+          <a:blip r:embed="rId5">
+            <a:extLst>
+              <a:ext uri="{28A0092B-C50C-407E-A947-70E740481C1C}">
+                <a14:useLocalDpi xmlns:a14="http://schemas.microsoft.com/office/drawing/2010/main" val="0"/>
+              </a:ext>
+            </a:extLst>
+          </a:blip>
+          <a:stretch>
+            <a:fillRect/>
+          </a:stretch>
+        </p:blipFill>
+        <p:spPr>
+          <a:xfrm>
+            <a:off x="80085" y="1819265"/>
+            <a:ext cx="2807084" cy="4210626"/>
           </a:xfrm>
           <a:prstGeom prst="rect">
             <a:avLst/>
           </a:prstGeom>
         </p:spPr>
-        <p:txBody>
-          <a:bodyPr lIns="91425" tIns="91425" rIns="91425" bIns="91425" anchor="t" anchorCtr="0">
-            <a:noAutofit/>
-          </a:bodyPr>
-          <a:lstStyle/>
-          <a:p>
-            <a:pPr marL="457200" lvl="0" indent="-419100" rtl="0">
-              <a:buClr>
-                <a:schemeClr val="dk1"/>
-              </a:buClr>
-              <a:buSzPct val="217391"/>
-              <a:buFont typeface="Arial"/>
-              <a:buChar char="•"/>
-            </a:pPr>
-            <a:r>
-              <a:rPr lang="en" sz="2300">
-                <a:latin typeface="Raleway"/>
-                <a:ea typeface="Raleway"/>
-                <a:cs typeface="Raleway"/>
-                <a:sym typeface="Raleway"/>
-              </a:rPr>
-              <a:t>How we will evaluate ourselves?</a:t>
-            </a:r>
-          </a:p>
-          <a:p>
-            <a:pPr marL="914400" lvl="1" indent="-381000" rtl="0">
-              <a:buClr>
-                <a:schemeClr val="dk1"/>
-              </a:buClr>
-              <a:buSzPct val="104347"/>
-              <a:buFont typeface="Courier New"/>
-              <a:buChar char="o"/>
-            </a:pPr>
-            <a:r>
-              <a:rPr lang="en" sz="2300">
-                <a:latin typeface="Raleway"/>
-                <a:ea typeface="Raleway"/>
-                <a:cs typeface="Raleway"/>
-                <a:sym typeface="Raleway"/>
-              </a:rPr>
-              <a:t>Functionality</a:t>
-            </a:r>
-          </a:p>
-          <a:p>
-            <a:pPr marL="914400" lvl="1" indent="-381000" rtl="0">
-              <a:buClr>
-                <a:schemeClr val="dk1"/>
-              </a:buClr>
-              <a:buSzPct val="104347"/>
-              <a:buFont typeface="Courier New"/>
-              <a:buChar char="o"/>
-            </a:pPr>
-            <a:r>
-              <a:rPr lang="en" sz="2300">
-                <a:latin typeface="Raleway"/>
-                <a:ea typeface="Raleway"/>
-                <a:cs typeface="Raleway"/>
-                <a:sym typeface="Raleway"/>
-              </a:rPr>
-              <a:t>Usability testing from nurses and feedback</a:t>
-            </a:r>
-          </a:p>
-          <a:p>
-            <a:pPr marL="914400" lvl="1" indent="-381000" rtl="0">
-              <a:buClr>
-                <a:schemeClr val="dk1"/>
-              </a:buClr>
-              <a:buSzPct val="104347"/>
-              <a:buFont typeface="Courier New"/>
-              <a:buChar char="o"/>
-            </a:pPr>
-            <a:r>
-              <a:rPr lang="en" sz="2300">
-                <a:latin typeface="Raleway"/>
-                <a:ea typeface="Raleway"/>
-                <a:cs typeface="Raleway"/>
-                <a:sym typeface="Raleway"/>
-              </a:rPr>
-              <a:t>Platform-compatibility</a:t>
-            </a:r>
-          </a:p>
-          <a:p>
-            <a:endParaRPr lang="en" sz="2300">
-              <a:latin typeface="Raleway"/>
-              <a:ea typeface="Raleway"/>
-              <a:cs typeface="Raleway"/>
-              <a:sym typeface="Raleway"/>
-            </a:endParaRPr>
-          </a:p>
-        </p:txBody>
-      </p:sp>
-      <p:sp>
-        <p:nvSpPr>
-          <p:cNvPr id="110" name="Shape 110"/>
+      </p:pic>
+      <p:sp>
+        <p:nvSpPr>
+          <p:cNvPr id="6" name="Right Arrow 5"/>
           <p:cNvSpPr/>
           <p:nvPr/>
         </p:nvSpPr>
         <p:spPr>
-          <a:xfrm>
-            <a:off x="338390" y="3504560"/>
-            <a:ext cx="1566866" cy="2337295"/>
+          <a:xfrm flipV="1">
+            <a:off x="2455672" y="2861757"/>
+            <a:ext cx="727047" cy="135304"/>
+          </a:xfrm>
+          <a:prstGeom prst="rightArrow">
+            <a:avLst/>
+          </a:prstGeom>
+        </p:spPr>
+        <p:style>
+          <a:lnRef idx="1">
+            <a:schemeClr val="accent1"/>
+          </a:lnRef>
+          <a:fillRef idx="3">
+            <a:schemeClr val="accent1"/>
+          </a:fillRef>
+          <a:effectRef idx="2">
+            <a:schemeClr val="accent1"/>
+          </a:effectRef>
+          <a:fontRef idx="minor">
+            <a:schemeClr val="lt1"/>
+          </a:fontRef>
+        </p:style>
+        <p:txBody>
+          <a:bodyPr rtlCol="0" anchor="ctr"/>
+          <a:lstStyle/>
+          <a:p>
+            <a:pPr algn="ctr"/>
+            <a:endParaRPr lang="en-US"/>
+          </a:p>
+        </p:txBody>
+      </p:sp>
+      <p:pic>
+        <p:nvPicPr>
+          <p:cNvPr id="3" name="Picture 2" descr="IMG_0491.jpg"/>
+          <p:cNvPicPr>
+            <a:picLocks noChangeAspect="1"/>
+          </p:cNvPicPr>
+          <p:nvPr/>
+        </p:nvPicPr>
+        <p:blipFill>
+          <a:blip r:embed="rId6">
+            <a:extLst>
+              <a:ext uri="{28A0092B-C50C-407E-A947-70E740481C1C}">
+                <a14:useLocalDpi xmlns:a14="http://schemas.microsoft.com/office/drawing/2010/main" val="0"/>
+              </a:ext>
+            </a:extLst>
+          </a:blip>
+          <a:stretch>
+            <a:fillRect/>
+          </a:stretch>
+        </p:blipFill>
+        <p:spPr>
+          <a:xfrm>
+            <a:off x="6175847" y="1819265"/>
+            <a:ext cx="2825201" cy="4237801"/>
           </a:xfrm>
           <a:prstGeom prst="rect">
             <a:avLst/>
           </a:prstGeom>
-          <a:blipFill>
-            <a:blip r:embed="rId4"/>
-            <a:stretch>
-              <a:fillRect/>
-            </a:stretch>
-          </a:blipFill>
-        </p:spPr>
-      </p:sp>
-      <p:sp>
-        <p:nvSpPr>
-          <p:cNvPr id="111" name="Shape 111"/>
+        </p:spPr>
+      </p:pic>
+      <p:sp>
+        <p:nvSpPr>
+          <p:cNvPr id="9" name="Right Arrow 8"/>
           <p:cNvSpPr/>
           <p:nvPr/>
         </p:nvSpPr>
         <p:spPr>
-          <a:xfrm>
-            <a:off x="2374105" y="3536529"/>
-            <a:ext cx="3363270" cy="2273356"/>
-          </a:xfrm>
-          <a:prstGeom prst="rect">
-            <a:avLst/>
-          </a:prstGeom>
-          <a:blipFill>
-            <a:blip r:embed="rId5"/>
-            <a:stretch>
-              <a:fillRect/>
-            </a:stretch>
-          </a:blipFill>
-        </p:spPr>
-      </p:sp>
-      <p:sp>
-        <p:nvSpPr>
-          <p:cNvPr id="112" name="Shape 112"/>
-          <p:cNvSpPr/>
-          <p:nvPr/>
-        </p:nvSpPr>
-        <p:spPr>
-          <a:xfrm>
-            <a:off x="6231198" y="3518978"/>
-            <a:ext cx="2639751" cy="2308458"/>
-          </a:xfrm>
-          <a:prstGeom prst="rect">
-            <a:avLst/>
-          </a:prstGeom>
-          <a:blipFill>
-            <a:blip r:embed="rId6"/>
-            <a:stretch>
-              <a:fillRect/>
-            </a:stretch>
-          </a:blipFill>
-        </p:spPr>
+          <a:xfrm flipV="1">
+            <a:off x="3889848" y="3332019"/>
+            <a:ext cx="2285999" cy="135304"/>
+          </a:xfrm>
+          <a:prstGeom prst="rightArrow">
+            <a:avLst/>
+          </a:prstGeom>
+        </p:spPr>
+        <p:style>
+          <a:lnRef idx="1">
+            <a:schemeClr val="accent1"/>
+          </a:lnRef>
+          <a:fillRef idx="3">
+            <a:schemeClr val="accent1"/>
+          </a:fillRef>
+          <a:effectRef idx="2">
+            <a:schemeClr val="accent1"/>
+          </a:effectRef>
+          <a:fontRef idx="minor">
+            <a:schemeClr val="lt1"/>
+          </a:fontRef>
+        </p:style>
+        <p:txBody>
+          <a:bodyPr rtlCol="0" anchor="ctr"/>
+          <a:lstStyle/>
+          <a:p>
+            <a:pPr algn="ctr"/>
+            <a:endParaRPr lang="en-US"/>
+          </a:p>
+        </p:txBody>
       </p:sp>
     </p:spTree>
+    <p:extLst>
+      <p:ext uri="{BB962C8B-B14F-4D97-AF65-F5344CB8AC3E}">
+        <p14:creationId xmlns:p14="http://schemas.microsoft.com/office/powerpoint/2010/main" val="2992076452"/>
+      </p:ext>
+    </p:extLst>
   </p:cSld>
   <p:clrMapOvr>
     <a:masterClrMapping/>
@@ -6070,7 +9599,7 @@
     </p:bg>
     <p:spTree>
       <p:nvGrpSpPr>
-        <p:cNvPr id="1" name="Shape 116"/>
+        <p:cNvPr id="1" name="Shape 94"/>
         <p:cNvGrpSpPr/>
         <p:nvPr/>
       </p:nvGrpSpPr>
@@ -6082,101 +9611,338 @@
           <a:chExt cx="0" cy="0"/>
         </a:xfrm>
       </p:grpSpPr>
-      <p:sp>
-        <p:nvSpPr>
-          <p:cNvPr id="117" name="Shape 117"/>
-          <p:cNvSpPr txBox="1">
-            <a:spLocks noGrp="1"/>
-          </p:cNvSpPr>
-          <p:nvPr>
-            <p:ph type="title"/>
-          </p:nvPr>
-        </p:nvSpPr>
-        <p:spPr>
-          <a:xfrm>
-            <a:off x="432915" y="645592"/>
-            <a:ext cx="8253900" cy="1011599"/>
+      <p:pic>
+        <p:nvPicPr>
+          <p:cNvPr id="6" name="Picture 5" descr="IMG_0491.jpg"/>
+          <p:cNvPicPr>
+            <a:picLocks noChangeAspect="1"/>
+          </p:cNvPicPr>
+          <p:nvPr/>
+        </p:nvPicPr>
+        <p:blipFill>
+          <a:blip r:embed="rId4">
+            <a:extLst>
+              <a:ext uri="{28A0092B-C50C-407E-A947-70E740481C1C}">
+                <a14:useLocalDpi xmlns:a14="http://schemas.microsoft.com/office/drawing/2010/main" val="0"/>
+              </a:ext>
+            </a:extLst>
+          </a:blip>
+          <a:stretch>
+            <a:fillRect/>
+          </a:stretch>
+        </p:blipFill>
+        <p:spPr>
+          <a:xfrm>
+            <a:off x="581719" y="1556101"/>
+            <a:ext cx="2825201" cy="4237801"/>
           </a:xfrm>
           <a:prstGeom prst="rect">
             <a:avLst/>
           </a:prstGeom>
         </p:spPr>
-        <p:txBody>
-          <a:bodyPr lIns="91425" tIns="91425" rIns="91425" bIns="91425" anchor="ctr" anchorCtr="0">
-            <a:noAutofit/>
-          </a:bodyPr>
-          <a:lstStyle/>
-          <a:p>
-            <a:pPr lvl="0" rtl="0">
-              <a:buNone/>
-            </a:pPr>
-            <a:r>
-              <a:rPr lang="en" sz="6600" b="0">
-                <a:latin typeface="Wire One"/>
-                <a:ea typeface="Wire One"/>
-                <a:cs typeface="Wire One"/>
-                <a:sym typeface="Wire One"/>
-              </a:rPr>
-              <a:t>Questions?</a:t>
-            </a:r>
-          </a:p>
-        </p:txBody>
-      </p:sp>
-      <p:sp>
-        <p:nvSpPr>
-          <p:cNvPr id="118" name="Shape 118"/>
-          <p:cNvSpPr txBox="1"/>
+      </p:pic>
+      <p:pic>
+        <p:nvPicPr>
+          <p:cNvPr id="4" name="Picture 3" descr="IMG_0492.jpg"/>
+          <p:cNvPicPr>
+            <a:picLocks noChangeAspect="1"/>
+          </p:cNvPicPr>
           <p:nvPr/>
-        </p:nvSpPr>
-        <p:spPr>
-          <a:xfrm>
-            <a:off x="3721749" y="645592"/>
-            <a:ext cx="1252800" cy="2763899"/>
+        </p:nvPicPr>
+        <p:blipFill>
+          <a:blip r:embed="rId5">
+            <a:extLst>
+              <a:ext uri="{28A0092B-C50C-407E-A947-70E740481C1C}">
+                <a14:useLocalDpi xmlns:a14="http://schemas.microsoft.com/office/drawing/2010/main" val="0"/>
+              </a:ext>
+            </a:extLst>
+          </a:blip>
+          <a:stretch>
+            <a:fillRect/>
+          </a:stretch>
+        </p:blipFill>
+        <p:spPr>
+          <a:xfrm>
+            <a:off x="5184364" y="1556101"/>
+            <a:ext cx="2825200" cy="4237801"/>
           </a:xfrm>
           <a:prstGeom prst="rect">
             <a:avLst/>
           </a:prstGeom>
-          <a:noFill/>
-        </p:spPr>
-        <p:txBody>
-          <a:bodyPr lIns="91425" tIns="91425" rIns="91425" bIns="91425" anchor="t" anchorCtr="0">
-            <a:noAutofit/>
-          </a:bodyPr>
-          <a:lstStyle/>
-          <a:p>
-            <a:pPr>
-              <a:buNone/>
-            </a:pPr>
-            <a:r>
-              <a:rPr lang="en" sz="13000"/>
-              <a:t>?</a:t>
-            </a:r>
-          </a:p>
-        </p:txBody>
-      </p:sp>
-      <p:sp>
-        <p:nvSpPr>
-          <p:cNvPr id="119" name="Shape 119"/>
+        </p:spPr>
+      </p:pic>
+      <p:sp>
+        <p:nvSpPr>
+          <p:cNvPr id="10" name="Process 9"/>
           <p:cNvSpPr/>
           <p:nvPr/>
         </p:nvSpPr>
         <p:spPr>
           <a:xfrm>
-            <a:off x="1685690" y="2329900"/>
-            <a:ext cx="5555288" cy="3692425"/>
+            <a:off x="3189933" y="2082429"/>
+            <a:ext cx="216987" cy="3711473"/>
+          </a:xfrm>
+          <a:prstGeom prst="flowChartProcess">
+            <a:avLst/>
+          </a:prstGeom>
+          <a:solidFill>
+            <a:schemeClr val="tx2">
+              <a:lumMod val="90000"/>
+            </a:schemeClr>
+          </a:solidFill>
+          <a:ln/>
+        </p:spPr>
+        <p:style>
+          <a:lnRef idx="1">
+            <a:schemeClr val="accent1"/>
+          </a:lnRef>
+          <a:fillRef idx="3">
+            <a:schemeClr val="accent1"/>
+          </a:fillRef>
+          <a:effectRef idx="2">
+            <a:schemeClr val="accent1"/>
+          </a:effectRef>
+          <a:fontRef idx="minor">
+            <a:schemeClr val="lt1"/>
+          </a:fontRef>
+        </p:style>
+        <p:txBody>
+          <a:bodyPr/>
+          <a:lstStyle/>
+          <a:p>
+            <a:endParaRPr lang="en-US"/>
+          </a:p>
+        </p:txBody>
+      </p:sp>
+      <p:sp>
+        <p:nvSpPr>
+          <p:cNvPr id="11" name="Right Arrow 10"/>
+          <p:cNvSpPr/>
+          <p:nvPr/>
+        </p:nvSpPr>
+        <p:spPr>
+          <a:xfrm flipV="1">
+            <a:off x="3406920" y="3332019"/>
+            <a:ext cx="1777445" cy="135304"/>
+          </a:xfrm>
+          <a:prstGeom prst="rightArrow">
+            <a:avLst/>
+          </a:prstGeom>
+        </p:spPr>
+        <p:style>
+          <a:lnRef idx="1">
+            <a:schemeClr val="accent1"/>
+          </a:lnRef>
+          <a:fillRef idx="3">
+            <a:schemeClr val="accent1"/>
+          </a:fillRef>
+          <a:effectRef idx="2">
+            <a:schemeClr val="accent1"/>
+          </a:effectRef>
+          <a:fontRef idx="minor">
+            <a:schemeClr val="lt1"/>
+          </a:fontRef>
+        </p:style>
+        <p:txBody>
+          <a:bodyPr rtlCol="0" anchor="ctr"/>
+          <a:lstStyle/>
+          <a:p>
+            <a:pPr algn="ctr"/>
+            <a:endParaRPr lang="en-US"/>
+          </a:p>
+        </p:txBody>
+      </p:sp>
+      <p:sp>
+        <p:nvSpPr>
+          <p:cNvPr id="13" name="Right Arrow 12"/>
+          <p:cNvSpPr/>
+          <p:nvPr/>
+        </p:nvSpPr>
+        <p:spPr>
+          <a:xfrm rot="5400000" flipV="1">
+            <a:off x="2366821" y="3656696"/>
+            <a:ext cx="1842149" cy="135306"/>
+          </a:xfrm>
+          <a:prstGeom prst="rightArrow">
+            <a:avLst/>
+          </a:prstGeom>
+          <a:solidFill>
+            <a:schemeClr val="accent3">
+              <a:lumMod val="75000"/>
+            </a:schemeClr>
+          </a:solidFill>
+        </p:spPr>
+        <p:style>
+          <a:lnRef idx="1">
+            <a:schemeClr val="accent1"/>
+          </a:lnRef>
+          <a:fillRef idx="3">
+            <a:schemeClr val="accent1"/>
+          </a:fillRef>
+          <a:effectRef idx="2">
+            <a:schemeClr val="accent1"/>
+          </a:effectRef>
+          <a:fontRef idx="minor">
+            <a:schemeClr val="lt1"/>
+          </a:fontRef>
+        </p:style>
+        <p:txBody>
+          <a:bodyPr rtlCol="0" anchor="ctr"/>
+          <a:lstStyle/>
+          <a:p>
+            <a:pPr algn="ctr"/>
+            <a:endParaRPr lang="en-US"/>
+          </a:p>
+        </p:txBody>
+      </p:sp>
+    </p:spTree>
+    <p:extLst>
+      <p:ext uri="{BB962C8B-B14F-4D97-AF65-F5344CB8AC3E}">
+        <p14:creationId xmlns:p14="http://schemas.microsoft.com/office/powerpoint/2010/main" val="3752120780"/>
+      </p:ext>
+    </p:extLst>
+  </p:cSld>
+  <p:clrMapOvr>
+    <a:masterClrMapping/>
+  </p:clrMapOvr>
+  <p:transition xmlns:p14="http://schemas.microsoft.com/office/powerpoint/2010/main" spd="slow">
+    <p:cut/>
+  </p:transition>
+</p:sld>
+</file>
+
+<file path=ppt/slides/slide9.xml><?xml version="1.0" encoding="utf-8"?>
+<p:sld xmlns:a="http://schemas.openxmlformats.org/drawingml/2006/main" xmlns:r="http://schemas.openxmlformats.org/officeDocument/2006/relationships" xmlns:p="http://schemas.openxmlformats.org/presentationml/2006/main">
+  <p:cSld>
+    <p:bg>
+      <p:bgPr>
+        <a:blipFill>
+          <a:blip r:embed="rId3"/>
+          <a:stretch>
+            <a:fillRect/>
+          </a:stretch>
+        </a:blipFill>
+        <a:effectLst/>
+      </p:bgPr>
+    </p:bg>
+    <p:spTree>
+      <p:nvGrpSpPr>
+        <p:cNvPr id="1" name="Shape 94"/>
+        <p:cNvGrpSpPr/>
+        <p:nvPr/>
+      </p:nvGrpSpPr>
+      <p:grpSpPr>
+        <a:xfrm>
+          <a:off x="0" y="0"/>
+          <a:ext cx="0" cy="0"/>
+          <a:chOff x="0" y="0"/>
+          <a:chExt cx="0" cy="0"/>
+        </a:xfrm>
+      </p:grpSpPr>
+      <p:pic>
+        <p:nvPicPr>
+          <p:cNvPr id="4" name="Picture 3" descr="IMG_0493.jpg"/>
+          <p:cNvPicPr>
+            <a:picLocks noChangeAspect="1"/>
+          </p:cNvPicPr>
+          <p:nvPr/>
+        </p:nvPicPr>
+        <p:blipFill>
+          <a:blip r:embed="rId4">
+            <a:extLst>
+              <a:ext uri="{28A0092B-C50C-407E-A947-70E740481C1C}">
+                <a14:useLocalDpi xmlns:a14="http://schemas.microsoft.com/office/drawing/2010/main" val="0"/>
+              </a:ext>
+            </a:extLst>
+          </a:blip>
+          <a:stretch>
+            <a:fillRect/>
+          </a:stretch>
+        </p:blipFill>
+        <p:spPr>
+          <a:xfrm>
+            <a:off x="4939191" y="663630"/>
+            <a:ext cx="3298132" cy="4947199"/>
           </a:xfrm>
           <a:prstGeom prst="rect">
             <a:avLst/>
           </a:prstGeom>
-          <a:blipFill>
-            <a:blip r:embed="rId4"/>
-            <a:stretch>
-              <a:fillRect/>
-            </a:stretch>
-          </a:blipFill>
-        </p:spPr>
+        </p:spPr>
+      </p:pic>
+      <p:pic>
+        <p:nvPicPr>
+          <p:cNvPr id="7" name="Picture 6" descr="IMG_0489.jpg"/>
+          <p:cNvPicPr>
+            <a:picLocks noChangeAspect="1"/>
+          </p:cNvPicPr>
+          <p:nvPr/>
+        </p:nvPicPr>
+        <p:blipFill>
+          <a:blip r:embed="rId5">
+            <a:extLst>
+              <a:ext uri="{28A0092B-C50C-407E-A947-70E740481C1C}">
+                <a14:useLocalDpi xmlns:a14="http://schemas.microsoft.com/office/drawing/2010/main" val="0"/>
+              </a:ext>
+            </a:extLst>
+          </a:blip>
+          <a:stretch>
+            <a:fillRect/>
+          </a:stretch>
+        </p:blipFill>
+        <p:spPr>
+          <a:xfrm>
+            <a:off x="469068" y="663630"/>
+            <a:ext cx="3298133" cy="4947199"/>
+          </a:xfrm>
+          <a:prstGeom prst="rect">
+            <a:avLst/>
+          </a:prstGeom>
+        </p:spPr>
+      </p:pic>
+      <p:sp>
+        <p:nvSpPr>
+          <p:cNvPr id="8" name="Right Arrow 7"/>
+          <p:cNvSpPr/>
+          <p:nvPr/>
+        </p:nvSpPr>
+        <p:spPr>
+          <a:xfrm flipV="1">
+            <a:off x="2917386" y="2027640"/>
+            <a:ext cx="2021805" cy="135304"/>
+          </a:xfrm>
+          <a:prstGeom prst="rightArrow">
+            <a:avLst/>
+          </a:prstGeom>
+        </p:spPr>
+        <p:style>
+          <a:lnRef idx="1">
+            <a:schemeClr val="accent1"/>
+          </a:lnRef>
+          <a:fillRef idx="3">
+            <a:schemeClr val="accent1"/>
+          </a:fillRef>
+          <a:effectRef idx="2">
+            <a:schemeClr val="accent1"/>
+          </a:effectRef>
+          <a:fontRef idx="minor">
+            <a:schemeClr val="lt1"/>
+          </a:fontRef>
+        </p:style>
+        <p:txBody>
+          <a:bodyPr rtlCol="0" anchor="ctr"/>
+          <a:lstStyle/>
+          <a:p>
+            <a:pPr algn="ctr"/>
+            <a:endParaRPr lang="en-US"/>
+          </a:p>
+        </p:txBody>
       </p:sp>
     </p:spTree>
+    <p:extLst>
+      <p:ext uri="{BB962C8B-B14F-4D97-AF65-F5344CB8AC3E}">
+        <p14:creationId xmlns:p14="http://schemas.microsoft.com/office/powerpoint/2010/main" val="1240720988"/>
+      </p:ext>
+    </p:extLst>
   </p:cSld>
   <p:clrMapOvr>
     <a:masterClrMapping/>

--- a/presentation/Final Presentation.pptx
+++ b/presentation/Final Presentation.pptx
@@ -22,13 +22,13 @@
     <p:sldId id="265" r:id="rId13"/>
     <p:sldId id="274" r:id="rId14"/>
     <p:sldId id="275" r:id="rId15"/>
-    <p:sldId id="276" r:id="rId16"/>
-    <p:sldId id="277" r:id="rId17"/>
-    <p:sldId id="278" r:id="rId18"/>
-    <p:sldId id="279" r:id="rId19"/>
-    <p:sldId id="280" r:id="rId20"/>
-    <p:sldId id="281" r:id="rId21"/>
-    <p:sldId id="266" r:id="rId22"/>
+    <p:sldId id="277" r:id="rId16"/>
+    <p:sldId id="278" r:id="rId17"/>
+    <p:sldId id="279" r:id="rId18"/>
+    <p:sldId id="280" r:id="rId19"/>
+    <p:sldId id="281" r:id="rId20"/>
+    <p:sldId id="282" r:id="rId21"/>
+    <p:sldId id="283" r:id="rId22"/>
     <p:sldId id="267" r:id="rId23"/>
   </p:sldIdLst>
   <p:sldSz cx="9144000" cy="6858000" type="screen4x3"/>
@@ -1817,7 +1817,7 @@
   <p:cSld>
     <p:spTree>
       <p:nvGrpSpPr>
-        <p:cNvPr id="1" name="Shape 113"/>
+        <p:cNvPr id="1" name="Shape 104"/>
         <p:cNvGrpSpPr/>
         <p:nvPr/>
       </p:nvGrpSpPr>
@@ -1831,7 +1831,7 @@
       </p:grpSpPr>
       <p:sp>
         <p:nvSpPr>
-          <p:cNvPr id="114" name="Shape 114"/>
+          <p:cNvPr id="105" name="Shape 105"/>
           <p:cNvSpPr>
             <a:spLocks noGrp="1" noRot="1" noChangeAspect="1"/>
           </p:cNvSpPr>
@@ -1841,8 +1841,8 @@
         </p:nvSpPr>
         <p:spPr>
           <a:xfrm>
-            <a:off x="1143225" y="685800"/>
-            <a:ext cx="4572299" cy="3429000"/>
+            <a:off x="1143000" y="685800"/>
+            <a:ext cx="4572000" cy="3429000"/>
           </a:xfrm>
           <a:custGeom>
             <a:avLst/>
@@ -1872,7 +1872,7 @@
       </p:sp>
       <p:sp>
         <p:nvSpPr>
-          <p:cNvPr id="115" name="Shape 115"/>
+          <p:cNvPr id="106" name="Shape 106"/>
           <p:cNvSpPr txBox="1">
             <a:spLocks noGrp="1"/>
           </p:cNvSpPr>
@@ -1942,8 +1942,8 @@
         </p:nvSpPr>
         <p:spPr>
           <a:xfrm>
-            <a:off x="1143225" y="685800"/>
-            <a:ext cx="4572299" cy="3429000"/>
+            <a:off x="1143000" y="685800"/>
+            <a:ext cx="4572000" cy="3429000"/>
           </a:xfrm>
           <a:custGeom>
             <a:avLst/>
@@ -5397,6 +5397,13 @@
   <p:transition xmlns:p14="http://schemas.microsoft.com/office/powerpoint/2010/main" spd="slow">
     <p:cut/>
   </p:transition>
+  <p:timing>
+    <p:tnLst>
+      <p:par>
+        <p:cTn xmlns:p14="http://schemas.microsoft.com/office/powerpoint/2010/main" id="1" dur="indefinite" restart="never" nodeType="tmRoot"/>
+      </p:par>
+    </p:tnLst>
+  </p:timing>
 </p:sld>
 </file>
 
@@ -5607,6 +5614,13 @@
   <p:transition xmlns:p14="http://schemas.microsoft.com/office/powerpoint/2010/main" spd="slow">
     <p:cut/>
   </p:transition>
+  <p:timing>
+    <p:tnLst>
+      <p:par>
+        <p:cTn xmlns:p14="http://schemas.microsoft.com/office/powerpoint/2010/main" id="1" dur="indefinite" restart="never" nodeType="tmRoot"/>
+      </p:par>
+    </p:tnLst>
+  </p:timing>
 </p:sld>
 </file>
 
@@ -5835,6 +5849,13 @@
   <p:transition xmlns:p14="http://schemas.microsoft.com/office/powerpoint/2010/main" spd="slow">
     <p:cut/>
   </p:transition>
+  <p:timing>
+    <p:tnLst>
+      <p:par>
+        <p:cTn xmlns:p14="http://schemas.microsoft.com/office/powerpoint/2010/main" id="1" dur="indefinite" restart="never" nodeType="tmRoot"/>
+      </p:par>
+    </p:tnLst>
+  </p:timing>
 </p:sld>
 </file>
 
@@ -6040,6 +6061,13 @@
   <p:transition xmlns:p14="http://schemas.microsoft.com/office/powerpoint/2010/main" spd="slow">
     <p:cut/>
   </p:transition>
+  <p:timing>
+    <p:tnLst>
+      <p:par>
+        <p:cTn xmlns:p14="http://schemas.microsoft.com/office/powerpoint/2010/main" id="1" dur="indefinite" restart="never" nodeType="tmRoot"/>
+      </p:par>
+    </p:tnLst>
+  </p:timing>
 </p:sld>
 </file>
 
@@ -6182,6 +6210,13 @@
   <p:transition xmlns:p14="http://schemas.microsoft.com/office/powerpoint/2010/main" spd="slow">
     <p:cut/>
   </p:transition>
+  <p:timing>
+    <p:tnLst>
+      <p:par>
+        <p:cTn xmlns:p14="http://schemas.microsoft.com/office/powerpoint/2010/main" id="1" dur="indefinite" restart="never" nodeType="tmRoot"/>
+      </p:par>
+    </p:tnLst>
+  </p:timing>
 </p:sld>
 </file>
 
@@ -6392,6 +6427,13 @@
   <p:transition xmlns:p14="http://schemas.microsoft.com/office/powerpoint/2010/main" spd="slow">
     <p:cut/>
   </p:transition>
+  <p:timing>
+    <p:tnLst>
+      <p:par>
+        <p:cTn xmlns:p14="http://schemas.microsoft.com/office/powerpoint/2010/main" id="1" dur="indefinite" restart="never" nodeType="tmRoot"/>
+      </p:par>
+    </p:tnLst>
+  </p:timing>
 </p:sld>
 </file>
 
@@ -6431,8 +6473,8 @@
         </p:nvSpPr>
         <p:spPr>
           <a:xfrm>
-            <a:off x="432915" y="1657191"/>
-            <a:ext cx="8170511" cy="523220"/>
+            <a:off x="903431" y="1657191"/>
+            <a:ext cx="8170511" cy="2677656"/>
           </a:xfrm>
           <a:prstGeom prst="rect">
             <a:avLst/>
@@ -6445,22 +6487,41 @@
           </a:bodyPr>
           <a:lstStyle/>
           <a:p>
-            <a:pPr marL="285750" indent="-285750">
-              <a:buFont typeface="Arial"/>
-              <a:buChar char="•"/>
-            </a:pPr>
             <a:r>
               <a:rPr lang="en-US" sz="2800" dirty="0" smtClean="0"/>
-              <a:t>Figure </a:t>
+              <a:t>Design an efficient workflow </a:t>
             </a:r>
             <a:r>
               <a:rPr lang="en-US" sz="2800" dirty="0"/>
-              <a:t>out the right workflow for our app</a:t>
+              <a:t>for our </a:t>
             </a:r>
             <a:r>
               <a:rPr lang="en-US" sz="2800" dirty="0" smtClean="0"/>
-              <a:t>.</a:t>
-            </a:r>
+              <a:t>app.</a:t>
+            </a:r>
+            <a:br>
+              <a:rPr lang="en-US" sz="2800" dirty="0" smtClean="0"/>
+            </a:br>
+            <a:r>
+              <a:rPr lang="en-US" sz="2800" dirty="0" smtClean="0"/>
+              <a:t/>
+            </a:r>
+            <a:br>
+              <a:rPr lang="en-US" sz="2800" dirty="0" smtClean="0"/>
+            </a:br>
+            <a:r>
+              <a:rPr lang="en-US" sz="2800" dirty="0" smtClean="0"/>
+              <a:t>Help </a:t>
+            </a:r>
+            <a:r>
+              <a:rPr lang="en-US" sz="2800" dirty="0"/>
+              <a:t>from HCDE, Jocelyn, and usability testing with neonatal nurses.</a:t>
+            </a:r>
+          </a:p>
+          <a:p>
+            <a:endParaRPr lang="en-US" sz="2800" dirty="0"/>
+          </a:p>
+          <a:p>
             <a:endParaRPr lang="en-US" sz="2800" dirty="0"/>
           </a:p>
         </p:txBody>
@@ -6511,10 +6572,96 @@
           </a:p>
         </p:txBody>
       </p:sp>
+      <p:sp>
+        <p:nvSpPr>
+          <p:cNvPr id="5" name="Minus 4"/>
+          <p:cNvSpPr/>
+          <p:nvPr/>
+        </p:nvSpPr>
+        <p:spPr>
+          <a:xfrm>
+            <a:off x="114410" y="1533646"/>
+            <a:ext cx="822960" cy="822960"/>
+          </a:xfrm>
+          <a:prstGeom prst="mathMinus">
+            <a:avLst/>
+          </a:prstGeom>
+          <a:solidFill>
+            <a:schemeClr val="accent6">
+              <a:lumMod val="75000"/>
+            </a:schemeClr>
+          </a:solidFill>
+          <a:ln/>
+        </p:spPr>
+        <p:style>
+          <a:lnRef idx="1">
+            <a:schemeClr val="accent1"/>
+          </a:lnRef>
+          <a:fillRef idx="3">
+            <a:schemeClr val="accent1"/>
+          </a:fillRef>
+          <a:effectRef idx="2">
+            <a:schemeClr val="accent1"/>
+          </a:effectRef>
+          <a:fontRef idx="minor">
+            <a:schemeClr val="lt1"/>
+          </a:fontRef>
+        </p:style>
+        <p:txBody>
+          <a:bodyPr/>
+          <a:lstStyle/>
+          <a:p>
+            <a:endParaRPr lang="en-US"/>
+          </a:p>
+        </p:txBody>
+      </p:sp>
+      <p:sp>
+        <p:nvSpPr>
+          <p:cNvPr id="6" name="Plus 5"/>
+          <p:cNvSpPr/>
+          <p:nvPr/>
+        </p:nvSpPr>
+        <p:spPr>
+          <a:xfrm>
+            <a:off x="80471" y="2540106"/>
+            <a:ext cx="914400" cy="914400"/>
+          </a:xfrm>
+          <a:prstGeom prst="mathPlus">
+            <a:avLst/>
+          </a:prstGeom>
+          <a:solidFill>
+            <a:schemeClr val="accent3">
+              <a:lumMod val="75000"/>
+            </a:schemeClr>
+          </a:solidFill>
+        </p:spPr>
+        <p:style>
+          <a:lnRef idx="1">
+            <a:schemeClr val="accent1"/>
+          </a:lnRef>
+          <a:fillRef idx="3">
+            <a:schemeClr val="accent1"/>
+          </a:fillRef>
+          <a:effectRef idx="2">
+            <a:schemeClr val="accent1"/>
+          </a:effectRef>
+          <a:fontRef idx="minor">
+            <a:schemeClr val="lt1"/>
+          </a:fontRef>
+        </p:style>
+        <p:txBody>
+          <a:bodyPr rtlCol="0" anchor="ctr"/>
+          <a:lstStyle/>
+          <a:p>
+            <a:pPr algn="ctr"/>
+            <a:endParaRPr lang="en-US"/>
+          </a:p>
+        </p:txBody>
+      </p:sp>
     </p:spTree>
     <p:extLst>
       <p:ext uri="{BB962C8B-B14F-4D97-AF65-F5344CB8AC3E}">
-        <p14:creationId xmlns:p14="http://schemas.microsoft.com/office/powerpoint/2010/main" val="1764673478"/>
+        <p14:creationId xmlns:p14="http://schemas.microsoft.com/office/powerpoint/2010/main" val="2556820625"/>
       </p:ext>
     </p:extLst>
   </p:cSld>
@@ -6524,6 +6671,13 @@
   <p:transition xmlns:p14="http://schemas.microsoft.com/office/powerpoint/2010/main" spd="slow">
     <p:cut/>
   </p:transition>
+  <p:timing>
+    <p:tnLst>
+      <p:par>
+        <p:cTn xmlns:p14="http://schemas.microsoft.com/office/powerpoint/2010/main" id="1" dur="indefinite" restart="never" nodeType="tmRoot"/>
+      </p:par>
+    </p:tnLst>
+  </p:timing>
 </p:sld>
 </file>
 
@@ -6557,67 +6711,6 @@
       </p:grpSpPr>
       <p:sp>
         <p:nvSpPr>
-          <p:cNvPr id="4" name="TextBox 3"/>
-          <p:cNvSpPr txBox="1"/>
-          <p:nvPr/>
-        </p:nvSpPr>
-        <p:spPr>
-          <a:xfrm>
-            <a:off x="903431" y="1657191"/>
-            <a:ext cx="8170511" cy="2677656"/>
-          </a:xfrm>
-          <a:prstGeom prst="rect">
-            <a:avLst/>
-          </a:prstGeom>
-          <a:noFill/>
-        </p:spPr>
-        <p:txBody>
-          <a:bodyPr wrap="square" rtlCol="0">
-            <a:spAutoFit/>
-          </a:bodyPr>
-          <a:lstStyle/>
-          <a:p>
-            <a:r>
-              <a:rPr lang="en-US" sz="2800" dirty="0" smtClean="0"/>
-              <a:t>Design an efficient workflow </a:t>
-            </a:r>
-            <a:r>
-              <a:rPr lang="en-US" sz="2800" dirty="0"/>
-              <a:t>for our </a:t>
-            </a:r>
-            <a:r>
-              <a:rPr lang="en-US" sz="2800" dirty="0" smtClean="0"/>
-              <a:t>app.</a:t>
-            </a:r>
-            <a:br>
-              <a:rPr lang="en-US" sz="2800" dirty="0" smtClean="0"/>
-            </a:br>
-            <a:r>
-              <a:rPr lang="en-US" sz="2800" dirty="0" smtClean="0"/>
-              <a:t/>
-            </a:r>
-            <a:br>
-              <a:rPr lang="en-US" sz="2800" dirty="0" smtClean="0"/>
-            </a:br>
-            <a:r>
-              <a:rPr lang="en-US" sz="2800" dirty="0" smtClean="0"/>
-              <a:t>Help </a:t>
-            </a:r>
-            <a:r>
-              <a:rPr lang="en-US" sz="2800" dirty="0"/>
-              <a:t>from HCDE, Jocelyn, and usability testing with neonatal nurses.</a:t>
-            </a:r>
-          </a:p>
-          <a:p>
-            <a:endParaRPr lang="en-US" sz="2800" dirty="0"/>
-          </a:p>
-          <a:p>
-            <a:endParaRPr lang="en-US" sz="2800" dirty="0"/>
-          </a:p>
-        </p:txBody>
-      </p:sp>
-      <p:sp>
-        <p:nvSpPr>
           <p:cNvPr id="8" name="Shape 108"/>
           <p:cNvSpPr txBox="1">
             <a:spLocks noGrp="1"/>
@@ -6664,7 +6757,57 @@
       </p:sp>
       <p:sp>
         <p:nvSpPr>
-          <p:cNvPr id="5" name="Minus 4"/>
+          <p:cNvPr id="5" name="TextBox 4"/>
+          <p:cNvSpPr txBox="1"/>
+          <p:nvPr/>
+        </p:nvSpPr>
+        <p:spPr>
+          <a:xfrm>
+            <a:off x="903431" y="1657191"/>
+            <a:ext cx="8170511" cy="2246769"/>
+          </a:xfrm>
+          <a:prstGeom prst="rect">
+            <a:avLst/>
+          </a:prstGeom>
+          <a:noFill/>
+        </p:spPr>
+        <p:txBody>
+          <a:bodyPr wrap="square" rtlCol="0">
+            <a:spAutoFit/>
+          </a:bodyPr>
+          <a:lstStyle/>
+          <a:p>
+            <a:r>
+              <a:rPr lang="en-US" sz="2800" dirty="0" smtClean="0"/>
+              <a:t>Integrating third party libraries with ODK.</a:t>
+            </a:r>
+            <a:br>
+              <a:rPr lang="en-US" sz="2800" dirty="0" smtClean="0"/>
+            </a:br>
+            <a:r>
+              <a:rPr lang="en-US" sz="2800" dirty="0" smtClean="0"/>
+              <a:t/>
+            </a:r>
+            <a:br>
+              <a:rPr lang="en-US" sz="2800" dirty="0" smtClean="0"/>
+            </a:br>
+            <a:r>
+              <a:rPr lang="en-US" sz="2800" dirty="0" smtClean="0"/>
+              <a:t>Modify ODK Builder.</a:t>
+            </a:r>
+            <a:endParaRPr lang="en-US" sz="2800" dirty="0"/>
+          </a:p>
+          <a:p>
+            <a:endParaRPr lang="en-US" sz="2800" dirty="0"/>
+          </a:p>
+          <a:p>
+            <a:endParaRPr lang="en-US" sz="2800" dirty="0"/>
+          </a:p>
+        </p:txBody>
+      </p:sp>
+      <p:sp>
+        <p:nvSpPr>
+          <p:cNvPr id="6" name="Minus 5"/>
           <p:cNvSpPr/>
           <p:nvPr/>
         </p:nvSpPr>
@@ -6707,13 +6850,13 @@
       </p:sp>
       <p:sp>
         <p:nvSpPr>
-          <p:cNvPr id="6" name="Plus 5"/>
+          <p:cNvPr id="7" name="Plus 6"/>
           <p:cNvSpPr/>
           <p:nvPr/>
         </p:nvSpPr>
         <p:spPr>
           <a:xfrm>
-            <a:off x="80471" y="2540106"/>
+            <a:off x="80471" y="2345592"/>
             <a:ext cx="914400" cy="914400"/>
           </a:xfrm>
           <a:prstGeom prst="mathPlus">
@@ -6751,7 +6894,7 @@
     </p:spTree>
     <p:extLst>
       <p:ext uri="{BB962C8B-B14F-4D97-AF65-F5344CB8AC3E}">
-        <p14:creationId xmlns:p14="http://schemas.microsoft.com/office/powerpoint/2010/main" val="2556820625"/>
+        <p14:creationId xmlns:p14="http://schemas.microsoft.com/office/powerpoint/2010/main" val="3485766010"/>
       </p:ext>
     </p:extLst>
   </p:cSld>
@@ -6761,6 +6904,13 @@
   <p:transition xmlns:p14="http://schemas.microsoft.com/office/powerpoint/2010/main" spd="slow">
     <p:cut/>
   </p:transition>
+  <p:timing>
+    <p:tnLst>
+      <p:par>
+        <p:cTn xmlns:p14="http://schemas.microsoft.com/office/powerpoint/2010/main" id="1" dur="indefinite" restart="never" nodeType="tmRoot"/>
+      </p:par>
+    </p:tnLst>
+  </p:timing>
 </p:sld>
 </file>
 
@@ -6847,7 +6997,7 @@
         <p:spPr>
           <a:xfrm>
             <a:off x="903431" y="1657191"/>
-            <a:ext cx="8170511" cy="2246769"/>
+            <a:ext cx="8170511" cy="2677656"/>
           </a:xfrm>
           <a:prstGeom prst="rect">
             <a:avLst/>
@@ -6862,21 +7012,16 @@
           <a:p>
             <a:r>
               <a:rPr lang="en-US" sz="2800" dirty="0" smtClean="0"/>
-              <a:t>Integrating third party libraries with ODK.</a:t>
-            </a:r>
-            <a:br>
+              <a:t>Version control of XLSX (No support for merging spreadsheets).</a:t>
+            </a:r>
+          </a:p>
+          <a:p>
+            <a:endParaRPr lang="en-US" sz="2800" dirty="0"/>
+          </a:p>
+          <a:p>
+            <a:r>
               <a:rPr lang="en-US" sz="2800" dirty="0" smtClean="0"/>
-            </a:br>
-            <a:r>
-              <a:rPr lang="en-US" sz="2800" dirty="0" smtClean="0"/>
-              <a:t/>
-            </a:r>
-            <a:br>
-              <a:rPr lang="en-US" sz="2800" dirty="0" smtClean="0"/>
-            </a:br>
-            <a:r>
-              <a:rPr lang="en-US" sz="2800" dirty="0" smtClean="0"/>
-              <a:t>Modify ODK Builder.</a:t>
+              <a:t>Side-by-side copy and paste.</a:t>
             </a:r>
             <a:endParaRPr lang="en-US" sz="2800" dirty="0"/>
           </a:p>
@@ -6939,7 +7084,7 @@
         </p:nvSpPr>
         <p:spPr>
           <a:xfrm>
-            <a:off x="80471" y="2345592"/>
+            <a:off x="80471" y="2802792"/>
             <a:ext cx="914400" cy="914400"/>
           </a:xfrm>
           <a:prstGeom prst="mathPlus">
@@ -6977,7 +7122,7 @@
     </p:spTree>
     <p:extLst>
       <p:ext uri="{BB962C8B-B14F-4D97-AF65-F5344CB8AC3E}">
-        <p14:creationId xmlns:p14="http://schemas.microsoft.com/office/powerpoint/2010/main" val="3485766010"/>
+        <p14:creationId xmlns:p14="http://schemas.microsoft.com/office/powerpoint/2010/main" val="3569906619"/>
       </p:ext>
     </p:extLst>
   </p:cSld>
@@ -6987,6 +7132,13 @@
   <p:transition xmlns:p14="http://schemas.microsoft.com/office/powerpoint/2010/main" spd="slow">
     <p:cut/>
   </p:transition>
+  <p:timing>
+    <p:tnLst>
+      <p:par>
+        <p:cTn xmlns:p14="http://schemas.microsoft.com/office/powerpoint/2010/main" id="1" dur="indefinite" restart="never" nodeType="tmRoot"/>
+      </p:par>
+    </p:tnLst>
+  </p:timing>
 </p:sld>
 </file>
 
@@ -7073,7 +7225,7 @@
         <p:spPr>
           <a:xfrm>
             <a:off x="903431" y="1657191"/>
-            <a:ext cx="8170511" cy="2677656"/>
+            <a:ext cx="8170511" cy="2246769"/>
           </a:xfrm>
           <a:prstGeom prst="rect">
             <a:avLst/>
@@ -7088,7 +7240,7 @@
           <a:p>
             <a:r>
               <a:rPr lang="en-US" sz="2800" dirty="0" smtClean="0"/>
-              <a:t>Version control of XLSX (No support for merging spreadsheets).</a:t>
+              <a:t>Tailor ODK Survey to the requirements of our app.</a:t>
             </a:r>
           </a:p>
           <a:p>
@@ -7097,7 +7249,7 @@
           <a:p>
             <a:r>
               <a:rPr lang="en-US" sz="2800" dirty="0" smtClean="0"/>
-              <a:t>Side-by-side copy and paste.</a:t>
+              <a:t>Contact experts in the field (Mitch).</a:t>
             </a:r>
             <a:endParaRPr lang="en-US" sz="2800" dirty="0"/>
           </a:p>
@@ -7160,7 +7312,7 @@
         </p:nvSpPr>
         <p:spPr>
           <a:xfrm>
-            <a:off x="80471" y="2802792"/>
+            <a:off x="80471" y="2356606"/>
             <a:ext cx="914400" cy="914400"/>
           </a:xfrm>
           <a:prstGeom prst="mathPlus">
@@ -7198,7 +7350,7 @@
     </p:spTree>
     <p:extLst>
       <p:ext uri="{BB962C8B-B14F-4D97-AF65-F5344CB8AC3E}">
-        <p14:creationId xmlns:p14="http://schemas.microsoft.com/office/powerpoint/2010/main" val="3569906619"/>
+        <p14:creationId xmlns:p14="http://schemas.microsoft.com/office/powerpoint/2010/main" val="3558372293"/>
       </p:ext>
     </p:extLst>
   </p:cSld>
@@ -7208,6 +7360,13 @@
   <p:transition xmlns:p14="http://schemas.microsoft.com/office/powerpoint/2010/main" spd="slow">
     <p:cut/>
   </p:transition>
+  <p:timing>
+    <p:tnLst>
+      <p:par>
+        <p:cTn xmlns:p14="http://schemas.microsoft.com/office/powerpoint/2010/main" id="1" dur="indefinite" restart="never" nodeType="tmRoot"/>
+      </p:par>
+    </p:tnLst>
+  </p:timing>
 </p:sld>
 </file>
 
@@ -7274,7 +7433,7 @@
                 <a:cs typeface="Wire One"/>
                 <a:sym typeface="Wire One"/>
               </a:rPr>
-              <a:t>Challenges</a:t>
+              <a:t>In Progress…</a:t>
             </a:r>
             <a:endParaRPr lang="en" sz="6600" b="0" dirty="0">
               <a:latin typeface="Wire One"/>
@@ -7287,14 +7446,14 @@
       </p:sp>
       <p:sp>
         <p:nvSpPr>
-          <p:cNvPr id="5" name="TextBox 4"/>
+          <p:cNvPr id="2" name="TextBox 1"/>
           <p:cNvSpPr txBox="1"/>
           <p:nvPr/>
         </p:nvSpPr>
         <p:spPr>
           <a:xfrm>
-            <a:off x="903431" y="1657191"/>
-            <a:ext cx="8170511" cy="2246769"/>
+            <a:off x="514831" y="1750614"/>
+            <a:ext cx="6017823" cy="3970318"/>
           </a:xfrm>
           <a:prstGeom prst="rect">
             <a:avLst/>
@@ -7307,119 +7466,94 @@
           </a:bodyPr>
           <a:lstStyle/>
           <a:p>
+            <a:pPr marL="457200" indent="-457200">
+              <a:buFont typeface="Arial"/>
+              <a:buChar char="•"/>
+            </a:pPr>
             <a:r>
               <a:rPr lang="en-US" sz="2800" dirty="0" smtClean="0"/>
-              <a:t>Tailor ODK Survey to the requirements of our app.</a:t>
-            </a:r>
-          </a:p>
-          <a:p>
+              <a:t>Usability </a:t>
+            </a:r>
+            <a:r>
+              <a:rPr lang="en-US" sz="2800" dirty="0"/>
+              <a:t>testing</a:t>
+            </a:r>
+            <a:r>
+              <a:rPr lang="en-US" sz="2800" dirty="0" smtClean="0"/>
+              <a:t>.</a:t>
+            </a:r>
+            <a:br>
+              <a:rPr lang="en-US" sz="2800" dirty="0" smtClean="0"/>
+            </a:br>
             <a:endParaRPr lang="en-US" sz="2800" dirty="0"/>
           </a:p>
           <a:p>
+            <a:pPr marL="457200" indent="-457200">
+              <a:buFont typeface="Arial"/>
+              <a:buChar char="•"/>
+            </a:pPr>
             <a:r>
               <a:rPr lang="en-US" sz="2800" dirty="0" smtClean="0"/>
-              <a:t>Contact experts in the field (Mitch).</a:t>
-            </a:r>
+              <a:t>Polish </a:t>
+            </a:r>
+            <a:r>
+              <a:rPr lang="en-US" sz="2800" dirty="0"/>
+              <a:t>the </a:t>
+            </a:r>
+            <a:r>
+              <a:rPr lang="en-US" sz="2800" dirty="0" smtClean="0"/>
+              <a:t>UI.</a:t>
+            </a:r>
+            <a:br>
+              <a:rPr lang="en-US" sz="2800" dirty="0" smtClean="0"/>
+            </a:br>
             <a:endParaRPr lang="en-US" sz="2800" dirty="0"/>
           </a:p>
           <a:p>
+            <a:pPr marL="457200" indent="-457200">
+              <a:buFont typeface="Arial"/>
+              <a:buChar char="•"/>
+            </a:pPr>
+            <a:r>
+              <a:rPr lang="en-US" sz="2800" dirty="0" smtClean="0"/>
+              <a:t>Upgrade </a:t>
+            </a:r>
+            <a:r>
+              <a:rPr lang="en-US" sz="2800" dirty="0"/>
+              <a:t>into new information architecture based HDCE design</a:t>
+            </a:r>
+            <a:r>
+              <a:rPr lang="en-US" sz="2800" dirty="0" smtClean="0"/>
+              <a:t>.</a:t>
+            </a:r>
+            <a:br>
+              <a:rPr lang="en-US" sz="2800" dirty="0" smtClean="0"/>
+            </a:br>
             <a:endParaRPr lang="en-US" sz="2800" dirty="0"/>
           </a:p>
           <a:p>
+            <a:pPr marL="457200" indent="-457200">
+              <a:buFont typeface="Arial"/>
+              <a:buChar char="•"/>
+            </a:pPr>
+            <a:r>
+              <a:rPr lang="en-US" sz="2800" dirty="0" smtClean="0"/>
+              <a:t>Finish </a:t>
+            </a:r>
+            <a:r>
+              <a:rPr lang="en-US" sz="2800" dirty="0"/>
+              <a:t>adding contents.</a:t>
+            </a:r>
+          </a:p>
+          <a:p>
             <a:endParaRPr lang="en-US" sz="2800" dirty="0"/>
-          </a:p>
-        </p:txBody>
-      </p:sp>
-      <p:sp>
-        <p:nvSpPr>
-          <p:cNvPr id="6" name="Minus 5"/>
-          <p:cNvSpPr/>
-          <p:nvPr/>
-        </p:nvSpPr>
-        <p:spPr>
-          <a:xfrm>
-            <a:off x="114410" y="1533646"/>
-            <a:ext cx="822960" cy="822960"/>
-          </a:xfrm>
-          <a:prstGeom prst="mathMinus">
-            <a:avLst/>
-          </a:prstGeom>
-          <a:solidFill>
-            <a:schemeClr val="accent6">
-              <a:lumMod val="75000"/>
-            </a:schemeClr>
-          </a:solidFill>
-          <a:ln/>
-        </p:spPr>
-        <p:style>
-          <a:lnRef idx="1">
-            <a:schemeClr val="accent1"/>
-          </a:lnRef>
-          <a:fillRef idx="3">
-            <a:schemeClr val="accent1"/>
-          </a:fillRef>
-          <a:effectRef idx="2">
-            <a:schemeClr val="accent1"/>
-          </a:effectRef>
-          <a:fontRef idx="minor">
-            <a:schemeClr val="lt1"/>
-          </a:fontRef>
-        </p:style>
-        <p:txBody>
-          <a:bodyPr/>
-          <a:lstStyle/>
-          <a:p>
-            <a:endParaRPr lang="en-US"/>
-          </a:p>
-        </p:txBody>
-      </p:sp>
-      <p:sp>
-        <p:nvSpPr>
-          <p:cNvPr id="7" name="Plus 6"/>
-          <p:cNvSpPr/>
-          <p:nvPr/>
-        </p:nvSpPr>
-        <p:spPr>
-          <a:xfrm>
-            <a:off x="80471" y="2356606"/>
-            <a:ext cx="914400" cy="914400"/>
-          </a:xfrm>
-          <a:prstGeom prst="mathPlus">
-            <a:avLst/>
-          </a:prstGeom>
-          <a:solidFill>
-            <a:schemeClr val="accent3">
-              <a:lumMod val="75000"/>
-            </a:schemeClr>
-          </a:solidFill>
-        </p:spPr>
-        <p:style>
-          <a:lnRef idx="1">
-            <a:schemeClr val="accent1"/>
-          </a:lnRef>
-          <a:fillRef idx="3">
-            <a:schemeClr val="accent1"/>
-          </a:fillRef>
-          <a:effectRef idx="2">
-            <a:schemeClr val="accent1"/>
-          </a:effectRef>
-          <a:fontRef idx="minor">
-            <a:schemeClr val="lt1"/>
-          </a:fontRef>
-        </p:style>
-        <p:txBody>
-          <a:bodyPr rtlCol="0" anchor="ctr"/>
-          <a:lstStyle/>
-          <a:p>
-            <a:pPr algn="ctr"/>
-            <a:endParaRPr lang="en-US"/>
           </a:p>
         </p:txBody>
       </p:sp>
     </p:spTree>
     <p:extLst>
       <p:ext uri="{BB962C8B-B14F-4D97-AF65-F5344CB8AC3E}">
-        <p14:creationId xmlns:p14="http://schemas.microsoft.com/office/powerpoint/2010/main" val="3558372293"/>
+        <p14:creationId xmlns:p14="http://schemas.microsoft.com/office/powerpoint/2010/main" val="2828973654"/>
       </p:ext>
     </p:extLst>
   </p:cSld>
@@ -7429,6 +7563,13 @@
   <p:transition xmlns:p14="http://schemas.microsoft.com/office/powerpoint/2010/main" spd="slow">
     <p:cut/>
   </p:transition>
+  <p:timing>
+    <p:tnLst>
+      <p:par>
+        <p:cTn xmlns:p14="http://schemas.microsoft.com/office/powerpoint/2010/main" id="1" dur="indefinite" restart="never" nodeType="tmRoot"/>
+      </p:par>
+    </p:tnLst>
+  </p:timing>
 </p:sld>
 </file>
 
@@ -7554,6 +7695,13 @@
   <p:transition xmlns:p14="http://schemas.microsoft.com/office/powerpoint/2010/main" spd="slow">
     <p:cut/>
   </p:transition>
+  <p:timing>
+    <p:tnLst>
+      <p:par>
+        <p:cTn xmlns:p14="http://schemas.microsoft.com/office/powerpoint/2010/main" id="1" dur="indefinite" restart="never" nodeType="tmRoot"/>
+      </p:par>
+    </p:tnLst>
+  </p:timing>
 </p:sld>
 </file>
 
@@ -7620,7 +7768,7 @@
                 <a:cs typeface="Wire One"/>
                 <a:sym typeface="Wire One"/>
               </a:rPr>
-              <a:t>Challenges</a:t>
+              <a:t>Feedback</a:t>
             </a:r>
             <a:endParaRPr lang="en" sz="6600" b="0" dirty="0">
               <a:latin typeface="Wire One"/>
@@ -7631,10 +7779,106 @@
           </a:p>
         </p:txBody>
       </p:sp>
+      <p:sp>
+        <p:nvSpPr>
+          <p:cNvPr id="3" name="TextBox 2"/>
+          <p:cNvSpPr txBox="1"/>
+          <p:nvPr/>
+        </p:nvSpPr>
+        <p:spPr>
+          <a:xfrm>
+            <a:off x="514831" y="1842149"/>
+            <a:ext cx="7550881" cy="3539431"/>
+          </a:xfrm>
+          <a:prstGeom prst="rect">
+            <a:avLst/>
+          </a:prstGeom>
+          <a:noFill/>
+        </p:spPr>
+        <p:txBody>
+          <a:bodyPr wrap="square" rtlCol="0">
+            <a:spAutoFit/>
+          </a:bodyPr>
+          <a:lstStyle/>
+          <a:p>
+            <a:pPr marL="285750" indent="-285750">
+              <a:buFont typeface="Arial"/>
+              <a:buChar char="•"/>
+            </a:pPr>
+            <a:r>
+              <a:rPr lang="en-US" sz="2800" dirty="0" smtClean="0"/>
+              <a:t>First </a:t>
+            </a:r>
+            <a:r>
+              <a:rPr lang="en-US" sz="2800" dirty="0"/>
+              <a:t>usability testing with neonatal nurses lead to a change in our app architecture</a:t>
+            </a:r>
+            <a:r>
+              <a:rPr lang="en-US" sz="2800" dirty="0" smtClean="0"/>
+              <a:t>.</a:t>
+            </a:r>
+            <a:br>
+              <a:rPr lang="en-US" sz="2800" dirty="0" smtClean="0"/>
+            </a:br>
+            <a:endParaRPr lang="en-US" sz="2800" dirty="0"/>
+          </a:p>
+          <a:p>
+            <a:pPr marL="285750" indent="-285750">
+              <a:buFont typeface="Arial"/>
+              <a:buChar char="•"/>
+            </a:pPr>
+            <a:r>
+              <a:rPr lang="en-US" sz="2800" dirty="0" smtClean="0"/>
+              <a:t>Preferred </a:t>
+            </a:r>
+            <a:r>
+              <a:rPr lang="en-US" sz="2800" dirty="0"/>
+              <a:t>sliding list of images vertically instead of horizontally</a:t>
+            </a:r>
+            <a:r>
+              <a:rPr lang="en-US" sz="2800" dirty="0" smtClean="0"/>
+              <a:t>.</a:t>
+            </a:r>
+            <a:br>
+              <a:rPr lang="en-US" sz="2800" dirty="0" smtClean="0"/>
+            </a:br>
+            <a:endParaRPr lang="en-US" sz="2800" dirty="0" smtClean="0"/>
+          </a:p>
+          <a:p>
+            <a:pPr marL="285750" indent="-285750">
+              <a:buFont typeface="Arial"/>
+              <a:buChar char="•"/>
+            </a:pPr>
+            <a:r>
+              <a:rPr lang="en-US" sz="2800" dirty="0" smtClean="0"/>
+              <a:t>Preferred </a:t>
+            </a:r>
+            <a:r>
+              <a:rPr lang="en-US" sz="2800" dirty="0"/>
+              <a:t>bullet points of </a:t>
+            </a:r>
+            <a:r>
+              <a:rPr lang="en-US" sz="2800" dirty="0" smtClean="0"/>
+              <a:t/>
+            </a:r>
+            <a:br>
+              <a:rPr lang="en-US" sz="2800" dirty="0" smtClean="0"/>
+            </a:br>
+            <a:r>
+              <a:rPr lang="en-US" sz="2800" dirty="0" smtClean="0"/>
+              <a:t>information </a:t>
+            </a:r>
+            <a:r>
+              <a:rPr lang="en-US" sz="2800" dirty="0"/>
+              <a:t>and short video. </a:t>
+            </a:r>
+          </a:p>
+        </p:txBody>
+      </p:sp>
     </p:spTree>
     <p:extLst>
       <p:ext uri="{BB962C8B-B14F-4D97-AF65-F5344CB8AC3E}">
-        <p14:creationId xmlns:p14="http://schemas.microsoft.com/office/powerpoint/2010/main" val="2828973654"/>
+        <p14:creationId xmlns:p14="http://schemas.microsoft.com/office/powerpoint/2010/main" val="1111412221"/>
       </p:ext>
     </p:extLst>
   </p:cSld>
@@ -7644,6 +7888,13 @@
   <p:transition xmlns:p14="http://schemas.microsoft.com/office/powerpoint/2010/main" spd="slow">
     <p:cut/>
   </p:transition>
+  <p:timing>
+    <p:tnLst>
+      <p:par>
+        <p:cTn xmlns:p14="http://schemas.microsoft.com/office/powerpoint/2010/main" id="1" dur="indefinite" restart="never" nodeType="tmRoot"/>
+      </p:par>
+    </p:tnLst>
+  </p:timing>
 </p:sld>
 </file>
 
@@ -7663,7 +7914,7 @@
     </p:bg>
     <p:spTree>
       <p:nvGrpSpPr>
-        <p:cNvPr id="1" name="Shape 107"/>
+        <p:cNvPr id="1" name="Shape 100"/>
         <p:cNvGrpSpPr/>
         <p:nvPr/>
       </p:nvGrpSpPr>
@@ -7677,7 +7928,7 @@
       </p:grpSpPr>
       <p:sp>
         <p:nvSpPr>
-          <p:cNvPr id="108" name="Shape 108"/>
+          <p:cNvPr id="8" name="Shape 108"/>
           <p:cNvSpPr txBox="1">
             <a:spLocks noGrp="1"/>
           </p:cNvSpPr>
@@ -7687,7 +7938,7 @@
         </p:nvSpPr>
         <p:spPr>
           <a:xfrm>
-            <a:off x="432915" y="645592"/>
+            <a:off x="215542" y="565499"/>
             <a:ext cx="8253900" cy="1011599"/>
           </a:xfrm>
           <a:prstGeom prst="rect">
@@ -7704,194 +7955,123 @@
               <a:buNone/>
             </a:pPr>
             <a:r>
-              <a:rPr lang="en" sz="6600" b="0" dirty="0">
+              <a:rPr lang="en-US" sz="6600" b="0" dirty="0" smtClean="0">
                 <a:latin typeface="Wire One"/>
                 <a:ea typeface="Wire One"/>
                 <a:cs typeface="Wire One"/>
                 <a:sym typeface="Wire One"/>
               </a:rPr>
-              <a:t>Self-Evaluation</a:t>
-            </a:r>
+              <a:t>Future Work</a:t>
+            </a:r>
+            <a:endParaRPr lang="en" sz="6600" b="0" dirty="0">
+              <a:latin typeface="Wire One"/>
+              <a:ea typeface="Wire One"/>
+              <a:cs typeface="Wire One"/>
+              <a:sym typeface="Wire One"/>
+            </a:endParaRPr>
           </a:p>
         </p:txBody>
       </p:sp>
       <p:sp>
         <p:nvSpPr>
-          <p:cNvPr id="109" name="Shape 109"/>
-          <p:cNvSpPr txBox="1">
-            <a:spLocks noGrp="1"/>
-          </p:cNvSpPr>
-          <p:nvPr>
-            <p:ph type="body" idx="1"/>
-          </p:nvPr>
-        </p:nvSpPr>
-        <p:spPr>
-          <a:xfrm>
-            <a:off x="457200" y="1818766"/>
-            <a:ext cx="8229600" cy="4748999"/>
+          <p:cNvPr id="3" name="TextBox 2"/>
+          <p:cNvSpPr txBox="1"/>
+          <p:nvPr/>
+        </p:nvSpPr>
+        <p:spPr>
+          <a:xfrm>
+            <a:off x="514831" y="1842149"/>
+            <a:ext cx="7550881" cy="3108544"/>
           </a:xfrm>
           <a:prstGeom prst="rect">
             <a:avLst/>
           </a:prstGeom>
+          <a:noFill/>
         </p:spPr>
         <p:txBody>
-          <a:bodyPr lIns="91425" tIns="91425" rIns="91425" bIns="91425" anchor="t" anchorCtr="0">
-            <a:noAutofit/>
+          <a:bodyPr wrap="square" rtlCol="0">
+            <a:spAutoFit/>
           </a:bodyPr>
           <a:lstStyle/>
           <a:p>
-            <a:pPr marL="457200" lvl="0" indent="-419100" rtl="0">
-              <a:buClr>
-                <a:schemeClr val="dk1"/>
-              </a:buClr>
-              <a:buSzPct val="217391"/>
+            <a:pPr marL="285750" indent="-285750">
               <a:buFont typeface="Arial"/>
               <a:buChar char="•"/>
             </a:pPr>
             <a:r>
-              <a:rPr lang="en" sz="2300">
-                <a:latin typeface="Raleway"/>
-                <a:ea typeface="Raleway"/>
-                <a:cs typeface="Raleway"/>
-                <a:sym typeface="Raleway"/>
-              </a:rPr>
-              <a:t>How we will evaluate ourselves?</a:t>
-            </a:r>
-          </a:p>
-          <a:p>
-            <a:pPr marL="914400" lvl="1" indent="-381000" rtl="0">
-              <a:buClr>
-                <a:schemeClr val="dk1"/>
-              </a:buClr>
-              <a:buSzPct val="104347"/>
-              <a:buFont typeface="Courier New"/>
-              <a:buChar char="o"/>
+              <a:rPr lang="en-US" sz="2800" dirty="0" smtClean="0"/>
+              <a:t>Wrap app into </a:t>
+            </a:r>
+            <a:r>
+              <a:rPr lang="en-US" sz="2800" dirty="0" err="1" smtClean="0"/>
+              <a:t>iOS</a:t>
+            </a:r>
+            <a:r>
+              <a:rPr lang="en-US" sz="2800" dirty="0" smtClean="0"/>
+              <a:t> and Android apps.</a:t>
+            </a:r>
+          </a:p>
+          <a:p>
+            <a:pPr marL="285750" indent="-285750">
+              <a:buFont typeface="Arial"/>
+              <a:buChar char="•"/>
             </a:pPr>
-            <a:r>
-              <a:rPr lang="en" sz="2300">
-                <a:latin typeface="Raleway"/>
-                <a:ea typeface="Raleway"/>
-                <a:cs typeface="Raleway"/>
-                <a:sym typeface="Raleway"/>
-              </a:rPr>
-              <a:t>Functionality</a:t>
-            </a:r>
-          </a:p>
-          <a:p>
-            <a:pPr marL="914400" lvl="1" indent="-381000" rtl="0">
-              <a:buClr>
-                <a:schemeClr val="dk1"/>
-              </a:buClr>
-              <a:buSzPct val="104347"/>
-              <a:buFont typeface="Courier New"/>
-              <a:buChar char="o"/>
+            <a:endParaRPr lang="en-US" sz="2800" dirty="0"/>
+          </a:p>
+          <a:p>
+            <a:pPr marL="285750" indent="-285750">
+              <a:buFont typeface="Arial"/>
+              <a:buChar char="•"/>
             </a:pPr>
             <a:r>
-              <a:rPr lang="en" sz="2300">
-                <a:latin typeface="Raleway"/>
-                <a:ea typeface="Raleway"/>
-                <a:cs typeface="Raleway"/>
-                <a:sym typeface="Raleway"/>
-              </a:rPr>
-              <a:t>Usability testing from nurses and feedback</a:t>
-            </a:r>
-          </a:p>
-          <a:p>
-            <a:pPr marL="914400" lvl="1" indent="-381000" rtl="0">
-              <a:buClr>
-                <a:schemeClr val="dk1"/>
-              </a:buClr>
-              <a:buSzPct val="104347"/>
-              <a:buFont typeface="Courier New"/>
-              <a:buChar char="o"/>
+              <a:rPr lang="en-US" sz="2800" dirty="0" smtClean="0"/>
+              <a:t>Acquire more content for all categories.</a:t>
+            </a:r>
+            <a:endParaRPr lang="en-US" sz="2800" dirty="0"/>
+          </a:p>
+          <a:p>
+            <a:pPr marL="285750" indent="-285750">
+              <a:buFont typeface="Arial"/>
+              <a:buChar char="•"/>
             </a:pPr>
-            <a:r>
-              <a:rPr lang="en" sz="2300">
-                <a:latin typeface="Raleway"/>
-                <a:ea typeface="Raleway"/>
-                <a:cs typeface="Raleway"/>
-                <a:sym typeface="Raleway"/>
-              </a:rPr>
-              <a:t>Platform-compatibility</a:t>
-            </a:r>
-          </a:p>
-          <a:p>
-            <a:endParaRPr lang="en" sz="2300">
-              <a:latin typeface="Raleway"/>
-              <a:ea typeface="Raleway"/>
-              <a:cs typeface="Raleway"/>
-              <a:sym typeface="Raleway"/>
-            </a:endParaRPr>
+            <a:endParaRPr lang="en-US" sz="2800" dirty="0" smtClean="0"/>
+          </a:p>
+          <a:p>
+            <a:pPr marL="285750" indent="-285750">
+              <a:buFont typeface="Arial"/>
+              <a:buChar char="•"/>
+            </a:pPr>
+            <a:r>
+              <a:rPr lang="en-US" sz="2800" dirty="0" smtClean="0"/>
+              <a:t>Upgrade to new version of ODK Survey.</a:t>
+            </a:r>
+          </a:p>
+          <a:p>
+            <a:pPr marL="285750" indent="-285750">
+              <a:buFont typeface="Arial"/>
+              <a:buChar char="•"/>
+            </a:pPr>
+            <a:endParaRPr lang="en-US" sz="2800" dirty="0"/>
+          </a:p>
+          <a:p>
+            <a:pPr marL="285750" indent="-285750">
+              <a:buFont typeface="Arial"/>
+              <a:buChar char="•"/>
+            </a:pPr>
+            <a:r>
+              <a:rPr lang="en-US" sz="2800" dirty="0" smtClean="0"/>
+              <a:t>…</a:t>
+            </a:r>
+            <a:endParaRPr lang="en-US" sz="2800" dirty="0"/>
           </a:p>
         </p:txBody>
       </p:sp>
-      <p:sp>
-        <p:nvSpPr>
-          <p:cNvPr id="110" name="Shape 110"/>
-          <p:cNvSpPr/>
-          <p:nvPr/>
-        </p:nvSpPr>
-        <p:spPr>
-          <a:xfrm>
-            <a:off x="338390" y="3504560"/>
-            <a:ext cx="1566866" cy="2337295"/>
-          </a:xfrm>
-          <a:prstGeom prst="rect">
-            <a:avLst/>
-          </a:prstGeom>
-          <a:blipFill>
-            <a:blip r:embed="rId4"/>
-            <a:stretch>
-              <a:fillRect/>
-            </a:stretch>
-          </a:blipFill>
-        </p:spPr>
-      </p:sp>
-      <p:sp>
-        <p:nvSpPr>
-          <p:cNvPr id="111" name="Shape 111"/>
-          <p:cNvSpPr/>
-          <p:nvPr/>
-        </p:nvSpPr>
-        <p:spPr>
-          <a:xfrm>
-            <a:off x="2374105" y="3536529"/>
-            <a:ext cx="3363270" cy="2273356"/>
-          </a:xfrm>
-          <a:prstGeom prst="rect">
-            <a:avLst/>
-          </a:prstGeom>
-          <a:blipFill>
-            <a:blip r:embed="rId5"/>
-            <a:stretch>
-              <a:fillRect/>
-            </a:stretch>
-          </a:blipFill>
-        </p:spPr>
-      </p:sp>
-      <p:sp>
-        <p:nvSpPr>
-          <p:cNvPr id="112" name="Shape 112"/>
-          <p:cNvSpPr/>
-          <p:nvPr/>
-        </p:nvSpPr>
-        <p:spPr>
-          <a:xfrm>
-            <a:off x="6231198" y="3518978"/>
-            <a:ext cx="2639751" cy="2308458"/>
-          </a:xfrm>
-          <a:prstGeom prst="rect">
-            <a:avLst/>
-          </a:prstGeom>
-          <a:blipFill>
-            <a:blip r:embed="rId6"/>
-            <a:stretch>
-              <a:fillRect/>
-            </a:stretch>
-          </a:blipFill>
-        </p:spPr>
-      </p:sp>
     </p:spTree>
+    <p:extLst>
+      <p:ext uri="{BB962C8B-B14F-4D97-AF65-F5344CB8AC3E}">
+        <p14:creationId xmlns:p14="http://schemas.microsoft.com/office/powerpoint/2010/main" val="2666702516"/>
+      </p:ext>
+    </p:extLst>
   </p:cSld>
   <p:clrMapOvr>
     <a:masterClrMapping/>
@@ -7899,6 +8079,13 @@
   <p:transition xmlns:p14="http://schemas.microsoft.com/office/powerpoint/2010/main" spd="slow">
     <p:cut/>
   </p:transition>
+  <p:timing>
+    <p:tnLst>
+      <p:par>
+        <p:cTn xmlns:p14="http://schemas.microsoft.com/office/powerpoint/2010/main" id="1" dur="indefinite" restart="never" nodeType="tmRoot"/>
+      </p:par>
+    </p:tnLst>
+  </p:timing>
 </p:sld>
 </file>
 
@@ -7959,45 +8146,13 @@
               <a:buNone/>
             </a:pPr>
             <a:r>
-              <a:rPr lang="en" sz="6600" b="0">
+              <a:rPr lang="en" sz="6600" b="0" dirty="0">
                 <a:latin typeface="Wire One"/>
                 <a:ea typeface="Wire One"/>
                 <a:cs typeface="Wire One"/>
                 <a:sym typeface="Wire One"/>
               </a:rPr>
               <a:t>Questions?</a:t>
-            </a:r>
-          </a:p>
-        </p:txBody>
-      </p:sp>
-      <p:sp>
-        <p:nvSpPr>
-          <p:cNvPr id="118" name="Shape 118"/>
-          <p:cNvSpPr txBox="1"/>
-          <p:nvPr/>
-        </p:nvSpPr>
-        <p:spPr>
-          <a:xfrm>
-            <a:off x="3721749" y="645592"/>
-            <a:ext cx="1252800" cy="2763899"/>
-          </a:xfrm>
-          <a:prstGeom prst="rect">
-            <a:avLst/>
-          </a:prstGeom>
-          <a:noFill/>
-        </p:spPr>
-        <p:txBody>
-          <a:bodyPr lIns="91425" tIns="91425" rIns="91425" bIns="91425" anchor="t" anchorCtr="0">
-            <a:noAutofit/>
-          </a:bodyPr>
-          <a:lstStyle/>
-          <a:p>
-            <a:pPr>
-              <a:buNone/>
-            </a:pPr>
-            <a:r>
-              <a:rPr lang="en" sz="13000"/>
-              <a:t>?</a:t>
             </a:r>
           </a:p>
         </p:txBody>
@@ -8032,6 +8187,13 @@
   <p:transition xmlns:p14="http://schemas.microsoft.com/office/powerpoint/2010/main" spd="slow">
     <p:cut/>
   </p:transition>
+  <p:timing>
+    <p:tnLst>
+      <p:par>
+        <p:cTn xmlns:p14="http://schemas.microsoft.com/office/powerpoint/2010/main" id="1" dur="indefinite" restart="never" nodeType="tmRoot"/>
+      </p:par>
+    </p:tnLst>
+  </p:timing>
 </p:sld>
 </file>
 
@@ -8372,6 +8534,13 @@
   <p:transition xmlns:p14="http://schemas.microsoft.com/office/powerpoint/2010/main" spd="slow">
     <p:cut/>
   </p:transition>
+  <p:timing>
+    <p:tnLst>
+      <p:par>
+        <p:cTn xmlns:p14="http://schemas.microsoft.com/office/powerpoint/2010/main" id="1" dur="indefinite" restart="never" nodeType="tmRoot"/>
+      </p:par>
+    </p:tnLst>
+  </p:timing>
 </p:sld>
 </file>
 
@@ -9152,6 +9321,13 @@
   <p:transition xmlns:p14="http://schemas.microsoft.com/office/powerpoint/2010/main" spd="slow">
     <p:cut/>
   </p:transition>
+  <p:timing>
+    <p:tnLst>
+      <p:par>
+        <p:cTn xmlns:p14="http://schemas.microsoft.com/office/powerpoint/2010/main" id="1" dur="indefinite" restart="never" nodeType="tmRoot"/>
+      </p:par>
+    </p:tnLst>
+  </p:timing>
 </p:sld>
 </file>
 
@@ -9370,6 +9546,13 @@
   <p:transition xmlns:p14="http://schemas.microsoft.com/office/powerpoint/2010/main" spd="slow">
     <p:cut/>
   </p:transition>
+  <p:timing>
+    <p:tnLst>
+      <p:par>
+        <p:cTn xmlns:p14="http://schemas.microsoft.com/office/powerpoint/2010/main" id="1" dur="indefinite" restart="never" nodeType="tmRoot"/>
+      </p:par>
+    </p:tnLst>
+  </p:timing>
 </p:sld>
 </file>
 
@@ -9580,6 +9763,13 @@
   <p:transition xmlns:p14="http://schemas.microsoft.com/office/powerpoint/2010/main" spd="slow">
     <p:cut/>
   </p:transition>
+  <p:timing>
+    <p:tnLst>
+      <p:par>
+        <p:cTn xmlns:p14="http://schemas.microsoft.com/office/powerpoint/2010/main" id="1" dur="indefinite" restart="never" nodeType="tmRoot"/>
+      </p:par>
+    </p:tnLst>
+  </p:timing>
 </p:sld>
 </file>
 
@@ -9808,6 +9998,13 @@
   <p:transition xmlns:p14="http://schemas.microsoft.com/office/powerpoint/2010/main" spd="slow">
     <p:cut/>
   </p:transition>
+  <p:timing>
+    <p:tnLst>
+      <p:par>
+        <p:cTn xmlns:p14="http://schemas.microsoft.com/office/powerpoint/2010/main" id="1" dur="indefinite" restart="never" nodeType="tmRoot"/>
+      </p:par>
+    </p:tnLst>
+  </p:timing>
 </p:sld>
 </file>
 
@@ -9950,6 +10147,13 @@
   <p:transition xmlns:p14="http://schemas.microsoft.com/office/powerpoint/2010/main" spd="slow">
     <p:cut/>
   </p:transition>
+  <p:timing>
+    <p:tnLst>
+      <p:par>
+        <p:cTn xmlns:p14="http://schemas.microsoft.com/office/powerpoint/2010/main" id="1" dur="indefinite" restart="never" nodeType="tmRoot"/>
+      </p:par>
+    </p:tnLst>
+  </p:timing>
 </p:sld>
 </file>
 

--- a/presentation/Final Presentation.pptx
+++ b/presentation/Final Presentation.pptx
@@ -5,7 +5,7 @@
     <p:sldMasterId id="2147483654" r:id="rId1"/>
   </p:sldMasterIdLst>
   <p:notesMasterIdLst>
-    <p:notesMasterId r:id="rId24"/>
+    <p:notesMasterId r:id="rId25"/>
   </p:notesMasterIdLst>
   <p:sldIdLst>
     <p:sldId id="256" r:id="rId2"/>
@@ -14,22 +14,23 @@
     <p:sldId id="260" r:id="rId5"/>
     <p:sldId id="264" r:id="rId6"/>
     <p:sldId id="269" r:id="rId7"/>
-    <p:sldId id="270" r:id="rId8"/>
+    <p:sldId id="284" r:id="rId8"/>
     <p:sldId id="271" r:id="rId9"/>
     <p:sldId id="272" r:id="rId10"/>
-    <p:sldId id="273" r:id="rId11"/>
-    <p:sldId id="268" r:id="rId12"/>
-    <p:sldId id="265" r:id="rId13"/>
-    <p:sldId id="274" r:id="rId14"/>
-    <p:sldId id="275" r:id="rId15"/>
-    <p:sldId id="277" r:id="rId16"/>
-    <p:sldId id="278" r:id="rId17"/>
-    <p:sldId id="279" r:id="rId18"/>
-    <p:sldId id="280" r:id="rId19"/>
-    <p:sldId id="281" r:id="rId20"/>
-    <p:sldId id="282" r:id="rId21"/>
-    <p:sldId id="283" r:id="rId22"/>
-    <p:sldId id="267" r:id="rId23"/>
+    <p:sldId id="285" r:id="rId11"/>
+    <p:sldId id="286" r:id="rId12"/>
+    <p:sldId id="288" r:id="rId13"/>
+    <p:sldId id="289" r:id="rId14"/>
+    <p:sldId id="290" r:id="rId15"/>
+    <p:sldId id="291" r:id="rId16"/>
+    <p:sldId id="277" r:id="rId17"/>
+    <p:sldId id="278" r:id="rId18"/>
+    <p:sldId id="279" r:id="rId19"/>
+    <p:sldId id="280" r:id="rId20"/>
+    <p:sldId id="281" r:id="rId21"/>
+    <p:sldId id="282" r:id="rId22"/>
+    <p:sldId id="283" r:id="rId23"/>
+    <p:sldId id="267" r:id="rId24"/>
   </p:sldIdLst>
   <p:sldSz cx="9144000" cy="6858000" type="screen4x3"/>
   <p:notesSz cx="6858000" cy="9144000"/>
@@ -807,7 +808,7 @@
   <p:cSld>
     <p:spTree>
       <p:nvGrpSpPr>
-        <p:cNvPr id="1" name="Shape 104"/>
+        <p:cNvPr id="1" name="Shape 97"/>
         <p:cNvGrpSpPr/>
         <p:nvPr/>
       </p:nvGrpSpPr>
@@ -821,7 +822,7 @@
       </p:grpSpPr>
       <p:sp>
         <p:nvSpPr>
-          <p:cNvPr id="105" name="Shape 105"/>
+          <p:cNvPr id="98" name="Shape 98"/>
           <p:cNvSpPr>
             <a:spLocks noGrp="1" noRot="1" noChangeAspect="1"/>
           </p:cNvSpPr>
@@ -862,7 +863,7 @@
       </p:sp>
       <p:sp>
         <p:nvSpPr>
-          <p:cNvPr id="106" name="Shape 106"/>
+          <p:cNvPr id="99" name="Shape 99"/>
           <p:cNvSpPr txBox="1">
             <a:spLocks noGrp="1"/>
           </p:cNvSpPr>
@@ -908,7 +909,7 @@
   <p:cSld>
     <p:spTree>
       <p:nvGrpSpPr>
-        <p:cNvPr id="1" name="Shape 104"/>
+        <p:cNvPr id="1" name="Shape 97"/>
         <p:cNvGrpSpPr/>
         <p:nvPr/>
       </p:nvGrpSpPr>
@@ -922,7 +923,7 @@
       </p:grpSpPr>
       <p:sp>
         <p:nvSpPr>
-          <p:cNvPr id="105" name="Shape 105"/>
+          <p:cNvPr id="98" name="Shape 98"/>
           <p:cNvSpPr>
             <a:spLocks noGrp="1" noRot="1" noChangeAspect="1"/>
           </p:cNvSpPr>
@@ -963,7 +964,7 @@
       </p:sp>
       <p:sp>
         <p:nvSpPr>
-          <p:cNvPr id="106" name="Shape 106"/>
+          <p:cNvPr id="99" name="Shape 99"/>
           <p:cNvSpPr txBox="1">
             <a:spLocks noGrp="1"/>
           </p:cNvSpPr>
@@ -1009,7 +1010,7 @@
   <p:cSld>
     <p:spTree>
       <p:nvGrpSpPr>
-        <p:cNvPr id="1" name="Shape 104"/>
+        <p:cNvPr id="1" name="Shape 97"/>
         <p:cNvGrpSpPr/>
         <p:nvPr/>
       </p:nvGrpSpPr>
@@ -1023,7 +1024,7 @@
       </p:grpSpPr>
       <p:sp>
         <p:nvSpPr>
-          <p:cNvPr id="105" name="Shape 105"/>
+          <p:cNvPr id="98" name="Shape 98"/>
           <p:cNvSpPr>
             <a:spLocks noGrp="1" noRot="1" noChangeAspect="1"/>
           </p:cNvSpPr>
@@ -1064,7 +1065,7 @@
       </p:sp>
       <p:sp>
         <p:nvSpPr>
-          <p:cNvPr id="106" name="Shape 106"/>
+          <p:cNvPr id="99" name="Shape 99"/>
           <p:cNvSpPr txBox="1">
             <a:spLocks noGrp="1"/>
           </p:cNvSpPr>
@@ -1110,7 +1111,7 @@
   <p:cSld>
     <p:spTree>
       <p:nvGrpSpPr>
-        <p:cNvPr id="1" name="Shape 104"/>
+        <p:cNvPr id="1" name="Shape 97"/>
         <p:cNvGrpSpPr/>
         <p:nvPr/>
       </p:nvGrpSpPr>
@@ -1124,7 +1125,7 @@
       </p:grpSpPr>
       <p:sp>
         <p:nvSpPr>
-          <p:cNvPr id="105" name="Shape 105"/>
+          <p:cNvPr id="98" name="Shape 98"/>
           <p:cNvSpPr>
             <a:spLocks noGrp="1" noRot="1" noChangeAspect="1"/>
           </p:cNvSpPr>
@@ -1165,7 +1166,7 @@
       </p:sp>
       <p:sp>
         <p:nvSpPr>
-          <p:cNvPr id="106" name="Shape 106"/>
+          <p:cNvPr id="99" name="Shape 99"/>
           <p:cNvSpPr txBox="1">
             <a:spLocks noGrp="1"/>
           </p:cNvSpPr>
@@ -1914,6 +1915,107 @@
 </file>
 
 <file path=ppt/notesSlides/notesSlide22.xml><?xml version="1.0" encoding="utf-8"?>
+<p:notes xmlns:a="http://schemas.openxmlformats.org/drawingml/2006/main" xmlns:r="http://schemas.openxmlformats.org/officeDocument/2006/relationships" xmlns:p="http://schemas.openxmlformats.org/presentationml/2006/main" showMasterSp="0" showMasterPhAnim="0">
+  <p:cSld>
+    <p:spTree>
+      <p:nvGrpSpPr>
+        <p:cNvPr id="1" name="Shape 104"/>
+        <p:cNvGrpSpPr/>
+        <p:nvPr/>
+      </p:nvGrpSpPr>
+      <p:grpSpPr>
+        <a:xfrm>
+          <a:off x="0" y="0"/>
+          <a:ext cx="0" cy="0"/>
+          <a:chOff x="0" y="0"/>
+          <a:chExt cx="0" cy="0"/>
+        </a:xfrm>
+      </p:grpSpPr>
+      <p:sp>
+        <p:nvSpPr>
+          <p:cNvPr id="105" name="Shape 105"/>
+          <p:cNvSpPr>
+            <a:spLocks noGrp="1" noRot="1" noChangeAspect="1"/>
+          </p:cNvSpPr>
+          <p:nvPr>
+            <p:ph type="sldImg" idx="2"/>
+          </p:nvPr>
+        </p:nvSpPr>
+        <p:spPr>
+          <a:xfrm>
+            <a:off x="1143000" y="685800"/>
+            <a:ext cx="4572000" cy="3429000"/>
+          </a:xfrm>
+          <a:custGeom>
+            <a:avLst/>
+            <a:gdLst/>
+            <a:ahLst/>
+            <a:cxnLst/>
+            <a:rect l="0" t="0" r="0" b="0"/>
+            <a:pathLst>
+              <a:path w="120000" h="120000" extrusionOk="0">
+                <a:moveTo>
+                  <a:pt x="0" y="0"/>
+                </a:moveTo>
+                <a:lnTo>
+                  <a:pt x="120000" y="0"/>
+                </a:lnTo>
+                <a:lnTo>
+                  <a:pt x="120000" y="120000"/>
+                </a:lnTo>
+                <a:lnTo>
+                  <a:pt x="0" y="120000"/>
+                </a:lnTo>
+                <a:close/>
+              </a:path>
+            </a:pathLst>
+          </a:custGeom>
+        </p:spPr>
+      </p:sp>
+      <p:sp>
+        <p:nvSpPr>
+          <p:cNvPr id="106" name="Shape 106"/>
+          <p:cNvSpPr txBox="1">
+            <a:spLocks noGrp="1"/>
+          </p:cNvSpPr>
+          <p:nvPr>
+            <p:ph type="body" idx="1"/>
+          </p:nvPr>
+        </p:nvSpPr>
+        <p:spPr>
+          <a:xfrm>
+            <a:off x="685800" y="4343400"/>
+            <a:ext cx="5486399" cy="4114800"/>
+          </a:xfrm>
+          <a:prstGeom prst="rect">
+            <a:avLst/>
+          </a:prstGeom>
+        </p:spPr>
+        <p:txBody>
+          <a:bodyPr lIns="91425" tIns="91425" rIns="91425" bIns="91425" anchor="t" anchorCtr="0">
+            <a:noAutofit/>
+          </a:bodyPr>
+          <a:lstStyle/>
+          <a:p>
+            <a:pPr lvl="0" rtl="0">
+              <a:buNone/>
+            </a:pPr>
+            <a:r>
+              <a:rPr lang="en"/>
+              <a:t>Jessica</a:t>
+            </a:r>
+          </a:p>
+        </p:txBody>
+      </p:sp>
+    </p:spTree>
+  </p:cSld>
+  <p:clrMapOvr>
+    <a:masterClrMapping/>
+  </p:clrMapOvr>
+</p:notes>
+</file>
+
+<file path=ppt/notesSlides/notesSlide23.xml><?xml version="1.0" encoding="utf-8"?>
 <p:notes xmlns:a="http://schemas.openxmlformats.org/drawingml/2006/main" xmlns:r="http://schemas.openxmlformats.org/officeDocument/2006/relationships" xmlns:p="http://schemas.openxmlformats.org/presentationml/2006/main" showMasterSp="0" showMasterPhAnim="0">
   <p:cSld>
     <p:spTree>
@@ -5410,17 +5512,6 @@
 <file path=ppt/slides/slide10.xml><?xml version="1.0" encoding="utf-8"?>
 <p:sld xmlns:a="http://schemas.openxmlformats.org/drawingml/2006/main" xmlns:r="http://schemas.openxmlformats.org/officeDocument/2006/relationships" xmlns:p="http://schemas.openxmlformats.org/presentationml/2006/main">
   <p:cSld>
-    <p:bg>
-      <p:bgPr>
-        <a:blipFill>
-          <a:blip r:embed="rId3"/>
-          <a:stretch>
-            <a:fillRect/>
-          </a:stretch>
-        </a:blipFill>
-        <a:effectLst/>
-      </p:bgPr>
-    </p:bg>
     <p:spTree>
       <p:nvGrpSpPr>
         <p:cNvPr id="1" name="Shape 94"/>
@@ -5437,74 +5528,43 @@
       </p:grpSpPr>
       <p:pic>
         <p:nvPicPr>
-          <p:cNvPr id="6" name="Picture 5" descr="IMG_0493.jpg"/>
+          <p:cNvPr id="4" name="Picture 3" descr="Screenshot_2013-05-24-23-19-12.png"/>
           <p:cNvPicPr>
             <a:picLocks noChangeAspect="1"/>
           </p:cNvPicPr>
           <p:nvPr/>
         </p:nvPicPr>
-        <p:blipFill>
-          <a:blip r:embed="rId4">
+        <p:blipFill rotWithShape="1">
+          <a:blip r:embed="rId3">
             <a:extLst>
               <a:ext uri="{28A0092B-C50C-407E-A947-70E740481C1C}">
                 <a14:useLocalDpi xmlns:a14="http://schemas.microsoft.com/office/drawing/2010/main" val="0"/>
               </a:ext>
             </a:extLst>
           </a:blip>
-          <a:stretch>
-            <a:fillRect/>
-          </a:stretch>
+          <a:srcRect t="3445"/>
+          <a:stretch/>
         </p:blipFill>
         <p:spPr>
           <a:xfrm>
-            <a:off x="160170" y="1590426"/>
-            <a:ext cx="2733663" cy="4100496"/>
+            <a:off x="354389" y="698169"/>
+            <a:ext cx="3169339" cy="5440249"/>
           </a:xfrm>
           <a:prstGeom prst="rect">
             <a:avLst/>
           </a:prstGeom>
         </p:spPr>
       </p:pic>
-      <p:pic>
-        <p:nvPicPr>
-          <p:cNvPr id="5" name="Picture 4" descr="IMG_0494.jpg"/>
-          <p:cNvPicPr>
-            <a:picLocks noChangeAspect="1"/>
-          </p:cNvPicPr>
-          <p:nvPr/>
-        </p:nvPicPr>
-        <p:blipFill>
-          <a:blip r:embed="rId5">
-            <a:extLst>
-              <a:ext uri="{28A0092B-C50C-407E-A947-70E740481C1C}">
-                <a14:useLocalDpi xmlns:a14="http://schemas.microsoft.com/office/drawing/2010/main" val="0"/>
-              </a:ext>
-            </a:extLst>
-          </a:blip>
-          <a:stretch>
-            <a:fillRect/>
-          </a:stretch>
-        </p:blipFill>
-        <p:spPr>
-          <a:xfrm>
-            <a:off x="3169638" y="1590426"/>
-            <a:ext cx="2733664" cy="4100496"/>
-          </a:xfrm>
-          <a:prstGeom prst="rect">
-            <a:avLst/>
-          </a:prstGeom>
-        </p:spPr>
-      </p:pic>
-      <p:sp>
-        <p:nvSpPr>
-          <p:cNvPr id="11" name="Right Arrow 10"/>
+      <p:sp>
+        <p:nvSpPr>
+          <p:cNvPr id="10" name="Right Arrow 9"/>
           <p:cNvSpPr/>
           <p:nvPr/>
         </p:nvSpPr>
         <p:spPr>
           <a:xfrm flipV="1">
-            <a:off x="850286" y="4779892"/>
-            <a:ext cx="2319351" cy="112147"/>
+            <a:off x="3538495" y="3848137"/>
+            <a:ext cx="1327122" cy="633002"/>
           </a:xfrm>
           <a:prstGeom prst="rightArrow">
             <a:avLst/>
@@ -5535,76 +5595,37 @@
       </p:sp>
       <p:pic>
         <p:nvPicPr>
-          <p:cNvPr id="12" name="Picture 11" descr="IMG_0495.jpg"/>
+          <p:cNvPr id="5" name="Picture 4" descr="Screenshot_2013-05-24-23-19-53.png"/>
           <p:cNvPicPr>
             <a:picLocks noChangeAspect="1"/>
           </p:cNvPicPr>
           <p:nvPr/>
         </p:nvPicPr>
-        <p:blipFill>
-          <a:blip r:embed="rId6">
+        <p:blipFill rotWithShape="1">
+          <a:blip r:embed="rId4">
             <a:extLst>
               <a:ext uri="{28A0092B-C50C-407E-A947-70E740481C1C}">
                 <a14:useLocalDpi xmlns:a14="http://schemas.microsoft.com/office/drawing/2010/main" val="0"/>
               </a:ext>
             </a:extLst>
           </a:blip>
-          <a:stretch>
-            <a:fillRect/>
-          </a:stretch>
+          <a:srcRect t="3661"/>
+          <a:stretch/>
         </p:blipFill>
         <p:spPr>
           <a:xfrm>
-            <a:off x="6189320" y="1590426"/>
-            <a:ext cx="2733664" cy="4100496"/>
+            <a:off x="4850850" y="698170"/>
+            <a:ext cx="3176424" cy="5440249"/>
           </a:xfrm>
           <a:prstGeom prst="rect">
             <a:avLst/>
           </a:prstGeom>
         </p:spPr>
       </p:pic>
-      <p:sp>
-        <p:nvSpPr>
-          <p:cNvPr id="13" name="Right Arrow 12"/>
-          <p:cNvSpPr/>
-          <p:nvPr/>
-        </p:nvSpPr>
-        <p:spPr>
-          <a:xfrm flipV="1">
-            <a:off x="4233069" y="3219099"/>
-            <a:ext cx="1956252" cy="112147"/>
-          </a:xfrm>
-          <a:prstGeom prst="rightArrow">
-            <a:avLst/>
-          </a:prstGeom>
-        </p:spPr>
-        <p:style>
-          <a:lnRef idx="1">
-            <a:schemeClr val="accent1"/>
-          </a:lnRef>
-          <a:fillRef idx="3">
-            <a:schemeClr val="accent1"/>
-          </a:fillRef>
-          <a:effectRef idx="2">
-            <a:schemeClr val="accent1"/>
-          </a:effectRef>
-          <a:fontRef idx="minor">
-            <a:schemeClr val="lt1"/>
-          </a:fontRef>
-        </p:style>
-        <p:txBody>
-          <a:bodyPr rtlCol="0" anchor="ctr"/>
-          <a:lstStyle/>
-          <a:p>
-            <a:pPr algn="ctr"/>
-            <a:endParaRPr lang="en-US"/>
-          </a:p>
-        </p:txBody>
-      </p:sp>
     </p:spTree>
     <p:extLst>
       <p:ext uri="{BB962C8B-B14F-4D97-AF65-F5344CB8AC3E}">
-        <p14:creationId xmlns:p14="http://schemas.microsoft.com/office/powerpoint/2010/main" val="481533233"/>
+        <p14:creationId xmlns:p14="http://schemas.microsoft.com/office/powerpoint/2010/main" val="1763079551"/>
       </p:ext>
     </p:extLst>
   </p:cSld>
@@ -5627,17 +5648,6 @@
 <file path=ppt/slides/slide11.xml><?xml version="1.0" encoding="utf-8"?>
 <p:sld xmlns:a="http://schemas.openxmlformats.org/drawingml/2006/main" xmlns:r="http://schemas.openxmlformats.org/officeDocument/2006/relationships" xmlns:p="http://schemas.openxmlformats.org/presentationml/2006/main">
   <p:cSld>
-    <p:bg>
-      <p:bgPr>
-        <a:blipFill>
-          <a:blip r:embed="rId3"/>
-          <a:stretch>
-            <a:fillRect/>
-          </a:stretch>
-        </a:blipFill>
-        <a:effectLst/>
-      </p:bgPr>
-    </p:bg>
     <p:spTree>
       <p:nvGrpSpPr>
         <p:cNvPr id="1" name="Shape 94"/>
@@ -5654,77 +5664,33 @@
       </p:grpSpPr>
       <p:pic>
         <p:nvPicPr>
-          <p:cNvPr id="4" name="Picture 3" descr="IMG_0496.jpg"/>
+          <p:cNvPr id="9" name="Picture 8" descr="Screenshot_2013-05-24-23-17-44.png"/>
           <p:cNvPicPr>
             <a:picLocks noChangeAspect="1"/>
           </p:cNvPicPr>
           <p:nvPr/>
         </p:nvPicPr>
-        <p:blipFill>
-          <a:blip r:embed="rId4">
+        <p:blipFill rotWithShape="1">
+          <a:blip r:embed="rId3">
             <a:extLst>
               <a:ext uri="{28A0092B-C50C-407E-A947-70E740481C1C}">
                 <a14:useLocalDpi xmlns:a14="http://schemas.microsoft.com/office/drawing/2010/main" val="0"/>
               </a:ext>
             </a:extLst>
           </a:blip>
-          <a:stretch>
-            <a:fillRect/>
-          </a:stretch>
+          <a:srcRect t="4307"/>
+          <a:stretch/>
         </p:blipFill>
         <p:spPr>
           <a:xfrm>
-            <a:off x="907342" y="1407357"/>
-            <a:ext cx="2733665" cy="4100497"/>
+            <a:off x="466383" y="413511"/>
+            <a:ext cx="3476206" cy="5913761"/>
           </a:xfrm>
           <a:prstGeom prst="rect">
             <a:avLst/>
           </a:prstGeom>
         </p:spPr>
       </p:pic>
-      <p:sp>
-        <p:nvSpPr>
-          <p:cNvPr id="9" name="Process 8"/>
-          <p:cNvSpPr/>
-          <p:nvPr/>
-        </p:nvSpPr>
-        <p:spPr>
-          <a:xfrm>
-            <a:off x="3449404" y="1933685"/>
-            <a:ext cx="182178" cy="3574169"/>
-          </a:xfrm>
-          <a:prstGeom prst="flowChartProcess">
-            <a:avLst/>
-          </a:prstGeom>
-          <a:solidFill>
-            <a:schemeClr val="tx2">
-              <a:lumMod val="90000"/>
-            </a:schemeClr>
-          </a:solidFill>
-          <a:ln/>
-        </p:spPr>
-        <p:style>
-          <a:lnRef idx="1">
-            <a:schemeClr val="accent1"/>
-          </a:lnRef>
-          <a:fillRef idx="3">
-            <a:schemeClr val="accent1"/>
-          </a:fillRef>
-          <a:effectRef idx="2">
-            <a:schemeClr val="accent1"/>
-          </a:effectRef>
-          <a:fontRef idx="minor">
-            <a:schemeClr val="lt1"/>
-          </a:fontRef>
-        </p:style>
-        <p:txBody>
-          <a:bodyPr/>
-          <a:lstStyle/>
-          <a:p>
-            <a:endParaRPr lang="en-US"/>
-          </a:p>
-        </p:txBody>
-      </p:sp>
       <p:sp>
         <p:nvSpPr>
           <p:cNvPr id="10" name="Right Arrow 9"/>
@@ -5732,18 +5698,13 @@
           <p:nvPr/>
         </p:nvSpPr>
         <p:spPr>
-          <a:xfrm rot="5400000" flipV="1">
-            <a:off x="2563930" y="3489896"/>
-            <a:ext cx="1951402" cy="103273"/>
+          <a:xfrm flipV="1">
+            <a:off x="2457504" y="4814450"/>
+            <a:ext cx="2622082" cy="633002"/>
           </a:xfrm>
           <a:prstGeom prst="rightArrow">
             <a:avLst/>
           </a:prstGeom>
-          <a:solidFill>
-            <a:schemeClr val="accent3">
-              <a:lumMod val="75000"/>
-            </a:schemeClr>
-          </a:solidFill>
         </p:spPr>
         <p:style>
           <a:lnRef idx="1">
@@ -5770,76 +5731,37 @@
       </p:sp>
       <p:pic>
         <p:nvPicPr>
-          <p:cNvPr id="5" name="Picture 4" descr="IMG_0497.jpg"/>
+          <p:cNvPr id="4" name="Picture 3" descr="Screenshot_2013-05-24-23-20-02.png"/>
           <p:cNvPicPr>
             <a:picLocks noChangeAspect="1"/>
           </p:cNvPicPr>
           <p:nvPr/>
         </p:nvPicPr>
-        <p:blipFill>
-          <a:blip r:embed="rId5">
+        <p:blipFill rotWithShape="1">
+          <a:blip r:embed="rId4">
             <a:extLst>
               <a:ext uri="{28A0092B-C50C-407E-A947-70E740481C1C}">
                 <a14:useLocalDpi xmlns:a14="http://schemas.microsoft.com/office/drawing/2010/main" val="0"/>
               </a:ext>
             </a:extLst>
           </a:blip>
-          <a:stretch>
-            <a:fillRect/>
-          </a:stretch>
+          <a:srcRect t="3661"/>
+          <a:stretch/>
         </p:blipFill>
         <p:spPr>
           <a:xfrm>
-            <a:off x="5399144" y="1407357"/>
-            <a:ext cx="2764177" cy="4146265"/>
+            <a:off x="5071680" y="443047"/>
+            <a:ext cx="3391994" cy="5809455"/>
           </a:xfrm>
           <a:prstGeom prst="rect">
             <a:avLst/>
           </a:prstGeom>
         </p:spPr>
       </p:pic>
-      <p:sp>
-        <p:nvSpPr>
-          <p:cNvPr id="8" name="Right Arrow 7"/>
-          <p:cNvSpPr/>
-          <p:nvPr/>
-        </p:nvSpPr>
-        <p:spPr>
-          <a:xfrm>
-            <a:off x="3641007" y="3455459"/>
-            <a:ext cx="1758137" cy="45768"/>
-          </a:xfrm>
-          <a:prstGeom prst="rightArrow">
-            <a:avLst/>
-          </a:prstGeom>
-        </p:spPr>
-        <p:style>
-          <a:lnRef idx="1">
-            <a:schemeClr val="accent1"/>
-          </a:lnRef>
-          <a:fillRef idx="3">
-            <a:schemeClr val="accent1"/>
-          </a:fillRef>
-          <a:effectRef idx="2">
-            <a:schemeClr val="accent1"/>
-          </a:effectRef>
-          <a:fontRef idx="minor">
-            <a:schemeClr val="lt1"/>
-          </a:fontRef>
-        </p:style>
-        <p:txBody>
-          <a:bodyPr rtlCol="0" anchor="ctr"/>
-          <a:lstStyle/>
-          <a:p>
-            <a:pPr algn="ctr"/>
-            <a:endParaRPr lang="en-US"/>
-          </a:p>
-        </p:txBody>
-      </p:sp>
     </p:spTree>
     <p:extLst>
       <p:ext uri="{BB962C8B-B14F-4D97-AF65-F5344CB8AC3E}">
-        <p14:creationId xmlns:p14="http://schemas.microsoft.com/office/powerpoint/2010/main" val="2103258985"/>
+        <p14:creationId xmlns:p14="http://schemas.microsoft.com/office/powerpoint/2010/main" val="3967649079"/>
       </p:ext>
     </p:extLst>
   </p:cSld>
@@ -5862,20 +5784,9 @@
 <file path=ppt/slides/slide12.xml><?xml version="1.0" encoding="utf-8"?>
 <p:sld xmlns:a="http://schemas.openxmlformats.org/drawingml/2006/main" xmlns:r="http://schemas.openxmlformats.org/officeDocument/2006/relationships" xmlns:p="http://schemas.openxmlformats.org/presentationml/2006/main">
   <p:cSld>
-    <p:bg>
-      <p:bgPr>
-        <a:blipFill>
-          <a:blip r:embed="rId3"/>
-          <a:stretch>
-            <a:fillRect/>
-          </a:stretch>
-        </a:blipFill>
-        <a:effectLst/>
-      </p:bgPr>
-    </p:bg>
     <p:spTree>
       <p:nvGrpSpPr>
-        <p:cNvPr id="1" name="Shape 100"/>
+        <p:cNvPr id="1" name="Shape 94"/>
         <p:cNvGrpSpPr/>
         <p:nvPr/>
       </p:nvGrpSpPr>
@@ -5889,13 +5800,42 @@
       </p:grpSpPr>
       <p:pic>
         <p:nvPicPr>
-          <p:cNvPr id="4" name="Picture 3" descr="IMG_0498.jpg"/>
+          <p:cNvPr id="4" name="Picture 3" descr="Screenshot_2013-05-24-23-20-29.png"/>
           <p:cNvPicPr>
             <a:picLocks noChangeAspect="1"/>
           </p:cNvPicPr>
           <p:nvPr/>
         </p:nvPicPr>
-        <p:blipFill>
+        <p:blipFill rotWithShape="1">
+          <a:blip r:embed="rId3">
+            <a:extLst>
+              <a:ext uri="{28A0092B-C50C-407E-A947-70E740481C1C}">
+                <a14:useLocalDpi xmlns:a14="http://schemas.microsoft.com/office/drawing/2010/main" val="0"/>
+              </a:ext>
+            </a:extLst>
+          </a:blip>
+          <a:srcRect t="3445"/>
+          <a:stretch/>
+        </p:blipFill>
+        <p:spPr>
+          <a:xfrm>
+            <a:off x="147664" y="945172"/>
+            <a:ext cx="2566665" cy="4405742"/>
+          </a:xfrm>
+          <a:prstGeom prst="rect">
+            <a:avLst/>
+          </a:prstGeom>
+        </p:spPr>
+      </p:pic>
+      <p:pic>
+        <p:nvPicPr>
+          <p:cNvPr id="5" name="Picture 4" descr="Screenshot_2013-05-24-23-20-43.png"/>
+          <p:cNvPicPr>
+            <a:picLocks noChangeAspect="1"/>
+          </p:cNvPicPr>
+          <p:nvPr/>
+        </p:nvPicPr>
+        <p:blipFill rotWithShape="1">
           <a:blip r:embed="rId4">
             <a:extLst>
               <a:ext uri="{28A0092B-C50C-407E-A947-70E740481C1C}">
@@ -5903,14 +5843,13 @@
               </a:ext>
             </a:extLst>
           </a:blip>
-          <a:stretch>
-            <a:fillRect/>
-          </a:stretch>
+          <a:srcRect t="3661"/>
+          <a:stretch/>
         </p:blipFill>
         <p:spPr>
           <a:xfrm>
-            <a:off x="3171506" y="1108776"/>
-            <a:ext cx="2629510" cy="3944263"/>
+            <a:off x="3168043" y="957168"/>
+            <a:ext cx="2703357" cy="4630030"/>
           </a:xfrm>
           <a:prstGeom prst="rect">
             <a:avLst/>
@@ -5919,13 +5858,13 @@
       </p:pic>
       <p:pic>
         <p:nvPicPr>
-          <p:cNvPr id="5" name="Picture 4" descr="IMG_0499.jpg"/>
+          <p:cNvPr id="6" name="Picture 5" descr="Screenshot_2013-05-24-23-20-56.png"/>
           <p:cNvPicPr>
             <a:picLocks noChangeAspect="1"/>
           </p:cNvPicPr>
           <p:nvPr/>
         </p:nvPicPr>
-        <p:blipFill>
+        <p:blipFill rotWithShape="1">
           <a:blip r:embed="rId5">
             <a:extLst>
               <a:ext uri="{28A0092B-C50C-407E-A947-70E740481C1C}">
@@ -5933,60 +5872,29 @@
               </a:ext>
             </a:extLst>
           </a:blip>
-          <a:stretch>
-            <a:fillRect/>
-          </a:stretch>
+          <a:srcRect t="3661"/>
+          <a:stretch/>
         </p:blipFill>
         <p:spPr>
           <a:xfrm>
-            <a:off x="6226633" y="1108776"/>
-            <a:ext cx="2629509" cy="3944264"/>
+            <a:off x="6422537" y="957168"/>
+            <a:ext cx="2411371" cy="4393746"/>
           </a:xfrm>
           <a:prstGeom prst="rect">
             <a:avLst/>
           </a:prstGeom>
         </p:spPr>
       </p:pic>
-      <p:pic>
-        <p:nvPicPr>
-          <p:cNvPr id="9" name="Picture 8" descr="IMG_0489.jpg"/>
-          <p:cNvPicPr>
-            <a:picLocks noChangeAspect="1"/>
-          </p:cNvPicPr>
-          <p:nvPr/>
-        </p:nvPicPr>
-        <p:blipFill>
-          <a:blip r:embed="rId6">
-            <a:extLst>
-              <a:ext uri="{28A0092B-C50C-407E-A947-70E740481C1C}">
-                <a14:useLocalDpi xmlns:a14="http://schemas.microsoft.com/office/drawing/2010/main" val="0"/>
-              </a:ext>
-            </a:extLst>
-          </a:blip>
-          <a:stretch>
-            <a:fillRect/>
-          </a:stretch>
-        </p:blipFill>
-        <p:spPr>
-          <a:xfrm>
-            <a:off x="137288" y="1105988"/>
-            <a:ext cx="2631368" cy="3947052"/>
-          </a:xfrm>
-          <a:prstGeom prst="rect">
-            <a:avLst/>
-          </a:prstGeom>
-        </p:spPr>
-      </p:pic>
-      <p:sp>
-        <p:nvSpPr>
-          <p:cNvPr id="6" name="Right Arrow 5"/>
+      <p:sp>
+        <p:nvSpPr>
+          <p:cNvPr id="10" name="Right Arrow 9"/>
           <p:cNvSpPr/>
           <p:nvPr/>
         </p:nvSpPr>
         <p:spPr>
-          <a:xfrm>
-            <a:off x="2025008" y="4382255"/>
-            <a:ext cx="1146498" cy="45719"/>
+          <a:xfrm flipV="1">
+            <a:off x="2288769" y="2639181"/>
+            <a:ext cx="1016208" cy="633002"/>
           </a:xfrm>
           <a:prstGeom prst="rightArrow">
             <a:avLst/>
@@ -6017,14 +5925,14 @@
       </p:sp>
       <p:sp>
         <p:nvSpPr>
-          <p:cNvPr id="7" name="Right Arrow 6"/>
+          <p:cNvPr id="12" name="Right Arrow 11"/>
           <p:cNvSpPr/>
           <p:nvPr/>
         </p:nvSpPr>
         <p:spPr>
-          <a:xfrm>
-            <a:off x="4827986" y="2162571"/>
-            <a:ext cx="1398647" cy="45719"/>
+          <a:xfrm flipV="1">
+            <a:off x="5524656" y="2639181"/>
+            <a:ext cx="1031560" cy="633002"/>
           </a:xfrm>
           <a:prstGeom prst="rightArrow">
             <a:avLst/>
@@ -6054,6 +5962,11 @@
         </p:txBody>
       </p:sp>
     </p:spTree>
+    <p:extLst>
+      <p:ext uri="{BB962C8B-B14F-4D97-AF65-F5344CB8AC3E}">
+        <p14:creationId xmlns:p14="http://schemas.microsoft.com/office/powerpoint/2010/main" val="2174408402"/>
+      </p:ext>
+    </p:extLst>
   </p:cSld>
   <p:clrMapOvr>
     <a:masterClrMapping/>
@@ -6074,20 +5987,9 @@
 <file path=ppt/slides/slide13.xml><?xml version="1.0" encoding="utf-8"?>
 <p:sld xmlns:a="http://schemas.openxmlformats.org/drawingml/2006/main" xmlns:r="http://schemas.openxmlformats.org/officeDocument/2006/relationships" xmlns:p="http://schemas.openxmlformats.org/presentationml/2006/main">
   <p:cSld>
-    <p:bg>
-      <p:bgPr>
-        <a:blipFill>
-          <a:blip r:embed="rId3"/>
-          <a:stretch>
-            <a:fillRect/>
-          </a:stretch>
-        </a:blipFill>
-        <a:effectLst/>
-      </p:bgPr>
-    </p:bg>
     <p:spTree>
       <p:nvGrpSpPr>
-        <p:cNvPr id="1" name="Shape 100"/>
+        <p:cNvPr id="1" name="Shape 94"/>
         <p:cNvGrpSpPr/>
         <p:nvPr/>
       </p:nvGrpSpPr>
@@ -6101,13 +6003,42 @@
       </p:grpSpPr>
       <p:pic>
         <p:nvPicPr>
-          <p:cNvPr id="5" name="Picture 4" descr="IMG_0500.jpg"/>
+          <p:cNvPr id="9" name="Picture 8" descr="Screenshot_2013-05-24-23-17-44.png"/>
           <p:cNvPicPr>
             <a:picLocks noChangeAspect="1"/>
           </p:cNvPicPr>
           <p:nvPr/>
         </p:nvPicPr>
-        <p:blipFill>
+        <p:blipFill rotWithShape="1">
+          <a:blip r:embed="rId3">
+            <a:extLst>
+              <a:ext uri="{28A0092B-C50C-407E-A947-70E740481C1C}">
+                <a14:useLocalDpi xmlns:a14="http://schemas.microsoft.com/office/drawing/2010/main" val="0"/>
+              </a:ext>
+            </a:extLst>
+          </a:blip>
+          <a:srcRect t="4307"/>
+          <a:stretch/>
+        </p:blipFill>
+        <p:spPr>
+          <a:xfrm>
+            <a:off x="126760" y="930403"/>
+            <a:ext cx="2564562" cy="4362862"/>
+          </a:xfrm>
+          <a:prstGeom prst="rect">
+            <a:avLst/>
+          </a:prstGeom>
+        </p:spPr>
+      </p:pic>
+      <p:pic>
+        <p:nvPicPr>
+          <p:cNvPr id="4" name="Picture 3" descr="Screenshot_2013-05-24-23-21-07.png"/>
+          <p:cNvPicPr>
+            <a:picLocks noChangeAspect="1"/>
+          </p:cNvPicPr>
+          <p:nvPr/>
+        </p:nvPicPr>
+        <p:blipFill rotWithShape="1">
           <a:blip r:embed="rId4">
             <a:extLst>
               <a:ext uri="{28A0092B-C50C-407E-A947-70E740481C1C}">
@@ -6115,14 +6046,13 @@
               </a:ext>
             </a:extLst>
           </a:blip>
-          <a:stretch>
-            <a:fillRect/>
-          </a:stretch>
+          <a:srcRect t="4091"/>
+          <a:stretch/>
         </p:blipFill>
         <p:spPr>
           <a:xfrm>
-            <a:off x="964913" y="1109866"/>
-            <a:ext cx="2936760" cy="4405140"/>
+            <a:off x="3305984" y="930404"/>
+            <a:ext cx="2558804" cy="4362862"/>
           </a:xfrm>
           <a:prstGeom prst="rect">
             <a:avLst/>
@@ -6131,13 +6061,13 @@
       </p:pic>
       <p:pic>
         <p:nvPicPr>
-          <p:cNvPr id="6" name="Picture 5" descr="IMG_0501.jpg"/>
+          <p:cNvPr id="5" name="Picture 4" descr="Screenshot_2013-05-24-23-21-25.png"/>
           <p:cNvPicPr>
             <a:picLocks noChangeAspect="1"/>
           </p:cNvPicPr>
           <p:nvPr/>
         </p:nvPicPr>
-        <p:blipFill>
+        <p:blipFill rotWithShape="1">
           <a:blip r:embed="rId5">
             <a:extLst>
               <a:ext uri="{28A0092B-C50C-407E-A947-70E740481C1C}">
@@ -6145,14 +6075,13 @@
               </a:ext>
             </a:extLst>
           </a:blip>
-          <a:stretch>
-            <a:fillRect/>
-          </a:stretch>
+          <a:srcRect t="3876"/>
+          <a:stretch/>
         </p:blipFill>
         <p:spPr>
           <a:xfrm>
-            <a:off x="5194093" y="1067298"/>
-            <a:ext cx="2965139" cy="4447708"/>
+            <a:off x="6295156" y="941247"/>
+            <a:ext cx="2572652" cy="4396322"/>
           </a:xfrm>
           <a:prstGeom prst="rect">
             <a:avLst/>
@@ -6161,14 +6090,14 @@
       </p:pic>
       <p:sp>
         <p:nvSpPr>
-          <p:cNvPr id="7" name="Right Arrow 6"/>
+          <p:cNvPr id="11" name="Right Arrow 10"/>
           <p:cNvSpPr/>
           <p:nvPr/>
         </p:nvSpPr>
         <p:spPr>
-          <a:xfrm>
-            <a:off x="3603833" y="2288432"/>
-            <a:ext cx="1590260" cy="45719"/>
+          <a:xfrm flipV="1">
+            <a:off x="4459407" y="4048532"/>
+            <a:ext cx="1963912" cy="633002"/>
           </a:xfrm>
           <a:prstGeom prst="rightArrow">
             <a:avLst/>
@@ -6197,10 +6126,48 @@
           </a:p>
         </p:txBody>
       </p:sp>
+      <p:sp>
+        <p:nvSpPr>
+          <p:cNvPr id="10" name="Right Arrow 9"/>
+          <p:cNvSpPr/>
+          <p:nvPr/>
+        </p:nvSpPr>
+        <p:spPr>
+          <a:xfrm flipV="1">
+            <a:off x="2495496" y="2322680"/>
+            <a:ext cx="1018872" cy="633002"/>
+          </a:xfrm>
+          <a:prstGeom prst="rightArrow">
+            <a:avLst/>
+          </a:prstGeom>
+        </p:spPr>
+        <p:style>
+          <a:lnRef idx="1">
+            <a:schemeClr val="accent1"/>
+          </a:lnRef>
+          <a:fillRef idx="3">
+            <a:schemeClr val="accent1"/>
+          </a:fillRef>
+          <a:effectRef idx="2">
+            <a:schemeClr val="accent1"/>
+          </a:effectRef>
+          <a:fontRef idx="minor">
+            <a:schemeClr val="lt1"/>
+          </a:fontRef>
+        </p:style>
+        <p:txBody>
+          <a:bodyPr rtlCol="0" anchor="ctr"/>
+          <a:lstStyle/>
+          <a:p>
+            <a:pPr algn="ctr"/>
+            <a:endParaRPr lang="en-US"/>
+          </a:p>
+        </p:txBody>
+      </p:sp>
     </p:spTree>
     <p:extLst>
       <p:ext uri="{BB962C8B-B14F-4D97-AF65-F5344CB8AC3E}">
-        <p14:creationId xmlns:p14="http://schemas.microsoft.com/office/powerpoint/2010/main" val="2837445204"/>
+        <p14:creationId xmlns:p14="http://schemas.microsoft.com/office/powerpoint/2010/main" val="2656051576"/>
       </p:ext>
     </p:extLst>
   </p:cSld>
@@ -6223,20 +6190,9 @@
 <file path=ppt/slides/slide14.xml><?xml version="1.0" encoding="utf-8"?>
 <p:sld xmlns:a="http://schemas.openxmlformats.org/drawingml/2006/main" xmlns:r="http://schemas.openxmlformats.org/officeDocument/2006/relationships" xmlns:p="http://schemas.openxmlformats.org/presentationml/2006/main">
   <p:cSld>
-    <p:bg>
-      <p:bgPr>
-        <a:blipFill>
-          <a:blip r:embed="rId3"/>
-          <a:stretch>
-            <a:fillRect/>
-          </a:stretch>
-        </a:blipFill>
-        <a:effectLst/>
-      </p:bgPr>
-    </p:bg>
     <p:spTree>
       <p:nvGrpSpPr>
-        <p:cNvPr id="1" name="Shape 100"/>
+        <p:cNvPr id="1" name="Shape 94"/>
         <p:cNvGrpSpPr/>
         <p:nvPr/>
       </p:nvGrpSpPr>
@@ -6250,13 +6206,42 @@
       </p:grpSpPr>
       <p:pic>
         <p:nvPicPr>
-          <p:cNvPr id="4" name="Picture 3" descr="IMG_0502.jpg"/>
+          <p:cNvPr id="5" name="Picture 4" descr="Screenshot_2013-05-24-23-21-25.png"/>
           <p:cNvPicPr>
             <a:picLocks noChangeAspect="1"/>
           </p:cNvPicPr>
           <p:nvPr/>
         </p:nvPicPr>
-        <p:blipFill>
+        <p:blipFill rotWithShape="1">
+          <a:blip r:embed="rId3">
+            <a:extLst>
+              <a:ext uri="{28A0092B-C50C-407E-A947-70E740481C1C}">
+                <a14:useLocalDpi xmlns:a14="http://schemas.microsoft.com/office/drawing/2010/main" val="0"/>
+              </a:ext>
+            </a:extLst>
+          </a:blip>
+          <a:srcRect t="3876"/>
+          <a:stretch/>
+        </p:blipFill>
+        <p:spPr>
+          <a:xfrm>
+            <a:off x="157385" y="958050"/>
+            <a:ext cx="2572652" cy="4396322"/>
+          </a:xfrm>
+          <a:prstGeom prst="rect">
+            <a:avLst/>
+          </a:prstGeom>
+        </p:spPr>
+      </p:pic>
+      <p:pic>
+        <p:nvPicPr>
+          <p:cNvPr id="2" name="Picture 1" descr="Screenshot_2013-05-24-23-21-30.png"/>
+          <p:cNvPicPr>
+            <a:picLocks noChangeAspect="1"/>
+          </p:cNvPicPr>
+          <p:nvPr/>
+        </p:nvPicPr>
+        <p:blipFill rotWithShape="1">
           <a:blip r:embed="rId4">
             <a:extLst>
               <a:ext uri="{28A0092B-C50C-407E-A947-70E740481C1C}">
@@ -6264,14 +6249,13 @@
               </a:ext>
             </a:extLst>
           </a:blip>
-          <a:stretch>
-            <a:fillRect/>
-          </a:stretch>
+          <a:srcRect t="3445"/>
+          <a:stretch/>
         </p:blipFill>
         <p:spPr>
           <a:xfrm>
-            <a:off x="444044" y="1384473"/>
-            <a:ext cx="2520081" cy="3780122"/>
+            <a:off x="3095868" y="977436"/>
+            <a:ext cx="2549883" cy="4376936"/>
           </a:xfrm>
           <a:prstGeom prst="rect">
             <a:avLst/>
@@ -6280,13 +6264,13 @@
       </p:pic>
       <p:pic>
         <p:nvPicPr>
-          <p:cNvPr id="5" name="Picture 4" descr="IMG_0503.jpg"/>
+          <p:cNvPr id="3" name="Picture 2" descr="Screenshot_2013-05-24-23-21-50.png"/>
           <p:cNvPicPr>
             <a:picLocks noChangeAspect="1"/>
           </p:cNvPicPr>
           <p:nvPr/>
         </p:nvPicPr>
-        <p:blipFill>
+        <p:blipFill rotWithShape="1">
           <a:blip r:embed="rId5">
             <a:extLst>
               <a:ext uri="{28A0092B-C50C-407E-A947-70E740481C1C}">
@@ -6294,60 +6278,29 @@
               </a:ext>
             </a:extLst>
           </a:blip>
-          <a:stretch>
-            <a:fillRect/>
-          </a:stretch>
+          <a:srcRect t="3876"/>
+          <a:stretch/>
         </p:blipFill>
         <p:spPr>
           <a:xfrm>
-            <a:off x="3272046" y="1384473"/>
-            <a:ext cx="2524287" cy="3786431"/>
+            <a:off x="6294296" y="977436"/>
+            <a:ext cx="2707795" cy="4627263"/>
           </a:xfrm>
           <a:prstGeom prst="rect">
             <a:avLst/>
           </a:prstGeom>
         </p:spPr>
       </p:pic>
-      <p:pic>
-        <p:nvPicPr>
-          <p:cNvPr id="6" name="Picture 5" descr="IMG_0504.jpg"/>
-          <p:cNvPicPr>
-            <a:picLocks noChangeAspect="1"/>
-          </p:cNvPicPr>
-          <p:nvPr/>
-        </p:nvPicPr>
-        <p:blipFill>
-          <a:blip r:embed="rId6">
-            <a:extLst>
-              <a:ext uri="{28A0092B-C50C-407E-A947-70E740481C1C}">
-                <a14:useLocalDpi xmlns:a14="http://schemas.microsoft.com/office/drawing/2010/main" val="0"/>
-              </a:ext>
-            </a:extLst>
-          </a:blip>
-          <a:stretch>
-            <a:fillRect/>
-          </a:stretch>
-        </p:blipFill>
-        <p:spPr>
-          <a:xfrm>
-            <a:off x="6105234" y="1384473"/>
-            <a:ext cx="2498192" cy="3747288"/>
-          </a:xfrm>
-          <a:prstGeom prst="rect">
-            <a:avLst/>
-          </a:prstGeom>
-        </p:spPr>
-      </p:pic>
-      <p:sp>
-        <p:nvSpPr>
-          <p:cNvPr id="7" name="Right Arrow 6"/>
+      <p:sp>
+        <p:nvSpPr>
+          <p:cNvPr id="10" name="Right Arrow 9"/>
           <p:cNvSpPr/>
           <p:nvPr/>
         </p:nvSpPr>
         <p:spPr>
-          <a:xfrm>
-            <a:off x="1109750" y="4542490"/>
-            <a:ext cx="2162296" cy="45719"/>
+          <a:xfrm flipV="1">
+            <a:off x="1048405" y="2381752"/>
+            <a:ext cx="2155877" cy="633002"/>
           </a:xfrm>
           <a:prstGeom prst="rightArrow">
             <a:avLst/>
@@ -6378,14 +6331,14 @@
       </p:sp>
       <p:sp>
         <p:nvSpPr>
-          <p:cNvPr id="8" name="Right Arrow 7"/>
+          <p:cNvPr id="11" name="Right Arrow 10"/>
           <p:cNvSpPr/>
           <p:nvPr/>
         </p:nvSpPr>
         <p:spPr>
-          <a:xfrm>
-            <a:off x="4107221" y="4061930"/>
-            <a:ext cx="1998013" cy="45719"/>
+          <a:xfrm flipV="1">
+            <a:off x="4997205" y="2512637"/>
+            <a:ext cx="1411347" cy="633002"/>
           </a:xfrm>
           <a:prstGeom prst="rightArrow">
             <a:avLst/>
@@ -6417,7 +6370,7 @@
     </p:spTree>
     <p:extLst>
       <p:ext uri="{BB962C8B-B14F-4D97-AF65-F5344CB8AC3E}">
-        <p14:creationId xmlns:p14="http://schemas.microsoft.com/office/powerpoint/2010/main" val="1846269051"/>
+        <p14:creationId xmlns:p14="http://schemas.microsoft.com/office/powerpoint/2010/main" val="3904754645"/>
       </p:ext>
     </p:extLst>
   </p:cSld>
@@ -6440,20 +6393,9 @@
 <file path=ppt/slides/slide15.xml><?xml version="1.0" encoding="utf-8"?>
 <p:sld xmlns:a="http://schemas.openxmlformats.org/drawingml/2006/main" xmlns:r="http://schemas.openxmlformats.org/officeDocument/2006/relationships" xmlns:p="http://schemas.openxmlformats.org/presentationml/2006/main">
   <p:cSld>
-    <p:bg>
-      <p:bgPr>
-        <a:blipFill>
-          <a:blip r:embed="rId3"/>
-          <a:stretch>
-            <a:fillRect/>
-          </a:stretch>
-        </a:blipFill>
-        <a:effectLst/>
-      </p:bgPr>
-    </p:bg>
     <p:spTree>
       <p:nvGrpSpPr>
-        <p:cNvPr id="1" name="Shape 100"/>
+        <p:cNvPr id="1" name="Shape 94"/>
         <p:cNvGrpSpPr/>
         <p:nvPr/>
       </p:nvGrpSpPr>
@@ -6467,128 +6409,117 @@
       </p:grpSpPr>
       <p:sp>
         <p:nvSpPr>
-          <p:cNvPr id="4" name="TextBox 3"/>
-          <p:cNvSpPr txBox="1"/>
-          <p:nvPr/>
-        </p:nvSpPr>
-        <p:spPr>
-          <a:xfrm>
-            <a:off x="903431" y="1657191"/>
-            <a:ext cx="8170511" cy="2677656"/>
-          </a:xfrm>
-          <a:prstGeom prst="rect">
-            <a:avLst/>
-          </a:prstGeom>
-          <a:noFill/>
-        </p:spPr>
-        <p:txBody>
-          <a:bodyPr wrap="square" rtlCol="0">
-            <a:spAutoFit/>
-          </a:bodyPr>
-          <a:lstStyle/>
-          <a:p>
-            <a:r>
-              <a:rPr lang="en-US" sz="2800" dirty="0" smtClean="0"/>
-              <a:t>Design an efficient workflow </a:t>
-            </a:r>
-            <a:r>
-              <a:rPr lang="en-US" sz="2800" dirty="0"/>
-              <a:t>for our </a:t>
-            </a:r>
-            <a:r>
-              <a:rPr lang="en-US" sz="2800" dirty="0" smtClean="0"/>
-              <a:t>app.</a:t>
-            </a:r>
-            <a:br>
-              <a:rPr lang="en-US" sz="2800" dirty="0" smtClean="0"/>
-            </a:br>
-            <a:r>
-              <a:rPr lang="en-US" sz="2800" dirty="0" smtClean="0"/>
-              <a:t/>
-            </a:r>
-            <a:br>
-              <a:rPr lang="en-US" sz="2800" dirty="0" smtClean="0"/>
-            </a:br>
-            <a:r>
-              <a:rPr lang="en-US" sz="2800" dirty="0" smtClean="0"/>
-              <a:t>Help </a:t>
-            </a:r>
-            <a:r>
-              <a:rPr lang="en-US" sz="2800" dirty="0"/>
-              <a:t>from HCDE, Jocelyn, and usability testing with neonatal nurses.</a:t>
-            </a:r>
-          </a:p>
-          <a:p>
-            <a:endParaRPr lang="en-US" sz="2800" dirty="0"/>
-          </a:p>
-          <a:p>
-            <a:endParaRPr lang="en-US" sz="2800" dirty="0"/>
-          </a:p>
-        </p:txBody>
-      </p:sp>
-      <p:sp>
-        <p:nvSpPr>
-          <p:cNvPr id="8" name="Shape 108"/>
-          <p:cNvSpPr txBox="1">
-            <a:spLocks noGrp="1"/>
-          </p:cNvSpPr>
-          <p:nvPr>
-            <p:ph type="title"/>
-          </p:nvPr>
-        </p:nvSpPr>
-        <p:spPr>
-          <a:xfrm>
-            <a:off x="215542" y="565499"/>
-            <a:ext cx="8253900" cy="1011599"/>
-          </a:xfrm>
-          <a:prstGeom prst="rect">
-            <a:avLst/>
-          </a:prstGeom>
-        </p:spPr>
-        <p:txBody>
-          <a:bodyPr lIns="91425" tIns="91425" rIns="91425" bIns="91425" anchor="ctr" anchorCtr="0">
-            <a:noAutofit/>
-          </a:bodyPr>
-          <a:lstStyle/>
-          <a:p>
-            <a:pPr lvl="0" rtl="0">
-              <a:buNone/>
-            </a:pPr>
-            <a:r>
-              <a:rPr lang="en-US" sz="6600" b="0" dirty="0" smtClean="0">
-                <a:latin typeface="Wire One"/>
-                <a:ea typeface="Wire One"/>
-                <a:cs typeface="Wire One"/>
-                <a:sym typeface="Wire One"/>
-              </a:rPr>
-              <a:t>Challenges</a:t>
-            </a:r>
-            <a:endParaRPr lang="en" sz="6600" b="0" dirty="0">
-              <a:latin typeface="Wire One"/>
-              <a:ea typeface="Wire One"/>
-              <a:cs typeface="Wire One"/>
-              <a:sym typeface="Wire One"/>
-            </a:endParaRPr>
-          </a:p>
-        </p:txBody>
-      </p:sp>
-      <p:sp>
-        <p:nvSpPr>
-          <p:cNvPr id="5" name="Minus 4"/>
+          <p:cNvPr id="10" name="Right Arrow 9"/>
           <p:cNvSpPr/>
           <p:nvPr/>
         </p:nvSpPr>
         <p:spPr>
-          <a:xfrm>
-            <a:off x="114410" y="1533646"/>
-            <a:ext cx="822960" cy="822960"/>
-          </a:xfrm>
-          <a:prstGeom prst="mathMinus">
+          <a:xfrm flipV="1">
+            <a:off x="3765394" y="3145639"/>
+            <a:ext cx="1632767" cy="886090"/>
+          </a:xfrm>
+          <a:prstGeom prst="rightArrow">
+            <a:avLst/>
+          </a:prstGeom>
+        </p:spPr>
+        <p:style>
+          <a:lnRef idx="1">
+            <a:schemeClr val="accent1"/>
+          </a:lnRef>
+          <a:fillRef idx="3">
+            <a:schemeClr val="accent1"/>
+          </a:fillRef>
+          <a:effectRef idx="2">
+            <a:schemeClr val="accent1"/>
+          </a:effectRef>
+          <a:fontRef idx="minor">
+            <a:schemeClr val="lt1"/>
+          </a:fontRef>
+        </p:style>
+        <p:txBody>
+          <a:bodyPr rtlCol="0" anchor="ctr"/>
+          <a:lstStyle/>
+          <a:p>
+            <a:pPr algn="ctr"/>
+            <a:endParaRPr lang="en-US"/>
+          </a:p>
+        </p:txBody>
+      </p:sp>
+      <p:pic>
+        <p:nvPicPr>
+          <p:cNvPr id="4" name="Picture 3" descr="Screenshot_2013-05-24-23-21-54.png"/>
+          <p:cNvPicPr>
+            <a:picLocks noChangeAspect="1"/>
+          </p:cNvPicPr>
+          <p:nvPr/>
+        </p:nvPicPr>
+        <p:blipFill rotWithShape="1">
+          <a:blip r:embed="rId3">
+            <a:extLst>
+              <a:ext uri="{28A0092B-C50C-407E-A947-70E740481C1C}">
+                <a14:useLocalDpi xmlns:a14="http://schemas.microsoft.com/office/drawing/2010/main" val="0"/>
+              </a:ext>
+            </a:extLst>
+          </a:blip>
+          <a:srcRect t="3661"/>
+          <a:stretch/>
+        </p:blipFill>
+        <p:spPr>
+          <a:xfrm>
+            <a:off x="531588" y="531657"/>
+            <a:ext cx="2930563" cy="5390406"/>
+          </a:xfrm>
+          <a:prstGeom prst="rect">
+            <a:avLst/>
+          </a:prstGeom>
+        </p:spPr>
+      </p:pic>
+      <p:pic>
+        <p:nvPicPr>
+          <p:cNvPr id="6" name="Picture 5" descr="Screenshot_2013-05-24-23-21-58.png"/>
+          <p:cNvPicPr>
+            <a:picLocks noChangeAspect="1"/>
+          </p:cNvPicPr>
+          <p:nvPr/>
+        </p:nvPicPr>
+        <p:blipFill rotWithShape="1">
+          <a:blip r:embed="rId4">
+            <a:extLst>
+              <a:ext uri="{28A0092B-C50C-407E-A947-70E740481C1C}">
+                <a14:useLocalDpi xmlns:a14="http://schemas.microsoft.com/office/drawing/2010/main" val="0"/>
+              </a:ext>
+            </a:extLst>
+          </a:blip>
+          <a:srcRect t="3661"/>
+          <a:stretch/>
+        </p:blipFill>
+        <p:spPr>
+          <a:xfrm>
+            <a:off x="5384691" y="531657"/>
+            <a:ext cx="3147321" cy="5390406"/>
+          </a:xfrm>
+          <a:prstGeom prst="rect">
+            <a:avLst/>
+          </a:prstGeom>
+        </p:spPr>
+      </p:pic>
+      <p:sp>
+        <p:nvSpPr>
+          <p:cNvPr id="9" name="Process 8"/>
+          <p:cNvSpPr/>
+          <p:nvPr/>
+        </p:nvSpPr>
+        <p:spPr>
+          <a:xfrm>
+            <a:off x="3428627" y="754055"/>
+            <a:ext cx="216987" cy="4398359"/>
+          </a:xfrm>
+          <a:prstGeom prst="flowChartProcess">
             <a:avLst/>
           </a:prstGeom>
           <a:solidFill>
-            <a:schemeClr val="accent6">
-              <a:lumMod val="75000"/>
+            <a:schemeClr val="tx2">
+              <a:lumMod val="90000"/>
             </a:schemeClr>
           </a:solidFill>
           <a:ln/>
@@ -6617,16 +6548,16 @@
       </p:sp>
       <p:sp>
         <p:nvSpPr>
-          <p:cNvPr id="6" name="Plus 5"/>
+          <p:cNvPr id="12" name="Right Arrow 11"/>
           <p:cNvSpPr/>
           <p:nvPr/>
         </p:nvSpPr>
         <p:spPr>
-          <a:xfrm>
-            <a:off x="80471" y="2540106"/>
-            <a:ext cx="914400" cy="914400"/>
-          </a:xfrm>
-          <a:prstGeom prst="mathPlus">
+          <a:xfrm rot="5400000" flipV="1">
+            <a:off x="2445968" y="2473104"/>
+            <a:ext cx="2183081" cy="186677"/>
+          </a:xfrm>
+          <a:prstGeom prst="rightArrow">
             <a:avLst/>
           </a:prstGeom>
           <a:solidFill>
@@ -6661,7 +6592,7 @@
     </p:spTree>
     <p:extLst>
       <p:ext uri="{BB962C8B-B14F-4D97-AF65-F5344CB8AC3E}">
-        <p14:creationId xmlns:p14="http://schemas.microsoft.com/office/powerpoint/2010/main" val="2556820625"/>
+        <p14:creationId xmlns:p14="http://schemas.microsoft.com/office/powerpoint/2010/main" val="3734101756"/>
       </p:ext>
     </p:extLst>
   </p:cSld>
@@ -6711,6 +6642,67 @@
       </p:grpSpPr>
       <p:sp>
         <p:nvSpPr>
+          <p:cNvPr id="4" name="TextBox 3"/>
+          <p:cNvSpPr txBox="1"/>
+          <p:nvPr/>
+        </p:nvSpPr>
+        <p:spPr>
+          <a:xfrm>
+            <a:off x="903431" y="1657191"/>
+            <a:ext cx="8170511" cy="2677656"/>
+          </a:xfrm>
+          <a:prstGeom prst="rect">
+            <a:avLst/>
+          </a:prstGeom>
+          <a:noFill/>
+        </p:spPr>
+        <p:txBody>
+          <a:bodyPr wrap="square" rtlCol="0">
+            <a:spAutoFit/>
+          </a:bodyPr>
+          <a:lstStyle/>
+          <a:p>
+            <a:r>
+              <a:rPr lang="en-US" sz="2800" dirty="0" smtClean="0"/>
+              <a:t>Design an efficient workflow </a:t>
+            </a:r>
+            <a:r>
+              <a:rPr lang="en-US" sz="2800" dirty="0"/>
+              <a:t>for our </a:t>
+            </a:r>
+            <a:r>
+              <a:rPr lang="en-US" sz="2800" dirty="0" smtClean="0"/>
+              <a:t>app.</a:t>
+            </a:r>
+            <a:br>
+              <a:rPr lang="en-US" sz="2800" dirty="0" smtClean="0"/>
+            </a:br>
+            <a:r>
+              <a:rPr lang="en-US" sz="2800" dirty="0" smtClean="0"/>
+              <a:t/>
+            </a:r>
+            <a:br>
+              <a:rPr lang="en-US" sz="2800" dirty="0" smtClean="0"/>
+            </a:br>
+            <a:r>
+              <a:rPr lang="en-US" sz="2800" dirty="0" smtClean="0"/>
+              <a:t>Help </a:t>
+            </a:r>
+            <a:r>
+              <a:rPr lang="en-US" sz="2800" dirty="0"/>
+              <a:t>from HCDE, Jocelyn, and usability testing with neonatal nurses.</a:t>
+            </a:r>
+          </a:p>
+          <a:p>
+            <a:endParaRPr lang="en-US" sz="2800" dirty="0"/>
+          </a:p>
+          <a:p>
+            <a:endParaRPr lang="en-US" sz="2800" dirty="0"/>
+          </a:p>
+        </p:txBody>
+      </p:sp>
+      <p:sp>
+        <p:nvSpPr>
           <p:cNvPr id="8" name="Shape 108"/>
           <p:cNvSpPr txBox="1">
             <a:spLocks noGrp="1"/>
@@ -6757,57 +6749,7 @@
       </p:sp>
       <p:sp>
         <p:nvSpPr>
-          <p:cNvPr id="5" name="TextBox 4"/>
-          <p:cNvSpPr txBox="1"/>
-          <p:nvPr/>
-        </p:nvSpPr>
-        <p:spPr>
-          <a:xfrm>
-            <a:off x="903431" y="1657191"/>
-            <a:ext cx="8170511" cy="2246769"/>
-          </a:xfrm>
-          <a:prstGeom prst="rect">
-            <a:avLst/>
-          </a:prstGeom>
-          <a:noFill/>
-        </p:spPr>
-        <p:txBody>
-          <a:bodyPr wrap="square" rtlCol="0">
-            <a:spAutoFit/>
-          </a:bodyPr>
-          <a:lstStyle/>
-          <a:p>
-            <a:r>
-              <a:rPr lang="en-US" sz="2800" dirty="0" smtClean="0"/>
-              <a:t>Integrating third party libraries with ODK.</a:t>
-            </a:r>
-            <a:br>
-              <a:rPr lang="en-US" sz="2800" dirty="0" smtClean="0"/>
-            </a:br>
-            <a:r>
-              <a:rPr lang="en-US" sz="2800" dirty="0" smtClean="0"/>
-              <a:t/>
-            </a:r>
-            <a:br>
-              <a:rPr lang="en-US" sz="2800" dirty="0" smtClean="0"/>
-            </a:br>
-            <a:r>
-              <a:rPr lang="en-US" sz="2800" dirty="0" smtClean="0"/>
-              <a:t>Modify ODK Builder.</a:t>
-            </a:r>
-            <a:endParaRPr lang="en-US" sz="2800" dirty="0"/>
-          </a:p>
-          <a:p>
-            <a:endParaRPr lang="en-US" sz="2800" dirty="0"/>
-          </a:p>
-          <a:p>
-            <a:endParaRPr lang="en-US" sz="2800" dirty="0"/>
-          </a:p>
-        </p:txBody>
-      </p:sp>
-      <p:sp>
-        <p:nvSpPr>
-          <p:cNvPr id="6" name="Minus 5"/>
+          <p:cNvPr id="5" name="Minus 4"/>
           <p:cNvSpPr/>
           <p:nvPr/>
         </p:nvSpPr>
@@ -6850,13 +6792,13 @@
       </p:sp>
       <p:sp>
         <p:nvSpPr>
-          <p:cNvPr id="7" name="Plus 6"/>
+          <p:cNvPr id="6" name="Plus 5"/>
           <p:cNvSpPr/>
           <p:nvPr/>
         </p:nvSpPr>
         <p:spPr>
           <a:xfrm>
-            <a:off x="80471" y="2345592"/>
+            <a:off x="80471" y="2540106"/>
             <a:ext cx="914400" cy="914400"/>
           </a:xfrm>
           <a:prstGeom prst="mathPlus">
@@ -6894,7 +6836,7 @@
     </p:spTree>
     <p:extLst>
       <p:ext uri="{BB962C8B-B14F-4D97-AF65-F5344CB8AC3E}">
-        <p14:creationId xmlns:p14="http://schemas.microsoft.com/office/powerpoint/2010/main" val="3485766010"/>
+        <p14:creationId xmlns:p14="http://schemas.microsoft.com/office/powerpoint/2010/main" val="2556820625"/>
       </p:ext>
     </p:extLst>
   </p:cSld>
@@ -6997,7 +6939,7 @@
         <p:spPr>
           <a:xfrm>
             <a:off x="903431" y="1657191"/>
-            <a:ext cx="8170511" cy="2677656"/>
+            <a:ext cx="8170511" cy="2246769"/>
           </a:xfrm>
           <a:prstGeom prst="rect">
             <a:avLst/>
@@ -7012,16 +6954,21 @@
           <a:p>
             <a:r>
               <a:rPr lang="en-US" sz="2800" dirty="0" smtClean="0"/>
-              <a:t>Version control of XLSX (No support for merging spreadsheets).</a:t>
-            </a:r>
-          </a:p>
-          <a:p>
-            <a:endParaRPr lang="en-US" sz="2800" dirty="0"/>
-          </a:p>
-          <a:p>
-            <a:r>
+              <a:t>Integrating third party libraries with ODK.</a:t>
+            </a:r>
+            <a:br>
               <a:rPr lang="en-US" sz="2800" dirty="0" smtClean="0"/>
-              <a:t>Side-by-side copy and paste.</a:t>
+            </a:br>
+            <a:r>
+              <a:rPr lang="en-US" sz="2800" dirty="0" smtClean="0"/>
+              <a:t/>
+            </a:r>
+            <a:br>
+              <a:rPr lang="en-US" sz="2800" dirty="0" smtClean="0"/>
+            </a:br>
+            <a:r>
+              <a:rPr lang="en-US" sz="2800" dirty="0" smtClean="0"/>
+              <a:t>Modify ODK Builder.</a:t>
             </a:r>
             <a:endParaRPr lang="en-US" sz="2800" dirty="0"/>
           </a:p>
@@ -7084,7 +7031,7 @@
         </p:nvSpPr>
         <p:spPr>
           <a:xfrm>
-            <a:off x="80471" y="2802792"/>
+            <a:off x="80471" y="2345592"/>
             <a:ext cx="914400" cy="914400"/>
           </a:xfrm>
           <a:prstGeom prst="mathPlus">
@@ -7122,7 +7069,7 @@
     </p:spTree>
     <p:extLst>
       <p:ext uri="{BB962C8B-B14F-4D97-AF65-F5344CB8AC3E}">
-        <p14:creationId xmlns:p14="http://schemas.microsoft.com/office/powerpoint/2010/main" val="3569906619"/>
+        <p14:creationId xmlns:p14="http://schemas.microsoft.com/office/powerpoint/2010/main" val="3485766010"/>
       </p:ext>
     </p:extLst>
   </p:cSld>
@@ -7225,7 +7172,7 @@
         <p:spPr>
           <a:xfrm>
             <a:off x="903431" y="1657191"/>
-            <a:ext cx="8170511" cy="2246769"/>
+            <a:ext cx="8170511" cy="2677656"/>
           </a:xfrm>
           <a:prstGeom prst="rect">
             <a:avLst/>
@@ -7240,7 +7187,7 @@
           <a:p>
             <a:r>
               <a:rPr lang="en-US" sz="2800" dirty="0" smtClean="0"/>
-              <a:t>Tailor ODK Survey to the requirements of our app.</a:t>
+              <a:t>Version control of XLSX (No support for merging spreadsheets).</a:t>
             </a:r>
           </a:p>
           <a:p>
@@ -7249,7 +7196,7 @@
           <a:p>
             <a:r>
               <a:rPr lang="en-US" sz="2800" dirty="0" smtClean="0"/>
-              <a:t>Contact experts in the field (Mitch).</a:t>
+              <a:t>Side-by-side copy and paste.</a:t>
             </a:r>
             <a:endParaRPr lang="en-US" sz="2800" dirty="0"/>
           </a:p>
@@ -7312,7 +7259,7 @@
         </p:nvSpPr>
         <p:spPr>
           <a:xfrm>
-            <a:off x="80471" y="2356606"/>
+            <a:off x="80471" y="2802792"/>
             <a:ext cx="914400" cy="914400"/>
           </a:xfrm>
           <a:prstGeom prst="mathPlus">
@@ -7350,7 +7297,7 @@
     </p:spTree>
     <p:extLst>
       <p:ext uri="{BB962C8B-B14F-4D97-AF65-F5344CB8AC3E}">
-        <p14:creationId xmlns:p14="http://schemas.microsoft.com/office/powerpoint/2010/main" val="3558372293"/>
+        <p14:creationId xmlns:p14="http://schemas.microsoft.com/office/powerpoint/2010/main" val="3569906619"/>
       </p:ext>
     </p:extLst>
   </p:cSld>
@@ -7433,7 +7380,7 @@
                 <a:cs typeface="Wire One"/>
                 <a:sym typeface="Wire One"/>
               </a:rPr>
-              <a:t>In Progress…</a:t>
+              <a:t>Challenges</a:t>
             </a:r>
             <a:endParaRPr lang="en" sz="6600" b="0" dirty="0">
               <a:latin typeface="Wire One"/>
@@ -7446,14 +7393,14 @@
       </p:sp>
       <p:sp>
         <p:nvSpPr>
-          <p:cNvPr id="2" name="TextBox 1"/>
+          <p:cNvPr id="5" name="TextBox 4"/>
           <p:cNvSpPr txBox="1"/>
           <p:nvPr/>
         </p:nvSpPr>
         <p:spPr>
           <a:xfrm>
-            <a:off x="514831" y="1750614"/>
-            <a:ext cx="6017823" cy="3970318"/>
+            <a:off x="903431" y="1657191"/>
+            <a:ext cx="8170511" cy="2246769"/>
           </a:xfrm>
           <a:prstGeom prst="rect">
             <a:avLst/>
@@ -7466,94 +7413,119 @@
           </a:bodyPr>
           <a:lstStyle/>
           <a:p>
-            <a:pPr marL="457200" indent="-457200">
-              <a:buFont typeface="Arial"/>
-              <a:buChar char="•"/>
-            </a:pPr>
             <a:r>
               <a:rPr lang="en-US" sz="2800" dirty="0" smtClean="0"/>
-              <a:t>Usability </a:t>
-            </a:r>
-            <a:r>
-              <a:rPr lang="en-US" sz="2800" dirty="0"/>
-              <a:t>testing</a:t>
-            </a:r>
+              <a:t>Tailor ODK Survey to the requirements of our app.</a:t>
+            </a:r>
+          </a:p>
+          <a:p>
+            <a:endParaRPr lang="en-US" sz="2800" dirty="0"/>
+          </a:p>
+          <a:p>
             <a:r>
               <a:rPr lang="en-US" sz="2800" dirty="0" smtClean="0"/>
-              <a:t>.</a:t>
-            </a:r>
-            <a:br>
-              <a:rPr lang="en-US" sz="2800" dirty="0" smtClean="0"/>
-            </a:br>
+              <a:t>Contact experts in the field (Mitch).</a:t>
+            </a:r>
             <a:endParaRPr lang="en-US" sz="2800" dirty="0"/>
           </a:p>
           <a:p>
-            <a:pPr marL="457200" indent="-457200">
-              <a:buFont typeface="Arial"/>
-              <a:buChar char="•"/>
-            </a:pPr>
-            <a:r>
-              <a:rPr lang="en-US" sz="2800" dirty="0" smtClean="0"/>
-              <a:t>Polish </a:t>
-            </a:r>
-            <a:r>
-              <a:rPr lang="en-US" sz="2800" dirty="0"/>
-              <a:t>the </a:t>
-            </a:r>
-            <a:r>
-              <a:rPr lang="en-US" sz="2800" dirty="0" smtClean="0"/>
-              <a:t>UI.</a:t>
-            </a:r>
-            <a:br>
-              <a:rPr lang="en-US" sz="2800" dirty="0" smtClean="0"/>
-            </a:br>
             <a:endParaRPr lang="en-US" sz="2800" dirty="0"/>
           </a:p>
           <a:p>
-            <a:pPr marL="457200" indent="-457200">
-              <a:buFont typeface="Arial"/>
-              <a:buChar char="•"/>
-            </a:pPr>
-            <a:r>
-              <a:rPr lang="en-US" sz="2800" dirty="0" smtClean="0"/>
-              <a:t>Upgrade </a:t>
-            </a:r>
-            <a:r>
-              <a:rPr lang="en-US" sz="2800" dirty="0"/>
-              <a:t>into new information architecture based HDCE design</a:t>
-            </a:r>
-            <a:r>
-              <a:rPr lang="en-US" sz="2800" dirty="0" smtClean="0"/>
-              <a:t>.</a:t>
-            </a:r>
-            <a:br>
-              <a:rPr lang="en-US" sz="2800" dirty="0" smtClean="0"/>
-            </a:br>
             <a:endParaRPr lang="en-US" sz="2800" dirty="0"/>
           </a:p>
-          <a:p>
-            <a:pPr marL="457200" indent="-457200">
-              <a:buFont typeface="Arial"/>
-              <a:buChar char="•"/>
-            </a:pPr>
-            <a:r>
-              <a:rPr lang="en-US" sz="2800" dirty="0" smtClean="0"/>
-              <a:t>Finish </a:t>
-            </a:r>
-            <a:r>
-              <a:rPr lang="en-US" sz="2800" dirty="0"/>
-              <a:t>adding contents.</a:t>
-            </a:r>
-          </a:p>
-          <a:p>
-            <a:endParaRPr lang="en-US" sz="2800" dirty="0"/>
+        </p:txBody>
+      </p:sp>
+      <p:sp>
+        <p:nvSpPr>
+          <p:cNvPr id="6" name="Minus 5"/>
+          <p:cNvSpPr/>
+          <p:nvPr/>
+        </p:nvSpPr>
+        <p:spPr>
+          <a:xfrm>
+            <a:off x="114410" y="1533646"/>
+            <a:ext cx="822960" cy="822960"/>
+          </a:xfrm>
+          <a:prstGeom prst="mathMinus">
+            <a:avLst/>
+          </a:prstGeom>
+          <a:solidFill>
+            <a:schemeClr val="accent6">
+              <a:lumMod val="75000"/>
+            </a:schemeClr>
+          </a:solidFill>
+          <a:ln/>
+        </p:spPr>
+        <p:style>
+          <a:lnRef idx="1">
+            <a:schemeClr val="accent1"/>
+          </a:lnRef>
+          <a:fillRef idx="3">
+            <a:schemeClr val="accent1"/>
+          </a:fillRef>
+          <a:effectRef idx="2">
+            <a:schemeClr val="accent1"/>
+          </a:effectRef>
+          <a:fontRef idx="minor">
+            <a:schemeClr val="lt1"/>
+          </a:fontRef>
+        </p:style>
+        <p:txBody>
+          <a:bodyPr/>
+          <a:lstStyle/>
+          <a:p>
+            <a:endParaRPr lang="en-US"/>
+          </a:p>
+        </p:txBody>
+      </p:sp>
+      <p:sp>
+        <p:nvSpPr>
+          <p:cNvPr id="7" name="Plus 6"/>
+          <p:cNvSpPr/>
+          <p:nvPr/>
+        </p:nvSpPr>
+        <p:spPr>
+          <a:xfrm>
+            <a:off x="80471" y="2356606"/>
+            <a:ext cx="914400" cy="914400"/>
+          </a:xfrm>
+          <a:prstGeom prst="mathPlus">
+            <a:avLst/>
+          </a:prstGeom>
+          <a:solidFill>
+            <a:schemeClr val="accent3">
+              <a:lumMod val="75000"/>
+            </a:schemeClr>
+          </a:solidFill>
+        </p:spPr>
+        <p:style>
+          <a:lnRef idx="1">
+            <a:schemeClr val="accent1"/>
+          </a:lnRef>
+          <a:fillRef idx="3">
+            <a:schemeClr val="accent1"/>
+          </a:fillRef>
+          <a:effectRef idx="2">
+            <a:schemeClr val="accent1"/>
+          </a:effectRef>
+          <a:fontRef idx="minor">
+            <a:schemeClr val="lt1"/>
+          </a:fontRef>
+        </p:style>
+        <p:txBody>
+          <a:bodyPr rtlCol="0" anchor="ctr"/>
+          <a:lstStyle/>
+          <a:p>
+            <a:pPr algn="ctr"/>
+            <a:endParaRPr lang="en-US"/>
           </a:p>
         </p:txBody>
       </p:sp>
     </p:spTree>
     <p:extLst>
       <p:ext uri="{BB962C8B-B14F-4D97-AF65-F5344CB8AC3E}">
-        <p14:creationId xmlns:p14="http://schemas.microsoft.com/office/powerpoint/2010/main" val="2828973654"/>
+        <p14:creationId xmlns:p14="http://schemas.microsoft.com/office/powerpoint/2010/main" val="3558372293"/>
       </p:ext>
     </p:extLst>
   </p:cSld>
@@ -7768,7 +7740,7 @@
                 <a:cs typeface="Wire One"/>
                 <a:sym typeface="Wire One"/>
               </a:rPr>
-              <a:t>Feedback</a:t>
+              <a:t>In Progress…</a:t>
             </a:r>
             <a:endParaRPr lang="en" sz="6600" b="0" dirty="0">
               <a:latin typeface="Wire One"/>
@@ -7781,14 +7753,14 @@
       </p:sp>
       <p:sp>
         <p:nvSpPr>
-          <p:cNvPr id="3" name="TextBox 2"/>
+          <p:cNvPr id="2" name="TextBox 1"/>
           <p:cNvSpPr txBox="1"/>
           <p:nvPr/>
         </p:nvSpPr>
         <p:spPr>
           <a:xfrm>
-            <a:off x="514831" y="1842149"/>
-            <a:ext cx="7550881" cy="3539431"/>
+            <a:off x="514831" y="1750614"/>
+            <a:ext cx="6017823" cy="3970318"/>
           </a:xfrm>
           <a:prstGeom prst="rect">
             <a:avLst/>
@@ -7801,17 +7773,17 @@
           </a:bodyPr>
           <a:lstStyle/>
           <a:p>
-            <a:pPr marL="285750" indent="-285750">
+            <a:pPr marL="457200" indent="-457200">
               <a:buFont typeface="Arial"/>
               <a:buChar char="•"/>
             </a:pPr>
             <a:r>
               <a:rPr lang="en-US" sz="2800" dirty="0" smtClean="0"/>
-              <a:t>First </a:t>
+              <a:t>Usability </a:t>
             </a:r>
             <a:r>
               <a:rPr lang="en-US" sz="2800" dirty="0"/>
-              <a:t>usability testing with neonatal nurses lead to a change in our app architecture</a:t>
+              <a:t>testing</a:t>
             </a:r>
             <a:r>
               <a:rPr lang="en-US" sz="2800" dirty="0" smtClean="0"/>
@@ -7823,62 +7795,72 @@
             <a:endParaRPr lang="en-US" sz="2800" dirty="0"/>
           </a:p>
           <a:p>
-            <a:pPr marL="285750" indent="-285750">
+            <a:pPr marL="457200" indent="-457200">
               <a:buFont typeface="Arial"/>
               <a:buChar char="•"/>
             </a:pPr>
             <a:r>
               <a:rPr lang="en-US" sz="2800" dirty="0" smtClean="0"/>
-              <a:t>Preferred </a:t>
+              <a:t>Polish </a:t>
             </a:r>
             <a:r>
               <a:rPr lang="en-US" sz="2800" dirty="0"/>
-              <a:t>sliding list of images vertically instead of horizontally</a:t>
+              <a:t>the </a:t>
             </a:r>
             <a:r>
               <a:rPr lang="en-US" sz="2800" dirty="0" smtClean="0"/>
-              <a:t>.</a:t>
+              <a:t>UI.</a:t>
             </a:r>
             <a:br>
               <a:rPr lang="en-US" sz="2800" dirty="0" smtClean="0"/>
             </a:br>
-            <a:endParaRPr lang="en-US" sz="2800" dirty="0" smtClean="0"/>
-          </a:p>
-          <a:p>
-            <a:pPr marL="285750" indent="-285750">
+            <a:endParaRPr lang="en-US" sz="2800" dirty="0"/>
+          </a:p>
+          <a:p>
+            <a:pPr marL="457200" indent="-457200">
               <a:buFont typeface="Arial"/>
               <a:buChar char="•"/>
             </a:pPr>
             <a:r>
               <a:rPr lang="en-US" sz="2800" dirty="0" smtClean="0"/>
-              <a:t>Preferred </a:t>
+              <a:t>Upgrade </a:t>
             </a:r>
             <a:r>
               <a:rPr lang="en-US" sz="2800" dirty="0"/>
-              <a:t>bullet points of </a:t>
+              <a:t>into new information architecture based HDCE design</a:t>
             </a:r>
             <a:r>
               <a:rPr lang="en-US" sz="2800" dirty="0" smtClean="0"/>
-              <a:t/>
+              <a:t>.</a:t>
             </a:r>
             <a:br>
               <a:rPr lang="en-US" sz="2800" dirty="0" smtClean="0"/>
             </a:br>
+            <a:endParaRPr lang="en-US" sz="2800" dirty="0"/>
+          </a:p>
+          <a:p>
+            <a:pPr marL="457200" indent="-457200">
+              <a:buFont typeface="Arial"/>
+              <a:buChar char="•"/>
+            </a:pPr>
             <a:r>
               <a:rPr lang="en-US" sz="2800" dirty="0" smtClean="0"/>
-              <a:t>information </a:t>
+              <a:t>Finish </a:t>
             </a:r>
             <a:r>
               <a:rPr lang="en-US" sz="2800" dirty="0"/>
-              <a:t>and short video. </a:t>
-            </a:r>
+              <a:t>adding contents.</a:t>
+            </a:r>
+          </a:p>
+          <a:p>
+            <a:endParaRPr lang="en-US" sz="2800" dirty="0"/>
           </a:p>
         </p:txBody>
       </p:sp>
     </p:spTree>
     <p:extLst>
       <p:ext uri="{BB962C8B-B14F-4D97-AF65-F5344CB8AC3E}">
-        <p14:creationId xmlns:p14="http://schemas.microsoft.com/office/powerpoint/2010/main" val="1111412221"/>
+        <p14:creationId xmlns:p14="http://schemas.microsoft.com/office/powerpoint/2010/main" val="2828973654"/>
       </p:ext>
     </p:extLst>
   </p:cSld>
@@ -7961,6 +7943,199 @@
                 <a:cs typeface="Wire One"/>
                 <a:sym typeface="Wire One"/>
               </a:rPr>
+              <a:t>Feedback</a:t>
+            </a:r>
+            <a:endParaRPr lang="en" sz="6600" b="0" dirty="0">
+              <a:latin typeface="Wire One"/>
+              <a:ea typeface="Wire One"/>
+              <a:cs typeface="Wire One"/>
+              <a:sym typeface="Wire One"/>
+            </a:endParaRPr>
+          </a:p>
+        </p:txBody>
+      </p:sp>
+      <p:sp>
+        <p:nvSpPr>
+          <p:cNvPr id="3" name="TextBox 2"/>
+          <p:cNvSpPr txBox="1"/>
+          <p:nvPr/>
+        </p:nvSpPr>
+        <p:spPr>
+          <a:xfrm>
+            <a:off x="514831" y="1842149"/>
+            <a:ext cx="7550881" cy="3539431"/>
+          </a:xfrm>
+          <a:prstGeom prst="rect">
+            <a:avLst/>
+          </a:prstGeom>
+          <a:noFill/>
+        </p:spPr>
+        <p:txBody>
+          <a:bodyPr wrap="square" rtlCol="0">
+            <a:spAutoFit/>
+          </a:bodyPr>
+          <a:lstStyle/>
+          <a:p>
+            <a:pPr marL="285750" indent="-285750">
+              <a:buFont typeface="Arial"/>
+              <a:buChar char="•"/>
+            </a:pPr>
+            <a:r>
+              <a:rPr lang="en-US" sz="2800" dirty="0" smtClean="0"/>
+              <a:t>First </a:t>
+            </a:r>
+            <a:r>
+              <a:rPr lang="en-US" sz="2800" dirty="0"/>
+              <a:t>usability testing with neonatal nurses lead to a change in our app architecture</a:t>
+            </a:r>
+            <a:r>
+              <a:rPr lang="en-US" sz="2800" dirty="0" smtClean="0"/>
+              <a:t>.</a:t>
+            </a:r>
+            <a:br>
+              <a:rPr lang="en-US" sz="2800" dirty="0" smtClean="0"/>
+            </a:br>
+            <a:endParaRPr lang="en-US" sz="2800" dirty="0"/>
+          </a:p>
+          <a:p>
+            <a:pPr marL="285750" indent="-285750">
+              <a:buFont typeface="Arial"/>
+              <a:buChar char="•"/>
+            </a:pPr>
+            <a:r>
+              <a:rPr lang="en-US" sz="2800" dirty="0" smtClean="0"/>
+              <a:t>Preferred </a:t>
+            </a:r>
+            <a:r>
+              <a:rPr lang="en-US" sz="2800" dirty="0"/>
+              <a:t>sliding list of images vertically instead of horizontally</a:t>
+            </a:r>
+            <a:r>
+              <a:rPr lang="en-US" sz="2800" dirty="0" smtClean="0"/>
+              <a:t>.</a:t>
+            </a:r>
+            <a:br>
+              <a:rPr lang="en-US" sz="2800" dirty="0" smtClean="0"/>
+            </a:br>
+            <a:endParaRPr lang="en-US" sz="2800" dirty="0" smtClean="0"/>
+          </a:p>
+          <a:p>
+            <a:pPr marL="285750" indent="-285750">
+              <a:buFont typeface="Arial"/>
+              <a:buChar char="•"/>
+            </a:pPr>
+            <a:r>
+              <a:rPr lang="en-US" sz="2800" dirty="0" smtClean="0"/>
+              <a:t>Preferred </a:t>
+            </a:r>
+            <a:r>
+              <a:rPr lang="en-US" sz="2800" dirty="0"/>
+              <a:t>bullet points of </a:t>
+            </a:r>
+            <a:r>
+              <a:rPr lang="en-US" sz="2800" dirty="0" smtClean="0"/>
+              <a:t/>
+            </a:r>
+            <a:br>
+              <a:rPr lang="en-US" sz="2800" dirty="0" smtClean="0"/>
+            </a:br>
+            <a:r>
+              <a:rPr lang="en-US" sz="2800" dirty="0" smtClean="0"/>
+              <a:t>information </a:t>
+            </a:r>
+            <a:r>
+              <a:rPr lang="en-US" sz="2800" dirty="0"/>
+              <a:t>and short video. </a:t>
+            </a:r>
+          </a:p>
+        </p:txBody>
+      </p:sp>
+    </p:spTree>
+    <p:extLst>
+      <p:ext uri="{BB962C8B-B14F-4D97-AF65-F5344CB8AC3E}">
+        <p14:creationId xmlns:p14="http://schemas.microsoft.com/office/powerpoint/2010/main" val="1111412221"/>
+      </p:ext>
+    </p:extLst>
+  </p:cSld>
+  <p:clrMapOvr>
+    <a:masterClrMapping/>
+  </p:clrMapOvr>
+  <p:transition xmlns:p14="http://schemas.microsoft.com/office/powerpoint/2010/main" spd="slow">
+    <p:cut/>
+  </p:transition>
+  <p:timing>
+    <p:tnLst>
+      <p:par>
+        <p:cTn xmlns:p14="http://schemas.microsoft.com/office/powerpoint/2010/main" id="1" dur="indefinite" restart="never" nodeType="tmRoot"/>
+      </p:par>
+    </p:tnLst>
+  </p:timing>
+</p:sld>
+</file>
+
+<file path=ppt/slides/slide22.xml><?xml version="1.0" encoding="utf-8"?>
+<p:sld xmlns:a="http://schemas.openxmlformats.org/drawingml/2006/main" xmlns:r="http://schemas.openxmlformats.org/officeDocument/2006/relationships" xmlns:p="http://schemas.openxmlformats.org/presentationml/2006/main">
+  <p:cSld>
+    <p:bg>
+      <p:bgPr>
+        <a:blipFill>
+          <a:blip r:embed="rId3"/>
+          <a:stretch>
+            <a:fillRect/>
+          </a:stretch>
+        </a:blipFill>
+        <a:effectLst/>
+      </p:bgPr>
+    </p:bg>
+    <p:spTree>
+      <p:nvGrpSpPr>
+        <p:cNvPr id="1" name="Shape 100"/>
+        <p:cNvGrpSpPr/>
+        <p:nvPr/>
+      </p:nvGrpSpPr>
+      <p:grpSpPr>
+        <a:xfrm>
+          <a:off x="0" y="0"/>
+          <a:ext cx="0" cy="0"/>
+          <a:chOff x="0" y="0"/>
+          <a:chExt cx="0" cy="0"/>
+        </a:xfrm>
+      </p:grpSpPr>
+      <p:sp>
+        <p:nvSpPr>
+          <p:cNvPr id="8" name="Shape 108"/>
+          <p:cNvSpPr txBox="1">
+            <a:spLocks noGrp="1"/>
+          </p:cNvSpPr>
+          <p:nvPr>
+            <p:ph type="title"/>
+          </p:nvPr>
+        </p:nvSpPr>
+        <p:spPr>
+          <a:xfrm>
+            <a:off x="215542" y="565499"/>
+            <a:ext cx="8253900" cy="1011599"/>
+          </a:xfrm>
+          <a:prstGeom prst="rect">
+            <a:avLst/>
+          </a:prstGeom>
+        </p:spPr>
+        <p:txBody>
+          <a:bodyPr lIns="91425" tIns="91425" rIns="91425" bIns="91425" anchor="ctr" anchorCtr="0">
+            <a:noAutofit/>
+          </a:bodyPr>
+          <a:lstStyle/>
+          <a:p>
+            <a:pPr lvl="0" rtl="0">
+              <a:buNone/>
+            </a:pPr>
+            <a:r>
+              <a:rPr lang="en-US" sz="6600" b="0" dirty="0" smtClean="0">
+                <a:latin typeface="Wire One"/>
+                <a:ea typeface="Wire One"/>
+                <a:cs typeface="Wire One"/>
+                <a:sym typeface="Wire One"/>
+              </a:rPr>
               <a:t>Future Work</a:t>
             </a:r>
             <a:endParaRPr lang="en" sz="6600" b="0" dirty="0">
@@ -8089,7 +8264,7 @@
 </p:sld>
 </file>
 
-<file path=ppt/slides/slide22.xml><?xml version="1.0" encoding="utf-8"?>
+<file path=ppt/slides/slide23.xml><?xml version="1.0" encoding="utf-8"?>
 <p:sld xmlns:a="http://schemas.openxmlformats.org/drawingml/2006/main" xmlns:r="http://schemas.openxmlformats.org/officeDocument/2006/relationships" xmlns:p="http://schemas.openxmlformats.org/presentationml/2006/main">
   <p:cSld>
     <p:bg>
@@ -9361,13 +9536,13 @@
       </p:grpSpPr>
       <p:pic>
         <p:nvPicPr>
-          <p:cNvPr id="4" name="Picture 3" descr="IMG_0489.jpg"/>
+          <p:cNvPr id="2" name="Picture 1" descr="Screenshot_2013-05-24-23-17-44.png"/>
           <p:cNvPicPr>
             <a:picLocks noChangeAspect="1"/>
           </p:cNvPicPr>
           <p:nvPr/>
         </p:nvPicPr>
-        <p:blipFill>
+        <p:blipFill rotWithShape="1">
           <a:blip r:embed="rId4">
             <a:extLst>
               <a:ext uri="{28A0092B-C50C-407E-A947-70E740481C1C}">
@@ -9375,14 +9550,13 @@
               </a:ext>
             </a:extLst>
           </a:blip>
-          <a:stretch>
-            <a:fillRect/>
-          </a:stretch>
+          <a:srcRect t="4307"/>
+          <a:stretch/>
         </p:blipFill>
         <p:spPr>
           <a:xfrm>
-            <a:off x="2333909" y="606989"/>
-            <a:ext cx="3615268" cy="5422902"/>
+            <a:off x="2961881" y="516889"/>
+            <a:ext cx="3343308" cy="5687673"/>
           </a:xfrm>
           <a:prstGeom prst="rect">
             <a:avLst/>
@@ -9437,13 +9611,13 @@
       </p:grpSpPr>
       <p:pic>
         <p:nvPicPr>
-          <p:cNvPr id="3" name="Picture 2" descr="IMG_0490.jpg"/>
+          <p:cNvPr id="5" name="Picture 4" descr="Screenshot_2013-05-24-23-17-44.png"/>
           <p:cNvPicPr>
             <a:picLocks noChangeAspect="1"/>
           </p:cNvPicPr>
           <p:nvPr/>
         </p:nvPicPr>
-        <p:blipFill>
+        <p:blipFill rotWithShape="1">
           <a:blip r:embed="rId4">
             <a:extLst>
               <a:ext uri="{28A0092B-C50C-407E-A947-70E740481C1C}">
@@ -9451,14 +9625,13 @@
               </a:ext>
             </a:extLst>
           </a:blip>
-          <a:stretch>
-            <a:fillRect/>
-          </a:stretch>
+          <a:srcRect t="4307"/>
+          <a:stretch/>
         </p:blipFill>
         <p:spPr>
           <a:xfrm>
-            <a:off x="5114004" y="606989"/>
-            <a:ext cx="3528747" cy="5293120"/>
+            <a:off x="274423" y="506450"/>
+            <a:ext cx="3343308" cy="5687673"/>
           </a:xfrm>
           <a:prstGeom prst="rect">
             <a:avLst/>
@@ -9467,13 +9640,13 @@
       </p:pic>
       <p:pic>
         <p:nvPicPr>
-          <p:cNvPr id="6" name="Picture 5" descr="IMG_0489.jpg"/>
+          <p:cNvPr id="2" name="Picture 1" descr="Screenshot_2013-05-24-23-17-52.png"/>
           <p:cNvPicPr>
             <a:picLocks noChangeAspect="1"/>
           </p:cNvPicPr>
           <p:nvPr/>
         </p:nvPicPr>
-        <p:blipFill>
+        <p:blipFill rotWithShape="1">
           <a:blip r:embed="rId5">
             <a:extLst>
               <a:ext uri="{28A0092B-C50C-407E-A947-70E740481C1C}">
@@ -9481,14 +9654,13 @@
               </a:ext>
             </a:extLst>
           </a:blip>
-          <a:stretch>
-            <a:fillRect/>
-          </a:stretch>
+          <a:srcRect t="3661"/>
+          <a:stretch/>
         </p:blipFill>
         <p:spPr>
           <a:xfrm>
-            <a:off x="240255" y="606989"/>
-            <a:ext cx="3615268" cy="5422902"/>
+            <a:off x="5424780" y="506450"/>
+            <a:ext cx="3361137" cy="5756607"/>
           </a:xfrm>
           <a:prstGeom prst="rect">
             <a:avLst/>
@@ -9503,8 +9675,8 @@
         </p:nvSpPr>
         <p:spPr>
           <a:xfrm flipV="1">
-            <a:off x="3342699" y="1584270"/>
-            <a:ext cx="1817339" cy="294135"/>
+            <a:off x="1712339" y="2364952"/>
+            <a:ext cx="4135640" cy="417578"/>
           </a:xfrm>
           <a:prstGeom prst="rightArrow">
             <a:avLst/>
@@ -9559,17 +9731,6 @@
 <file path=ppt/slides/slide7.xml><?xml version="1.0" encoding="utf-8"?>
 <p:sld xmlns:a="http://schemas.openxmlformats.org/drawingml/2006/main" xmlns:r="http://schemas.openxmlformats.org/officeDocument/2006/relationships" xmlns:p="http://schemas.openxmlformats.org/presentationml/2006/main">
   <p:cSld>
-    <p:bg>
-      <p:bgPr>
-        <a:blipFill>
-          <a:blip r:embed="rId3"/>
-          <a:stretch>
-            <a:fillRect/>
-          </a:stretch>
-        </a:blipFill>
-        <a:effectLst/>
-      </p:bgPr>
-    </p:bg>
     <p:spTree>
       <p:nvGrpSpPr>
         <p:cNvPr id="1" name="Shape 94"/>
@@ -9586,13 +9747,42 @@
       </p:grpSpPr>
       <p:pic>
         <p:nvPicPr>
-          <p:cNvPr id="4" name="Picture 3" descr="IMG_0490.jpg"/>
+          <p:cNvPr id="5" name="Picture 4" descr="Screenshot_2013-05-24-23-17-44.png"/>
           <p:cNvPicPr>
             <a:picLocks noChangeAspect="1"/>
           </p:cNvPicPr>
           <p:nvPr/>
         </p:nvPicPr>
-        <p:blipFill>
+        <p:blipFill rotWithShape="1">
+          <a:blip r:embed="rId3">
+            <a:extLst>
+              <a:ext uri="{28A0092B-C50C-407E-A947-70E740481C1C}">
+                <a14:useLocalDpi xmlns:a14="http://schemas.microsoft.com/office/drawing/2010/main" val="0"/>
+              </a:ext>
+            </a:extLst>
+          </a:blip>
+          <a:srcRect t="4307"/>
+          <a:stretch/>
+        </p:blipFill>
+        <p:spPr>
+          <a:xfrm>
+            <a:off x="126760" y="797491"/>
+            <a:ext cx="2564562" cy="4362862"/>
+          </a:xfrm>
+          <a:prstGeom prst="rect">
+            <a:avLst/>
+          </a:prstGeom>
+        </p:spPr>
+      </p:pic>
+      <p:pic>
+        <p:nvPicPr>
+          <p:cNvPr id="2" name="Picture 1" descr="Screenshot_2013-05-24-23-17-52.png"/>
+          <p:cNvPicPr>
+            <a:picLocks noChangeAspect="1"/>
+          </p:cNvPicPr>
+          <p:nvPr/>
+        </p:nvPicPr>
+        <p:blipFill rotWithShape="1">
           <a:blip r:embed="rId4">
             <a:extLst>
               <a:ext uri="{28A0092B-C50C-407E-A947-70E740481C1C}">
@@ -9600,60 +9790,29 @@
               </a:ext>
             </a:extLst>
           </a:blip>
-          <a:stretch>
-            <a:fillRect/>
-          </a:stretch>
+          <a:srcRect t="3661"/>
+          <a:stretch/>
         </p:blipFill>
         <p:spPr>
           <a:xfrm>
-            <a:off x="3182719" y="1819265"/>
-            <a:ext cx="2720563" cy="4080844"/>
+            <a:off x="3141690" y="797491"/>
+            <a:ext cx="2587613" cy="4431796"/>
           </a:xfrm>
           <a:prstGeom prst="rect">
             <a:avLst/>
           </a:prstGeom>
         </p:spPr>
       </p:pic>
-      <p:pic>
-        <p:nvPicPr>
-          <p:cNvPr id="5" name="Picture 4" descr="IMG_0489.jpg"/>
-          <p:cNvPicPr>
-            <a:picLocks noChangeAspect="1"/>
-          </p:cNvPicPr>
-          <p:nvPr/>
-        </p:nvPicPr>
-        <p:blipFill>
-          <a:blip r:embed="rId5">
-            <a:extLst>
-              <a:ext uri="{28A0092B-C50C-407E-A947-70E740481C1C}">
-                <a14:useLocalDpi xmlns:a14="http://schemas.microsoft.com/office/drawing/2010/main" val="0"/>
-              </a:ext>
-            </a:extLst>
-          </a:blip>
-          <a:stretch>
-            <a:fillRect/>
-          </a:stretch>
-        </p:blipFill>
-        <p:spPr>
-          <a:xfrm>
-            <a:off x="80085" y="1819265"/>
-            <a:ext cx="2807084" cy="4210626"/>
-          </a:xfrm>
-          <a:prstGeom prst="rect">
-            <a:avLst/>
-          </a:prstGeom>
-        </p:spPr>
-      </p:pic>
-      <p:sp>
-        <p:nvSpPr>
-          <p:cNvPr id="6" name="Right Arrow 5"/>
+      <p:sp>
+        <p:nvSpPr>
+          <p:cNvPr id="4" name="Right Arrow 3"/>
           <p:cNvSpPr/>
           <p:nvPr/>
         </p:nvSpPr>
         <p:spPr>
           <a:xfrm flipV="1">
-            <a:off x="2455672" y="2861757"/>
-            <a:ext cx="727047" cy="135304"/>
+            <a:off x="1210286" y="2128662"/>
+            <a:ext cx="2156418" cy="633002"/>
           </a:xfrm>
           <a:prstGeom prst="rightArrow">
             <a:avLst/>
@@ -9684,28 +9843,27 @@
       </p:sp>
       <p:pic>
         <p:nvPicPr>
-          <p:cNvPr id="3" name="Picture 2" descr="IMG_0491.jpg"/>
+          <p:cNvPr id="3" name="Picture 2" descr="Screenshot_2013-05-24-23-17-57.png"/>
           <p:cNvPicPr>
             <a:picLocks noChangeAspect="1"/>
           </p:cNvPicPr>
           <p:nvPr/>
         </p:nvPicPr>
-        <p:blipFill>
-          <a:blip r:embed="rId6">
+        <p:blipFill rotWithShape="1">
+          <a:blip r:embed="rId5">
             <a:extLst>
               <a:ext uri="{28A0092B-C50C-407E-A947-70E740481C1C}">
                 <a14:useLocalDpi xmlns:a14="http://schemas.microsoft.com/office/drawing/2010/main" val="0"/>
               </a:ext>
             </a:extLst>
           </a:blip>
-          <a:stretch>
-            <a:fillRect/>
-          </a:stretch>
+          <a:srcRect t="3661"/>
+          <a:stretch/>
         </p:blipFill>
         <p:spPr>
           <a:xfrm>
-            <a:off x="6175847" y="1819265"/>
-            <a:ext cx="2825201" cy="4237801"/>
+            <a:off x="6061351" y="797491"/>
+            <a:ext cx="2934986" cy="5026739"/>
           </a:xfrm>
           <a:prstGeom prst="rect">
             <a:avLst/>
@@ -9714,14 +9872,14 @@
       </p:pic>
       <p:sp>
         <p:nvSpPr>
-          <p:cNvPr id="9" name="Right Arrow 8"/>
+          <p:cNvPr id="6" name="Right Arrow 5"/>
           <p:cNvSpPr/>
           <p:nvPr/>
         </p:nvSpPr>
         <p:spPr>
           <a:xfrm flipV="1">
-            <a:off x="3889848" y="3332019"/>
-            <a:ext cx="2285999" cy="135304"/>
+            <a:off x="4045952" y="2118613"/>
+            <a:ext cx="2126340" cy="643054"/>
           </a:xfrm>
           <a:prstGeom prst="rightArrow">
             <a:avLst/>
@@ -9753,7 +9911,7 @@
     </p:spTree>
     <p:extLst>
       <p:ext uri="{BB962C8B-B14F-4D97-AF65-F5344CB8AC3E}">
-        <p14:creationId xmlns:p14="http://schemas.microsoft.com/office/powerpoint/2010/main" val="2992076452"/>
+        <p14:creationId xmlns:p14="http://schemas.microsoft.com/office/powerpoint/2010/main" val="2236452151"/>
       </p:ext>
     </p:extLst>
   </p:cSld>
@@ -9801,66 +9959,6 @@
           <a:chExt cx="0" cy="0"/>
         </a:xfrm>
       </p:grpSpPr>
-      <p:pic>
-        <p:nvPicPr>
-          <p:cNvPr id="6" name="Picture 5" descr="IMG_0491.jpg"/>
-          <p:cNvPicPr>
-            <a:picLocks noChangeAspect="1"/>
-          </p:cNvPicPr>
-          <p:nvPr/>
-        </p:nvPicPr>
-        <p:blipFill>
-          <a:blip r:embed="rId4">
-            <a:extLst>
-              <a:ext uri="{28A0092B-C50C-407E-A947-70E740481C1C}">
-                <a14:useLocalDpi xmlns:a14="http://schemas.microsoft.com/office/drawing/2010/main" val="0"/>
-              </a:ext>
-            </a:extLst>
-          </a:blip>
-          <a:stretch>
-            <a:fillRect/>
-          </a:stretch>
-        </p:blipFill>
-        <p:spPr>
-          <a:xfrm>
-            <a:off x="581719" y="1556101"/>
-            <a:ext cx="2825201" cy="4237801"/>
-          </a:xfrm>
-          <a:prstGeom prst="rect">
-            <a:avLst/>
-          </a:prstGeom>
-        </p:spPr>
-      </p:pic>
-      <p:pic>
-        <p:nvPicPr>
-          <p:cNvPr id="4" name="Picture 3" descr="IMG_0492.jpg"/>
-          <p:cNvPicPr>
-            <a:picLocks noChangeAspect="1"/>
-          </p:cNvPicPr>
-          <p:nvPr/>
-        </p:nvPicPr>
-        <p:blipFill>
-          <a:blip r:embed="rId5">
-            <a:extLst>
-              <a:ext uri="{28A0092B-C50C-407E-A947-70E740481C1C}">
-                <a14:useLocalDpi xmlns:a14="http://schemas.microsoft.com/office/drawing/2010/main" val="0"/>
-              </a:ext>
-            </a:extLst>
-          </a:blip>
-          <a:stretch>
-            <a:fillRect/>
-          </a:stretch>
-        </p:blipFill>
-        <p:spPr>
-          <a:xfrm>
-            <a:off x="5184364" y="1556101"/>
-            <a:ext cx="2825200" cy="4237801"/>
-          </a:xfrm>
-          <a:prstGeom prst="rect">
-            <a:avLst/>
-          </a:prstGeom>
-        </p:spPr>
-      </p:pic>
       <p:sp>
         <p:nvSpPr>
           <p:cNvPr id="10" name="Process 9"/>
@@ -9869,8 +9967,8 @@
         </p:nvSpPr>
         <p:spPr>
           <a:xfrm>
-            <a:off x="3189933" y="2082429"/>
-            <a:ext cx="216987" cy="3711473"/>
+            <a:off x="3559089" y="1698461"/>
+            <a:ext cx="216987" cy="4095441"/>
           </a:xfrm>
           <a:prstGeom prst="flowChartProcess">
             <a:avLst/>
@@ -9912,8 +10010,8 @@
         </p:nvSpPr>
         <p:spPr>
           <a:xfrm flipV="1">
-            <a:off x="3406920" y="3332019"/>
-            <a:ext cx="1777445" cy="135304"/>
+            <a:off x="3776076" y="3067817"/>
+            <a:ext cx="1777445" cy="668546"/>
           </a:xfrm>
           <a:prstGeom prst="rightArrow">
             <a:avLst/>
@@ -9950,8 +10048,8 @@
         </p:nvSpPr>
         <p:spPr>
           <a:xfrm rot="5400000" flipV="1">
-            <a:off x="2366821" y="3656696"/>
-            <a:ext cx="1842149" cy="135306"/>
+            <a:off x="2651605" y="3342335"/>
+            <a:ext cx="2032731" cy="186677"/>
           </a:xfrm>
           <a:prstGeom prst="rightArrow">
             <a:avLst/>
@@ -9985,6 +10083,64 @@
           </a:p>
         </p:txBody>
       </p:sp>
+      <p:pic>
+        <p:nvPicPr>
+          <p:cNvPr id="7" name="Picture 6" descr="Screenshot_2013-05-24-23-17-57.png"/>
+          <p:cNvPicPr>
+            <a:picLocks noChangeAspect="1"/>
+          </p:cNvPicPr>
+          <p:nvPr/>
+        </p:nvPicPr>
+        <p:blipFill rotWithShape="1">
+          <a:blip r:embed="rId4">
+            <a:extLst>
+              <a:ext uri="{28A0092B-C50C-407E-A947-70E740481C1C}">
+                <a14:useLocalDpi xmlns:a14="http://schemas.microsoft.com/office/drawing/2010/main" val="0"/>
+              </a:ext>
+            </a:extLst>
+          </a:blip>
+          <a:srcRect t="3661"/>
+          <a:stretch/>
+        </p:blipFill>
+        <p:spPr>
+          <a:xfrm>
+            <a:off x="609337" y="767163"/>
+            <a:ext cx="2934986" cy="5026739"/>
+          </a:xfrm>
+          <a:prstGeom prst="rect">
+            <a:avLst/>
+          </a:prstGeom>
+        </p:spPr>
+      </p:pic>
+      <p:pic>
+        <p:nvPicPr>
+          <p:cNvPr id="2" name="Picture 1" descr="Screenshot_2013-05-24-23-18-40.png"/>
+          <p:cNvPicPr>
+            <a:picLocks noChangeAspect="1"/>
+          </p:cNvPicPr>
+          <p:nvPr/>
+        </p:nvPicPr>
+        <p:blipFill rotWithShape="1">
+          <a:blip r:embed="rId5">
+            <a:extLst>
+              <a:ext uri="{28A0092B-C50C-407E-A947-70E740481C1C}">
+                <a14:useLocalDpi xmlns:a14="http://schemas.microsoft.com/office/drawing/2010/main" val="0"/>
+              </a:ext>
+            </a:extLst>
+          </a:blip>
+          <a:srcRect t="4091"/>
+          <a:stretch/>
+        </p:blipFill>
+        <p:spPr>
+          <a:xfrm>
+            <a:off x="5553521" y="767163"/>
+            <a:ext cx="3010903" cy="5133709"/>
+          </a:xfrm>
+          <a:prstGeom prst="rect">
+            <a:avLst/>
+          </a:prstGeom>
+        </p:spPr>
+      </p:pic>
     </p:spTree>
     <p:extLst>
       <p:ext uri="{BB962C8B-B14F-4D97-AF65-F5344CB8AC3E}">
@@ -10038,13 +10194,13 @@
       </p:grpSpPr>
       <p:pic>
         <p:nvPicPr>
-          <p:cNvPr id="4" name="Picture 3" descr="IMG_0493.jpg"/>
+          <p:cNvPr id="2" name="Picture 1" descr="Screenshot_2013-05-24-23-18-56.png"/>
           <p:cNvPicPr>
             <a:picLocks noChangeAspect="1"/>
           </p:cNvPicPr>
           <p:nvPr/>
         </p:nvPicPr>
-        <p:blipFill>
+        <p:blipFill rotWithShape="1">
           <a:blip r:embed="rId4">
             <a:extLst>
               <a:ext uri="{28A0092B-C50C-407E-A947-70E740481C1C}">
@@ -10052,14 +10208,13 @@
               </a:ext>
             </a:extLst>
           </a:blip>
-          <a:stretch>
-            <a:fillRect/>
-          </a:stretch>
+          <a:srcRect t="4091"/>
+          <a:stretch/>
         </p:blipFill>
         <p:spPr>
           <a:xfrm>
-            <a:off x="4939191" y="663630"/>
-            <a:ext cx="3298132" cy="4947199"/>
+            <a:off x="3176020" y="932432"/>
+            <a:ext cx="2619027" cy="4465545"/>
           </a:xfrm>
           <a:prstGeom prst="rect">
             <a:avLst/>
@@ -10068,13 +10223,13 @@
       </p:pic>
       <p:pic>
         <p:nvPicPr>
-          <p:cNvPr id="7" name="Picture 6" descr="IMG_0489.jpg"/>
+          <p:cNvPr id="9" name="Picture 8" descr="Screenshot_2013-05-24-23-17-44.png"/>
           <p:cNvPicPr>
             <a:picLocks noChangeAspect="1"/>
           </p:cNvPicPr>
           <p:nvPr/>
         </p:nvPicPr>
-        <p:blipFill>
+        <p:blipFill rotWithShape="1">
           <a:blip r:embed="rId5">
             <a:extLst>
               <a:ext uri="{28A0092B-C50C-407E-A947-70E740481C1C}">
@@ -10082,14 +10237,13 @@
               </a:ext>
             </a:extLst>
           </a:blip>
-          <a:stretch>
-            <a:fillRect/>
-          </a:stretch>
+          <a:srcRect t="4307"/>
+          <a:stretch/>
         </p:blipFill>
         <p:spPr>
           <a:xfrm>
-            <a:off x="469068" y="663630"/>
-            <a:ext cx="3298133" cy="4947199"/>
+            <a:off x="126760" y="930403"/>
+            <a:ext cx="2564562" cy="4362862"/>
           </a:xfrm>
           <a:prstGeom prst="rect">
             <a:avLst/>
@@ -10098,14 +10252,81 @@
       </p:pic>
       <p:sp>
         <p:nvSpPr>
-          <p:cNvPr id="8" name="Right Arrow 7"/>
+          <p:cNvPr id="10" name="Right Arrow 9"/>
           <p:cNvSpPr/>
           <p:nvPr/>
         </p:nvSpPr>
         <p:spPr>
           <a:xfrm flipV="1">
-            <a:off x="2917386" y="2027640"/>
-            <a:ext cx="2021805" cy="135304"/>
+            <a:off x="1298882" y="2896612"/>
+            <a:ext cx="2156418" cy="633002"/>
+          </a:xfrm>
+          <a:prstGeom prst="rightArrow">
+            <a:avLst/>
+          </a:prstGeom>
+        </p:spPr>
+        <p:style>
+          <a:lnRef idx="1">
+            <a:schemeClr val="accent1"/>
+          </a:lnRef>
+          <a:fillRef idx="3">
+            <a:schemeClr val="accent1"/>
+          </a:fillRef>
+          <a:effectRef idx="2">
+            <a:schemeClr val="accent1"/>
+          </a:effectRef>
+          <a:fontRef idx="minor">
+            <a:schemeClr val="lt1"/>
+          </a:fontRef>
+        </p:style>
+        <p:txBody>
+          <a:bodyPr rtlCol="0" anchor="ctr"/>
+          <a:lstStyle/>
+          <a:p>
+            <a:pPr algn="ctr"/>
+            <a:endParaRPr lang="en-US"/>
+          </a:p>
+        </p:txBody>
+      </p:sp>
+      <p:pic>
+        <p:nvPicPr>
+          <p:cNvPr id="3" name="Picture 2" descr="Screenshot_2013-05-24-23-19-08.png"/>
+          <p:cNvPicPr>
+            <a:picLocks noChangeAspect="1"/>
+          </p:cNvPicPr>
+          <p:nvPr/>
+        </p:nvPicPr>
+        <p:blipFill rotWithShape="1">
+          <a:blip r:embed="rId6">
+            <a:extLst>
+              <a:ext uri="{28A0092B-C50C-407E-A947-70E740481C1C}">
+                <a14:useLocalDpi xmlns:a14="http://schemas.microsoft.com/office/drawing/2010/main" val="0"/>
+              </a:ext>
+            </a:extLst>
+          </a:blip>
+          <a:srcRect t="4091"/>
+          <a:stretch/>
+        </p:blipFill>
+        <p:spPr>
+          <a:xfrm>
+            <a:off x="6230064" y="932432"/>
+            <a:ext cx="2766273" cy="4465545"/>
+          </a:xfrm>
+          <a:prstGeom prst="rect">
+            <a:avLst/>
+          </a:prstGeom>
+        </p:spPr>
+      </p:pic>
+      <p:sp>
+        <p:nvSpPr>
+          <p:cNvPr id="11" name="Right Arrow 10"/>
+          <p:cNvSpPr/>
+          <p:nvPr/>
+        </p:nvSpPr>
+        <p:spPr>
+          <a:xfrm flipV="1">
+            <a:off x="5256784" y="2955682"/>
+            <a:ext cx="1245101" cy="633002"/>
           </a:xfrm>
           <a:prstGeom prst="rightArrow">
             <a:avLst/>

--- a/presentation/Final Presentation.pptx
+++ b/presentation/Final Presentation.pptx
@@ -5664,27 +5664,52 @@
       </p:grpSpPr>
       <p:pic>
         <p:nvPicPr>
-          <p:cNvPr id="9" name="Picture 8" descr="Screenshot_2013-05-24-23-17-44.png"/>
+          <p:cNvPr id="2" name="Picture 1"/>
           <p:cNvPicPr>
             <a:picLocks noChangeAspect="1"/>
           </p:cNvPicPr>
           <p:nvPr/>
         </p:nvPicPr>
-        <p:blipFill rotWithShape="1">
-          <a:blip r:embed="rId3">
+        <p:blipFill>
+          <a:blip r:embed="rId3"/>
+          <a:stretch>
+            <a:fillRect/>
+          </a:stretch>
+        </p:blipFill>
+        <p:spPr>
+          <a:xfrm>
+            <a:off x="4839901" y="443046"/>
+            <a:ext cx="3553460" cy="5330190"/>
+          </a:xfrm>
+          <a:prstGeom prst="rect">
+            <a:avLst/>
+          </a:prstGeom>
+        </p:spPr>
+      </p:pic>
+      <p:pic>
+        <p:nvPicPr>
+          <p:cNvPr id="5" name="Picture 4" descr="Screen Shot 2013-05-27 at 7.54.33 PM.png"/>
+          <p:cNvPicPr>
+            <a:picLocks noChangeAspect="1"/>
+          </p:cNvPicPr>
+          <p:nvPr/>
+        </p:nvPicPr>
+        <p:blipFill>
+          <a:blip r:embed="rId4">
             <a:extLst>
               <a:ext uri="{28A0092B-C50C-407E-A947-70E740481C1C}">
                 <a14:useLocalDpi xmlns:a14="http://schemas.microsoft.com/office/drawing/2010/main" val="0"/>
               </a:ext>
             </a:extLst>
           </a:blip>
-          <a:srcRect t="4307"/>
-          <a:stretch/>
+          <a:stretch>
+            <a:fillRect/>
+          </a:stretch>
         </p:blipFill>
         <p:spPr>
           <a:xfrm>
-            <a:off x="466383" y="413511"/>
-            <a:ext cx="3476206" cy="5913761"/>
+            <a:off x="567546" y="443046"/>
+            <a:ext cx="3446589" cy="5231111"/>
           </a:xfrm>
           <a:prstGeom prst="rect">
             <a:avLst/>
@@ -5699,8 +5724,8 @@
         </p:nvSpPr>
         <p:spPr>
           <a:xfrm flipV="1">
-            <a:off x="2457504" y="4814450"/>
-            <a:ext cx="2622082" cy="633002"/>
+            <a:off x="3741119" y="3889466"/>
+            <a:ext cx="1330562" cy="633002"/>
           </a:xfrm>
           <a:prstGeom prst="rightArrow">
             <a:avLst/>
@@ -5729,35 +5754,6 @@
           </a:p>
         </p:txBody>
       </p:sp>
-      <p:pic>
-        <p:nvPicPr>
-          <p:cNvPr id="4" name="Picture 3" descr="Screenshot_2013-05-24-23-20-02.png"/>
-          <p:cNvPicPr>
-            <a:picLocks noChangeAspect="1"/>
-          </p:cNvPicPr>
-          <p:nvPr/>
-        </p:nvPicPr>
-        <p:blipFill rotWithShape="1">
-          <a:blip r:embed="rId4">
-            <a:extLst>
-              <a:ext uri="{28A0092B-C50C-407E-A947-70E740481C1C}">
-                <a14:useLocalDpi xmlns:a14="http://schemas.microsoft.com/office/drawing/2010/main" val="0"/>
-              </a:ext>
-            </a:extLst>
-          </a:blip>
-          <a:srcRect t="3661"/>
-          <a:stretch/>
-        </p:blipFill>
-        <p:spPr>
-          <a:xfrm>
-            <a:off x="5071680" y="443047"/>
-            <a:ext cx="3391994" cy="5809455"/>
-          </a:xfrm>
-          <a:prstGeom prst="rect">
-            <a:avLst/>
-          </a:prstGeom>
-        </p:spPr>
-      </p:pic>
     </p:spTree>
     <p:extLst>
       <p:ext uri="{BB962C8B-B14F-4D97-AF65-F5344CB8AC3E}">
@@ -6003,13 +5999,13 @@
       </p:grpSpPr>
       <p:pic>
         <p:nvPicPr>
-          <p:cNvPr id="9" name="Picture 8" descr="Screenshot_2013-05-24-23-17-44.png"/>
+          <p:cNvPr id="7" name="Picture 6" descr="Screen Shot 2013-05-27 at 7.54.33 PM.png"/>
           <p:cNvPicPr>
             <a:picLocks noChangeAspect="1"/>
           </p:cNvPicPr>
           <p:nvPr/>
         </p:nvPicPr>
-        <p:blipFill rotWithShape="1">
+        <p:blipFill>
           <a:blip r:embed="rId3">
             <a:extLst>
               <a:ext uri="{28A0092B-C50C-407E-A947-70E740481C1C}">
@@ -6017,42 +6013,14 @@
               </a:ext>
             </a:extLst>
           </a:blip>
-          <a:srcRect t="4307"/>
-          <a:stretch/>
+          <a:stretch>
+            <a:fillRect/>
+          </a:stretch>
         </p:blipFill>
         <p:spPr>
           <a:xfrm>
-            <a:off x="126760" y="930403"/>
-            <a:ext cx="2564562" cy="4362862"/>
-          </a:xfrm>
-          <a:prstGeom prst="rect">
-            <a:avLst/>
-          </a:prstGeom>
-        </p:spPr>
-      </p:pic>
-      <p:pic>
-        <p:nvPicPr>
-          <p:cNvPr id="4" name="Picture 3" descr="Screenshot_2013-05-24-23-21-07.png"/>
-          <p:cNvPicPr>
-            <a:picLocks noChangeAspect="1"/>
-          </p:cNvPicPr>
-          <p:nvPr/>
-        </p:nvPicPr>
-        <p:blipFill rotWithShape="1">
-          <a:blip r:embed="rId4">
-            <a:extLst>
-              <a:ext uri="{28A0092B-C50C-407E-A947-70E740481C1C}">
-                <a14:useLocalDpi xmlns:a14="http://schemas.microsoft.com/office/drawing/2010/main" val="0"/>
-              </a:ext>
-            </a:extLst>
-          </a:blip>
-          <a:srcRect t="4091"/>
-          <a:stretch/>
-        </p:blipFill>
-        <p:spPr>
-          <a:xfrm>
-            <a:off x="3305984" y="930404"/>
-            <a:ext cx="2558804" cy="4362862"/>
+            <a:off x="0" y="941248"/>
+            <a:ext cx="3202407" cy="4153070"/>
           </a:xfrm>
           <a:prstGeom prst="rect">
             <a:avLst/>
@@ -6068,7 +6036,7 @@
           <p:nvPr/>
         </p:nvPicPr>
         <p:blipFill rotWithShape="1">
-          <a:blip r:embed="rId5">
+          <a:blip r:embed="rId4">
             <a:extLst>
               <a:ext uri="{28A0092B-C50C-407E-A947-70E740481C1C}">
                 <a14:useLocalDpi xmlns:a14="http://schemas.microsoft.com/office/drawing/2010/main" val="0"/>
@@ -6164,6 +6132,30 @@
           </a:p>
         </p:txBody>
       </p:sp>
+      <p:pic>
+        <p:nvPicPr>
+          <p:cNvPr id="2" name="Picture 1"/>
+          <p:cNvPicPr>
+            <a:picLocks noChangeAspect="1"/>
+          </p:cNvPicPr>
+          <p:nvPr/>
+        </p:nvPicPr>
+        <p:blipFill>
+          <a:blip r:embed="rId5"/>
+          <a:stretch>
+            <a:fillRect/>
+          </a:stretch>
+        </p:blipFill>
+        <p:spPr>
+          <a:xfrm>
+            <a:off x="3066777" y="957513"/>
+            <a:ext cx="3273807" cy="4136806"/>
+          </a:xfrm>
+          <a:prstGeom prst="rect">
+            <a:avLst/>
+          </a:prstGeom>
+        </p:spPr>
+      </p:pic>
     </p:spTree>
     <p:extLst>
       <p:ext uri="{BB962C8B-B14F-4D97-AF65-F5344CB8AC3E}">
@@ -9536,13 +9528,13 @@
       </p:grpSpPr>
       <p:pic>
         <p:nvPicPr>
-          <p:cNvPr id="2" name="Picture 1" descr="Screenshot_2013-05-24-23-17-44.png"/>
+          <p:cNvPr id="3" name="Picture 2" descr="Screen Shot 2013-05-27 at 7.54.33 PM.png"/>
           <p:cNvPicPr>
             <a:picLocks noChangeAspect="1"/>
           </p:cNvPicPr>
           <p:nvPr/>
         </p:nvPicPr>
-        <p:blipFill rotWithShape="1">
+        <p:blipFill>
           <a:blip r:embed="rId4">
             <a:extLst>
               <a:ext uri="{28A0092B-C50C-407E-A947-70E740481C1C}">
@@ -9550,13 +9542,14 @@
               </a:ext>
             </a:extLst>
           </a:blip>
-          <a:srcRect t="4307"/>
-          <a:stretch/>
+          <a:stretch>
+            <a:fillRect/>
+          </a:stretch>
         </p:blipFill>
         <p:spPr>
           <a:xfrm>
-            <a:off x="2961881" y="516889"/>
-            <a:ext cx="3343308" cy="5687673"/>
+            <a:off x="2073669" y="469396"/>
+            <a:ext cx="4276570" cy="5881244"/>
           </a:xfrm>
           <a:prstGeom prst="rect">
             <a:avLst/>
@@ -9611,13 +9604,13 @@
       </p:grpSpPr>
       <p:pic>
         <p:nvPicPr>
-          <p:cNvPr id="5" name="Picture 4" descr="Screenshot_2013-05-24-23-17-44.png"/>
+          <p:cNvPr id="6" name="Picture 5" descr="Screen Shot 2013-05-27 at 7.54.33 PM.png"/>
           <p:cNvPicPr>
             <a:picLocks noChangeAspect="1"/>
           </p:cNvPicPr>
           <p:nvPr/>
         </p:nvPicPr>
-        <p:blipFill rotWithShape="1">
+        <p:blipFill>
           <a:blip r:embed="rId4">
             <a:extLst>
               <a:ext uri="{28A0092B-C50C-407E-A947-70E740481C1C}">
@@ -9625,13 +9618,14 @@
               </a:ext>
             </a:extLst>
           </a:blip>
-          <a:srcRect t="4307"/>
-          <a:stretch/>
+          <a:stretch>
+            <a:fillRect/>
+          </a:stretch>
         </p:blipFill>
         <p:spPr>
           <a:xfrm>
-            <a:off x="274423" y="506450"/>
-            <a:ext cx="3343308" cy="5687673"/>
+            <a:off x="0" y="409811"/>
+            <a:ext cx="4276570" cy="5881244"/>
           </a:xfrm>
           <a:prstGeom prst="rect">
             <a:avLst/>
@@ -9675,7 +9669,7 @@
         </p:nvSpPr>
         <p:spPr>
           <a:xfrm flipV="1">
-            <a:off x="1712339" y="2364952"/>
+            <a:off x="1462579" y="2289094"/>
             <a:ext cx="4135640" cy="417578"/>
           </a:xfrm>
           <a:prstGeom prst="rightArrow">
@@ -9747,13 +9741,13 @@
       </p:grpSpPr>
       <p:pic>
         <p:nvPicPr>
-          <p:cNvPr id="5" name="Picture 4" descr="Screenshot_2013-05-24-23-17-44.png"/>
+          <p:cNvPr id="7" name="Picture 6" descr="Screen Shot 2013-05-27 at 7.54.33 PM.png"/>
           <p:cNvPicPr>
             <a:picLocks noChangeAspect="1"/>
           </p:cNvPicPr>
           <p:nvPr/>
         </p:nvPicPr>
-        <p:blipFill rotWithShape="1">
+        <p:blipFill>
           <a:blip r:embed="rId3">
             <a:extLst>
               <a:ext uri="{28A0092B-C50C-407E-A947-70E740481C1C}">
@@ -9761,13 +9755,14 @@
               </a:ext>
             </a:extLst>
           </a:blip>
-          <a:srcRect t="4307"/>
-          <a:stretch/>
+          <a:stretch>
+            <a:fillRect/>
+          </a:stretch>
         </p:blipFill>
         <p:spPr>
           <a:xfrm>
-            <a:off x="126760" y="797491"/>
-            <a:ext cx="2564562" cy="4362862"/>
+            <a:off x="0" y="797491"/>
+            <a:ext cx="2953793" cy="4062129"/>
           </a:xfrm>
           <a:prstGeom prst="rect">
             <a:avLst/>
@@ -10194,13 +10189,13 @@
       </p:grpSpPr>
       <p:pic>
         <p:nvPicPr>
-          <p:cNvPr id="2" name="Picture 1" descr="Screenshot_2013-05-24-23-18-56.png"/>
+          <p:cNvPr id="7" name="Picture 6" descr="Screen Shot 2013-05-27 at 7.54.33 PM.png"/>
           <p:cNvPicPr>
             <a:picLocks noChangeAspect="1"/>
           </p:cNvPicPr>
           <p:nvPr/>
         </p:nvPicPr>
-        <p:blipFill rotWithShape="1">
+        <p:blipFill>
           <a:blip r:embed="rId4">
             <a:extLst>
               <a:ext uri="{28A0092B-C50C-407E-A947-70E740481C1C}">
@@ -10208,13 +10203,14 @@
               </a:ext>
             </a:extLst>
           </a:blip>
-          <a:srcRect t="4091"/>
-          <a:stretch/>
+          <a:stretch>
+            <a:fillRect/>
+          </a:stretch>
         </p:blipFill>
         <p:spPr>
           <a:xfrm>
-            <a:off x="3176020" y="932432"/>
-            <a:ext cx="2619027" cy="4465545"/>
+            <a:off x="29157" y="932432"/>
+            <a:ext cx="2941984" cy="4465240"/>
           </a:xfrm>
           <a:prstGeom prst="rect">
             <a:avLst/>
@@ -10223,7 +10219,7 @@
       </p:pic>
       <p:pic>
         <p:nvPicPr>
-          <p:cNvPr id="9" name="Picture 8" descr="Screenshot_2013-05-24-23-17-44.png"/>
+          <p:cNvPr id="2" name="Picture 1" descr="Screenshot_2013-05-24-23-18-56.png"/>
           <p:cNvPicPr>
             <a:picLocks noChangeAspect="1"/>
           </p:cNvPicPr>
@@ -10237,13 +10233,13 @@
               </a:ext>
             </a:extLst>
           </a:blip>
-          <a:srcRect t="4307"/>
+          <a:srcRect t="4091"/>
           <a:stretch/>
         </p:blipFill>
         <p:spPr>
           <a:xfrm>
-            <a:off x="126760" y="930403"/>
-            <a:ext cx="2564562" cy="4362862"/>
+            <a:off x="3176020" y="932432"/>
+            <a:ext cx="2619027" cy="4465545"/>
           </a:xfrm>
           <a:prstGeom prst="rect">
             <a:avLst/>
@@ -10258,8 +10254,8 @@
         </p:nvSpPr>
         <p:spPr>
           <a:xfrm flipV="1">
-            <a:off x="1298882" y="2896612"/>
-            <a:ext cx="2156418" cy="633002"/>
+            <a:off x="1302416" y="3752568"/>
+            <a:ext cx="2411093" cy="500854"/>
           </a:xfrm>
           <a:prstGeom prst="rightArrow">
             <a:avLst/>

--- a/presentation/Final Presentation.pptx
+++ b/presentation/Final Presentation.pptx
@@ -6019,8 +6019,8 @@
         </p:blipFill>
         <p:spPr>
           <a:xfrm>
-            <a:off x="0" y="941248"/>
-            <a:ext cx="3202407" cy="4153070"/>
+            <a:off x="1" y="941249"/>
+            <a:ext cx="3036896" cy="3938426"/>
           </a:xfrm>
           <a:prstGeom prst="rect">
             <a:avLst/>
@@ -6048,24 +6048,48 @@
         </p:blipFill>
         <p:spPr>
           <a:xfrm>
-            <a:off x="6295156" y="941247"/>
-            <a:ext cx="2572652" cy="4396322"/>
+            <a:off x="6349806" y="941247"/>
+            <a:ext cx="2518002" cy="4302933"/>
           </a:xfrm>
           <a:prstGeom prst="rect">
             <a:avLst/>
           </a:prstGeom>
         </p:spPr>
       </p:pic>
-      <p:sp>
-        <p:nvSpPr>
-          <p:cNvPr id="11" name="Right Arrow 10"/>
+      <p:pic>
+        <p:nvPicPr>
+          <p:cNvPr id="2" name="Picture 1"/>
+          <p:cNvPicPr>
+            <a:picLocks noChangeAspect="1"/>
+          </p:cNvPicPr>
+          <p:nvPr/>
+        </p:nvPicPr>
+        <p:blipFill>
+          <a:blip r:embed="rId5"/>
+          <a:stretch>
+            <a:fillRect/>
+          </a:stretch>
+        </p:blipFill>
+        <p:spPr>
+          <a:xfrm>
+            <a:off x="3178342" y="941247"/>
+            <a:ext cx="3116814" cy="3938428"/>
+          </a:xfrm>
+          <a:prstGeom prst="rect">
+            <a:avLst/>
+          </a:prstGeom>
+        </p:spPr>
+      </p:pic>
+      <p:sp>
+        <p:nvSpPr>
+          <p:cNvPr id="10" name="Right Arrow 9"/>
           <p:cNvSpPr/>
           <p:nvPr/>
         </p:nvSpPr>
         <p:spPr>
           <a:xfrm flipV="1">
-            <a:off x="4459407" y="4048532"/>
-            <a:ext cx="1963912" cy="633002"/>
+            <a:off x="2495496" y="2322680"/>
+            <a:ext cx="682846" cy="633002"/>
           </a:xfrm>
           <a:prstGeom prst="rightArrow">
             <a:avLst/>
@@ -6096,14 +6120,14 @@
       </p:sp>
       <p:sp>
         <p:nvSpPr>
-          <p:cNvPr id="10" name="Right Arrow 9"/>
+          <p:cNvPr id="11" name="Right Arrow 10"/>
           <p:cNvSpPr/>
           <p:nvPr/>
         </p:nvSpPr>
         <p:spPr>
           <a:xfrm flipV="1">
-            <a:off x="2495496" y="2322680"/>
-            <a:ext cx="1018872" cy="633002"/>
+            <a:off x="5223734" y="3415530"/>
+            <a:ext cx="1126072" cy="633002"/>
           </a:xfrm>
           <a:prstGeom prst="rightArrow">
             <a:avLst/>
@@ -6132,30 +6156,6 @@
           </a:p>
         </p:txBody>
       </p:sp>
-      <p:pic>
-        <p:nvPicPr>
-          <p:cNvPr id="2" name="Picture 1"/>
-          <p:cNvPicPr>
-            <a:picLocks noChangeAspect="1"/>
-          </p:cNvPicPr>
-          <p:nvPr/>
-        </p:nvPicPr>
-        <p:blipFill>
-          <a:blip r:embed="rId5"/>
-          <a:stretch>
-            <a:fillRect/>
-          </a:stretch>
-        </p:blipFill>
-        <p:spPr>
-          <a:xfrm>
-            <a:off x="3066777" y="957513"/>
-            <a:ext cx="3273807" cy="4136806"/>
-          </a:xfrm>
-          <a:prstGeom prst="rect">
-            <a:avLst/>
-          </a:prstGeom>
-        </p:spPr>
-      </p:pic>
     </p:spTree>
     <p:extLst>
       <p:ext uri="{BB962C8B-B14F-4D97-AF65-F5344CB8AC3E}">
@@ -6227,7 +6227,7 @@
       </p:pic>
       <p:pic>
         <p:nvPicPr>
-          <p:cNvPr id="2" name="Picture 1" descr="Screenshot_2013-05-24-23-21-30.png"/>
+          <p:cNvPr id="3" name="Picture 2" descr="Screenshot_2013-05-24-23-21-50.png"/>
           <p:cNvPicPr>
             <a:picLocks noChangeAspect="1"/>
           </p:cNvPicPr>
@@ -6241,35 +6241,6 @@
               </a:ext>
             </a:extLst>
           </a:blip>
-          <a:srcRect t="3445"/>
-          <a:stretch/>
-        </p:blipFill>
-        <p:spPr>
-          <a:xfrm>
-            <a:off x="3095868" y="977436"/>
-            <a:ext cx="2549883" cy="4376936"/>
-          </a:xfrm>
-          <a:prstGeom prst="rect">
-            <a:avLst/>
-          </a:prstGeom>
-        </p:spPr>
-      </p:pic>
-      <p:pic>
-        <p:nvPicPr>
-          <p:cNvPr id="3" name="Picture 2" descr="Screenshot_2013-05-24-23-21-50.png"/>
-          <p:cNvPicPr>
-            <a:picLocks noChangeAspect="1"/>
-          </p:cNvPicPr>
-          <p:nvPr/>
-        </p:nvPicPr>
-        <p:blipFill rotWithShape="1">
-          <a:blip r:embed="rId5">
-            <a:extLst>
-              <a:ext uri="{28A0092B-C50C-407E-A947-70E740481C1C}">
-                <a14:useLocalDpi xmlns:a14="http://schemas.microsoft.com/office/drawing/2010/main" val="0"/>
-              </a:ext>
-            </a:extLst>
-          </a:blip>
           <a:srcRect t="3876"/>
           <a:stretch/>
         </p:blipFill>
@@ -6285,14 +6256,14 @@
       </p:pic>
       <p:sp>
         <p:nvSpPr>
-          <p:cNvPr id="10" name="Right Arrow 9"/>
+          <p:cNvPr id="11" name="Right Arrow 10"/>
           <p:cNvSpPr/>
           <p:nvPr/>
         </p:nvSpPr>
         <p:spPr>
           <a:xfrm flipV="1">
-            <a:off x="1048405" y="2381752"/>
-            <a:ext cx="2155877" cy="633002"/>
+            <a:off x="4997205" y="2512637"/>
+            <a:ext cx="1411347" cy="633002"/>
           </a:xfrm>
           <a:prstGeom prst="rightArrow">
             <a:avLst/>
@@ -6321,16 +6292,46 @@
           </a:p>
         </p:txBody>
       </p:sp>
-      <p:sp>
-        <p:nvSpPr>
-          <p:cNvPr id="11" name="Right Arrow 10"/>
+      <p:pic>
+        <p:nvPicPr>
+          <p:cNvPr id="4" name="Picture 3" descr="Screen Shot 2013-05-29 at 1.08.10 PM.png"/>
+          <p:cNvPicPr>
+            <a:picLocks noChangeAspect="1"/>
+          </p:cNvPicPr>
+          <p:nvPr/>
+        </p:nvPicPr>
+        <p:blipFill>
+          <a:blip r:embed="rId5">
+            <a:extLst>
+              <a:ext uri="{28A0092B-C50C-407E-A947-70E740481C1C}">
+                <a14:useLocalDpi xmlns:a14="http://schemas.microsoft.com/office/drawing/2010/main" val="0"/>
+              </a:ext>
+            </a:extLst>
+          </a:blip>
+          <a:stretch>
+            <a:fillRect/>
+          </a:stretch>
+        </p:blipFill>
+        <p:spPr>
+          <a:xfrm>
+            <a:off x="3095868" y="977436"/>
+            <a:ext cx="2516334" cy="3566408"/>
+          </a:xfrm>
+          <a:prstGeom prst="rect">
+            <a:avLst/>
+          </a:prstGeom>
+        </p:spPr>
+      </p:pic>
+      <p:sp>
+        <p:nvSpPr>
+          <p:cNvPr id="10" name="Right Arrow 9"/>
           <p:cNvSpPr/>
           <p:nvPr/>
         </p:nvSpPr>
         <p:spPr>
           <a:xfrm flipV="1">
-            <a:off x="4997205" y="2512637"/>
-            <a:ext cx="1411347" cy="633002"/>
+            <a:off x="1191671" y="2381752"/>
+            <a:ext cx="2155877" cy="633002"/>
           </a:xfrm>
           <a:prstGeom prst="rightArrow">
             <a:avLst/>
@@ -6399,53 +6400,15 @@
           <a:chExt cx="0" cy="0"/>
         </a:xfrm>
       </p:grpSpPr>
-      <p:sp>
-        <p:nvSpPr>
-          <p:cNvPr id="10" name="Right Arrow 9"/>
-          <p:cNvSpPr/>
-          <p:nvPr/>
-        </p:nvSpPr>
-        <p:spPr>
-          <a:xfrm flipV="1">
-            <a:off x="3765394" y="3145639"/>
-            <a:ext cx="1632767" cy="886090"/>
-          </a:xfrm>
-          <a:prstGeom prst="rightArrow">
-            <a:avLst/>
-          </a:prstGeom>
-        </p:spPr>
-        <p:style>
-          <a:lnRef idx="1">
-            <a:schemeClr val="accent1"/>
-          </a:lnRef>
-          <a:fillRef idx="3">
-            <a:schemeClr val="accent1"/>
-          </a:fillRef>
-          <a:effectRef idx="2">
-            <a:schemeClr val="accent1"/>
-          </a:effectRef>
-          <a:fontRef idx="minor">
-            <a:schemeClr val="lt1"/>
-          </a:fontRef>
-        </p:style>
-        <p:txBody>
-          <a:bodyPr rtlCol="0" anchor="ctr"/>
-          <a:lstStyle/>
-          <a:p>
-            <a:pPr algn="ctr"/>
-            <a:endParaRPr lang="en-US"/>
-          </a:p>
-        </p:txBody>
-      </p:sp>
       <p:pic>
         <p:nvPicPr>
-          <p:cNvPr id="4" name="Picture 3" descr="Screenshot_2013-05-24-23-21-54.png"/>
+          <p:cNvPr id="2" name="Picture 1" descr="Screen Shot 2013-05-29 at 1.11.10 PM.png"/>
           <p:cNvPicPr>
             <a:picLocks noChangeAspect="1"/>
           </p:cNvPicPr>
           <p:nvPr/>
         </p:nvPicPr>
-        <p:blipFill rotWithShape="1">
+        <p:blipFill>
           <a:blip r:embed="rId3">
             <a:extLst>
               <a:ext uri="{28A0092B-C50C-407E-A947-70E740481C1C}">
@@ -6453,13 +6416,14 @@
               </a:ext>
             </a:extLst>
           </a:blip>
-          <a:srcRect t="3661"/>
-          <a:stretch/>
+          <a:stretch>
+            <a:fillRect/>
+          </a:stretch>
         </p:blipFill>
         <p:spPr>
           <a:xfrm>
-            <a:off x="531588" y="531657"/>
-            <a:ext cx="2930563" cy="5390406"/>
+            <a:off x="4976437" y="188132"/>
+            <a:ext cx="3651100" cy="5823274"/>
           </a:xfrm>
           <a:prstGeom prst="rect">
             <a:avLst/>
@@ -6468,13 +6432,13 @@
       </p:pic>
       <p:pic>
         <p:nvPicPr>
-          <p:cNvPr id="6" name="Picture 5" descr="Screenshot_2013-05-24-23-21-58.png"/>
+          <p:cNvPr id="3" name="Picture 2" descr="Screen Shot 2013-05-29 at 1.12.02 PM.png"/>
           <p:cNvPicPr>
             <a:picLocks noChangeAspect="1"/>
           </p:cNvPicPr>
           <p:nvPr/>
         </p:nvPicPr>
-        <p:blipFill rotWithShape="1">
+        <p:blipFill>
           <a:blip r:embed="rId4">
             <a:extLst>
               <a:ext uri="{28A0092B-C50C-407E-A947-70E740481C1C}">
@@ -6482,13 +6446,14 @@
               </a:ext>
             </a:extLst>
           </a:blip>
-          <a:srcRect t="3661"/>
-          <a:stretch/>
+          <a:stretch>
+            <a:fillRect/>
+          </a:stretch>
         </p:blipFill>
         <p:spPr>
           <a:xfrm>
-            <a:off x="5384691" y="531657"/>
-            <a:ext cx="3147321" cy="5390406"/>
+            <a:off x="392355" y="188131"/>
+            <a:ext cx="3723253" cy="5994909"/>
           </a:xfrm>
           <a:prstGeom prst="rect">
             <a:avLst/>
@@ -6497,66 +6462,18 @@
       </p:pic>
       <p:sp>
         <p:nvSpPr>
-          <p:cNvPr id="9" name="Process 8"/>
+          <p:cNvPr id="11" name="Right Arrow 10"/>
           <p:cNvSpPr/>
           <p:nvPr/>
         </p:nvSpPr>
         <p:spPr>
-          <a:xfrm>
-            <a:off x="3428627" y="754055"/>
-            <a:ext cx="216987" cy="4398359"/>
-          </a:xfrm>
-          <a:prstGeom prst="flowChartProcess">
-            <a:avLst/>
-          </a:prstGeom>
-          <a:solidFill>
-            <a:schemeClr val="tx2">
-              <a:lumMod val="90000"/>
-            </a:schemeClr>
-          </a:solidFill>
-          <a:ln/>
-        </p:spPr>
-        <p:style>
-          <a:lnRef idx="1">
-            <a:schemeClr val="accent1"/>
-          </a:lnRef>
-          <a:fillRef idx="3">
-            <a:schemeClr val="accent1"/>
-          </a:fillRef>
-          <a:effectRef idx="2">
-            <a:schemeClr val="accent1"/>
-          </a:effectRef>
-          <a:fontRef idx="minor">
-            <a:schemeClr val="lt1"/>
-          </a:fontRef>
-        </p:style>
-        <p:txBody>
-          <a:bodyPr/>
-          <a:lstStyle/>
-          <a:p>
-            <a:endParaRPr lang="en-US"/>
-          </a:p>
-        </p:txBody>
-      </p:sp>
-      <p:sp>
-        <p:nvSpPr>
-          <p:cNvPr id="12" name="Right Arrow 11"/>
-          <p:cNvSpPr/>
-          <p:nvPr/>
-        </p:nvSpPr>
-        <p:spPr>
-          <a:xfrm rot="5400000" flipV="1">
-            <a:off x="2445968" y="2473104"/>
-            <a:ext cx="2183081" cy="186677"/>
+          <a:xfrm flipV="1">
+            <a:off x="4047166" y="1161279"/>
+            <a:ext cx="929271" cy="558822"/>
           </a:xfrm>
           <a:prstGeom prst="rightArrow">
             <a:avLst/>
           </a:prstGeom>
-          <a:solidFill>
-            <a:schemeClr val="accent3">
-              <a:lumMod val="75000"/>
-            </a:schemeClr>
-          </a:solidFill>
         </p:spPr>
         <p:style>
           <a:lnRef idx="1">
